--- a/DSE_challenge_slides.pptx
+++ b/DSE_challenge_slides.pptx
@@ -5,18 +5,24 @@
     <p:sldMasterId id="2147483648" r:id="rId1"/>
   </p:sldMasterIdLst>
   <p:notesMasterIdLst>
-    <p:notesMasterId r:id="rId11"/>
+    <p:notesMasterId r:id="rId17"/>
   </p:notesMasterIdLst>
   <p:sldIdLst>
     <p:sldId id="257" r:id="rId2"/>
     <p:sldId id="310" r:id="rId3"/>
     <p:sldId id="434" r:id="rId4"/>
-    <p:sldId id="435" r:id="rId5"/>
-    <p:sldId id="438" r:id="rId6"/>
-    <p:sldId id="436" r:id="rId7"/>
-    <p:sldId id="437" r:id="rId8"/>
-    <p:sldId id="439" r:id="rId9"/>
-    <p:sldId id="440" r:id="rId10"/>
+    <p:sldId id="441" r:id="rId5"/>
+    <p:sldId id="445" r:id="rId6"/>
+    <p:sldId id="435" r:id="rId7"/>
+    <p:sldId id="446" r:id="rId8"/>
+    <p:sldId id="438" r:id="rId9"/>
+    <p:sldId id="436" r:id="rId10"/>
+    <p:sldId id="437" r:id="rId11"/>
+    <p:sldId id="442" r:id="rId12"/>
+    <p:sldId id="444" r:id="rId13"/>
+    <p:sldId id="443" r:id="rId14"/>
+    <p:sldId id="439" r:id="rId15"/>
+    <p:sldId id="440" r:id="rId16"/>
   </p:sldIdLst>
   <p:sldSz cx="12192000" cy="6858000"/>
   <p:notesSz cx="6858000" cy="9144000"/>
@@ -217,7 +223,7 @@
           <a:p>
             <a:fld id="{A84C03E3-B0BF-5C40-B9EC-4B39A4AA5E1B}" type="datetimeFigureOut">
               <a:rPr lang="en-US" smtClean="0"/>
-              <a:t>8/31/19</a:t>
+              <a:t>9/1/19</a:t>
             </a:fld>
             <a:endParaRPr lang="en-US"/>
           </a:p>
@@ -568,6 +574,500 @@
 </p:notes>
 </file>
 
+<file path=ppt/notesSlides/notesSlide10.xml><?xml version="1.0" encoding="utf-8"?>
+<p:notes xmlns:a="http://schemas.openxmlformats.org/drawingml/2006/main" xmlns:r="http://schemas.openxmlformats.org/officeDocument/2006/relationships" xmlns:p="http://schemas.openxmlformats.org/presentationml/2006/main">
+  <p:cSld>
+    <p:spTree>
+      <p:nvGrpSpPr>
+        <p:cNvPr id="1" name=""/>
+        <p:cNvGrpSpPr/>
+        <p:nvPr/>
+      </p:nvGrpSpPr>
+      <p:grpSpPr>
+        <a:xfrm>
+          <a:off x="0" y="0"/>
+          <a:ext cx="0" cy="0"/>
+          <a:chOff x="0" y="0"/>
+          <a:chExt cx="0" cy="0"/>
+        </a:xfrm>
+      </p:grpSpPr>
+      <p:sp>
+        <p:nvSpPr>
+          <p:cNvPr id="2" name="Slide Image Placeholder 1"/>
+          <p:cNvSpPr>
+            <a:spLocks noGrp="1" noRot="1" noChangeAspect="1"/>
+          </p:cNvSpPr>
+          <p:nvPr>
+            <p:ph type="sldImg"/>
+          </p:nvPr>
+        </p:nvSpPr>
+        <p:spPr/>
+      </p:sp>
+      <p:sp>
+        <p:nvSpPr>
+          <p:cNvPr id="3" name="Notes Placeholder 2"/>
+          <p:cNvSpPr>
+            <a:spLocks noGrp="1"/>
+          </p:cNvSpPr>
+          <p:nvPr>
+            <p:ph type="body" idx="1"/>
+          </p:nvPr>
+        </p:nvSpPr>
+        <p:spPr/>
+        <p:txBody>
+          <a:bodyPr/>
+          <a:lstStyle/>
+          <a:p>
+            <a:pPr marL="171450" indent="-171450">
+              <a:buFontTx/>
+              <a:buChar char="-"/>
+            </a:pPr>
+            <a:r>
+              <a:rPr lang="en-US" dirty="0">
+                <a:hlinkClick r:id="rId3"/>
+              </a:rPr>
+              <a:t>https://citrination.com/data_views</a:t>
+            </a:r>
+            <a:r>
+              <a:rPr lang="en-US">
+                <a:hlinkClick r:id="rId3"/>
+              </a:rPr>
+              <a:t>/11942/predict</a:t>
+            </a:r>
+            <a:endParaRPr lang="en-US" dirty="0"/>
+          </a:p>
+        </p:txBody>
+      </p:sp>
+      <p:sp>
+        <p:nvSpPr>
+          <p:cNvPr id="4" name="Slide Number Placeholder 3"/>
+          <p:cNvSpPr>
+            <a:spLocks noGrp="1"/>
+          </p:cNvSpPr>
+          <p:nvPr>
+            <p:ph type="sldNum" sz="quarter" idx="5"/>
+          </p:nvPr>
+        </p:nvSpPr>
+        <p:spPr/>
+        <p:txBody>
+          <a:bodyPr/>
+          <a:lstStyle/>
+          <a:p>
+            <a:fld id="{C19A1FAC-02BD-7148-9F07-7C5DC5561CDA}" type="slidenum">
+              <a:rPr lang="en-US" smtClean="0"/>
+              <a:t>11</a:t>
+            </a:fld>
+            <a:endParaRPr lang="en-US"/>
+          </a:p>
+        </p:txBody>
+      </p:sp>
+    </p:spTree>
+    <p:extLst>
+      <p:ext uri="{BB962C8B-B14F-4D97-AF65-F5344CB8AC3E}">
+        <p14:creationId xmlns:p14="http://schemas.microsoft.com/office/powerpoint/2010/main" val="2489745496"/>
+      </p:ext>
+    </p:extLst>
+  </p:cSld>
+  <p:clrMapOvr>
+    <a:masterClrMapping/>
+  </p:clrMapOvr>
+</p:notes>
+</file>
+
+<file path=ppt/notesSlides/notesSlide11.xml><?xml version="1.0" encoding="utf-8"?>
+<p:notes xmlns:a="http://schemas.openxmlformats.org/drawingml/2006/main" xmlns:r="http://schemas.openxmlformats.org/officeDocument/2006/relationships" xmlns:p="http://schemas.openxmlformats.org/presentationml/2006/main">
+  <p:cSld>
+    <p:spTree>
+      <p:nvGrpSpPr>
+        <p:cNvPr id="1" name=""/>
+        <p:cNvGrpSpPr/>
+        <p:nvPr/>
+      </p:nvGrpSpPr>
+      <p:grpSpPr>
+        <a:xfrm>
+          <a:off x="0" y="0"/>
+          <a:ext cx="0" cy="0"/>
+          <a:chOff x="0" y="0"/>
+          <a:chExt cx="0" cy="0"/>
+        </a:xfrm>
+      </p:grpSpPr>
+      <p:sp>
+        <p:nvSpPr>
+          <p:cNvPr id="2" name="Slide Image Placeholder 1"/>
+          <p:cNvSpPr>
+            <a:spLocks noGrp="1" noRot="1" noChangeAspect="1"/>
+          </p:cNvSpPr>
+          <p:nvPr>
+            <p:ph type="sldImg"/>
+          </p:nvPr>
+        </p:nvSpPr>
+        <p:spPr/>
+      </p:sp>
+      <p:sp>
+        <p:nvSpPr>
+          <p:cNvPr id="3" name="Notes Placeholder 2"/>
+          <p:cNvSpPr>
+            <a:spLocks noGrp="1"/>
+          </p:cNvSpPr>
+          <p:nvPr>
+            <p:ph type="body" idx="1"/>
+          </p:nvPr>
+        </p:nvSpPr>
+        <p:spPr/>
+        <p:txBody>
+          <a:bodyPr/>
+          <a:lstStyle/>
+          <a:p>
+            <a:pPr marL="171450" indent="-171450">
+              <a:buFontTx/>
+              <a:buChar char="-"/>
+            </a:pPr>
+            <a:r>
+              <a:rPr lang="en-US" dirty="0">
+                <a:hlinkClick r:id="rId3"/>
+              </a:rPr>
+              <a:t>https://citrination.com/data_views</a:t>
+            </a:r>
+            <a:r>
+              <a:rPr lang="en-US">
+                <a:hlinkClick r:id="rId3"/>
+              </a:rPr>
+              <a:t>/11942/predict</a:t>
+            </a:r>
+            <a:endParaRPr lang="en-US" dirty="0"/>
+          </a:p>
+        </p:txBody>
+      </p:sp>
+      <p:sp>
+        <p:nvSpPr>
+          <p:cNvPr id="4" name="Slide Number Placeholder 3"/>
+          <p:cNvSpPr>
+            <a:spLocks noGrp="1"/>
+          </p:cNvSpPr>
+          <p:nvPr>
+            <p:ph type="sldNum" sz="quarter" idx="5"/>
+          </p:nvPr>
+        </p:nvSpPr>
+        <p:spPr/>
+        <p:txBody>
+          <a:bodyPr/>
+          <a:lstStyle/>
+          <a:p>
+            <a:fld id="{C19A1FAC-02BD-7148-9F07-7C5DC5561CDA}" type="slidenum">
+              <a:rPr lang="en-US" smtClean="0"/>
+              <a:t>12</a:t>
+            </a:fld>
+            <a:endParaRPr lang="en-US"/>
+          </a:p>
+        </p:txBody>
+      </p:sp>
+    </p:spTree>
+    <p:extLst>
+      <p:ext uri="{BB962C8B-B14F-4D97-AF65-F5344CB8AC3E}">
+        <p14:creationId xmlns:p14="http://schemas.microsoft.com/office/powerpoint/2010/main" val="3913473975"/>
+      </p:ext>
+    </p:extLst>
+  </p:cSld>
+  <p:clrMapOvr>
+    <a:masterClrMapping/>
+  </p:clrMapOvr>
+</p:notes>
+</file>
+
+<file path=ppt/notesSlides/notesSlide12.xml><?xml version="1.0" encoding="utf-8"?>
+<p:notes xmlns:a="http://schemas.openxmlformats.org/drawingml/2006/main" xmlns:r="http://schemas.openxmlformats.org/officeDocument/2006/relationships" xmlns:p="http://schemas.openxmlformats.org/presentationml/2006/main">
+  <p:cSld>
+    <p:spTree>
+      <p:nvGrpSpPr>
+        <p:cNvPr id="1" name=""/>
+        <p:cNvGrpSpPr/>
+        <p:nvPr/>
+      </p:nvGrpSpPr>
+      <p:grpSpPr>
+        <a:xfrm>
+          <a:off x="0" y="0"/>
+          <a:ext cx="0" cy="0"/>
+          <a:chOff x="0" y="0"/>
+          <a:chExt cx="0" cy="0"/>
+        </a:xfrm>
+      </p:grpSpPr>
+      <p:sp>
+        <p:nvSpPr>
+          <p:cNvPr id="2" name="Slide Image Placeholder 1"/>
+          <p:cNvSpPr>
+            <a:spLocks noGrp="1" noRot="1" noChangeAspect="1"/>
+          </p:cNvSpPr>
+          <p:nvPr>
+            <p:ph type="sldImg"/>
+          </p:nvPr>
+        </p:nvSpPr>
+        <p:spPr/>
+      </p:sp>
+      <p:sp>
+        <p:nvSpPr>
+          <p:cNvPr id="3" name="Notes Placeholder 2"/>
+          <p:cNvSpPr>
+            <a:spLocks noGrp="1"/>
+          </p:cNvSpPr>
+          <p:nvPr>
+            <p:ph type="body" idx="1"/>
+          </p:nvPr>
+        </p:nvSpPr>
+        <p:spPr/>
+        <p:txBody>
+          <a:bodyPr/>
+          <a:lstStyle/>
+          <a:p>
+            <a:pPr marL="171450" indent="-171450">
+              <a:buFontTx/>
+              <a:buChar char="-"/>
+            </a:pPr>
+            <a:r>
+              <a:rPr lang="en-US" dirty="0">
+                <a:hlinkClick r:id="rId3"/>
+              </a:rPr>
+              <a:t>https://citrination.com/data_views</a:t>
+            </a:r>
+            <a:r>
+              <a:rPr lang="en-US">
+                <a:hlinkClick r:id="rId3"/>
+              </a:rPr>
+              <a:t>/11942/predict</a:t>
+            </a:r>
+            <a:endParaRPr lang="en-US" dirty="0"/>
+          </a:p>
+        </p:txBody>
+      </p:sp>
+      <p:sp>
+        <p:nvSpPr>
+          <p:cNvPr id="4" name="Slide Number Placeholder 3"/>
+          <p:cNvSpPr>
+            <a:spLocks noGrp="1"/>
+          </p:cNvSpPr>
+          <p:nvPr>
+            <p:ph type="sldNum" sz="quarter" idx="5"/>
+          </p:nvPr>
+        </p:nvSpPr>
+        <p:spPr/>
+        <p:txBody>
+          <a:bodyPr/>
+          <a:lstStyle/>
+          <a:p>
+            <a:fld id="{C19A1FAC-02BD-7148-9F07-7C5DC5561CDA}" type="slidenum">
+              <a:rPr lang="en-US" smtClean="0"/>
+              <a:t>13</a:t>
+            </a:fld>
+            <a:endParaRPr lang="en-US"/>
+          </a:p>
+        </p:txBody>
+      </p:sp>
+    </p:spTree>
+    <p:extLst>
+      <p:ext uri="{BB962C8B-B14F-4D97-AF65-F5344CB8AC3E}">
+        <p14:creationId xmlns:p14="http://schemas.microsoft.com/office/powerpoint/2010/main" val="3995637932"/>
+      </p:ext>
+    </p:extLst>
+  </p:cSld>
+  <p:clrMapOvr>
+    <a:masterClrMapping/>
+  </p:clrMapOvr>
+</p:notes>
+</file>
+
+<file path=ppt/notesSlides/notesSlide13.xml><?xml version="1.0" encoding="utf-8"?>
+<p:notes xmlns:a="http://schemas.openxmlformats.org/drawingml/2006/main" xmlns:r="http://schemas.openxmlformats.org/officeDocument/2006/relationships" xmlns:p="http://schemas.openxmlformats.org/presentationml/2006/main">
+  <p:cSld>
+    <p:spTree>
+      <p:nvGrpSpPr>
+        <p:cNvPr id="1" name=""/>
+        <p:cNvGrpSpPr/>
+        <p:nvPr/>
+      </p:nvGrpSpPr>
+      <p:grpSpPr>
+        <a:xfrm>
+          <a:off x="0" y="0"/>
+          <a:ext cx="0" cy="0"/>
+          <a:chOff x="0" y="0"/>
+          <a:chExt cx="0" cy="0"/>
+        </a:xfrm>
+      </p:grpSpPr>
+      <p:sp>
+        <p:nvSpPr>
+          <p:cNvPr id="2" name="Slide Image Placeholder 1"/>
+          <p:cNvSpPr>
+            <a:spLocks noGrp="1" noRot="1" noChangeAspect="1"/>
+          </p:cNvSpPr>
+          <p:nvPr>
+            <p:ph type="sldImg"/>
+          </p:nvPr>
+        </p:nvSpPr>
+        <p:spPr/>
+      </p:sp>
+      <p:sp>
+        <p:nvSpPr>
+          <p:cNvPr id="3" name="Notes Placeholder 2"/>
+          <p:cNvSpPr>
+            <a:spLocks noGrp="1"/>
+          </p:cNvSpPr>
+          <p:nvPr>
+            <p:ph type="body" idx="1"/>
+          </p:nvPr>
+        </p:nvSpPr>
+        <p:spPr/>
+        <p:txBody>
+          <a:bodyPr/>
+          <a:lstStyle/>
+          <a:p>
+            <a:pPr marL="171450" indent="-171450">
+              <a:buFontTx/>
+              <a:buChar char="-"/>
+            </a:pPr>
+            <a:r>
+              <a:rPr lang="en-US" dirty="0">
+                <a:hlinkClick r:id="rId3"/>
+              </a:rPr>
+              <a:t>https://citrination.com/data_views</a:t>
+            </a:r>
+            <a:r>
+              <a:rPr lang="en-US">
+                <a:hlinkClick r:id="rId3"/>
+              </a:rPr>
+              <a:t>/11942/predict</a:t>
+            </a:r>
+            <a:endParaRPr lang="en-US" dirty="0"/>
+          </a:p>
+        </p:txBody>
+      </p:sp>
+      <p:sp>
+        <p:nvSpPr>
+          <p:cNvPr id="4" name="Slide Number Placeholder 3"/>
+          <p:cNvSpPr>
+            <a:spLocks noGrp="1"/>
+          </p:cNvSpPr>
+          <p:nvPr>
+            <p:ph type="sldNum" sz="quarter" idx="5"/>
+          </p:nvPr>
+        </p:nvSpPr>
+        <p:spPr/>
+        <p:txBody>
+          <a:bodyPr/>
+          <a:lstStyle/>
+          <a:p>
+            <a:fld id="{C19A1FAC-02BD-7148-9F07-7C5DC5561CDA}" type="slidenum">
+              <a:rPr lang="en-US" smtClean="0"/>
+              <a:t>14</a:t>
+            </a:fld>
+            <a:endParaRPr lang="en-US"/>
+          </a:p>
+        </p:txBody>
+      </p:sp>
+    </p:spTree>
+    <p:extLst>
+      <p:ext uri="{BB962C8B-B14F-4D97-AF65-F5344CB8AC3E}">
+        <p14:creationId xmlns:p14="http://schemas.microsoft.com/office/powerpoint/2010/main" val="1284475178"/>
+      </p:ext>
+    </p:extLst>
+  </p:cSld>
+  <p:clrMapOvr>
+    <a:masterClrMapping/>
+  </p:clrMapOvr>
+</p:notes>
+</file>
+
+<file path=ppt/notesSlides/notesSlide14.xml><?xml version="1.0" encoding="utf-8"?>
+<p:notes xmlns:a="http://schemas.openxmlformats.org/drawingml/2006/main" xmlns:r="http://schemas.openxmlformats.org/officeDocument/2006/relationships" xmlns:p="http://schemas.openxmlformats.org/presentationml/2006/main">
+  <p:cSld>
+    <p:spTree>
+      <p:nvGrpSpPr>
+        <p:cNvPr id="1" name=""/>
+        <p:cNvGrpSpPr/>
+        <p:nvPr/>
+      </p:nvGrpSpPr>
+      <p:grpSpPr>
+        <a:xfrm>
+          <a:off x="0" y="0"/>
+          <a:ext cx="0" cy="0"/>
+          <a:chOff x="0" y="0"/>
+          <a:chExt cx="0" cy="0"/>
+        </a:xfrm>
+      </p:grpSpPr>
+      <p:sp>
+        <p:nvSpPr>
+          <p:cNvPr id="2" name="Slide Image Placeholder 1"/>
+          <p:cNvSpPr>
+            <a:spLocks noGrp="1" noRot="1" noChangeAspect="1"/>
+          </p:cNvSpPr>
+          <p:nvPr>
+            <p:ph type="sldImg"/>
+          </p:nvPr>
+        </p:nvSpPr>
+        <p:spPr/>
+      </p:sp>
+      <p:sp>
+        <p:nvSpPr>
+          <p:cNvPr id="3" name="Notes Placeholder 2"/>
+          <p:cNvSpPr>
+            <a:spLocks noGrp="1"/>
+          </p:cNvSpPr>
+          <p:nvPr>
+            <p:ph type="body" idx="1"/>
+          </p:nvPr>
+        </p:nvSpPr>
+        <p:spPr/>
+        <p:txBody>
+          <a:bodyPr/>
+          <a:lstStyle/>
+          <a:p>
+            <a:pPr marL="171450" indent="-171450">
+              <a:buFontTx/>
+              <a:buChar char="-"/>
+            </a:pPr>
+            <a:r>
+              <a:rPr lang="en-US" dirty="0">
+                <a:hlinkClick r:id="rId3"/>
+              </a:rPr>
+              <a:t>https://towardsdatascience.com/receiver-operating-characteristic-curves-demystified-in-python-bd531a4364d0</a:t>
+            </a:r>
+            <a:endParaRPr lang="en-US" dirty="0"/>
+          </a:p>
+        </p:txBody>
+      </p:sp>
+      <p:sp>
+        <p:nvSpPr>
+          <p:cNvPr id="4" name="Slide Number Placeholder 3"/>
+          <p:cNvSpPr>
+            <a:spLocks noGrp="1"/>
+          </p:cNvSpPr>
+          <p:nvPr>
+            <p:ph type="sldNum" sz="quarter" idx="5"/>
+          </p:nvPr>
+        </p:nvSpPr>
+        <p:spPr/>
+        <p:txBody>
+          <a:bodyPr/>
+          <a:lstStyle/>
+          <a:p>
+            <a:fld id="{C19A1FAC-02BD-7148-9F07-7C5DC5561CDA}" type="slidenum">
+              <a:rPr lang="en-US" smtClean="0"/>
+              <a:t>15</a:t>
+            </a:fld>
+            <a:endParaRPr lang="en-US"/>
+          </a:p>
+        </p:txBody>
+      </p:sp>
+    </p:spTree>
+    <p:extLst>
+      <p:ext uri="{BB962C8B-B14F-4D97-AF65-F5344CB8AC3E}">
+        <p14:creationId xmlns:p14="http://schemas.microsoft.com/office/powerpoint/2010/main" val="4135947100"/>
+      </p:ext>
+    </p:extLst>
+  </p:cSld>
+  <p:clrMapOvr>
+    <a:masterClrMapping/>
+  </p:clrMapOvr>
+</p:notes>
+</file>
+
 <file path=ppt/notesSlides/notesSlide2.xml><?xml version="1.0" encoding="utf-8"?>
 <p:notes xmlns:a="http://schemas.openxmlformats.org/drawingml/2006/main" xmlns:r="http://schemas.openxmlformats.org/officeDocument/2006/relationships" xmlns:p="http://schemas.openxmlformats.org/presentationml/2006/main">
   <p:cSld>
@@ -746,7 +1246,7 @@
     </p:spTree>
     <p:extLst>
       <p:ext uri="{BB962C8B-B14F-4D97-AF65-F5344CB8AC3E}">
-        <p14:creationId xmlns:p14="http://schemas.microsoft.com/office/powerpoint/2010/main" val="2118455121"/>
+        <p14:creationId xmlns:p14="http://schemas.microsoft.com/office/powerpoint/2010/main" val="4107731066"/>
       </p:ext>
     </p:extLst>
   </p:cSld>
@@ -800,17 +1300,12 @@
           <a:bodyPr/>
           <a:lstStyle/>
           <a:p>
-            <a:pPr marL="171450" indent="-171450">
-              <a:buFontTx/>
-              <a:buChar char="-"/>
-            </a:pPr>
-            <a:r>
-              <a:rPr lang="en-US" dirty="0">
-                <a:hlinkClick r:id="rId3"/>
+            <a:r>
+              <a:rPr lang="en-US" sz="1200" dirty="0">
+                <a:latin typeface="Lusitana" pitchFamily="2" charset="0"/>
               </a:rPr>
-              <a:t>https://citrination.com/datasets/181017/show_search?searchMatchOption=fuzzyMatch</a:t>
-            </a:r>
-            <a:endParaRPr lang="en-US" dirty="0"/>
+              <a:t> (i.e. do we believe our output of interest in controlled by more than 3 variables?)</a:t>
+            </a:r>
           </a:p>
         </p:txBody>
       </p:sp>
@@ -840,7 +1335,7 @@
     </p:spTree>
     <p:extLst>
       <p:ext uri="{BB962C8B-B14F-4D97-AF65-F5344CB8AC3E}">
-        <p14:creationId xmlns:p14="http://schemas.microsoft.com/office/powerpoint/2010/main" val="2957753033"/>
+        <p14:creationId xmlns:p14="http://schemas.microsoft.com/office/powerpoint/2010/main" val="3993907385"/>
       </p:ext>
     </p:extLst>
   </p:cSld>
@@ -934,7 +1429,7 @@
     </p:spTree>
     <p:extLst>
       <p:ext uri="{BB962C8B-B14F-4D97-AF65-F5344CB8AC3E}">
-        <p14:creationId xmlns:p14="http://schemas.microsoft.com/office/powerpoint/2010/main" val="4287871416"/>
+        <p14:creationId xmlns:p14="http://schemas.microsoft.com/office/powerpoint/2010/main" val="2118455121"/>
       </p:ext>
     </p:extLst>
   </p:cSld>
@@ -996,13 +1491,7 @@
               <a:rPr lang="en-US" dirty="0">
                 <a:hlinkClick r:id="rId3"/>
               </a:rPr>
-              <a:t>https://citrination.com/data_views</a:t>
-            </a:r>
-            <a:r>
-              <a:rPr lang="en-US">
-                <a:hlinkClick r:id="rId3"/>
-              </a:rPr>
-              <a:t>/11942/predict</a:t>
+              <a:t>https://citrination.com/datasets/181017/show_search?searchMatchOption=fuzzyMatch</a:t>
             </a:r>
             <a:endParaRPr lang="en-US" dirty="0"/>
           </a:p>
@@ -1034,7 +1523,7 @@
     </p:spTree>
     <p:extLst>
       <p:ext uri="{BB962C8B-B14F-4D97-AF65-F5344CB8AC3E}">
-        <p14:creationId xmlns:p14="http://schemas.microsoft.com/office/powerpoint/2010/main" val="2099003995"/>
+        <p14:creationId xmlns:p14="http://schemas.microsoft.com/office/powerpoint/2010/main" val="3713116667"/>
       </p:ext>
     </p:extLst>
   </p:cSld>
@@ -1096,13 +1585,7 @@
               <a:rPr lang="en-US" dirty="0">
                 <a:hlinkClick r:id="rId3"/>
               </a:rPr>
-              <a:t>https://citrination.com/data_views</a:t>
-            </a:r>
-            <a:r>
-              <a:rPr lang="en-US">
-                <a:hlinkClick r:id="rId3"/>
-              </a:rPr>
-              <a:t>/11942/predict</a:t>
+              <a:t>https://citrination.com/datasets/181017/show_search?searchMatchOption=fuzzyMatch</a:t>
             </a:r>
             <a:endParaRPr lang="en-US" dirty="0"/>
           </a:p>
@@ -1134,7 +1617,7 @@
     </p:spTree>
     <p:extLst>
       <p:ext uri="{BB962C8B-B14F-4D97-AF65-F5344CB8AC3E}">
-        <p14:creationId xmlns:p14="http://schemas.microsoft.com/office/powerpoint/2010/main" val="1284475178"/>
+        <p14:creationId xmlns:p14="http://schemas.microsoft.com/office/powerpoint/2010/main" val="2957753033"/>
       </p:ext>
     </p:extLst>
   </p:cSld>
@@ -1196,7 +1679,7 @@
               <a:rPr lang="en-US" dirty="0">
                 <a:hlinkClick r:id="rId3"/>
               </a:rPr>
-              <a:t>https://towardsdatascience.com/receiver-operating-characteristic-curves-demystified-in-python-bd531a4364d0</a:t>
+              <a:t>https://citrination.com/datasets/181017/show_search?searchMatchOption=fuzzyMatch</a:t>
             </a:r>
             <a:endParaRPr lang="en-US" dirty="0"/>
           </a:p>
@@ -1228,7 +1711,107 @@
     </p:spTree>
     <p:extLst>
       <p:ext uri="{BB962C8B-B14F-4D97-AF65-F5344CB8AC3E}">
-        <p14:creationId xmlns:p14="http://schemas.microsoft.com/office/powerpoint/2010/main" val="4135947100"/>
+        <p14:creationId xmlns:p14="http://schemas.microsoft.com/office/powerpoint/2010/main" val="4287871416"/>
+      </p:ext>
+    </p:extLst>
+  </p:cSld>
+  <p:clrMapOvr>
+    <a:masterClrMapping/>
+  </p:clrMapOvr>
+</p:notes>
+</file>
+
+<file path=ppt/notesSlides/notesSlide9.xml><?xml version="1.0" encoding="utf-8"?>
+<p:notes xmlns:a="http://schemas.openxmlformats.org/drawingml/2006/main" xmlns:r="http://schemas.openxmlformats.org/officeDocument/2006/relationships" xmlns:p="http://schemas.openxmlformats.org/presentationml/2006/main">
+  <p:cSld>
+    <p:spTree>
+      <p:nvGrpSpPr>
+        <p:cNvPr id="1" name=""/>
+        <p:cNvGrpSpPr/>
+        <p:nvPr/>
+      </p:nvGrpSpPr>
+      <p:grpSpPr>
+        <a:xfrm>
+          <a:off x="0" y="0"/>
+          <a:ext cx="0" cy="0"/>
+          <a:chOff x="0" y="0"/>
+          <a:chExt cx="0" cy="0"/>
+        </a:xfrm>
+      </p:grpSpPr>
+      <p:sp>
+        <p:nvSpPr>
+          <p:cNvPr id="2" name="Slide Image Placeholder 1"/>
+          <p:cNvSpPr>
+            <a:spLocks noGrp="1" noRot="1" noChangeAspect="1"/>
+          </p:cNvSpPr>
+          <p:nvPr>
+            <p:ph type="sldImg"/>
+          </p:nvPr>
+        </p:nvSpPr>
+        <p:spPr/>
+      </p:sp>
+      <p:sp>
+        <p:nvSpPr>
+          <p:cNvPr id="3" name="Notes Placeholder 2"/>
+          <p:cNvSpPr>
+            <a:spLocks noGrp="1"/>
+          </p:cNvSpPr>
+          <p:nvPr>
+            <p:ph type="body" idx="1"/>
+          </p:nvPr>
+        </p:nvSpPr>
+        <p:spPr/>
+        <p:txBody>
+          <a:bodyPr/>
+          <a:lstStyle/>
+          <a:p>
+            <a:pPr marL="171450" indent="-171450">
+              <a:buFontTx/>
+              <a:buChar char="-"/>
+            </a:pPr>
+            <a:r>
+              <a:rPr lang="en-US" dirty="0">
+                <a:hlinkClick r:id="rId3"/>
+              </a:rPr>
+              <a:t>https://citrination.com/data_views</a:t>
+            </a:r>
+            <a:r>
+              <a:rPr lang="en-US">
+                <a:hlinkClick r:id="rId3"/>
+              </a:rPr>
+              <a:t>/11942/predict</a:t>
+            </a:r>
+            <a:endParaRPr lang="en-US" dirty="0"/>
+          </a:p>
+        </p:txBody>
+      </p:sp>
+      <p:sp>
+        <p:nvSpPr>
+          <p:cNvPr id="4" name="Slide Number Placeholder 3"/>
+          <p:cNvSpPr>
+            <a:spLocks noGrp="1"/>
+          </p:cNvSpPr>
+          <p:nvPr>
+            <p:ph type="sldNum" sz="quarter" idx="5"/>
+          </p:nvPr>
+        </p:nvSpPr>
+        <p:spPr/>
+        <p:txBody>
+          <a:bodyPr/>
+          <a:lstStyle/>
+          <a:p>
+            <a:fld id="{C19A1FAC-02BD-7148-9F07-7C5DC5561CDA}" type="slidenum">
+              <a:rPr lang="en-US" smtClean="0"/>
+              <a:t>10</a:t>
+            </a:fld>
+            <a:endParaRPr lang="en-US"/>
+          </a:p>
+        </p:txBody>
+      </p:sp>
+    </p:spTree>
+    <p:extLst>
+      <p:ext uri="{BB962C8B-B14F-4D97-AF65-F5344CB8AC3E}">
+        <p14:creationId xmlns:p14="http://schemas.microsoft.com/office/powerpoint/2010/main" val="2099003995"/>
       </p:ext>
     </p:extLst>
   </p:cSld>
@@ -1385,7 +1968,7 @@
           <a:p>
             <a:fld id="{828A800D-FD12-1143-85AB-6998B637A4E2}" type="datetimeFigureOut">
               <a:rPr lang="en-US" smtClean="0"/>
-              <a:t>8/31/19</a:t>
+              <a:t>9/1/19</a:t>
             </a:fld>
             <a:endParaRPr lang="en-US"/>
           </a:p>
@@ -1583,7 +2166,7 @@
           <a:p>
             <a:fld id="{828A800D-FD12-1143-85AB-6998B637A4E2}" type="datetimeFigureOut">
               <a:rPr lang="en-US" smtClean="0"/>
-              <a:t>8/31/19</a:t>
+              <a:t>9/1/19</a:t>
             </a:fld>
             <a:endParaRPr lang="en-US"/>
           </a:p>
@@ -1791,7 +2374,7 @@
           <a:p>
             <a:fld id="{828A800D-FD12-1143-85AB-6998B637A4E2}" type="datetimeFigureOut">
               <a:rPr lang="en-US" smtClean="0"/>
-              <a:t>8/31/19</a:t>
+              <a:t>9/1/19</a:t>
             </a:fld>
             <a:endParaRPr lang="en-US"/>
           </a:p>
@@ -2758,7 +3341,7 @@
           <a:p>
             <a:fld id="{828A800D-FD12-1143-85AB-6998B637A4E2}" type="datetimeFigureOut">
               <a:rPr lang="en-US" smtClean="0"/>
-              <a:t>8/31/19</a:t>
+              <a:t>9/1/19</a:t>
             </a:fld>
             <a:endParaRPr lang="en-US"/>
           </a:p>
@@ -3033,7 +3616,7 @@
           <a:p>
             <a:fld id="{828A800D-FD12-1143-85AB-6998B637A4E2}" type="datetimeFigureOut">
               <a:rPr lang="en-US" smtClean="0"/>
-              <a:t>8/31/19</a:t>
+              <a:t>9/1/19</a:t>
             </a:fld>
             <a:endParaRPr lang="en-US"/>
           </a:p>
@@ -3298,7 +3881,7 @@
           <a:p>
             <a:fld id="{828A800D-FD12-1143-85AB-6998B637A4E2}" type="datetimeFigureOut">
               <a:rPr lang="en-US" smtClean="0"/>
-              <a:t>8/31/19</a:t>
+              <a:t>9/1/19</a:t>
             </a:fld>
             <a:endParaRPr lang="en-US"/>
           </a:p>
@@ -3710,7 +4293,7 @@
           <a:p>
             <a:fld id="{828A800D-FD12-1143-85AB-6998B637A4E2}" type="datetimeFigureOut">
               <a:rPr lang="en-US" smtClean="0"/>
-              <a:t>8/31/19</a:t>
+              <a:t>9/1/19</a:t>
             </a:fld>
             <a:endParaRPr lang="en-US"/>
           </a:p>
@@ -3851,7 +4434,7 @@
           <a:p>
             <a:fld id="{828A800D-FD12-1143-85AB-6998B637A4E2}" type="datetimeFigureOut">
               <a:rPr lang="en-US" smtClean="0"/>
-              <a:t>8/31/19</a:t>
+              <a:t>9/1/19</a:t>
             </a:fld>
             <a:endParaRPr lang="en-US"/>
           </a:p>
@@ -3964,7 +4547,7 @@
           <a:p>
             <a:fld id="{828A800D-FD12-1143-85AB-6998B637A4E2}" type="datetimeFigureOut">
               <a:rPr lang="en-US" smtClean="0"/>
-              <a:t>8/31/19</a:t>
+              <a:t>9/1/19</a:t>
             </a:fld>
             <a:endParaRPr lang="en-US"/>
           </a:p>
@@ -4275,7 +4858,7 @@
           <a:p>
             <a:fld id="{828A800D-FD12-1143-85AB-6998B637A4E2}" type="datetimeFigureOut">
               <a:rPr lang="en-US" smtClean="0"/>
-              <a:t>8/31/19</a:t>
+              <a:t>9/1/19</a:t>
             </a:fld>
             <a:endParaRPr lang="en-US"/>
           </a:p>
@@ -4563,7 +5146,7 @@
           <a:p>
             <a:fld id="{828A800D-FD12-1143-85AB-6998B637A4E2}" type="datetimeFigureOut">
               <a:rPr lang="en-US" smtClean="0"/>
-              <a:t>8/31/19</a:t>
+              <a:t>9/1/19</a:t>
             </a:fld>
             <a:endParaRPr lang="en-US"/>
           </a:p>
@@ -4804,7 +5387,7 @@
           <a:p>
             <a:fld id="{828A800D-FD12-1143-85AB-6998B637A4E2}" type="datetimeFigureOut">
               <a:rPr lang="en-US" smtClean="0"/>
-              <a:t>8/31/19</a:t>
+              <a:t>9/1/19</a:t>
             </a:fld>
             <a:endParaRPr lang="en-US"/>
           </a:p>
@@ -5274,1509 +5857,7 @@
 </p:sld>
 </file>
 
-<file path=ppt/slides/slide2.xml><?xml version="1.0" encoding="utf-8"?>
-<p:sld xmlns:a="http://schemas.openxmlformats.org/drawingml/2006/main" xmlns:r="http://schemas.openxmlformats.org/officeDocument/2006/relationships" xmlns:p="http://schemas.openxmlformats.org/presentationml/2006/main">
-  <p:cSld>
-    <p:spTree>
-      <p:nvGrpSpPr>
-        <p:cNvPr id="1" name=""/>
-        <p:cNvGrpSpPr/>
-        <p:nvPr/>
-      </p:nvGrpSpPr>
-      <p:grpSpPr>
-        <a:xfrm>
-          <a:off x="0" y="0"/>
-          <a:ext cx="0" cy="0"/>
-          <a:chOff x="0" y="0"/>
-          <a:chExt cx="0" cy="0"/>
-        </a:xfrm>
-      </p:grpSpPr>
-      <p:sp>
-        <p:nvSpPr>
-          <p:cNvPr id="2" name="Title 1"/>
-          <p:cNvSpPr>
-            <a:spLocks noGrp="1"/>
-          </p:cNvSpPr>
-          <p:nvPr>
-            <p:ph type="ctrTitle"/>
-          </p:nvPr>
-        </p:nvSpPr>
-        <p:spPr>
-          <a:xfrm>
-            <a:off x="609599" y="609600"/>
-            <a:ext cx="7038110" cy="2743200"/>
-          </a:xfrm>
-        </p:spPr>
-        <p:txBody>
-          <a:bodyPr/>
-          <a:lstStyle/>
-          <a:p>
-            <a:r>
-              <a:rPr lang="en-US" dirty="0"/>
-              <a:t>Predicting the formation of binary compounds using machine learning</a:t>
-            </a:r>
-          </a:p>
-        </p:txBody>
-      </p:sp>
-      <p:sp>
-        <p:nvSpPr>
-          <p:cNvPr id="3" name="Text Placeholder 2"/>
-          <p:cNvSpPr>
-            <a:spLocks noGrp="1"/>
-          </p:cNvSpPr>
-          <p:nvPr>
-            <p:ph type="body" sz="quarter" idx="10"/>
-          </p:nvPr>
-        </p:nvSpPr>
-        <p:spPr>
-          <a:xfrm>
-            <a:off x="8423022" y="5562600"/>
-            <a:ext cx="3437508" cy="441960"/>
-          </a:xfrm>
-        </p:spPr>
-        <p:txBody>
-          <a:bodyPr anchor="t">
-            <a:noAutofit/>
-          </a:bodyPr>
-          <a:lstStyle/>
-          <a:p>
-            <a:r>
-              <a:rPr lang="en-US" sz="1800" b="1" dirty="0"/>
-              <a:t>Chris Borg, </a:t>
-            </a:r>
-            <a:r>
-              <a:rPr lang="en-US" sz="1800" dirty="0"/>
-              <a:t>Research Scientist</a:t>
-            </a:r>
-          </a:p>
-        </p:txBody>
-      </p:sp>
-      <p:sp>
-        <p:nvSpPr>
-          <p:cNvPr id="4" name="Text Placeholder 3"/>
-          <p:cNvSpPr>
-            <a:spLocks noGrp="1"/>
-          </p:cNvSpPr>
-          <p:nvPr>
-            <p:ph type="body" sz="quarter" idx="11"/>
-          </p:nvPr>
-        </p:nvSpPr>
-        <p:spPr>
-          <a:xfrm>
-            <a:off x="609599" y="5562600"/>
-            <a:ext cx="3122142" cy="430213"/>
-          </a:xfrm>
-        </p:spPr>
-        <p:txBody>
-          <a:bodyPr>
-            <a:noAutofit/>
-          </a:bodyPr>
-          <a:lstStyle/>
-          <a:p>
-            <a:endParaRPr lang="en-US" sz="2000" dirty="0"/>
-          </a:p>
-          <a:p>
-            <a:r>
-              <a:rPr lang="en-US" sz="2000" dirty="0"/>
-              <a:t>5 September 2019</a:t>
-            </a:r>
-          </a:p>
-        </p:txBody>
-      </p:sp>
-    </p:spTree>
-    <p:extLst>
-      <p:ext uri="{BB962C8B-B14F-4D97-AF65-F5344CB8AC3E}">
-        <p14:creationId xmlns:p14="http://schemas.microsoft.com/office/powerpoint/2010/main" val="1868553046"/>
-      </p:ext>
-    </p:extLst>
-  </p:cSld>
-  <p:clrMapOvr>
-    <a:masterClrMapping/>
-  </p:clrMapOvr>
-</p:sld>
-</file>
-
-<file path=ppt/slides/slide3.xml><?xml version="1.0" encoding="utf-8"?>
-<p:sld xmlns:a="http://schemas.openxmlformats.org/drawingml/2006/main" xmlns:r="http://schemas.openxmlformats.org/officeDocument/2006/relationships" xmlns:p="http://schemas.openxmlformats.org/presentationml/2006/main">
-  <p:cSld>
-    <p:spTree>
-      <p:nvGrpSpPr>
-        <p:cNvPr id="1" name=""/>
-        <p:cNvGrpSpPr/>
-        <p:nvPr/>
-      </p:nvGrpSpPr>
-      <p:grpSpPr>
-        <a:xfrm>
-          <a:off x="0" y="0"/>
-          <a:ext cx="0" cy="0"/>
-          <a:chOff x="0" y="0"/>
-          <a:chExt cx="0" cy="0"/>
-        </a:xfrm>
-      </p:grpSpPr>
-      <p:sp>
-        <p:nvSpPr>
-          <p:cNvPr id="3" name="Title 2">
-            <a:extLst>
-              <a:ext uri="{FF2B5EF4-FFF2-40B4-BE49-F238E27FC236}">
-                <a16:creationId xmlns:a16="http://schemas.microsoft.com/office/drawing/2014/main" id="{89AAC0A9-8A9F-7749-A50C-CD947F888D4F}"/>
-              </a:ext>
-            </a:extLst>
-          </p:cNvPr>
-          <p:cNvSpPr>
-            <a:spLocks noGrp="1"/>
-          </p:cNvSpPr>
-          <p:nvPr>
-            <p:ph type="ctrTitle"/>
-          </p:nvPr>
-        </p:nvSpPr>
-        <p:spPr/>
-        <p:txBody>
-          <a:bodyPr>
-            <a:normAutofit/>
-          </a:bodyPr>
-          <a:lstStyle/>
-          <a:p>
-            <a:r>
-              <a:rPr lang="en-US" sz="4400" dirty="0"/>
-              <a:t>Mixing of elements</a:t>
-            </a:r>
-          </a:p>
-        </p:txBody>
-      </p:sp>
-      <p:pic>
-        <p:nvPicPr>
-          <p:cNvPr id="4" name="Picture 3">
-            <a:extLst>
-              <a:ext uri="{FF2B5EF4-FFF2-40B4-BE49-F238E27FC236}">
-                <a16:creationId xmlns:a16="http://schemas.microsoft.com/office/drawing/2014/main" id="{61770D93-62A5-F04B-9065-32E1D60765E6}"/>
-              </a:ext>
-            </a:extLst>
-          </p:cNvPr>
-          <p:cNvPicPr>
-            <a:picLocks noChangeAspect="1"/>
-          </p:cNvPicPr>
-          <p:nvPr/>
-        </p:nvPicPr>
-        <p:blipFill>
-          <a:blip r:embed="rId3"/>
-          <a:stretch>
-            <a:fillRect/>
-          </a:stretch>
-        </p:blipFill>
-        <p:spPr>
-          <a:xfrm>
-            <a:off x="590551" y="1763295"/>
-            <a:ext cx="4761493" cy="3750365"/>
-          </a:xfrm>
-          <a:prstGeom prst="rect">
-            <a:avLst/>
-          </a:prstGeom>
-          <a:ln>
-            <a:solidFill>
-              <a:schemeClr val="tx1"/>
-            </a:solidFill>
-          </a:ln>
-        </p:spPr>
-      </p:pic>
-      <p:sp>
-        <p:nvSpPr>
-          <p:cNvPr id="6" name="TextBox 5">
-            <a:extLst>
-              <a:ext uri="{FF2B5EF4-FFF2-40B4-BE49-F238E27FC236}">
-                <a16:creationId xmlns:a16="http://schemas.microsoft.com/office/drawing/2014/main" id="{9FF4328B-6F0D-3F4E-AD4D-98FEEB616A1D}"/>
-              </a:ext>
-            </a:extLst>
-          </p:cNvPr>
-          <p:cNvSpPr txBox="1"/>
-          <p:nvPr/>
-        </p:nvSpPr>
-        <p:spPr>
-          <a:xfrm>
-            <a:off x="6096000" y="4805774"/>
-            <a:ext cx="4487186" cy="707886"/>
-          </a:xfrm>
-          <a:prstGeom prst="rect">
-            <a:avLst/>
-          </a:prstGeom>
-          <a:noFill/>
-        </p:spPr>
-        <p:txBody>
-          <a:bodyPr wrap="square" rtlCol="0">
-            <a:spAutoFit/>
-          </a:bodyPr>
-          <a:lstStyle/>
-          <a:p>
-            <a:r>
-              <a:rPr lang="en-US" sz="2000" dirty="0">
-                <a:latin typeface="Lusitana" pitchFamily="2" charset="0"/>
-              </a:rPr>
-              <a:t>Task: build a machine learning model in python to predict the full stability vector</a:t>
-            </a:r>
-          </a:p>
-        </p:txBody>
-      </p:sp>
-      <p:sp>
-        <p:nvSpPr>
-          <p:cNvPr id="7" name="TextBox 6">
-            <a:extLst>
-              <a:ext uri="{FF2B5EF4-FFF2-40B4-BE49-F238E27FC236}">
-                <a16:creationId xmlns:a16="http://schemas.microsoft.com/office/drawing/2014/main" id="{4F88E11C-9FAA-4043-9F6C-A008FEAA5A35}"/>
-              </a:ext>
-            </a:extLst>
-          </p:cNvPr>
-          <p:cNvSpPr txBox="1"/>
-          <p:nvPr/>
-        </p:nvSpPr>
-        <p:spPr>
-          <a:xfrm>
-            <a:off x="5966516" y="3292117"/>
-            <a:ext cx="4296369" cy="400110"/>
-          </a:xfrm>
-          <a:prstGeom prst="rect">
-            <a:avLst/>
-          </a:prstGeom>
-          <a:noFill/>
-        </p:spPr>
-        <p:txBody>
-          <a:bodyPr wrap="none" rtlCol="0">
-            <a:spAutoFit/>
-          </a:bodyPr>
-          <a:lstStyle/>
-          <a:p>
-            <a:r>
-              <a:rPr lang="en-US" sz="2000" dirty="0" err="1">
-                <a:latin typeface="Lusitana" pitchFamily="2" charset="0"/>
-              </a:rPr>
-              <a:t>stabilityVec</a:t>
-            </a:r>
-            <a:r>
-              <a:rPr lang="en-US" sz="2000" dirty="0">
-                <a:latin typeface="Lusitana" pitchFamily="2" charset="0"/>
-              </a:rPr>
-              <a:t>: [1, 0, 0, 0, 0, 1, 1, 0, 0, 0, 1]</a:t>
-            </a:r>
-          </a:p>
-        </p:txBody>
-      </p:sp>
-      <p:sp>
-        <p:nvSpPr>
-          <p:cNvPr id="8" name="TextBox 7">
-            <a:extLst>
-              <a:ext uri="{FF2B5EF4-FFF2-40B4-BE49-F238E27FC236}">
-                <a16:creationId xmlns:a16="http://schemas.microsoft.com/office/drawing/2014/main" id="{9B5CDF7D-4A4D-AD46-95CE-E46FC2E5EEBC}"/>
-              </a:ext>
-            </a:extLst>
-          </p:cNvPr>
-          <p:cNvSpPr txBox="1"/>
-          <p:nvPr/>
-        </p:nvSpPr>
-        <p:spPr>
-          <a:xfrm>
-            <a:off x="6226484" y="2023761"/>
-            <a:ext cx="5246949" cy="276999"/>
-          </a:xfrm>
-          <a:prstGeom prst="rect">
-            <a:avLst/>
-          </a:prstGeom>
-          <a:noFill/>
-        </p:spPr>
-        <p:txBody>
-          <a:bodyPr wrap="none" rtlCol="0">
-            <a:spAutoFit/>
-          </a:bodyPr>
-          <a:lstStyle/>
-          <a:p>
-            <a:r>
-              <a:rPr lang="en-US" sz="1200" dirty="0">
-                <a:latin typeface="Lusitana" pitchFamily="2" charset="0"/>
-              </a:rPr>
-              <a:t>Na, Na9Cl, Na4Cl, Na7Cl3, Na3Cl2, </a:t>
-            </a:r>
-            <a:r>
-              <a:rPr lang="en-US" sz="1200" dirty="0" err="1">
-                <a:latin typeface="Lusitana" pitchFamily="2" charset="0"/>
-              </a:rPr>
-              <a:t>NaCl</a:t>
-            </a:r>
-            <a:r>
-              <a:rPr lang="en-US" sz="1200" dirty="0">
-                <a:latin typeface="Lusitana" pitchFamily="2" charset="0"/>
-              </a:rPr>
-              <a:t>, Na2Cl3, Na3Cl7, NaCl4, NaCl9, Cl </a:t>
-            </a:r>
-          </a:p>
-        </p:txBody>
-      </p:sp>
-      <p:sp>
-        <p:nvSpPr>
-          <p:cNvPr id="9" name="Rectangle 8">
-            <a:extLst>
-              <a:ext uri="{FF2B5EF4-FFF2-40B4-BE49-F238E27FC236}">
-                <a16:creationId xmlns:a16="http://schemas.microsoft.com/office/drawing/2014/main" id="{0F06C09E-D5BB-914F-B17C-0BE8B10E723E}"/>
-              </a:ext>
-            </a:extLst>
-          </p:cNvPr>
-          <p:cNvSpPr/>
-          <p:nvPr/>
-        </p:nvSpPr>
-        <p:spPr>
-          <a:xfrm>
-            <a:off x="694713" y="5560356"/>
-            <a:ext cx="4740400" cy="369332"/>
-          </a:xfrm>
-          <a:prstGeom prst="rect">
-            <a:avLst/>
-          </a:prstGeom>
-        </p:spPr>
-        <p:txBody>
-          <a:bodyPr wrap="none">
-            <a:spAutoFit/>
-          </a:bodyPr>
-          <a:lstStyle/>
-          <a:p>
-            <a:r>
-              <a:rPr lang="en-US" dirty="0">
-                <a:latin typeface="Lusitana" pitchFamily="2" charset="0"/>
-                <a:hlinkClick r:id="rId4"/>
-              </a:rPr>
-              <a:t>http://oqmd.org/materials/composition/NaCl</a:t>
-            </a:r>
-            <a:endParaRPr lang="en-US" dirty="0">
-              <a:latin typeface="Lusitana" pitchFamily="2" charset="0"/>
-            </a:endParaRPr>
-          </a:p>
-        </p:txBody>
-      </p:sp>
-    </p:spTree>
-    <p:extLst>
-      <p:ext uri="{BB962C8B-B14F-4D97-AF65-F5344CB8AC3E}">
-        <p14:creationId xmlns:p14="http://schemas.microsoft.com/office/powerpoint/2010/main" val="2816360566"/>
-      </p:ext>
-    </p:extLst>
-  </p:cSld>
-  <p:clrMapOvr>
-    <a:masterClrMapping/>
-  </p:clrMapOvr>
-</p:sld>
-</file>
-
-<file path=ppt/slides/slide4.xml><?xml version="1.0" encoding="utf-8"?>
-<p:sld xmlns:a="http://schemas.openxmlformats.org/drawingml/2006/main" xmlns:r="http://schemas.openxmlformats.org/officeDocument/2006/relationships" xmlns:p="http://schemas.openxmlformats.org/presentationml/2006/main">
-  <p:cSld>
-    <p:spTree>
-      <p:nvGrpSpPr>
-        <p:cNvPr id="1" name=""/>
-        <p:cNvGrpSpPr/>
-        <p:nvPr/>
-      </p:nvGrpSpPr>
-      <p:grpSpPr>
-        <a:xfrm>
-          <a:off x="0" y="0"/>
-          <a:ext cx="0" cy="0"/>
-          <a:chOff x="0" y="0"/>
-          <a:chExt cx="0" cy="0"/>
-        </a:xfrm>
-      </p:grpSpPr>
-      <p:sp>
-        <p:nvSpPr>
-          <p:cNvPr id="3" name="Title 2">
-            <a:extLst>
-              <a:ext uri="{FF2B5EF4-FFF2-40B4-BE49-F238E27FC236}">
-                <a16:creationId xmlns:a16="http://schemas.microsoft.com/office/drawing/2014/main" id="{89AAC0A9-8A9F-7749-A50C-CD947F888D4F}"/>
-              </a:ext>
-            </a:extLst>
-          </p:cNvPr>
-          <p:cNvSpPr>
-            <a:spLocks noGrp="1"/>
-          </p:cNvSpPr>
-          <p:nvPr>
-            <p:ph type="ctrTitle"/>
-          </p:nvPr>
-        </p:nvSpPr>
-        <p:spPr/>
-        <p:txBody>
-          <a:bodyPr>
-            <a:normAutofit/>
-          </a:bodyPr>
-          <a:lstStyle/>
-          <a:p>
-            <a:r>
-              <a:rPr lang="en-US" sz="4400" dirty="0"/>
-              <a:t>Preparing dataset</a:t>
-            </a:r>
-          </a:p>
-        </p:txBody>
-      </p:sp>
-      <p:pic>
-        <p:nvPicPr>
-          <p:cNvPr id="9" name="Picture 8">
-            <a:extLst>
-              <a:ext uri="{FF2B5EF4-FFF2-40B4-BE49-F238E27FC236}">
-                <a16:creationId xmlns:a16="http://schemas.microsoft.com/office/drawing/2014/main" id="{A6E95514-3DB3-DC4A-A217-3E19E73EA67D}"/>
-              </a:ext>
-            </a:extLst>
-          </p:cNvPr>
-          <p:cNvPicPr>
-            <a:picLocks noChangeAspect="1"/>
-          </p:cNvPicPr>
-          <p:nvPr/>
-        </p:nvPicPr>
-        <p:blipFill>
-          <a:blip r:embed="rId3"/>
-          <a:stretch>
-            <a:fillRect/>
-          </a:stretch>
-        </p:blipFill>
-        <p:spPr>
-          <a:xfrm>
-            <a:off x="488521" y="1796897"/>
-            <a:ext cx="1993160" cy="1609157"/>
-          </a:xfrm>
-          <a:prstGeom prst="rect">
-            <a:avLst/>
-          </a:prstGeom>
-        </p:spPr>
-      </p:pic>
-      <p:pic>
-        <p:nvPicPr>
-          <p:cNvPr id="10" name="Picture 9">
-            <a:extLst>
-              <a:ext uri="{FF2B5EF4-FFF2-40B4-BE49-F238E27FC236}">
-                <a16:creationId xmlns:a16="http://schemas.microsoft.com/office/drawing/2014/main" id="{D21509FC-50C5-724D-A426-F6243964DC79}"/>
-              </a:ext>
-            </a:extLst>
-          </p:cNvPr>
-          <p:cNvPicPr>
-            <a:picLocks noChangeAspect="1"/>
-          </p:cNvPicPr>
-          <p:nvPr/>
-        </p:nvPicPr>
-        <p:blipFill>
-          <a:blip r:embed="rId4"/>
-          <a:stretch>
-            <a:fillRect/>
-          </a:stretch>
-        </p:blipFill>
-        <p:spPr>
-          <a:xfrm>
-            <a:off x="3017778" y="1890461"/>
-            <a:ext cx="4228548" cy="1197848"/>
-          </a:xfrm>
-          <a:prstGeom prst="rect">
-            <a:avLst/>
-          </a:prstGeom>
-        </p:spPr>
-      </p:pic>
-      <p:sp>
-        <p:nvSpPr>
-          <p:cNvPr id="12" name="TextBox 11">
-            <a:extLst>
-              <a:ext uri="{FF2B5EF4-FFF2-40B4-BE49-F238E27FC236}">
-                <a16:creationId xmlns:a16="http://schemas.microsoft.com/office/drawing/2014/main" id="{3E56355F-F1AD-8D46-A1EC-484EB4157B41}"/>
-              </a:ext>
-            </a:extLst>
-          </p:cNvPr>
-          <p:cNvSpPr txBox="1"/>
-          <p:nvPr/>
-        </p:nvSpPr>
-        <p:spPr>
-          <a:xfrm>
-            <a:off x="2643958" y="2433439"/>
-            <a:ext cx="373820" cy="430887"/>
-          </a:xfrm>
-          <a:prstGeom prst="rect">
-            <a:avLst/>
-          </a:prstGeom>
-          <a:noFill/>
-        </p:spPr>
-        <p:txBody>
-          <a:bodyPr wrap="none" rtlCol="0">
-            <a:spAutoFit/>
-          </a:bodyPr>
-          <a:lstStyle/>
-          <a:p>
-            <a:r>
-              <a:rPr lang="en-US" sz="2200" dirty="0">
-                <a:latin typeface="Lusitana" pitchFamily="2" charset="0"/>
-              </a:rPr>
-              <a:t>…</a:t>
-            </a:r>
-          </a:p>
-        </p:txBody>
-      </p:sp>
-      <p:sp>
-        <p:nvSpPr>
-          <p:cNvPr id="13" name="TextBox 12">
-            <a:extLst>
-              <a:ext uri="{FF2B5EF4-FFF2-40B4-BE49-F238E27FC236}">
-                <a16:creationId xmlns:a16="http://schemas.microsoft.com/office/drawing/2014/main" id="{912F91AE-E7F6-8849-AE41-7B29DE6A670C}"/>
-              </a:ext>
-            </a:extLst>
-          </p:cNvPr>
-          <p:cNvSpPr txBox="1"/>
-          <p:nvPr/>
-        </p:nvSpPr>
-        <p:spPr>
-          <a:xfrm>
-            <a:off x="7620146" y="1796897"/>
-            <a:ext cx="3819027" cy="1446550"/>
-          </a:xfrm>
-          <a:prstGeom prst="rect">
-            <a:avLst/>
-          </a:prstGeom>
-          <a:noFill/>
-        </p:spPr>
-        <p:txBody>
-          <a:bodyPr wrap="square" rtlCol="0">
-            <a:spAutoFit/>
-          </a:bodyPr>
-          <a:lstStyle/>
-          <a:p>
-            <a:pPr algn="just"/>
-            <a:r>
-              <a:rPr lang="en-US" sz="2200" dirty="0">
-                <a:latin typeface="Lusitana" pitchFamily="2" charset="0"/>
-              </a:rPr>
-              <a:t>2572 rows, 99 columns: element A, element B, stability vector, 48 features for elements (A, B)</a:t>
-            </a:r>
-          </a:p>
-        </p:txBody>
-      </p:sp>
-      <p:sp>
-        <p:nvSpPr>
-          <p:cNvPr id="15" name="TextBox 14">
-            <a:extLst>
-              <a:ext uri="{FF2B5EF4-FFF2-40B4-BE49-F238E27FC236}">
-                <a16:creationId xmlns:a16="http://schemas.microsoft.com/office/drawing/2014/main" id="{1B435456-55CF-2C47-8309-6B1DE370F6D7}"/>
-              </a:ext>
-            </a:extLst>
-          </p:cNvPr>
-          <p:cNvSpPr txBox="1"/>
-          <p:nvPr/>
-        </p:nvSpPr>
-        <p:spPr>
-          <a:xfrm>
-            <a:off x="590551" y="3882317"/>
-            <a:ext cx="3968986" cy="430887"/>
-          </a:xfrm>
-          <a:prstGeom prst="rect">
-            <a:avLst/>
-          </a:prstGeom>
-          <a:noFill/>
-        </p:spPr>
-        <p:txBody>
-          <a:bodyPr wrap="square" rtlCol="0">
-            <a:spAutoFit/>
-          </a:bodyPr>
-          <a:lstStyle/>
-          <a:p>
-            <a:pPr algn="just"/>
-            <a:r>
-              <a:rPr lang="en-US" sz="2200" dirty="0">
-                <a:latin typeface="Lusitana" pitchFamily="2" charset="0"/>
-              </a:rPr>
-              <a:t>1. </a:t>
-            </a:r>
-            <a:r>
-              <a:rPr lang="en-US" sz="2200" dirty="0" err="1">
-                <a:latin typeface="Lusitana" pitchFamily="2" charset="0"/>
-              </a:rPr>
-              <a:t>df</a:t>
-            </a:r>
-            <a:r>
-              <a:rPr lang="en-US" sz="2200" dirty="0">
-                <a:latin typeface="Lusitana" pitchFamily="2" charset="0"/>
-              </a:rPr>
-              <a:t> = </a:t>
-            </a:r>
-            <a:r>
-              <a:rPr lang="en-US" sz="2200" dirty="0" err="1">
-                <a:latin typeface="Lusitana" pitchFamily="2" charset="0"/>
-              </a:rPr>
-              <a:t>df.explode</a:t>
-            </a:r>
-            <a:r>
-              <a:rPr lang="en-US" sz="2200" dirty="0">
-                <a:latin typeface="Lusitana" pitchFamily="2" charset="0"/>
-              </a:rPr>
-              <a:t>('</a:t>
-            </a:r>
-            <a:r>
-              <a:rPr lang="en-US" sz="2200" dirty="0" err="1">
-                <a:latin typeface="Lusitana" pitchFamily="2" charset="0"/>
-              </a:rPr>
-              <a:t>stabilityVec</a:t>
-            </a:r>
-            <a:r>
-              <a:rPr lang="en-US" sz="2200" dirty="0">
-                <a:latin typeface="Lusitana" pitchFamily="2" charset="0"/>
-              </a:rPr>
-              <a:t>')</a:t>
-            </a:r>
-          </a:p>
-        </p:txBody>
-      </p:sp>
-      <p:sp>
-        <p:nvSpPr>
-          <p:cNvPr id="16" name="TextBox 15">
-            <a:extLst>
-              <a:ext uri="{FF2B5EF4-FFF2-40B4-BE49-F238E27FC236}">
-                <a16:creationId xmlns:a16="http://schemas.microsoft.com/office/drawing/2014/main" id="{AA50D7C7-1944-DD4E-A85E-795355EA5432}"/>
-              </a:ext>
-            </a:extLst>
-          </p:cNvPr>
-          <p:cNvSpPr txBox="1"/>
-          <p:nvPr/>
-        </p:nvSpPr>
-        <p:spPr>
-          <a:xfrm>
-            <a:off x="6138943" y="3882316"/>
-            <a:ext cx="5097634" cy="430887"/>
-          </a:xfrm>
-          <a:prstGeom prst="rect">
-            <a:avLst/>
-          </a:prstGeom>
-          <a:noFill/>
-        </p:spPr>
-        <p:txBody>
-          <a:bodyPr wrap="square" rtlCol="0">
-            <a:spAutoFit/>
-          </a:bodyPr>
-          <a:lstStyle/>
-          <a:p>
-            <a:pPr algn="just"/>
-            <a:r>
-              <a:rPr lang="en-US" sz="2200" dirty="0">
-                <a:latin typeface="Lusitana" pitchFamily="2" charset="0"/>
-              </a:rPr>
-              <a:t>28292 rows (2572 * </a:t>
-            </a:r>
-            <a:r>
-              <a:rPr lang="en-US" sz="2200" dirty="0" err="1">
-                <a:latin typeface="Lusitana" pitchFamily="2" charset="0"/>
-              </a:rPr>
-              <a:t>len</a:t>
-            </a:r>
-            <a:r>
-              <a:rPr lang="en-US" sz="2200" dirty="0">
-                <a:latin typeface="Lusitana" pitchFamily="2" charset="0"/>
-              </a:rPr>
-              <a:t>(</a:t>
-            </a:r>
-            <a:r>
-              <a:rPr lang="en-US" sz="2200" dirty="0" err="1">
-                <a:latin typeface="Lusitana" pitchFamily="2" charset="0"/>
-              </a:rPr>
-              <a:t>stabilityVec</a:t>
-            </a:r>
-            <a:r>
-              <a:rPr lang="en-US" sz="2200" dirty="0">
-                <a:latin typeface="Lusitana" pitchFamily="2" charset="0"/>
-              </a:rPr>
-              <a:t>)) </a:t>
-            </a:r>
-          </a:p>
-        </p:txBody>
-      </p:sp>
-      <p:sp>
-        <p:nvSpPr>
-          <p:cNvPr id="18" name="Right Arrow 17">
-            <a:extLst>
-              <a:ext uri="{FF2B5EF4-FFF2-40B4-BE49-F238E27FC236}">
-                <a16:creationId xmlns:a16="http://schemas.microsoft.com/office/drawing/2014/main" id="{65E3C11A-BFD7-C547-892E-4EF6BC629131}"/>
-              </a:ext>
-            </a:extLst>
-          </p:cNvPr>
-          <p:cNvSpPr/>
-          <p:nvPr/>
-        </p:nvSpPr>
-        <p:spPr>
-          <a:xfrm>
-            <a:off x="4994910" y="3994308"/>
-            <a:ext cx="708660" cy="215444"/>
-          </a:xfrm>
-          <a:prstGeom prst="rightArrow">
-            <a:avLst/>
-          </a:prstGeom>
-        </p:spPr>
-        <p:style>
-          <a:lnRef idx="2">
-            <a:schemeClr val="accent1">
-              <a:shade val="50000"/>
-            </a:schemeClr>
-          </a:lnRef>
-          <a:fillRef idx="1">
-            <a:schemeClr val="accent1"/>
-          </a:fillRef>
-          <a:effectRef idx="0">
-            <a:schemeClr val="accent1"/>
-          </a:effectRef>
-          <a:fontRef idx="minor">
-            <a:schemeClr val="lt1"/>
-          </a:fontRef>
-        </p:style>
-        <p:txBody>
-          <a:bodyPr rtlCol="0" anchor="ctr"/>
-          <a:lstStyle/>
-          <a:p>
-            <a:pPr algn="ctr"/>
-            <a:endParaRPr lang="en-US"/>
-          </a:p>
-        </p:txBody>
-      </p:sp>
-      <p:cxnSp>
-        <p:nvCxnSpPr>
-          <p:cNvPr id="20" name="Elbow Connector 19">
-            <a:extLst>
-              <a:ext uri="{FF2B5EF4-FFF2-40B4-BE49-F238E27FC236}">
-                <a16:creationId xmlns:a16="http://schemas.microsoft.com/office/drawing/2014/main" id="{7449503F-E5E6-1B43-B4DC-5EE78115CEC7}"/>
-              </a:ext>
-            </a:extLst>
-          </p:cNvPr>
-          <p:cNvCxnSpPr/>
-          <p:nvPr/>
-        </p:nvCxnSpPr>
-        <p:spPr>
-          <a:xfrm>
-            <a:off x="1672011" y="4469427"/>
-            <a:ext cx="1158857" cy="640080"/>
-          </a:xfrm>
-          <a:prstGeom prst="bentConnector3">
-            <a:avLst>
-              <a:gd name="adj1" fmla="val 3644"/>
-            </a:avLst>
-          </a:prstGeom>
-          <a:ln w="76200">
-            <a:tailEnd type="triangle"/>
-          </a:ln>
-        </p:spPr>
-        <p:style>
-          <a:lnRef idx="1">
-            <a:schemeClr val="accent1"/>
-          </a:lnRef>
-          <a:fillRef idx="0">
-            <a:schemeClr val="accent1"/>
-          </a:fillRef>
-          <a:effectRef idx="0">
-            <a:schemeClr val="accent1"/>
-          </a:effectRef>
-          <a:fontRef idx="minor">
-            <a:schemeClr val="tx1"/>
-          </a:fontRef>
-        </p:style>
-      </p:cxnSp>
-      <p:sp>
-        <p:nvSpPr>
-          <p:cNvPr id="24" name="TextBox 23">
-            <a:extLst>
-              <a:ext uri="{FF2B5EF4-FFF2-40B4-BE49-F238E27FC236}">
-                <a16:creationId xmlns:a16="http://schemas.microsoft.com/office/drawing/2014/main" id="{EEB525A5-5207-8D47-A0AC-BB8BA3E60A37}"/>
-              </a:ext>
-            </a:extLst>
-          </p:cNvPr>
-          <p:cNvSpPr txBox="1"/>
-          <p:nvPr/>
-        </p:nvSpPr>
-        <p:spPr>
-          <a:xfrm>
-            <a:off x="3147558" y="4891766"/>
-            <a:ext cx="5493521" cy="430887"/>
-          </a:xfrm>
-          <a:prstGeom prst="rect">
-            <a:avLst/>
-          </a:prstGeom>
-          <a:noFill/>
-        </p:spPr>
-        <p:txBody>
-          <a:bodyPr wrap="square" rtlCol="0">
-            <a:spAutoFit/>
-          </a:bodyPr>
-          <a:lstStyle/>
-          <a:p>
-            <a:pPr algn="just"/>
-            <a:r>
-              <a:rPr lang="en-US" sz="2200" dirty="0">
-                <a:latin typeface="Lusitana" pitchFamily="2" charset="0"/>
-              </a:rPr>
-              <a:t>A. Quick classifier on Citrination</a:t>
-            </a:r>
-          </a:p>
-        </p:txBody>
-      </p:sp>
-      <p:sp>
-        <p:nvSpPr>
-          <p:cNvPr id="25" name="TextBox 24">
-            <a:extLst>
-              <a:ext uri="{FF2B5EF4-FFF2-40B4-BE49-F238E27FC236}">
-                <a16:creationId xmlns:a16="http://schemas.microsoft.com/office/drawing/2014/main" id="{20D6833F-FCC6-754B-B7BA-30943D146AAE}"/>
-              </a:ext>
-            </a:extLst>
-          </p:cNvPr>
-          <p:cNvSpPr txBox="1"/>
-          <p:nvPr/>
-        </p:nvSpPr>
-        <p:spPr>
-          <a:xfrm>
-            <a:off x="3228957" y="5797765"/>
-            <a:ext cx="3806190" cy="430887"/>
-          </a:xfrm>
-          <a:prstGeom prst="rect">
-            <a:avLst/>
-          </a:prstGeom>
-          <a:noFill/>
-        </p:spPr>
-        <p:txBody>
-          <a:bodyPr wrap="square" rtlCol="0">
-            <a:spAutoFit/>
-          </a:bodyPr>
-          <a:lstStyle/>
-          <a:p>
-            <a:pPr algn="just"/>
-            <a:r>
-              <a:rPr lang="en-US" sz="2200" dirty="0">
-                <a:latin typeface="Lusitana" pitchFamily="2" charset="0"/>
-              </a:rPr>
-              <a:t>B. Perform modeling in .</a:t>
-            </a:r>
-            <a:r>
-              <a:rPr lang="en-US" sz="2200" dirty="0" err="1">
-                <a:latin typeface="Lusitana" pitchFamily="2" charset="0"/>
-              </a:rPr>
-              <a:t>ipynb</a:t>
-            </a:r>
-            <a:r>
-              <a:rPr lang="en-US" sz="2200" dirty="0">
-                <a:latin typeface="Lusitana" pitchFamily="2" charset="0"/>
-              </a:rPr>
-              <a:t> </a:t>
-            </a:r>
-          </a:p>
-        </p:txBody>
-      </p:sp>
-      <p:cxnSp>
-        <p:nvCxnSpPr>
-          <p:cNvPr id="26" name="Elbow Connector 25">
-            <a:extLst>
-              <a:ext uri="{FF2B5EF4-FFF2-40B4-BE49-F238E27FC236}">
-                <a16:creationId xmlns:a16="http://schemas.microsoft.com/office/drawing/2014/main" id="{8B788F2A-664B-734C-BDA0-C07EC940842E}"/>
-              </a:ext>
-            </a:extLst>
-          </p:cNvPr>
-          <p:cNvCxnSpPr/>
-          <p:nvPr/>
-        </p:nvCxnSpPr>
-        <p:spPr>
-          <a:xfrm>
-            <a:off x="1672011" y="5376303"/>
-            <a:ext cx="1158857" cy="640080"/>
-          </a:xfrm>
-          <a:prstGeom prst="bentConnector3">
-            <a:avLst>
-              <a:gd name="adj1" fmla="val 3644"/>
-            </a:avLst>
-          </a:prstGeom>
-          <a:ln w="76200">
-            <a:tailEnd type="triangle"/>
-          </a:ln>
-        </p:spPr>
-        <p:style>
-          <a:lnRef idx="1">
-            <a:schemeClr val="accent1"/>
-          </a:lnRef>
-          <a:fillRef idx="0">
-            <a:schemeClr val="accent1"/>
-          </a:fillRef>
-          <a:effectRef idx="0">
-            <a:schemeClr val="accent1"/>
-          </a:effectRef>
-          <a:fontRef idx="minor">
-            <a:schemeClr val="tx1"/>
-          </a:fontRef>
-        </p:style>
-      </p:cxnSp>
-    </p:spTree>
-    <p:extLst>
-      <p:ext uri="{BB962C8B-B14F-4D97-AF65-F5344CB8AC3E}">
-        <p14:creationId xmlns:p14="http://schemas.microsoft.com/office/powerpoint/2010/main" val="1105496148"/>
-      </p:ext>
-    </p:extLst>
-  </p:cSld>
-  <p:clrMapOvr>
-    <a:masterClrMapping/>
-  </p:clrMapOvr>
-</p:sld>
-</file>
-
-<file path=ppt/slides/slide5.xml><?xml version="1.0" encoding="utf-8"?>
-<p:sld xmlns:a="http://schemas.openxmlformats.org/drawingml/2006/main" xmlns:r="http://schemas.openxmlformats.org/officeDocument/2006/relationships" xmlns:p="http://schemas.openxmlformats.org/presentationml/2006/main">
-  <p:cSld>
-    <p:spTree>
-      <p:nvGrpSpPr>
-        <p:cNvPr id="1" name=""/>
-        <p:cNvGrpSpPr/>
-        <p:nvPr/>
-      </p:nvGrpSpPr>
-      <p:grpSpPr>
-        <a:xfrm>
-          <a:off x="0" y="0"/>
-          <a:ext cx="0" cy="0"/>
-          <a:chOff x="0" y="0"/>
-          <a:chExt cx="0" cy="0"/>
-        </a:xfrm>
-      </p:grpSpPr>
-      <p:sp>
-        <p:nvSpPr>
-          <p:cNvPr id="3" name="Title 2">
-            <a:extLst>
-              <a:ext uri="{FF2B5EF4-FFF2-40B4-BE49-F238E27FC236}">
-                <a16:creationId xmlns:a16="http://schemas.microsoft.com/office/drawing/2014/main" id="{89AAC0A9-8A9F-7749-A50C-CD947F888D4F}"/>
-              </a:ext>
-            </a:extLst>
-          </p:cNvPr>
-          <p:cNvSpPr>
-            <a:spLocks noGrp="1"/>
-          </p:cNvSpPr>
-          <p:nvPr>
-            <p:ph type="ctrTitle"/>
-          </p:nvPr>
-        </p:nvSpPr>
-        <p:spPr/>
-        <p:txBody>
-          <a:bodyPr>
-            <a:normAutofit/>
-          </a:bodyPr>
-          <a:lstStyle/>
-          <a:p>
-            <a:r>
-              <a:rPr lang="en-US" sz="4400" dirty="0"/>
-              <a:t>Given features</a:t>
-            </a:r>
-          </a:p>
-        </p:txBody>
-      </p:sp>
-      <p:sp>
-        <p:nvSpPr>
-          <p:cNvPr id="16" name="TextBox 15">
-            <a:extLst>
-              <a:ext uri="{FF2B5EF4-FFF2-40B4-BE49-F238E27FC236}">
-                <a16:creationId xmlns:a16="http://schemas.microsoft.com/office/drawing/2014/main" id="{AA50D7C7-1944-DD4E-A85E-795355EA5432}"/>
-              </a:ext>
-            </a:extLst>
-          </p:cNvPr>
-          <p:cNvSpPr txBox="1"/>
-          <p:nvPr/>
-        </p:nvSpPr>
-        <p:spPr>
-          <a:xfrm>
-            <a:off x="680140" y="1760810"/>
-            <a:ext cx="1345884" cy="430887"/>
-          </a:xfrm>
-          <a:prstGeom prst="rect">
-            <a:avLst/>
-          </a:prstGeom>
-          <a:noFill/>
-        </p:spPr>
-        <p:txBody>
-          <a:bodyPr wrap="square" rtlCol="0">
-            <a:spAutoFit/>
-          </a:bodyPr>
-          <a:lstStyle/>
-          <a:p>
-            <a:pPr algn="just"/>
-            <a:r>
-              <a:rPr lang="en-US" sz="2200" dirty="0">
-                <a:latin typeface="Lusitana" pitchFamily="2" charset="0"/>
-              </a:rPr>
-              <a:t>Discrete:</a:t>
-            </a:r>
-          </a:p>
-        </p:txBody>
-      </p:sp>
-      <p:sp>
-        <p:nvSpPr>
-          <p:cNvPr id="18" name="Right Arrow 17">
-            <a:extLst>
-              <a:ext uri="{FF2B5EF4-FFF2-40B4-BE49-F238E27FC236}">
-                <a16:creationId xmlns:a16="http://schemas.microsoft.com/office/drawing/2014/main" id="{65E3C11A-BFD7-C547-892E-4EF6BC629131}"/>
-              </a:ext>
-            </a:extLst>
-          </p:cNvPr>
-          <p:cNvSpPr/>
-          <p:nvPr/>
-        </p:nvSpPr>
-        <p:spPr>
-          <a:xfrm>
-            <a:off x="4994910" y="3994308"/>
-            <a:ext cx="708660" cy="215444"/>
-          </a:xfrm>
-          <a:prstGeom prst="rightArrow">
-            <a:avLst/>
-          </a:prstGeom>
-        </p:spPr>
-        <p:style>
-          <a:lnRef idx="2">
-            <a:schemeClr val="accent1">
-              <a:shade val="50000"/>
-            </a:schemeClr>
-          </a:lnRef>
-          <a:fillRef idx="1">
-            <a:schemeClr val="accent1"/>
-          </a:fillRef>
-          <a:effectRef idx="0">
-            <a:schemeClr val="accent1"/>
-          </a:effectRef>
-          <a:fontRef idx="minor">
-            <a:schemeClr val="lt1"/>
-          </a:fontRef>
-        </p:style>
-        <p:txBody>
-          <a:bodyPr rtlCol="0" anchor="ctr"/>
-          <a:lstStyle/>
-          <a:p>
-            <a:pPr algn="ctr"/>
-            <a:endParaRPr lang="en-US"/>
-          </a:p>
-        </p:txBody>
-      </p:sp>
-      <p:cxnSp>
-        <p:nvCxnSpPr>
-          <p:cNvPr id="20" name="Elbow Connector 19">
-            <a:extLst>
-              <a:ext uri="{FF2B5EF4-FFF2-40B4-BE49-F238E27FC236}">
-                <a16:creationId xmlns:a16="http://schemas.microsoft.com/office/drawing/2014/main" id="{7449503F-E5E6-1B43-B4DC-5EE78115CEC7}"/>
-              </a:ext>
-            </a:extLst>
-          </p:cNvPr>
-          <p:cNvCxnSpPr/>
-          <p:nvPr/>
-        </p:nvCxnSpPr>
-        <p:spPr>
-          <a:xfrm>
-            <a:off x="1672011" y="4469427"/>
-            <a:ext cx="1158857" cy="640080"/>
-          </a:xfrm>
-          <a:prstGeom prst="bentConnector3">
-            <a:avLst>
-              <a:gd name="adj1" fmla="val 3644"/>
-            </a:avLst>
-          </a:prstGeom>
-          <a:ln w="76200">
-            <a:tailEnd type="triangle"/>
-          </a:ln>
-        </p:spPr>
-        <p:style>
-          <a:lnRef idx="1">
-            <a:schemeClr val="accent1"/>
-          </a:lnRef>
-          <a:fillRef idx="0">
-            <a:schemeClr val="accent1"/>
-          </a:fillRef>
-          <a:effectRef idx="0">
-            <a:schemeClr val="accent1"/>
-          </a:effectRef>
-          <a:fontRef idx="minor">
-            <a:schemeClr val="tx1"/>
-          </a:fontRef>
-        </p:style>
-      </p:cxnSp>
-      <p:sp>
-        <p:nvSpPr>
-          <p:cNvPr id="24" name="TextBox 23">
-            <a:extLst>
-              <a:ext uri="{FF2B5EF4-FFF2-40B4-BE49-F238E27FC236}">
-                <a16:creationId xmlns:a16="http://schemas.microsoft.com/office/drawing/2014/main" id="{EEB525A5-5207-8D47-A0AC-BB8BA3E60A37}"/>
-              </a:ext>
-            </a:extLst>
-          </p:cNvPr>
-          <p:cNvSpPr txBox="1"/>
-          <p:nvPr/>
-        </p:nvSpPr>
-        <p:spPr>
-          <a:xfrm>
-            <a:off x="3147558" y="4891766"/>
-            <a:ext cx="5493521" cy="430887"/>
-          </a:xfrm>
-          <a:prstGeom prst="rect">
-            <a:avLst/>
-          </a:prstGeom>
-          <a:noFill/>
-        </p:spPr>
-        <p:txBody>
-          <a:bodyPr wrap="square" rtlCol="0">
-            <a:spAutoFit/>
-          </a:bodyPr>
-          <a:lstStyle/>
-          <a:p>
-            <a:pPr algn="just"/>
-            <a:r>
-              <a:rPr lang="en-US" sz="2200" dirty="0">
-                <a:latin typeface="Lusitana" pitchFamily="2" charset="0"/>
-              </a:rPr>
-              <a:t>A. Quick classifier on Citrination</a:t>
-            </a:r>
-          </a:p>
-        </p:txBody>
-      </p:sp>
-      <p:sp>
-        <p:nvSpPr>
-          <p:cNvPr id="25" name="TextBox 24">
-            <a:extLst>
-              <a:ext uri="{FF2B5EF4-FFF2-40B4-BE49-F238E27FC236}">
-                <a16:creationId xmlns:a16="http://schemas.microsoft.com/office/drawing/2014/main" id="{20D6833F-FCC6-754B-B7BA-30943D146AAE}"/>
-              </a:ext>
-            </a:extLst>
-          </p:cNvPr>
-          <p:cNvSpPr txBox="1"/>
-          <p:nvPr/>
-        </p:nvSpPr>
-        <p:spPr>
-          <a:xfrm>
-            <a:off x="3228957" y="5797765"/>
-            <a:ext cx="3806190" cy="430887"/>
-          </a:xfrm>
-          <a:prstGeom prst="rect">
-            <a:avLst/>
-          </a:prstGeom>
-          <a:noFill/>
-        </p:spPr>
-        <p:txBody>
-          <a:bodyPr wrap="square" rtlCol="0">
-            <a:spAutoFit/>
-          </a:bodyPr>
-          <a:lstStyle/>
-          <a:p>
-            <a:pPr algn="just"/>
-            <a:r>
-              <a:rPr lang="en-US" sz="2200" dirty="0">
-                <a:latin typeface="Lusitana" pitchFamily="2" charset="0"/>
-              </a:rPr>
-              <a:t>B. Perform modeling in .</a:t>
-            </a:r>
-            <a:r>
-              <a:rPr lang="en-US" sz="2200" dirty="0" err="1">
-                <a:latin typeface="Lusitana" pitchFamily="2" charset="0"/>
-              </a:rPr>
-              <a:t>ipynb</a:t>
-            </a:r>
-            <a:r>
-              <a:rPr lang="en-US" sz="2200" dirty="0">
-                <a:latin typeface="Lusitana" pitchFamily="2" charset="0"/>
-              </a:rPr>
-              <a:t> </a:t>
-            </a:r>
-          </a:p>
-        </p:txBody>
-      </p:sp>
-      <p:cxnSp>
-        <p:nvCxnSpPr>
-          <p:cNvPr id="26" name="Elbow Connector 25">
-            <a:extLst>
-              <a:ext uri="{FF2B5EF4-FFF2-40B4-BE49-F238E27FC236}">
-                <a16:creationId xmlns:a16="http://schemas.microsoft.com/office/drawing/2014/main" id="{8B788F2A-664B-734C-BDA0-C07EC940842E}"/>
-              </a:ext>
-            </a:extLst>
-          </p:cNvPr>
-          <p:cNvCxnSpPr/>
-          <p:nvPr/>
-        </p:nvCxnSpPr>
-        <p:spPr>
-          <a:xfrm>
-            <a:off x="1672011" y="5376303"/>
-            <a:ext cx="1158857" cy="640080"/>
-          </a:xfrm>
-          <a:prstGeom prst="bentConnector3">
-            <a:avLst>
-              <a:gd name="adj1" fmla="val 3644"/>
-            </a:avLst>
-          </a:prstGeom>
-          <a:ln w="76200">
-            <a:tailEnd type="triangle"/>
-          </a:ln>
-        </p:spPr>
-        <p:style>
-          <a:lnRef idx="1">
-            <a:schemeClr val="accent1"/>
-          </a:lnRef>
-          <a:fillRef idx="0">
-            <a:schemeClr val="accent1"/>
-          </a:fillRef>
-          <a:effectRef idx="0">
-            <a:schemeClr val="accent1"/>
-          </a:effectRef>
-          <a:fontRef idx="minor">
-            <a:schemeClr val="tx1"/>
-          </a:fontRef>
-        </p:style>
-      </p:cxnSp>
-      <p:sp>
-        <p:nvSpPr>
-          <p:cNvPr id="14" name="TextBox 13">
-            <a:extLst>
-              <a:ext uri="{FF2B5EF4-FFF2-40B4-BE49-F238E27FC236}">
-                <a16:creationId xmlns:a16="http://schemas.microsoft.com/office/drawing/2014/main" id="{F68CA111-AE47-AA41-A6FB-F6C6857211A9}"/>
-              </a:ext>
-            </a:extLst>
-          </p:cNvPr>
-          <p:cNvSpPr txBox="1"/>
-          <p:nvPr/>
-        </p:nvSpPr>
-        <p:spPr>
-          <a:xfrm>
-            <a:off x="3414375" y="1750790"/>
-            <a:ext cx="2289195" cy="1446550"/>
-          </a:xfrm>
-          <a:prstGeom prst="rect">
-            <a:avLst/>
-          </a:prstGeom>
-          <a:noFill/>
-        </p:spPr>
-        <p:txBody>
-          <a:bodyPr wrap="square" rtlCol="0">
-            <a:spAutoFit/>
-          </a:bodyPr>
-          <a:lstStyle/>
-          <a:p>
-            <a:pPr algn="just"/>
-            <a:r>
-              <a:rPr lang="en-US" sz="2200" dirty="0">
-                <a:latin typeface="Lusitana" pitchFamily="2" charset="0"/>
-              </a:rPr>
-              <a:t>Continuous: Atomic volume, atomic weight, boiling, </a:t>
-            </a:r>
-          </a:p>
-        </p:txBody>
-      </p:sp>
-    </p:spTree>
-    <p:extLst>
-      <p:ext uri="{BB962C8B-B14F-4D97-AF65-F5344CB8AC3E}">
-        <p14:creationId xmlns:p14="http://schemas.microsoft.com/office/powerpoint/2010/main" val="1640361790"/>
-      </p:ext>
-    </p:extLst>
-  </p:cSld>
-  <p:clrMapOvr>
-    <a:masterClrMapping/>
-  </p:clrMapOvr>
-</p:sld>
-</file>
-
-<file path=ppt/slides/slide6.xml><?xml version="1.0" encoding="utf-8"?>
-<p:sld xmlns:a="http://schemas.openxmlformats.org/drawingml/2006/main" xmlns:r="http://schemas.openxmlformats.org/officeDocument/2006/relationships" xmlns:p="http://schemas.openxmlformats.org/presentationml/2006/main">
-  <p:cSld>
-    <p:spTree>
-      <p:nvGrpSpPr>
-        <p:cNvPr id="1" name=""/>
-        <p:cNvGrpSpPr/>
-        <p:nvPr/>
-      </p:nvGrpSpPr>
-      <p:grpSpPr>
-        <a:xfrm>
-          <a:off x="0" y="0"/>
-          <a:ext cx="0" cy="0"/>
-          <a:chOff x="0" y="0"/>
-          <a:chExt cx="0" cy="0"/>
-        </a:xfrm>
-      </p:grpSpPr>
-      <p:sp>
-        <p:nvSpPr>
-          <p:cNvPr id="3" name="Title 2">
-            <a:extLst>
-              <a:ext uri="{FF2B5EF4-FFF2-40B4-BE49-F238E27FC236}">
-                <a16:creationId xmlns:a16="http://schemas.microsoft.com/office/drawing/2014/main" id="{89AAC0A9-8A9F-7749-A50C-CD947F888D4F}"/>
-              </a:ext>
-            </a:extLst>
-          </p:cNvPr>
-          <p:cNvSpPr>
-            <a:spLocks noGrp="1"/>
-          </p:cNvSpPr>
-          <p:nvPr>
-            <p:ph type="ctrTitle"/>
-          </p:nvPr>
-        </p:nvSpPr>
-        <p:spPr/>
-        <p:txBody>
-          <a:bodyPr>
-            <a:normAutofit/>
-          </a:bodyPr>
-          <a:lstStyle/>
-          <a:p>
-            <a:r>
-              <a:rPr lang="en-US" sz="4400" dirty="0"/>
-              <a:t>A. Binary classification on Citrination</a:t>
-            </a:r>
-          </a:p>
-        </p:txBody>
-      </p:sp>
-      <p:sp>
-        <p:nvSpPr>
-          <p:cNvPr id="15" name="TextBox 14">
-            <a:extLst>
-              <a:ext uri="{FF2B5EF4-FFF2-40B4-BE49-F238E27FC236}">
-                <a16:creationId xmlns:a16="http://schemas.microsoft.com/office/drawing/2014/main" id="{1B435456-55CF-2C47-8309-6B1DE370F6D7}"/>
-              </a:ext>
-            </a:extLst>
-          </p:cNvPr>
-          <p:cNvSpPr txBox="1"/>
-          <p:nvPr/>
-        </p:nvSpPr>
-        <p:spPr>
-          <a:xfrm>
-            <a:off x="853441" y="5530777"/>
-            <a:ext cx="3741420" cy="769441"/>
-          </a:xfrm>
-          <a:prstGeom prst="rect">
-            <a:avLst/>
-          </a:prstGeom>
-          <a:noFill/>
-        </p:spPr>
-        <p:txBody>
-          <a:bodyPr wrap="square" rtlCol="0">
-            <a:spAutoFit/>
-          </a:bodyPr>
-          <a:lstStyle/>
-          <a:p>
-            <a:pPr algn="just"/>
-            <a:r>
-              <a:rPr lang="en-US" sz="2200" dirty="0">
-                <a:latin typeface="Lusitana" pitchFamily="2" charset="0"/>
-              </a:rPr>
-              <a:t>Random subset of data (Citrination limit = 4k rows)</a:t>
-            </a:r>
-          </a:p>
-        </p:txBody>
-      </p:sp>
-      <p:pic>
-        <p:nvPicPr>
-          <p:cNvPr id="2" name="Picture 1">
-            <a:extLst>
-              <a:ext uri="{FF2B5EF4-FFF2-40B4-BE49-F238E27FC236}">
-                <a16:creationId xmlns:a16="http://schemas.microsoft.com/office/drawing/2014/main" id="{05259D51-BAEA-BD49-B665-34108359248D}"/>
-              </a:ext>
-            </a:extLst>
-          </p:cNvPr>
-          <p:cNvPicPr>
-            <a:picLocks noChangeAspect="1"/>
-          </p:cNvPicPr>
-          <p:nvPr/>
-        </p:nvPicPr>
-        <p:blipFill>
-          <a:blip r:embed="rId3"/>
-          <a:stretch>
-            <a:fillRect/>
-          </a:stretch>
-        </p:blipFill>
-        <p:spPr>
-          <a:xfrm>
-            <a:off x="853441" y="1822377"/>
-            <a:ext cx="4216400" cy="3708400"/>
-          </a:xfrm>
-          <a:prstGeom prst="rect">
-            <a:avLst/>
-          </a:prstGeom>
-        </p:spPr>
-      </p:pic>
-      <p:grpSp>
-        <p:nvGrpSpPr>
-          <p:cNvPr id="5" name="Group 4">
-            <a:extLst>
-              <a:ext uri="{FF2B5EF4-FFF2-40B4-BE49-F238E27FC236}">
-                <a16:creationId xmlns:a16="http://schemas.microsoft.com/office/drawing/2014/main" id="{0108A45A-8C0B-894C-9CBB-354035B92A6B}"/>
-              </a:ext>
-            </a:extLst>
-          </p:cNvPr>
-          <p:cNvGrpSpPr/>
-          <p:nvPr/>
-        </p:nvGrpSpPr>
-        <p:grpSpPr>
-          <a:xfrm>
-            <a:off x="5563203" y="2002627"/>
-            <a:ext cx="5790598" cy="3912870"/>
-            <a:chOff x="5466080" y="1943100"/>
-            <a:chExt cx="5790598" cy="3912870"/>
-          </a:xfrm>
-        </p:grpSpPr>
-        <p:pic>
-          <p:nvPicPr>
-            <p:cNvPr id="4" name="Picture 3">
-              <a:extLst>
-                <a:ext uri="{FF2B5EF4-FFF2-40B4-BE49-F238E27FC236}">
-                  <a16:creationId xmlns:a16="http://schemas.microsoft.com/office/drawing/2014/main" id="{31332BF2-AFE2-E74A-8EA3-18B6C2028CA2}"/>
-                </a:ext>
-              </a:extLst>
-            </p:cNvPr>
-            <p:cNvPicPr>
-              <a:picLocks noChangeAspect="1"/>
-            </p:cNvPicPr>
-            <p:nvPr/>
-          </p:nvPicPr>
-          <p:blipFill>
-            <a:blip r:embed="rId4"/>
-            <a:stretch>
-              <a:fillRect/>
-            </a:stretch>
-          </p:blipFill>
-          <p:spPr>
-            <a:xfrm>
-              <a:off x="5466080" y="1943100"/>
-              <a:ext cx="5790598" cy="3912870"/>
-            </a:xfrm>
-            <a:prstGeom prst="rect">
-              <a:avLst/>
-            </a:prstGeom>
-          </p:spPr>
-        </p:pic>
-        <p:sp>
-          <p:nvSpPr>
-            <p:cNvPr id="17" name="TextBox 16">
-              <a:extLst>
-                <a:ext uri="{FF2B5EF4-FFF2-40B4-BE49-F238E27FC236}">
-                  <a16:creationId xmlns:a16="http://schemas.microsoft.com/office/drawing/2014/main" id="{DDB3FAD2-3226-9048-B4A6-F50F9FE75BA9}"/>
-                </a:ext>
-              </a:extLst>
-            </p:cNvPr>
-            <p:cNvSpPr txBox="1"/>
-            <p:nvPr/>
-          </p:nvSpPr>
-          <p:spPr>
-            <a:xfrm>
-              <a:off x="7018021" y="4369680"/>
-              <a:ext cx="3741420" cy="430887"/>
-            </a:xfrm>
-            <a:prstGeom prst="rect">
-              <a:avLst/>
-            </a:prstGeom>
-            <a:noFill/>
-          </p:spPr>
-          <p:txBody>
-            <a:bodyPr wrap="square" rtlCol="0">
-              <a:spAutoFit/>
-            </a:bodyPr>
-            <a:lstStyle/>
-            <a:p>
-              <a:pPr algn="just"/>
-              <a:r>
-                <a:rPr lang="en-US" sz="2200" dirty="0">
-                  <a:latin typeface="Lusitana" pitchFamily="2" charset="0"/>
-                </a:rPr>
-                <a:t>AUROC = 0.948</a:t>
-              </a:r>
-            </a:p>
-          </p:txBody>
-        </p:sp>
-      </p:grpSp>
-    </p:spTree>
-    <p:extLst>
-      <p:ext uri="{BB962C8B-B14F-4D97-AF65-F5344CB8AC3E}">
-        <p14:creationId xmlns:p14="http://schemas.microsoft.com/office/powerpoint/2010/main" val="3332289585"/>
-      </p:ext>
-    </p:extLst>
-  </p:cSld>
-  <p:clrMapOvr>
-    <a:masterClrMapping/>
-  </p:clrMapOvr>
-</p:sld>
-</file>
-
-<file path=ppt/slides/slide7.xml><?xml version="1.0" encoding="utf-8"?>
+<file path=ppt/slides/slide10.xml><?xml version="1.0" encoding="utf-8"?>
 <p:sld xmlns:a="http://schemas.openxmlformats.org/drawingml/2006/main" xmlns:r="http://schemas.openxmlformats.org/officeDocument/2006/relationships" xmlns:p="http://schemas.openxmlformats.org/presentationml/2006/main">
   <p:cSld>
     <p:spTree>
@@ -8063,7 +7144,346 @@
 </p:sld>
 </file>
 
-<file path=ppt/slides/slide8.xml><?xml version="1.0" encoding="utf-8"?>
+<file path=ppt/slides/slide11.xml><?xml version="1.0" encoding="utf-8"?>
+<p:sld xmlns:a="http://schemas.openxmlformats.org/drawingml/2006/main" xmlns:r="http://schemas.openxmlformats.org/officeDocument/2006/relationships" xmlns:p="http://schemas.openxmlformats.org/presentationml/2006/main">
+  <p:cSld>
+    <p:spTree>
+      <p:nvGrpSpPr>
+        <p:cNvPr id="1" name=""/>
+        <p:cNvGrpSpPr/>
+        <p:nvPr/>
+      </p:nvGrpSpPr>
+      <p:grpSpPr>
+        <a:xfrm>
+          <a:off x="0" y="0"/>
+          <a:ext cx="0" cy="0"/>
+          <a:chOff x="0" y="0"/>
+          <a:chExt cx="0" cy="0"/>
+        </a:xfrm>
+      </p:grpSpPr>
+      <p:sp>
+        <p:nvSpPr>
+          <p:cNvPr id="3" name="Title 2">
+            <a:extLst>
+              <a:ext uri="{FF2B5EF4-FFF2-40B4-BE49-F238E27FC236}">
+                <a16:creationId xmlns:a16="http://schemas.microsoft.com/office/drawing/2014/main" id="{89AAC0A9-8A9F-7749-A50C-CD947F888D4F}"/>
+              </a:ext>
+            </a:extLst>
+          </p:cNvPr>
+          <p:cNvSpPr>
+            <a:spLocks noGrp="1"/>
+          </p:cNvSpPr>
+          <p:nvPr>
+            <p:ph type="ctrTitle"/>
+          </p:nvPr>
+        </p:nvSpPr>
+        <p:spPr/>
+        <p:txBody>
+          <a:bodyPr>
+            <a:normAutofit/>
+          </a:bodyPr>
+          <a:lstStyle/>
+          <a:p>
+            <a:r>
+              <a:rPr lang="en-US" sz="4400" dirty="0"/>
+              <a:t>Choosing a machine learning algorithm</a:t>
+            </a:r>
+          </a:p>
+        </p:txBody>
+      </p:sp>
+      <p:sp>
+        <p:nvSpPr>
+          <p:cNvPr id="16" name="TextBox 15">
+            <a:extLst>
+              <a:ext uri="{FF2B5EF4-FFF2-40B4-BE49-F238E27FC236}">
+                <a16:creationId xmlns:a16="http://schemas.microsoft.com/office/drawing/2014/main" id="{70F9A51B-FA63-9D4D-B004-D85D4BF7F03C}"/>
+              </a:ext>
+            </a:extLst>
+          </p:cNvPr>
+          <p:cNvSpPr txBox="1"/>
+          <p:nvPr/>
+        </p:nvSpPr>
+        <p:spPr>
+          <a:xfrm>
+            <a:off x="703627" y="1624829"/>
+            <a:ext cx="10650173" cy="1785104"/>
+          </a:xfrm>
+          <a:prstGeom prst="rect">
+            <a:avLst/>
+          </a:prstGeom>
+          <a:noFill/>
+        </p:spPr>
+        <p:txBody>
+          <a:bodyPr wrap="square" rtlCol="0">
+            <a:spAutoFit/>
+          </a:bodyPr>
+          <a:lstStyle/>
+          <a:p>
+            <a:pPr algn="just"/>
+            <a:r>
+              <a:rPr lang="en-US" sz="2200" dirty="0">
+                <a:latin typeface="Lusitana" pitchFamily="2" charset="0"/>
+              </a:rPr>
+              <a:t>Classification:</a:t>
+            </a:r>
+          </a:p>
+          <a:p>
+            <a:pPr algn="just"/>
+            <a:endParaRPr lang="en-US" sz="2200" dirty="0">
+              <a:latin typeface="Lusitana" pitchFamily="2" charset="0"/>
+            </a:endParaRPr>
+          </a:p>
+          <a:p>
+            <a:pPr algn="just"/>
+            <a:r>
+              <a:rPr lang="en-US" sz="2200" dirty="0">
+                <a:latin typeface="Lusitana" pitchFamily="2" charset="0"/>
+              </a:rPr>
+              <a:t>1. Random forest</a:t>
+            </a:r>
+          </a:p>
+          <a:p>
+            <a:pPr algn="just"/>
+            <a:endParaRPr lang="en-US" sz="2200" dirty="0">
+              <a:latin typeface="Lusitana" pitchFamily="2" charset="0"/>
+            </a:endParaRPr>
+          </a:p>
+          <a:p>
+            <a:pPr algn="just"/>
+            <a:r>
+              <a:rPr lang="en-US" sz="2200" dirty="0">
+                <a:latin typeface="Lusitana" pitchFamily="2" charset="0"/>
+              </a:rPr>
+              <a:t>2. Logistic regression</a:t>
+            </a:r>
+          </a:p>
+        </p:txBody>
+      </p:sp>
+    </p:spTree>
+    <p:extLst>
+      <p:ext uri="{BB962C8B-B14F-4D97-AF65-F5344CB8AC3E}">
+        <p14:creationId xmlns:p14="http://schemas.microsoft.com/office/powerpoint/2010/main" val="2300932974"/>
+      </p:ext>
+    </p:extLst>
+  </p:cSld>
+  <p:clrMapOvr>
+    <a:masterClrMapping/>
+  </p:clrMapOvr>
+</p:sld>
+</file>
+
+<file path=ppt/slides/slide12.xml><?xml version="1.0" encoding="utf-8"?>
+<p:sld xmlns:a="http://schemas.openxmlformats.org/drawingml/2006/main" xmlns:r="http://schemas.openxmlformats.org/officeDocument/2006/relationships" xmlns:p="http://schemas.openxmlformats.org/presentationml/2006/main">
+  <p:cSld>
+    <p:spTree>
+      <p:nvGrpSpPr>
+        <p:cNvPr id="1" name=""/>
+        <p:cNvGrpSpPr/>
+        <p:nvPr/>
+      </p:nvGrpSpPr>
+      <p:grpSpPr>
+        <a:xfrm>
+          <a:off x="0" y="0"/>
+          <a:ext cx="0" cy="0"/>
+          <a:chOff x="0" y="0"/>
+          <a:chExt cx="0" cy="0"/>
+        </a:xfrm>
+      </p:grpSpPr>
+      <p:sp>
+        <p:nvSpPr>
+          <p:cNvPr id="3" name="Title 2">
+            <a:extLst>
+              <a:ext uri="{FF2B5EF4-FFF2-40B4-BE49-F238E27FC236}">
+                <a16:creationId xmlns:a16="http://schemas.microsoft.com/office/drawing/2014/main" id="{89AAC0A9-8A9F-7749-A50C-CD947F888D4F}"/>
+              </a:ext>
+            </a:extLst>
+          </p:cNvPr>
+          <p:cNvSpPr>
+            <a:spLocks noGrp="1"/>
+          </p:cNvSpPr>
+          <p:nvPr>
+            <p:ph type="ctrTitle"/>
+          </p:nvPr>
+        </p:nvSpPr>
+        <p:spPr/>
+        <p:txBody>
+          <a:bodyPr>
+            <a:normAutofit/>
+          </a:bodyPr>
+          <a:lstStyle/>
+          <a:p>
+            <a:r>
+              <a:rPr lang="en-US" sz="4400" dirty="0"/>
+              <a:t>Important features</a:t>
+            </a:r>
+          </a:p>
+        </p:txBody>
+      </p:sp>
+      <p:sp>
+        <p:nvSpPr>
+          <p:cNvPr id="16" name="TextBox 15">
+            <a:extLst>
+              <a:ext uri="{FF2B5EF4-FFF2-40B4-BE49-F238E27FC236}">
+                <a16:creationId xmlns:a16="http://schemas.microsoft.com/office/drawing/2014/main" id="{70F9A51B-FA63-9D4D-B004-D85D4BF7F03C}"/>
+              </a:ext>
+            </a:extLst>
+          </p:cNvPr>
+          <p:cNvSpPr txBox="1"/>
+          <p:nvPr/>
+        </p:nvSpPr>
+        <p:spPr>
+          <a:xfrm>
+            <a:off x="703627" y="1624829"/>
+            <a:ext cx="10650173" cy="430887"/>
+          </a:xfrm>
+          <a:prstGeom prst="rect">
+            <a:avLst/>
+          </a:prstGeom>
+          <a:noFill/>
+        </p:spPr>
+        <p:txBody>
+          <a:bodyPr wrap="square" rtlCol="0">
+            <a:spAutoFit/>
+          </a:bodyPr>
+          <a:lstStyle/>
+          <a:p>
+            <a:pPr algn="just"/>
+            <a:r>
+              <a:rPr lang="en-US" sz="2200" dirty="0">
+                <a:latin typeface="Lusitana" pitchFamily="2" charset="0"/>
+              </a:rPr>
+              <a:t>Can we acquire some physically meaningful insights from our featurization method? </a:t>
+            </a:r>
+          </a:p>
+        </p:txBody>
+      </p:sp>
+    </p:spTree>
+    <p:extLst>
+      <p:ext uri="{BB962C8B-B14F-4D97-AF65-F5344CB8AC3E}">
+        <p14:creationId xmlns:p14="http://schemas.microsoft.com/office/powerpoint/2010/main" val="3808824233"/>
+      </p:ext>
+    </p:extLst>
+  </p:cSld>
+  <p:clrMapOvr>
+    <a:masterClrMapping/>
+  </p:clrMapOvr>
+</p:sld>
+</file>
+
+<file path=ppt/slides/slide13.xml><?xml version="1.0" encoding="utf-8"?>
+<p:sld xmlns:a="http://schemas.openxmlformats.org/drawingml/2006/main" xmlns:r="http://schemas.openxmlformats.org/officeDocument/2006/relationships" xmlns:p="http://schemas.openxmlformats.org/presentationml/2006/main">
+  <p:cSld>
+    <p:spTree>
+      <p:nvGrpSpPr>
+        <p:cNvPr id="1" name=""/>
+        <p:cNvGrpSpPr/>
+        <p:nvPr/>
+      </p:nvGrpSpPr>
+      <p:grpSpPr>
+        <a:xfrm>
+          <a:off x="0" y="0"/>
+          <a:ext cx="0" cy="0"/>
+          <a:chOff x="0" y="0"/>
+          <a:chExt cx="0" cy="0"/>
+        </a:xfrm>
+      </p:grpSpPr>
+      <p:sp>
+        <p:nvSpPr>
+          <p:cNvPr id="3" name="Title 2">
+            <a:extLst>
+              <a:ext uri="{FF2B5EF4-FFF2-40B4-BE49-F238E27FC236}">
+                <a16:creationId xmlns:a16="http://schemas.microsoft.com/office/drawing/2014/main" id="{89AAC0A9-8A9F-7749-A50C-CD947F888D4F}"/>
+              </a:ext>
+            </a:extLst>
+          </p:cNvPr>
+          <p:cNvSpPr>
+            <a:spLocks noGrp="1"/>
+          </p:cNvSpPr>
+          <p:nvPr>
+            <p:ph type="ctrTitle"/>
+          </p:nvPr>
+        </p:nvSpPr>
+        <p:spPr/>
+        <p:txBody>
+          <a:bodyPr>
+            <a:normAutofit/>
+          </a:bodyPr>
+          <a:lstStyle/>
+          <a:p>
+            <a:r>
+              <a:rPr lang="en-US" sz="4400" dirty="0"/>
+              <a:t>Assess model quality</a:t>
+            </a:r>
+          </a:p>
+        </p:txBody>
+      </p:sp>
+      <p:sp>
+        <p:nvSpPr>
+          <p:cNvPr id="16" name="TextBox 15">
+            <a:extLst>
+              <a:ext uri="{FF2B5EF4-FFF2-40B4-BE49-F238E27FC236}">
+                <a16:creationId xmlns:a16="http://schemas.microsoft.com/office/drawing/2014/main" id="{70F9A51B-FA63-9D4D-B004-D85D4BF7F03C}"/>
+              </a:ext>
+            </a:extLst>
+          </p:cNvPr>
+          <p:cNvSpPr txBox="1"/>
+          <p:nvPr/>
+        </p:nvSpPr>
+        <p:spPr>
+          <a:xfrm>
+            <a:off x="703627" y="1624829"/>
+            <a:ext cx="10650173" cy="1107996"/>
+          </a:xfrm>
+          <a:prstGeom prst="rect">
+            <a:avLst/>
+          </a:prstGeom>
+          <a:noFill/>
+        </p:spPr>
+        <p:txBody>
+          <a:bodyPr wrap="square" rtlCol="0">
+            <a:spAutoFit/>
+          </a:bodyPr>
+          <a:lstStyle/>
+          <a:p>
+            <a:pPr algn="just"/>
+            <a:r>
+              <a:rPr lang="en-US" sz="2200" dirty="0">
+                <a:latin typeface="Lusitana" pitchFamily="2" charset="0"/>
+              </a:rPr>
+              <a:t>Cross-validation</a:t>
+            </a:r>
+          </a:p>
+          <a:p>
+            <a:pPr algn="just"/>
+            <a:endParaRPr lang="en-US" sz="2200" dirty="0">
+              <a:latin typeface="Lusitana" pitchFamily="2" charset="0"/>
+            </a:endParaRPr>
+          </a:p>
+          <a:p>
+            <a:pPr algn="just"/>
+            <a:r>
+              <a:rPr lang="en-US" sz="2200" dirty="0">
+                <a:latin typeface="Lusitana" pitchFamily="2" charset="0"/>
+              </a:rPr>
+              <a:t>Compare to “ground-truth”</a:t>
+            </a:r>
+          </a:p>
+        </p:txBody>
+      </p:sp>
+    </p:spTree>
+    <p:extLst>
+      <p:ext uri="{BB962C8B-B14F-4D97-AF65-F5344CB8AC3E}">
+        <p14:creationId xmlns:p14="http://schemas.microsoft.com/office/powerpoint/2010/main" val="2584632132"/>
+      </p:ext>
+    </p:extLst>
+  </p:cSld>
+  <p:clrMapOvr>
+    <a:masterClrMapping/>
+  </p:clrMapOvr>
+</p:sld>
+</file>
+
+<file path=ppt/slides/slide14.xml><?xml version="1.0" encoding="utf-8"?>
 <p:sld xmlns:a="http://schemas.openxmlformats.org/drawingml/2006/main" xmlns:r="http://schemas.openxmlformats.org/officeDocument/2006/relationships" xmlns:p="http://schemas.openxmlformats.org/presentationml/2006/main">
   <p:cSld>
     <p:spTree>
@@ -8583,7 +8003,7 @@
 </p:sld>
 </file>
 
-<file path=ppt/slides/slide9.xml><?xml version="1.0" encoding="utf-8"?>
+<file path=ppt/slides/slide15.xml><?xml version="1.0" encoding="utf-8"?>
 <p:sld xmlns:a="http://schemas.openxmlformats.org/drawingml/2006/main" xmlns:r="http://schemas.openxmlformats.org/officeDocument/2006/relationships" xmlns:p="http://schemas.openxmlformats.org/presentationml/2006/main">
   <p:cSld>
     <p:spTree>
@@ -8669,6 +8089,2178 @@
     <p:extLst>
       <p:ext uri="{BB962C8B-B14F-4D97-AF65-F5344CB8AC3E}">
         <p14:creationId xmlns:p14="http://schemas.microsoft.com/office/powerpoint/2010/main" val="857507343"/>
+      </p:ext>
+    </p:extLst>
+  </p:cSld>
+  <p:clrMapOvr>
+    <a:masterClrMapping/>
+  </p:clrMapOvr>
+</p:sld>
+</file>
+
+<file path=ppt/slides/slide2.xml><?xml version="1.0" encoding="utf-8"?>
+<p:sld xmlns:a="http://schemas.openxmlformats.org/drawingml/2006/main" xmlns:r="http://schemas.openxmlformats.org/officeDocument/2006/relationships" xmlns:p="http://schemas.openxmlformats.org/presentationml/2006/main">
+  <p:cSld>
+    <p:spTree>
+      <p:nvGrpSpPr>
+        <p:cNvPr id="1" name=""/>
+        <p:cNvGrpSpPr/>
+        <p:nvPr/>
+      </p:nvGrpSpPr>
+      <p:grpSpPr>
+        <a:xfrm>
+          <a:off x="0" y="0"/>
+          <a:ext cx="0" cy="0"/>
+          <a:chOff x="0" y="0"/>
+          <a:chExt cx="0" cy="0"/>
+        </a:xfrm>
+      </p:grpSpPr>
+      <p:sp>
+        <p:nvSpPr>
+          <p:cNvPr id="2" name="Title 1"/>
+          <p:cNvSpPr>
+            <a:spLocks noGrp="1"/>
+          </p:cNvSpPr>
+          <p:nvPr>
+            <p:ph type="ctrTitle"/>
+          </p:nvPr>
+        </p:nvSpPr>
+        <p:spPr>
+          <a:xfrm>
+            <a:off x="609599" y="609600"/>
+            <a:ext cx="7038110" cy="3652434"/>
+          </a:xfrm>
+        </p:spPr>
+        <p:txBody>
+          <a:bodyPr/>
+          <a:lstStyle/>
+          <a:p>
+            <a:r>
+              <a:rPr lang="en-US" dirty="0"/>
+              <a:t>Predicting the formation of binary compounds using machine learning</a:t>
+            </a:r>
+          </a:p>
+        </p:txBody>
+      </p:sp>
+      <p:sp>
+        <p:nvSpPr>
+          <p:cNvPr id="3" name="Text Placeholder 2"/>
+          <p:cNvSpPr>
+            <a:spLocks noGrp="1"/>
+          </p:cNvSpPr>
+          <p:nvPr>
+            <p:ph type="body" sz="quarter" idx="10"/>
+          </p:nvPr>
+        </p:nvSpPr>
+        <p:spPr>
+          <a:xfrm>
+            <a:off x="8423022" y="5562600"/>
+            <a:ext cx="3437508" cy="441960"/>
+          </a:xfrm>
+        </p:spPr>
+        <p:txBody>
+          <a:bodyPr anchor="t">
+            <a:noAutofit/>
+          </a:bodyPr>
+          <a:lstStyle/>
+          <a:p>
+            <a:r>
+              <a:rPr lang="en-US" sz="1800" b="1" dirty="0"/>
+              <a:t>Chris Borg, </a:t>
+            </a:r>
+            <a:r>
+              <a:rPr lang="en-US" sz="1800" dirty="0"/>
+              <a:t>Research Scientist</a:t>
+            </a:r>
+          </a:p>
+        </p:txBody>
+      </p:sp>
+      <p:sp>
+        <p:nvSpPr>
+          <p:cNvPr id="4" name="Text Placeholder 3"/>
+          <p:cNvSpPr>
+            <a:spLocks noGrp="1"/>
+          </p:cNvSpPr>
+          <p:nvPr>
+            <p:ph type="body" sz="quarter" idx="11"/>
+          </p:nvPr>
+        </p:nvSpPr>
+        <p:spPr>
+          <a:xfrm>
+            <a:off x="609599" y="5562600"/>
+            <a:ext cx="3122142" cy="430213"/>
+          </a:xfrm>
+        </p:spPr>
+        <p:txBody>
+          <a:bodyPr>
+            <a:noAutofit/>
+          </a:bodyPr>
+          <a:lstStyle/>
+          <a:p>
+            <a:endParaRPr lang="en-US" sz="2000" dirty="0"/>
+          </a:p>
+          <a:p>
+            <a:r>
+              <a:rPr lang="en-US" sz="2000" dirty="0"/>
+              <a:t>5 September 2019</a:t>
+            </a:r>
+          </a:p>
+        </p:txBody>
+      </p:sp>
+    </p:spTree>
+    <p:extLst>
+      <p:ext uri="{BB962C8B-B14F-4D97-AF65-F5344CB8AC3E}">
+        <p14:creationId xmlns:p14="http://schemas.microsoft.com/office/powerpoint/2010/main" val="1868553046"/>
+      </p:ext>
+    </p:extLst>
+  </p:cSld>
+  <p:clrMapOvr>
+    <a:masterClrMapping/>
+  </p:clrMapOvr>
+</p:sld>
+</file>
+
+<file path=ppt/slides/slide3.xml><?xml version="1.0" encoding="utf-8"?>
+<p:sld xmlns:a="http://schemas.openxmlformats.org/drawingml/2006/main" xmlns:r="http://schemas.openxmlformats.org/officeDocument/2006/relationships" xmlns:p="http://schemas.openxmlformats.org/presentationml/2006/main">
+  <p:cSld>
+    <p:spTree>
+      <p:nvGrpSpPr>
+        <p:cNvPr id="1" name=""/>
+        <p:cNvGrpSpPr/>
+        <p:nvPr/>
+      </p:nvGrpSpPr>
+      <p:grpSpPr>
+        <a:xfrm>
+          <a:off x="0" y="0"/>
+          <a:ext cx="0" cy="0"/>
+          <a:chOff x="0" y="0"/>
+          <a:chExt cx="0" cy="0"/>
+        </a:xfrm>
+      </p:grpSpPr>
+      <p:sp>
+        <p:nvSpPr>
+          <p:cNvPr id="3" name="Title 2">
+            <a:extLst>
+              <a:ext uri="{FF2B5EF4-FFF2-40B4-BE49-F238E27FC236}">
+                <a16:creationId xmlns:a16="http://schemas.microsoft.com/office/drawing/2014/main" id="{89AAC0A9-8A9F-7749-A50C-CD947F888D4F}"/>
+              </a:ext>
+            </a:extLst>
+          </p:cNvPr>
+          <p:cNvSpPr>
+            <a:spLocks noGrp="1"/>
+          </p:cNvSpPr>
+          <p:nvPr>
+            <p:ph type="ctrTitle"/>
+          </p:nvPr>
+        </p:nvSpPr>
+        <p:spPr/>
+        <p:txBody>
+          <a:bodyPr>
+            <a:normAutofit/>
+          </a:bodyPr>
+          <a:lstStyle/>
+          <a:p>
+            <a:r>
+              <a:rPr lang="en-US" sz="4400" dirty="0"/>
+              <a:t>Agenda</a:t>
+            </a:r>
+          </a:p>
+        </p:txBody>
+      </p:sp>
+      <p:sp>
+        <p:nvSpPr>
+          <p:cNvPr id="4" name="TextBox 3">
+            <a:extLst>
+              <a:ext uri="{FF2B5EF4-FFF2-40B4-BE49-F238E27FC236}">
+                <a16:creationId xmlns:a16="http://schemas.microsoft.com/office/drawing/2014/main" id="{E0A589C5-1E2B-6E4B-9280-1940F85AC1B5}"/>
+              </a:ext>
+            </a:extLst>
+          </p:cNvPr>
+          <p:cNvSpPr txBox="1"/>
+          <p:nvPr/>
+        </p:nvSpPr>
+        <p:spPr>
+          <a:xfrm>
+            <a:off x="742951" y="1832693"/>
+            <a:ext cx="8153075" cy="2246769"/>
+          </a:xfrm>
+          <a:prstGeom prst="rect">
+            <a:avLst/>
+          </a:prstGeom>
+          <a:noFill/>
+        </p:spPr>
+        <p:txBody>
+          <a:bodyPr wrap="square" rtlCol="0">
+            <a:spAutoFit/>
+          </a:bodyPr>
+          <a:lstStyle/>
+          <a:p>
+            <a:r>
+              <a:rPr lang="en-US" sz="2000" dirty="0">
+                <a:latin typeface="Lusitana" pitchFamily="2" charset="0"/>
+              </a:rPr>
+              <a:t>0.     Is this a good problem for ML?</a:t>
+            </a:r>
+          </a:p>
+          <a:p>
+            <a:pPr marL="457200" indent="-457200">
+              <a:buAutoNum type="arabicPeriod"/>
+            </a:pPr>
+            <a:r>
+              <a:rPr lang="en-US" sz="2000" dirty="0">
+                <a:latin typeface="Lusitana" pitchFamily="2" charset="0"/>
+              </a:rPr>
+              <a:t>Data preparation</a:t>
+            </a:r>
+          </a:p>
+          <a:p>
+            <a:pPr marL="914400" lvl="1" indent="-457200">
+              <a:buAutoNum type="alphaLcPeriod"/>
+            </a:pPr>
+            <a:r>
+              <a:rPr lang="en-US" sz="2000" dirty="0">
+                <a:latin typeface="Lusitana" pitchFamily="2" charset="0"/>
+              </a:rPr>
+              <a:t>Breakout stability vector</a:t>
+            </a:r>
+          </a:p>
+          <a:p>
+            <a:pPr marL="914400" lvl="1" indent="-457200">
+              <a:buAutoNum type="alphaLcPeriod"/>
+            </a:pPr>
+            <a:r>
+              <a:rPr lang="en-US" sz="2000" dirty="0" err="1">
+                <a:latin typeface="Lusitana" pitchFamily="2" charset="0"/>
+              </a:rPr>
+              <a:t>Featurize</a:t>
+            </a:r>
+            <a:r>
+              <a:rPr lang="en-US" sz="2000" dirty="0">
+                <a:latin typeface="Lusitana" pitchFamily="2" charset="0"/>
+              </a:rPr>
+              <a:t> with magpie</a:t>
+            </a:r>
+          </a:p>
+          <a:p>
+            <a:pPr marL="457200" indent="-457200">
+              <a:buAutoNum type="arabicPeriod"/>
+            </a:pPr>
+            <a:r>
+              <a:rPr lang="en-US" sz="2000" dirty="0">
+                <a:latin typeface="Lusitana" pitchFamily="2" charset="0"/>
+              </a:rPr>
+              <a:t>Modeling</a:t>
+            </a:r>
+          </a:p>
+          <a:p>
+            <a:pPr marL="457200" indent="-457200">
+              <a:buAutoNum type="arabicPeriod"/>
+            </a:pPr>
+            <a:r>
+              <a:rPr lang="en-US" sz="2000" dirty="0">
+                <a:latin typeface="Lusitana" pitchFamily="2" charset="0"/>
+              </a:rPr>
+              <a:t>Model quality</a:t>
+            </a:r>
+          </a:p>
+          <a:p>
+            <a:pPr marL="457200" indent="-457200">
+              <a:buAutoNum type="arabicPeriod"/>
+            </a:pPr>
+            <a:r>
+              <a:rPr lang="en-US" sz="2000" dirty="0">
+                <a:latin typeface="Lusitana" pitchFamily="2" charset="0"/>
+              </a:rPr>
+              <a:t>Further considerations</a:t>
+            </a:r>
+          </a:p>
+        </p:txBody>
+      </p:sp>
+    </p:spTree>
+    <p:extLst>
+      <p:ext uri="{BB962C8B-B14F-4D97-AF65-F5344CB8AC3E}">
+        <p14:creationId xmlns:p14="http://schemas.microsoft.com/office/powerpoint/2010/main" val="2816360566"/>
+      </p:ext>
+    </p:extLst>
+  </p:cSld>
+  <p:clrMapOvr>
+    <a:masterClrMapping/>
+  </p:clrMapOvr>
+</p:sld>
+</file>
+
+<file path=ppt/slides/slide4.xml><?xml version="1.0" encoding="utf-8"?>
+<p:sld xmlns:a="http://schemas.openxmlformats.org/drawingml/2006/main" xmlns:r="http://schemas.openxmlformats.org/officeDocument/2006/relationships" xmlns:p="http://schemas.openxmlformats.org/presentationml/2006/main">
+  <p:cSld>
+    <p:spTree>
+      <p:nvGrpSpPr>
+        <p:cNvPr id="1" name=""/>
+        <p:cNvGrpSpPr/>
+        <p:nvPr/>
+      </p:nvGrpSpPr>
+      <p:grpSpPr>
+        <a:xfrm>
+          <a:off x="0" y="0"/>
+          <a:ext cx="0" cy="0"/>
+          <a:chOff x="0" y="0"/>
+          <a:chExt cx="0" cy="0"/>
+        </a:xfrm>
+      </p:grpSpPr>
+      <p:sp>
+        <p:nvSpPr>
+          <p:cNvPr id="3" name="Title 2">
+            <a:extLst>
+              <a:ext uri="{FF2B5EF4-FFF2-40B4-BE49-F238E27FC236}">
+                <a16:creationId xmlns:a16="http://schemas.microsoft.com/office/drawing/2014/main" id="{89AAC0A9-8A9F-7749-A50C-CD947F888D4F}"/>
+              </a:ext>
+            </a:extLst>
+          </p:cNvPr>
+          <p:cNvSpPr>
+            <a:spLocks noGrp="1"/>
+          </p:cNvSpPr>
+          <p:nvPr>
+            <p:ph type="ctrTitle"/>
+          </p:nvPr>
+        </p:nvSpPr>
+        <p:spPr/>
+        <p:txBody>
+          <a:bodyPr>
+            <a:normAutofit/>
+          </a:bodyPr>
+          <a:lstStyle/>
+          <a:p>
+            <a:r>
+              <a:rPr lang="en-US" sz="4400" dirty="0"/>
+              <a:t>Task: Predict the stability of binary compounds</a:t>
+            </a:r>
+          </a:p>
+        </p:txBody>
+      </p:sp>
+      <p:pic>
+        <p:nvPicPr>
+          <p:cNvPr id="4" name="Picture 3">
+            <a:extLst>
+              <a:ext uri="{FF2B5EF4-FFF2-40B4-BE49-F238E27FC236}">
+                <a16:creationId xmlns:a16="http://schemas.microsoft.com/office/drawing/2014/main" id="{61770D93-62A5-F04B-9065-32E1D60765E6}"/>
+              </a:ext>
+            </a:extLst>
+          </p:cNvPr>
+          <p:cNvPicPr>
+            <a:picLocks noChangeAspect="1"/>
+          </p:cNvPicPr>
+          <p:nvPr/>
+        </p:nvPicPr>
+        <p:blipFill>
+          <a:blip r:embed="rId3"/>
+          <a:stretch>
+            <a:fillRect/>
+          </a:stretch>
+        </p:blipFill>
+        <p:spPr>
+          <a:xfrm>
+            <a:off x="590551" y="1763295"/>
+            <a:ext cx="4761493" cy="3750365"/>
+          </a:xfrm>
+          <a:prstGeom prst="rect">
+            <a:avLst/>
+          </a:prstGeom>
+          <a:ln>
+            <a:solidFill>
+              <a:schemeClr val="tx1"/>
+            </a:solidFill>
+          </a:ln>
+        </p:spPr>
+      </p:pic>
+      <p:sp>
+        <p:nvSpPr>
+          <p:cNvPr id="6" name="TextBox 5">
+            <a:extLst>
+              <a:ext uri="{FF2B5EF4-FFF2-40B4-BE49-F238E27FC236}">
+                <a16:creationId xmlns:a16="http://schemas.microsoft.com/office/drawing/2014/main" id="{9FF4328B-6F0D-3F4E-AD4D-98FEEB616A1D}"/>
+              </a:ext>
+            </a:extLst>
+          </p:cNvPr>
+          <p:cNvSpPr txBox="1"/>
+          <p:nvPr/>
+        </p:nvSpPr>
+        <p:spPr>
+          <a:xfrm>
+            <a:off x="5972175" y="4313331"/>
+            <a:ext cx="5381625" cy="830997"/>
+          </a:xfrm>
+          <a:prstGeom prst="rect">
+            <a:avLst/>
+          </a:prstGeom>
+          <a:noFill/>
+        </p:spPr>
+        <p:txBody>
+          <a:bodyPr wrap="square" rtlCol="0">
+            <a:spAutoFit/>
+          </a:bodyPr>
+          <a:lstStyle/>
+          <a:p>
+            <a:r>
+              <a:rPr lang="en-US" sz="2400" dirty="0">
+                <a:latin typeface="Lusitana" pitchFamily="2" charset="0"/>
+              </a:rPr>
+              <a:t>Task: build a machine learning model in python to predict the full stability vector</a:t>
+            </a:r>
+          </a:p>
+        </p:txBody>
+      </p:sp>
+      <p:sp>
+        <p:nvSpPr>
+          <p:cNvPr id="7" name="TextBox 6">
+            <a:extLst>
+              <a:ext uri="{FF2B5EF4-FFF2-40B4-BE49-F238E27FC236}">
+                <a16:creationId xmlns:a16="http://schemas.microsoft.com/office/drawing/2014/main" id="{4F88E11C-9FAA-4043-9F6C-A008FEAA5A35}"/>
+              </a:ext>
+            </a:extLst>
+          </p:cNvPr>
+          <p:cNvSpPr txBox="1"/>
+          <p:nvPr/>
+        </p:nvSpPr>
+        <p:spPr>
+          <a:xfrm>
+            <a:off x="5972175" y="1895434"/>
+            <a:ext cx="5101076" cy="461665"/>
+          </a:xfrm>
+          <a:prstGeom prst="rect">
+            <a:avLst/>
+          </a:prstGeom>
+          <a:noFill/>
+        </p:spPr>
+        <p:txBody>
+          <a:bodyPr wrap="none" rtlCol="0">
+            <a:spAutoFit/>
+          </a:bodyPr>
+          <a:lstStyle/>
+          <a:p>
+            <a:r>
+              <a:rPr lang="en-US" sz="2400" dirty="0" err="1">
+                <a:latin typeface="Lusitana" pitchFamily="2" charset="0"/>
+              </a:rPr>
+              <a:t>stabilityVec</a:t>
+            </a:r>
+            <a:r>
+              <a:rPr lang="en-US" sz="2400" dirty="0">
+                <a:latin typeface="Lusitana" pitchFamily="2" charset="0"/>
+              </a:rPr>
+              <a:t>: [1, 0, 0, 0, 0, 1, 1, 0, 0, 0, 1]</a:t>
+            </a:r>
+          </a:p>
+        </p:txBody>
+      </p:sp>
+      <p:sp>
+        <p:nvSpPr>
+          <p:cNvPr id="8" name="TextBox 7">
+            <a:extLst>
+              <a:ext uri="{FF2B5EF4-FFF2-40B4-BE49-F238E27FC236}">
+                <a16:creationId xmlns:a16="http://schemas.microsoft.com/office/drawing/2014/main" id="{9B5CDF7D-4A4D-AD46-95CE-E46FC2E5EEBC}"/>
+              </a:ext>
+            </a:extLst>
+          </p:cNvPr>
+          <p:cNvSpPr txBox="1"/>
+          <p:nvPr/>
+        </p:nvSpPr>
+        <p:spPr>
+          <a:xfrm>
+            <a:off x="8926211" y="3233336"/>
+            <a:ext cx="2008883" cy="461665"/>
+          </a:xfrm>
+          <a:prstGeom prst="rect">
+            <a:avLst/>
+          </a:prstGeom>
+          <a:noFill/>
+        </p:spPr>
+        <p:txBody>
+          <a:bodyPr wrap="none" rtlCol="0">
+            <a:spAutoFit/>
+          </a:bodyPr>
+          <a:lstStyle/>
+          <a:p>
+            <a:r>
+              <a:rPr lang="en-US" sz="2400" dirty="0" err="1">
+                <a:latin typeface="Lusitana" pitchFamily="2" charset="0"/>
+              </a:rPr>
+              <a:t>NaCl</a:t>
+            </a:r>
+            <a:r>
+              <a:rPr lang="en-US" sz="2400" dirty="0">
+                <a:latin typeface="Lusitana" pitchFamily="2" charset="0"/>
+              </a:rPr>
+              <a:t>, Na2Cl3</a:t>
+            </a:r>
+          </a:p>
+        </p:txBody>
+      </p:sp>
+      <p:sp>
+        <p:nvSpPr>
+          <p:cNvPr id="9" name="Rectangle 8">
+            <a:extLst>
+              <a:ext uri="{FF2B5EF4-FFF2-40B4-BE49-F238E27FC236}">
+                <a16:creationId xmlns:a16="http://schemas.microsoft.com/office/drawing/2014/main" id="{0F06C09E-D5BB-914F-B17C-0BE8B10E723E}"/>
+              </a:ext>
+            </a:extLst>
+          </p:cNvPr>
+          <p:cNvSpPr/>
+          <p:nvPr/>
+        </p:nvSpPr>
+        <p:spPr>
+          <a:xfrm>
+            <a:off x="694713" y="5560356"/>
+            <a:ext cx="4740400" cy="369332"/>
+          </a:xfrm>
+          <a:prstGeom prst="rect">
+            <a:avLst/>
+          </a:prstGeom>
+        </p:spPr>
+        <p:txBody>
+          <a:bodyPr wrap="none">
+            <a:spAutoFit/>
+          </a:bodyPr>
+          <a:lstStyle/>
+          <a:p>
+            <a:r>
+              <a:rPr lang="en-US" dirty="0">
+                <a:latin typeface="Lusitana" pitchFamily="2" charset="0"/>
+                <a:hlinkClick r:id="rId4"/>
+              </a:rPr>
+              <a:t>http://oqmd.org/materials/composition/NaCl</a:t>
+            </a:r>
+            <a:endParaRPr lang="en-US" dirty="0">
+              <a:latin typeface="Lusitana" pitchFamily="2" charset="0"/>
+            </a:endParaRPr>
+          </a:p>
+        </p:txBody>
+      </p:sp>
+      <p:sp>
+        <p:nvSpPr>
+          <p:cNvPr id="10" name="TextBox 9">
+            <a:extLst>
+              <a:ext uri="{FF2B5EF4-FFF2-40B4-BE49-F238E27FC236}">
+                <a16:creationId xmlns:a16="http://schemas.microsoft.com/office/drawing/2014/main" id="{746DDC7B-3478-3448-AB2A-DAE661E3F7FD}"/>
+              </a:ext>
+            </a:extLst>
+          </p:cNvPr>
+          <p:cNvSpPr txBox="1"/>
+          <p:nvPr/>
+        </p:nvSpPr>
+        <p:spPr>
+          <a:xfrm>
+            <a:off x="6096000" y="3071754"/>
+            <a:ext cx="1806905" cy="830997"/>
+          </a:xfrm>
+          <a:prstGeom prst="rect">
+            <a:avLst/>
+          </a:prstGeom>
+          <a:noFill/>
+        </p:spPr>
+        <p:txBody>
+          <a:bodyPr wrap="none" rtlCol="0">
+            <a:spAutoFit/>
+          </a:bodyPr>
+          <a:lstStyle/>
+          <a:p>
+            <a:r>
+              <a:rPr lang="en-US" sz="2400" dirty="0">
+                <a:latin typeface="Lusitana" pitchFamily="2" charset="0"/>
+              </a:rPr>
+              <a:t>1 = stable</a:t>
+            </a:r>
+          </a:p>
+          <a:p>
+            <a:r>
+              <a:rPr lang="en-US" sz="2400" dirty="0">
+                <a:latin typeface="Lusitana" pitchFamily="2" charset="0"/>
+              </a:rPr>
+              <a:t>0 = unstable </a:t>
+            </a:r>
+          </a:p>
+        </p:txBody>
+      </p:sp>
+      <p:sp>
+        <p:nvSpPr>
+          <p:cNvPr id="2" name="Down Arrow 1">
+            <a:extLst>
+              <a:ext uri="{FF2B5EF4-FFF2-40B4-BE49-F238E27FC236}">
+                <a16:creationId xmlns:a16="http://schemas.microsoft.com/office/drawing/2014/main" id="{188E4FFE-0BBD-7A49-9AF2-CEC8FC19F02C}"/>
+              </a:ext>
+            </a:extLst>
+          </p:cNvPr>
+          <p:cNvSpPr/>
+          <p:nvPr/>
+        </p:nvSpPr>
+        <p:spPr>
+          <a:xfrm>
+            <a:off x="9748434" y="2660621"/>
+            <a:ext cx="294468" cy="367425"/>
+          </a:xfrm>
+          <a:prstGeom prst="downArrow">
+            <a:avLst/>
+          </a:prstGeom>
+        </p:spPr>
+        <p:style>
+          <a:lnRef idx="2">
+            <a:schemeClr val="accent1">
+              <a:shade val="50000"/>
+            </a:schemeClr>
+          </a:lnRef>
+          <a:fillRef idx="1">
+            <a:schemeClr val="accent1"/>
+          </a:fillRef>
+          <a:effectRef idx="0">
+            <a:schemeClr val="accent1"/>
+          </a:effectRef>
+          <a:fontRef idx="minor">
+            <a:schemeClr val="lt1"/>
+          </a:fontRef>
+        </p:style>
+        <p:txBody>
+          <a:bodyPr rtlCol="0" anchor="ctr"/>
+          <a:lstStyle/>
+          <a:p>
+            <a:pPr algn="ctr"/>
+            <a:endParaRPr lang="en-US"/>
+          </a:p>
+        </p:txBody>
+      </p:sp>
+    </p:spTree>
+    <p:extLst>
+      <p:ext uri="{BB962C8B-B14F-4D97-AF65-F5344CB8AC3E}">
+        <p14:creationId xmlns:p14="http://schemas.microsoft.com/office/powerpoint/2010/main" val="4066937873"/>
+      </p:ext>
+    </p:extLst>
+  </p:cSld>
+  <p:clrMapOvr>
+    <a:masterClrMapping/>
+  </p:clrMapOvr>
+</p:sld>
+</file>
+
+<file path=ppt/slides/slide5.xml><?xml version="1.0" encoding="utf-8"?>
+<p:sld xmlns:a="http://schemas.openxmlformats.org/drawingml/2006/main" xmlns:r="http://schemas.openxmlformats.org/officeDocument/2006/relationships" xmlns:p="http://schemas.openxmlformats.org/presentationml/2006/main">
+  <p:cSld>
+    <p:spTree>
+      <p:nvGrpSpPr>
+        <p:cNvPr id="1" name=""/>
+        <p:cNvGrpSpPr/>
+        <p:nvPr/>
+      </p:nvGrpSpPr>
+      <p:grpSpPr>
+        <a:xfrm>
+          <a:off x="0" y="0"/>
+          <a:ext cx="0" cy="0"/>
+          <a:chOff x="0" y="0"/>
+          <a:chExt cx="0" cy="0"/>
+        </a:xfrm>
+      </p:grpSpPr>
+      <p:sp>
+        <p:nvSpPr>
+          <p:cNvPr id="3" name="Title 2">
+            <a:extLst>
+              <a:ext uri="{FF2B5EF4-FFF2-40B4-BE49-F238E27FC236}">
+                <a16:creationId xmlns:a16="http://schemas.microsoft.com/office/drawing/2014/main" id="{89AAC0A9-8A9F-7749-A50C-CD947F888D4F}"/>
+              </a:ext>
+            </a:extLst>
+          </p:cNvPr>
+          <p:cNvSpPr>
+            <a:spLocks noGrp="1"/>
+          </p:cNvSpPr>
+          <p:nvPr>
+            <p:ph type="ctrTitle"/>
+          </p:nvPr>
+        </p:nvSpPr>
+        <p:spPr/>
+        <p:txBody>
+          <a:bodyPr>
+            <a:normAutofit/>
+          </a:bodyPr>
+          <a:lstStyle/>
+          <a:p>
+            <a:r>
+              <a:rPr lang="en-US" sz="4400" dirty="0"/>
+              <a:t>Is this a reasonable problem for ML to solve?</a:t>
+            </a:r>
+          </a:p>
+        </p:txBody>
+      </p:sp>
+      <p:sp>
+        <p:nvSpPr>
+          <p:cNvPr id="11" name="TextBox 10">
+            <a:extLst>
+              <a:ext uri="{FF2B5EF4-FFF2-40B4-BE49-F238E27FC236}">
+                <a16:creationId xmlns:a16="http://schemas.microsoft.com/office/drawing/2014/main" id="{2FEDCA76-5C62-5D42-BF72-F8F120A5D0F6}"/>
+              </a:ext>
+            </a:extLst>
+          </p:cNvPr>
+          <p:cNvSpPr txBox="1"/>
+          <p:nvPr/>
+        </p:nvSpPr>
+        <p:spPr>
+          <a:xfrm>
+            <a:off x="714538" y="2093866"/>
+            <a:ext cx="10196269" cy="3785652"/>
+          </a:xfrm>
+          <a:prstGeom prst="rect">
+            <a:avLst/>
+          </a:prstGeom>
+          <a:noFill/>
+        </p:spPr>
+        <p:txBody>
+          <a:bodyPr wrap="square" rtlCol="0">
+            <a:spAutoFit/>
+          </a:bodyPr>
+          <a:lstStyle/>
+          <a:p>
+            <a:r>
+              <a:rPr lang="en-US" sz="2400" b="1" dirty="0">
+                <a:latin typeface="Lusitana" pitchFamily="2" charset="0"/>
+              </a:rPr>
+              <a:t>Machine learning: </a:t>
+            </a:r>
+            <a:r>
+              <a:rPr lang="en-US" sz="2400" dirty="0">
+                <a:latin typeface="Lusitana" pitchFamily="2" charset="0"/>
+              </a:rPr>
+              <a:t>A set of data-driven algorithms that discern patterns from high-dimensional spaces.</a:t>
+            </a:r>
+          </a:p>
+          <a:p>
+            <a:endParaRPr lang="en-US" sz="2400" dirty="0">
+              <a:latin typeface="Lusitana" pitchFamily="2" charset="0"/>
+            </a:endParaRPr>
+          </a:p>
+          <a:p>
+            <a:r>
+              <a:rPr lang="en-US" sz="2400" b="1" dirty="0">
+                <a:latin typeface="Lusitana" pitchFamily="2" charset="0"/>
+              </a:rPr>
+              <a:t>High-dimensional input space: </a:t>
+            </a:r>
+            <a:r>
+              <a:rPr lang="en-US" sz="2400" dirty="0">
+                <a:latin typeface="Lusitana" pitchFamily="2" charset="0"/>
+              </a:rPr>
+              <a:t>chemical composition (can be mapped to 100s of physically meaningful features)</a:t>
+            </a:r>
+          </a:p>
+          <a:p>
+            <a:pPr algn="just"/>
+            <a:endParaRPr lang="en-US" sz="2400" dirty="0">
+              <a:latin typeface="Lusitana" pitchFamily="2" charset="0"/>
+            </a:endParaRPr>
+          </a:p>
+          <a:p>
+            <a:r>
+              <a:rPr lang="en-US" sz="2400" b="1" dirty="0">
+                <a:latin typeface="Lusitana" pitchFamily="2" charset="0"/>
+              </a:rPr>
+              <a:t>Binary output: </a:t>
+            </a:r>
+            <a:r>
+              <a:rPr lang="en-US" sz="2400" dirty="0">
+                <a:latin typeface="Lusitana" pitchFamily="2" charset="0"/>
+              </a:rPr>
+              <a:t>stable/unstable labels for 68k compositions (82 elements, 2572 AB combinations)</a:t>
+            </a:r>
+          </a:p>
+          <a:p>
+            <a:endParaRPr lang="en-US" sz="2400" dirty="0">
+              <a:latin typeface="Lusitana" pitchFamily="2" charset="0"/>
+            </a:endParaRPr>
+          </a:p>
+          <a:p>
+            <a:r>
+              <a:rPr lang="en-US" sz="2400" b="1" dirty="0">
+                <a:latin typeface="Lusitana" pitchFamily="2" charset="0"/>
+              </a:rPr>
+              <a:t>Validation / ”ground-truth”: </a:t>
+            </a:r>
+            <a:r>
+              <a:rPr lang="en-US" sz="2400" dirty="0">
+                <a:latin typeface="Lusitana" pitchFamily="2" charset="0"/>
+              </a:rPr>
+              <a:t>DFT calculated enthalpies of formation </a:t>
+            </a:r>
+          </a:p>
+        </p:txBody>
+      </p:sp>
+    </p:spTree>
+    <p:extLst>
+      <p:ext uri="{BB962C8B-B14F-4D97-AF65-F5344CB8AC3E}">
+        <p14:creationId xmlns:p14="http://schemas.microsoft.com/office/powerpoint/2010/main" val="3687675586"/>
+      </p:ext>
+    </p:extLst>
+  </p:cSld>
+  <p:clrMapOvr>
+    <a:masterClrMapping/>
+  </p:clrMapOvr>
+</p:sld>
+</file>
+
+<file path=ppt/slides/slide6.xml><?xml version="1.0" encoding="utf-8"?>
+<p:sld xmlns:a="http://schemas.openxmlformats.org/drawingml/2006/main" xmlns:r="http://schemas.openxmlformats.org/officeDocument/2006/relationships" xmlns:p="http://schemas.openxmlformats.org/presentationml/2006/main">
+  <p:cSld>
+    <p:spTree>
+      <p:nvGrpSpPr>
+        <p:cNvPr id="1" name=""/>
+        <p:cNvGrpSpPr/>
+        <p:nvPr/>
+      </p:nvGrpSpPr>
+      <p:grpSpPr>
+        <a:xfrm>
+          <a:off x="0" y="0"/>
+          <a:ext cx="0" cy="0"/>
+          <a:chOff x="0" y="0"/>
+          <a:chExt cx="0" cy="0"/>
+        </a:xfrm>
+      </p:grpSpPr>
+      <p:sp>
+        <p:nvSpPr>
+          <p:cNvPr id="3" name="Title 2">
+            <a:extLst>
+              <a:ext uri="{FF2B5EF4-FFF2-40B4-BE49-F238E27FC236}">
+                <a16:creationId xmlns:a16="http://schemas.microsoft.com/office/drawing/2014/main" id="{89AAC0A9-8A9F-7749-A50C-CD947F888D4F}"/>
+              </a:ext>
+            </a:extLst>
+          </p:cNvPr>
+          <p:cNvSpPr>
+            <a:spLocks noGrp="1"/>
+          </p:cNvSpPr>
+          <p:nvPr>
+            <p:ph type="ctrTitle"/>
+          </p:nvPr>
+        </p:nvSpPr>
+        <p:spPr/>
+        <p:txBody>
+          <a:bodyPr>
+            <a:normAutofit/>
+          </a:bodyPr>
+          <a:lstStyle/>
+          <a:p>
+            <a:r>
+              <a:rPr lang="en-US" sz="4400" dirty="0"/>
+              <a:t>Preparing dataset</a:t>
+            </a:r>
+          </a:p>
+        </p:txBody>
+      </p:sp>
+      <p:pic>
+        <p:nvPicPr>
+          <p:cNvPr id="9" name="Picture 8">
+            <a:extLst>
+              <a:ext uri="{FF2B5EF4-FFF2-40B4-BE49-F238E27FC236}">
+                <a16:creationId xmlns:a16="http://schemas.microsoft.com/office/drawing/2014/main" id="{A6E95514-3DB3-DC4A-A217-3E19E73EA67D}"/>
+              </a:ext>
+            </a:extLst>
+          </p:cNvPr>
+          <p:cNvPicPr>
+            <a:picLocks noChangeAspect="1"/>
+          </p:cNvPicPr>
+          <p:nvPr/>
+        </p:nvPicPr>
+        <p:blipFill>
+          <a:blip r:embed="rId3"/>
+          <a:stretch>
+            <a:fillRect/>
+          </a:stretch>
+        </p:blipFill>
+        <p:spPr>
+          <a:xfrm>
+            <a:off x="581884" y="1944719"/>
+            <a:ext cx="1905293" cy="1538218"/>
+          </a:xfrm>
+          <a:prstGeom prst="rect">
+            <a:avLst/>
+          </a:prstGeom>
+          <a:ln>
+            <a:solidFill>
+              <a:schemeClr val="tx1"/>
+            </a:solidFill>
+          </a:ln>
+        </p:spPr>
+      </p:pic>
+      <p:pic>
+        <p:nvPicPr>
+          <p:cNvPr id="10" name="Picture 9">
+            <a:extLst>
+              <a:ext uri="{FF2B5EF4-FFF2-40B4-BE49-F238E27FC236}">
+                <a16:creationId xmlns:a16="http://schemas.microsoft.com/office/drawing/2014/main" id="{D21509FC-50C5-724D-A426-F6243964DC79}"/>
+              </a:ext>
+            </a:extLst>
+          </p:cNvPr>
+          <p:cNvPicPr>
+            <a:picLocks noChangeAspect="1"/>
+          </p:cNvPicPr>
+          <p:nvPr/>
+        </p:nvPicPr>
+        <p:blipFill>
+          <a:blip r:embed="rId4"/>
+          <a:stretch>
+            <a:fillRect/>
+          </a:stretch>
+        </p:blipFill>
+        <p:spPr>
+          <a:xfrm>
+            <a:off x="3174559" y="2299785"/>
+            <a:ext cx="3599998" cy="1019795"/>
+          </a:xfrm>
+          <a:prstGeom prst="rect">
+            <a:avLst/>
+          </a:prstGeom>
+          <a:ln>
+            <a:solidFill>
+              <a:schemeClr val="tx1"/>
+            </a:solidFill>
+          </a:ln>
+        </p:spPr>
+      </p:pic>
+      <p:sp>
+        <p:nvSpPr>
+          <p:cNvPr id="12" name="TextBox 11">
+            <a:extLst>
+              <a:ext uri="{FF2B5EF4-FFF2-40B4-BE49-F238E27FC236}">
+                <a16:creationId xmlns:a16="http://schemas.microsoft.com/office/drawing/2014/main" id="{3E56355F-F1AD-8D46-A1EC-484EB4157B41}"/>
+              </a:ext>
+            </a:extLst>
+          </p:cNvPr>
+          <p:cNvSpPr txBox="1"/>
+          <p:nvPr/>
+        </p:nvSpPr>
+        <p:spPr>
+          <a:xfrm>
+            <a:off x="2643958" y="2433439"/>
+            <a:ext cx="373820" cy="430887"/>
+          </a:xfrm>
+          <a:prstGeom prst="rect">
+            <a:avLst/>
+          </a:prstGeom>
+          <a:noFill/>
+        </p:spPr>
+        <p:txBody>
+          <a:bodyPr wrap="none" rtlCol="0">
+            <a:spAutoFit/>
+          </a:bodyPr>
+          <a:lstStyle/>
+          <a:p>
+            <a:r>
+              <a:rPr lang="en-US" sz="2200" dirty="0">
+                <a:latin typeface="Lusitana" pitchFamily="2" charset="0"/>
+              </a:rPr>
+              <a:t>…</a:t>
+            </a:r>
+          </a:p>
+        </p:txBody>
+      </p:sp>
+      <p:sp>
+        <p:nvSpPr>
+          <p:cNvPr id="13" name="TextBox 12">
+            <a:extLst>
+              <a:ext uri="{FF2B5EF4-FFF2-40B4-BE49-F238E27FC236}">
+                <a16:creationId xmlns:a16="http://schemas.microsoft.com/office/drawing/2014/main" id="{912F91AE-E7F6-8849-AE41-7B29DE6A670C}"/>
+              </a:ext>
+            </a:extLst>
+          </p:cNvPr>
+          <p:cNvSpPr txBox="1"/>
+          <p:nvPr/>
+        </p:nvSpPr>
+        <p:spPr>
+          <a:xfrm>
+            <a:off x="620200" y="3873778"/>
+            <a:ext cx="6261587" cy="769441"/>
+          </a:xfrm>
+          <a:prstGeom prst="rect">
+            <a:avLst/>
+          </a:prstGeom>
+          <a:noFill/>
+          <a:ln>
+            <a:noFill/>
+          </a:ln>
+        </p:spPr>
+        <p:txBody>
+          <a:bodyPr wrap="square" rtlCol="0">
+            <a:spAutoFit/>
+          </a:bodyPr>
+          <a:lstStyle/>
+          <a:p>
+            <a:pPr algn="just"/>
+            <a:r>
+              <a:rPr lang="en-US" sz="2200" dirty="0">
+                <a:latin typeface="Lusitana" pitchFamily="2" charset="0"/>
+              </a:rPr>
+              <a:t>2572 rows, 99 columns: element A, element B, stability vector, 48 features per element (A, B)</a:t>
+            </a:r>
+          </a:p>
+        </p:txBody>
+      </p:sp>
+      <p:sp>
+        <p:nvSpPr>
+          <p:cNvPr id="25" name="TextBox 24">
+            <a:extLst>
+              <a:ext uri="{FF2B5EF4-FFF2-40B4-BE49-F238E27FC236}">
+                <a16:creationId xmlns:a16="http://schemas.microsoft.com/office/drawing/2014/main" id="{20D6833F-FCC6-754B-B7BA-30943D146AAE}"/>
+              </a:ext>
+            </a:extLst>
+          </p:cNvPr>
+          <p:cNvSpPr txBox="1"/>
+          <p:nvPr/>
+        </p:nvSpPr>
+        <p:spPr>
+          <a:xfrm>
+            <a:off x="7563406" y="4933204"/>
+            <a:ext cx="3906892" cy="1107996"/>
+          </a:xfrm>
+          <a:prstGeom prst="rect">
+            <a:avLst/>
+          </a:prstGeom>
+          <a:noFill/>
+        </p:spPr>
+        <p:txBody>
+          <a:bodyPr wrap="square" rtlCol="0">
+            <a:spAutoFit/>
+          </a:bodyPr>
+          <a:lstStyle/>
+          <a:p>
+            <a:pPr algn="just"/>
+            <a:r>
+              <a:rPr lang="en-US" sz="2200" dirty="0">
+                <a:latin typeface="Lusitana" pitchFamily="2" charset="0"/>
+              </a:rPr>
+              <a:t> Each row is now a single composition (input) and stability classification (output)</a:t>
+            </a:r>
+          </a:p>
+        </p:txBody>
+      </p:sp>
+      <p:sp>
+        <p:nvSpPr>
+          <p:cNvPr id="2" name="TextBox 1">
+            <a:extLst>
+              <a:ext uri="{FF2B5EF4-FFF2-40B4-BE49-F238E27FC236}">
+                <a16:creationId xmlns:a16="http://schemas.microsoft.com/office/drawing/2014/main" id="{44F0C42E-01FC-8140-883F-3DC03037718D}"/>
+              </a:ext>
+            </a:extLst>
+          </p:cNvPr>
+          <p:cNvSpPr txBox="1"/>
+          <p:nvPr/>
+        </p:nvSpPr>
+        <p:spPr>
+          <a:xfrm>
+            <a:off x="512970" y="1550722"/>
+            <a:ext cx="1002197" cy="400110"/>
+          </a:xfrm>
+          <a:prstGeom prst="rect">
+            <a:avLst/>
+          </a:prstGeom>
+          <a:noFill/>
+        </p:spPr>
+        <p:txBody>
+          <a:bodyPr wrap="none" rtlCol="0">
+            <a:spAutoFit/>
+          </a:bodyPr>
+          <a:lstStyle/>
+          <a:p>
+            <a:r>
+              <a:rPr lang="en-US" sz="2000" dirty="0">
+                <a:latin typeface="Lusitana" pitchFamily="2" charset="0"/>
+              </a:rPr>
+              <a:t>Inputs: </a:t>
+            </a:r>
+          </a:p>
+        </p:txBody>
+      </p:sp>
+      <p:sp>
+        <p:nvSpPr>
+          <p:cNvPr id="17" name="TextBox 16">
+            <a:extLst>
+              <a:ext uri="{FF2B5EF4-FFF2-40B4-BE49-F238E27FC236}">
+                <a16:creationId xmlns:a16="http://schemas.microsoft.com/office/drawing/2014/main" id="{3C81F4BA-9E2B-DD46-8F17-E2FC42318FA2}"/>
+              </a:ext>
+            </a:extLst>
+          </p:cNvPr>
+          <p:cNvSpPr txBox="1"/>
+          <p:nvPr/>
+        </p:nvSpPr>
+        <p:spPr>
+          <a:xfrm>
+            <a:off x="3017778" y="1859063"/>
+            <a:ext cx="1098378" cy="400110"/>
+          </a:xfrm>
+          <a:prstGeom prst="rect">
+            <a:avLst/>
+          </a:prstGeom>
+          <a:noFill/>
+        </p:spPr>
+        <p:txBody>
+          <a:bodyPr wrap="none" rtlCol="0">
+            <a:spAutoFit/>
+          </a:bodyPr>
+          <a:lstStyle/>
+          <a:p>
+            <a:r>
+              <a:rPr lang="en-US" sz="2000" dirty="0">
+                <a:latin typeface="Lusitana" pitchFamily="2" charset="0"/>
+              </a:rPr>
+              <a:t>Output: </a:t>
+            </a:r>
+          </a:p>
+        </p:txBody>
+      </p:sp>
+      <p:pic>
+        <p:nvPicPr>
+          <p:cNvPr id="4" name="Picture 3">
+            <a:extLst>
+              <a:ext uri="{FF2B5EF4-FFF2-40B4-BE49-F238E27FC236}">
+                <a16:creationId xmlns:a16="http://schemas.microsoft.com/office/drawing/2014/main" id="{32868301-C756-0340-B0A5-43D42364D2D9}"/>
+              </a:ext>
+            </a:extLst>
+          </p:cNvPr>
+          <p:cNvPicPr>
+            <a:picLocks noChangeAspect="1"/>
+          </p:cNvPicPr>
+          <p:nvPr/>
+        </p:nvPicPr>
+        <p:blipFill>
+          <a:blip r:embed="rId5"/>
+          <a:stretch>
+            <a:fillRect/>
+          </a:stretch>
+        </p:blipFill>
+        <p:spPr>
+          <a:xfrm>
+            <a:off x="8344261" y="1679995"/>
+            <a:ext cx="2908300" cy="2997200"/>
+          </a:xfrm>
+          <a:prstGeom prst="rect">
+            <a:avLst/>
+          </a:prstGeom>
+          <a:ln>
+            <a:solidFill>
+              <a:schemeClr val="tx1"/>
+            </a:solidFill>
+          </a:ln>
+        </p:spPr>
+      </p:pic>
+      <p:sp>
+        <p:nvSpPr>
+          <p:cNvPr id="5" name="Right Arrow 4">
+            <a:extLst>
+              <a:ext uri="{FF2B5EF4-FFF2-40B4-BE49-F238E27FC236}">
+                <a16:creationId xmlns:a16="http://schemas.microsoft.com/office/drawing/2014/main" id="{DDBE09CF-3BF0-594E-BA9A-A32771E9087D}"/>
+              </a:ext>
+            </a:extLst>
+          </p:cNvPr>
+          <p:cNvSpPr/>
+          <p:nvPr/>
+        </p:nvSpPr>
+        <p:spPr>
+          <a:xfrm>
+            <a:off x="7067172" y="2539067"/>
+            <a:ext cx="1174581" cy="531192"/>
+          </a:xfrm>
+          <a:prstGeom prst="rightArrow">
+            <a:avLst/>
+          </a:prstGeom>
+        </p:spPr>
+        <p:style>
+          <a:lnRef idx="2">
+            <a:schemeClr val="accent1">
+              <a:shade val="50000"/>
+            </a:schemeClr>
+          </a:lnRef>
+          <a:fillRef idx="1">
+            <a:schemeClr val="accent1"/>
+          </a:fillRef>
+          <a:effectRef idx="0">
+            <a:schemeClr val="accent1"/>
+          </a:effectRef>
+          <a:fontRef idx="minor">
+            <a:schemeClr val="lt1"/>
+          </a:fontRef>
+        </p:style>
+        <p:txBody>
+          <a:bodyPr rtlCol="0" anchor="ctr"/>
+          <a:lstStyle/>
+          <a:p>
+            <a:pPr algn="ctr"/>
+            <a:endParaRPr lang="en-US"/>
+          </a:p>
+        </p:txBody>
+      </p:sp>
+      <p:sp>
+        <p:nvSpPr>
+          <p:cNvPr id="21" name="TextBox 20">
+            <a:extLst>
+              <a:ext uri="{FF2B5EF4-FFF2-40B4-BE49-F238E27FC236}">
+                <a16:creationId xmlns:a16="http://schemas.microsoft.com/office/drawing/2014/main" id="{CDFBE1FF-201D-0E48-B6A3-1FC8C18F9031}"/>
+              </a:ext>
+            </a:extLst>
+          </p:cNvPr>
+          <p:cNvSpPr txBox="1"/>
+          <p:nvPr/>
+        </p:nvSpPr>
+        <p:spPr>
+          <a:xfrm>
+            <a:off x="8615643" y="1142700"/>
+            <a:ext cx="901209" cy="400110"/>
+          </a:xfrm>
+          <a:prstGeom prst="rect">
+            <a:avLst/>
+          </a:prstGeom>
+          <a:noFill/>
+        </p:spPr>
+        <p:txBody>
+          <a:bodyPr wrap="none" rtlCol="0">
+            <a:spAutoFit/>
+          </a:bodyPr>
+          <a:lstStyle/>
+          <a:p>
+            <a:r>
+              <a:rPr lang="en-US" sz="2000" dirty="0">
+                <a:latin typeface="Lusitana" pitchFamily="2" charset="0"/>
+              </a:rPr>
+              <a:t>Input: </a:t>
+            </a:r>
+          </a:p>
+        </p:txBody>
+      </p:sp>
+      <p:sp>
+        <p:nvSpPr>
+          <p:cNvPr id="22" name="TextBox 21">
+            <a:extLst>
+              <a:ext uri="{FF2B5EF4-FFF2-40B4-BE49-F238E27FC236}">
+                <a16:creationId xmlns:a16="http://schemas.microsoft.com/office/drawing/2014/main" id="{A8A3AF68-B038-3849-98BE-8D1B0569C025}"/>
+              </a:ext>
+            </a:extLst>
+          </p:cNvPr>
+          <p:cNvSpPr txBox="1"/>
+          <p:nvPr/>
+        </p:nvSpPr>
+        <p:spPr>
+          <a:xfrm>
+            <a:off x="9899651" y="1113601"/>
+            <a:ext cx="1098378" cy="400110"/>
+          </a:xfrm>
+          <a:prstGeom prst="rect">
+            <a:avLst/>
+          </a:prstGeom>
+          <a:noFill/>
+        </p:spPr>
+        <p:txBody>
+          <a:bodyPr wrap="none" rtlCol="0">
+            <a:spAutoFit/>
+          </a:bodyPr>
+          <a:lstStyle/>
+          <a:p>
+            <a:r>
+              <a:rPr lang="en-US" sz="2000" dirty="0">
+                <a:latin typeface="Lusitana" pitchFamily="2" charset="0"/>
+              </a:rPr>
+              <a:t>Output: </a:t>
+            </a:r>
+          </a:p>
+        </p:txBody>
+      </p:sp>
+      <p:pic>
+        <p:nvPicPr>
+          <p:cNvPr id="6" name="Picture 5">
+            <a:extLst>
+              <a:ext uri="{FF2B5EF4-FFF2-40B4-BE49-F238E27FC236}">
+                <a16:creationId xmlns:a16="http://schemas.microsoft.com/office/drawing/2014/main" id="{1516930B-DCC7-5849-A765-C357924810C6}"/>
+              </a:ext>
+            </a:extLst>
+          </p:cNvPr>
+          <p:cNvPicPr>
+            <a:picLocks noChangeAspect="1"/>
+          </p:cNvPicPr>
+          <p:nvPr/>
+        </p:nvPicPr>
+        <p:blipFill>
+          <a:blip r:embed="rId6"/>
+          <a:stretch>
+            <a:fillRect/>
+          </a:stretch>
+        </p:blipFill>
+        <p:spPr>
+          <a:xfrm>
+            <a:off x="784188" y="5050947"/>
+            <a:ext cx="5565556" cy="436255"/>
+          </a:xfrm>
+          <a:prstGeom prst="rect">
+            <a:avLst/>
+          </a:prstGeom>
+          <a:ln>
+            <a:solidFill>
+              <a:schemeClr val="tx1"/>
+            </a:solidFill>
+          </a:ln>
+        </p:spPr>
+      </p:pic>
+    </p:spTree>
+    <p:extLst>
+      <p:ext uri="{BB962C8B-B14F-4D97-AF65-F5344CB8AC3E}">
+        <p14:creationId xmlns:p14="http://schemas.microsoft.com/office/powerpoint/2010/main" val="1105496148"/>
+      </p:ext>
+    </p:extLst>
+  </p:cSld>
+  <p:clrMapOvr>
+    <a:masterClrMapping/>
+  </p:clrMapOvr>
+</p:sld>
+</file>
+
+<file path=ppt/slides/slide7.xml><?xml version="1.0" encoding="utf-8"?>
+<p:sld xmlns:a="http://schemas.openxmlformats.org/drawingml/2006/main" xmlns:r="http://schemas.openxmlformats.org/officeDocument/2006/relationships" xmlns:p="http://schemas.openxmlformats.org/presentationml/2006/main">
+  <p:cSld>
+    <p:spTree>
+      <p:nvGrpSpPr>
+        <p:cNvPr id="1" name=""/>
+        <p:cNvGrpSpPr/>
+        <p:nvPr/>
+      </p:nvGrpSpPr>
+      <p:grpSpPr>
+        <a:xfrm>
+          <a:off x="0" y="0"/>
+          <a:ext cx="0" cy="0"/>
+          <a:chOff x="0" y="0"/>
+          <a:chExt cx="0" cy="0"/>
+        </a:xfrm>
+      </p:grpSpPr>
+      <p:sp>
+        <p:nvSpPr>
+          <p:cNvPr id="3" name="Title 2">
+            <a:extLst>
+              <a:ext uri="{FF2B5EF4-FFF2-40B4-BE49-F238E27FC236}">
+                <a16:creationId xmlns:a16="http://schemas.microsoft.com/office/drawing/2014/main" id="{89AAC0A9-8A9F-7749-A50C-CD947F888D4F}"/>
+              </a:ext>
+            </a:extLst>
+          </p:cNvPr>
+          <p:cNvSpPr>
+            <a:spLocks noGrp="1"/>
+          </p:cNvSpPr>
+          <p:nvPr>
+            <p:ph type="ctrTitle"/>
+          </p:nvPr>
+        </p:nvSpPr>
+        <p:spPr/>
+        <p:txBody>
+          <a:bodyPr>
+            <a:normAutofit/>
+          </a:bodyPr>
+          <a:lstStyle/>
+          <a:p>
+            <a:r>
+              <a:rPr lang="en-US" sz="4400" dirty="0"/>
+              <a:t>Deriving physically-informed features</a:t>
+            </a:r>
+          </a:p>
+        </p:txBody>
+      </p:sp>
+      <p:pic>
+        <p:nvPicPr>
+          <p:cNvPr id="9" name="Picture 8">
+            <a:extLst>
+              <a:ext uri="{FF2B5EF4-FFF2-40B4-BE49-F238E27FC236}">
+                <a16:creationId xmlns:a16="http://schemas.microsoft.com/office/drawing/2014/main" id="{A6E95514-3DB3-DC4A-A217-3E19E73EA67D}"/>
+              </a:ext>
+            </a:extLst>
+          </p:cNvPr>
+          <p:cNvPicPr>
+            <a:picLocks noChangeAspect="1"/>
+          </p:cNvPicPr>
+          <p:nvPr/>
+        </p:nvPicPr>
+        <p:blipFill>
+          <a:blip r:embed="rId3"/>
+          <a:stretch>
+            <a:fillRect/>
+          </a:stretch>
+        </p:blipFill>
+        <p:spPr>
+          <a:xfrm>
+            <a:off x="581884" y="1715593"/>
+            <a:ext cx="1993160" cy="1609157"/>
+          </a:xfrm>
+          <a:prstGeom prst="rect">
+            <a:avLst/>
+          </a:prstGeom>
+          <a:ln>
+            <a:solidFill>
+              <a:schemeClr val="tx1"/>
+            </a:solidFill>
+          </a:ln>
+        </p:spPr>
+      </p:pic>
+      <p:sp>
+        <p:nvSpPr>
+          <p:cNvPr id="18" name="Right Arrow 17">
+            <a:extLst>
+              <a:ext uri="{FF2B5EF4-FFF2-40B4-BE49-F238E27FC236}">
+                <a16:creationId xmlns:a16="http://schemas.microsoft.com/office/drawing/2014/main" id="{65E3C11A-BFD7-C547-892E-4EF6BC629131}"/>
+              </a:ext>
+            </a:extLst>
+          </p:cNvPr>
+          <p:cNvSpPr/>
+          <p:nvPr/>
+        </p:nvSpPr>
+        <p:spPr>
+          <a:xfrm>
+            <a:off x="2830868" y="2437707"/>
+            <a:ext cx="708660" cy="215444"/>
+          </a:xfrm>
+          <a:prstGeom prst="rightArrow">
+            <a:avLst/>
+          </a:prstGeom>
+        </p:spPr>
+        <p:style>
+          <a:lnRef idx="2">
+            <a:schemeClr val="accent1">
+              <a:shade val="50000"/>
+            </a:schemeClr>
+          </a:lnRef>
+          <a:fillRef idx="1">
+            <a:schemeClr val="accent1"/>
+          </a:fillRef>
+          <a:effectRef idx="0">
+            <a:schemeClr val="accent1"/>
+          </a:effectRef>
+          <a:fontRef idx="minor">
+            <a:schemeClr val="lt1"/>
+          </a:fontRef>
+        </p:style>
+        <p:txBody>
+          <a:bodyPr rtlCol="0" anchor="ctr"/>
+          <a:lstStyle/>
+          <a:p>
+            <a:pPr algn="ctr"/>
+            <a:endParaRPr lang="en-US"/>
+          </a:p>
+        </p:txBody>
+      </p:sp>
+      <p:pic>
+        <p:nvPicPr>
+          <p:cNvPr id="4" name="Picture 3">
+            <a:extLst>
+              <a:ext uri="{FF2B5EF4-FFF2-40B4-BE49-F238E27FC236}">
+                <a16:creationId xmlns:a16="http://schemas.microsoft.com/office/drawing/2014/main" id="{5C49AEBA-EC86-C845-A15B-75B4A43DFA40}"/>
+              </a:ext>
+            </a:extLst>
+          </p:cNvPr>
+          <p:cNvPicPr>
+            <a:picLocks noChangeAspect="1"/>
+          </p:cNvPicPr>
+          <p:nvPr/>
+        </p:nvPicPr>
+        <p:blipFill>
+          <a:blip r:embed="rId4"/>
+          <a:stretch>
+            <a:fillRect/>
+          </a:stretch>
+        </p:blipFill>
+        <p:spPr>
+          <a:xfrm>
+            <a:off x="3968297" y="1603592"/>
+            <a:ext cx="2003879" cy="1964779"/>
+          </a:xfrm>
+          <a:prstGeom prst="rect">
+            <a:avLst/>
+          </a:prstGeom>
+          <a:ln>
+            <a:solidFill>
+              <a:schemeClr val="tx1"/>
+            </a:solidFill>
+          </a:ln>
+        </p:spPr>
+      </p:pic>
+      <p:sp>
+        <p:nvSpPr>
+          <p:cNvPr id="19" name="Right Arrow 18">
+            <a:extLst>
+              <a:ext uri="{FF2B5EF4-FFF2-40B4-BE49-F238E27FC236}">
+                <a16:creationId xmlns:a16="http://schemas.microsoft.com/office/drawing/2014/main" id="{1D86EECD-91C5-6743-AA38-94DEA9B499EA}"/>
+              </a:ext>
+            </a:extLst>
+          </p:cNvPr>
+          <p:cNvSpPr/>
+          <p:nvPr/>
+        </p:nvSpPr>
+        <p:spPr>
+          <a:xfrm>
+            <a:off x="6319034" y="2437707"/>
+            <a:ext cx="708660" cy="215444"/>
+          </a:xfrm>
+          <a:prstGeom prst="rightArrow">
+            <a:avLst/>
+          </a:prstGeom>
+        </p:spPr>
+        <p:style>
+          <a:lnRef idx="2">
+            <a:schemeClr val="accent1">
+              <a:shade val="50000"/>
+            </a:schemeClr>
+          </a:lnRef>
+          <a:fillRef idx="1">
+            <a:schemeClr val="accent1"/>
+          </a:fillRef>
+          <a:effectRef idx="0">
+            <a:schemeClr val="accent1"/>
+          </a:effectRef>
+          <a:fontRef idx="minor">
+            <a:schemeClr val="lt1"/>
+          </a:fontRef>
+        </p:style>
+        <p:txBody>
+          <a:bodyPr rtlCol="0" anchor="ctr"/>
+          <a:lstStyle/>
+          <a:p>
+            <a:pPr algn="ctr"/>
+            <a:endParaRPr lang="en-US"/>
+          </a:p>
+        </p:txBody>
+      </p:sp>
+      <p:pic>
+        <p:nvPicPr>
+          <p:cNvPr id="5" name="Picture 4">
+            <a:extLst>
+              <a:ext uri="{FF2B5EF4-FFF2-40B4-BE49-F238E27FC236}">
+                <a16:creationId xmlns:a16="http://schemas.microsoft.com/office/drawing/2014/main" id="{2128F2BE-D254-CA42-84D3-8AFA8528735A}"/>
+              </a:ext>
+            </a:extLst>
+          </p:cNvPr>
+          <p:cNvPicPr>
+            <a:picLocks noChangeAspect="1"/>
+          </p:cNvPicPr>
+          <p:nvPr/>
+        </p:nvPicPr>
+        <p:blipFill>
+          <a:blip r:embed="rId5"/>
+          <a:stretch>
+            <a:fillRect/>
+          </a:stretch>
+        </p:blipFill>
+        <p:spPr>
+          <a:xfrm>
+            <a:off x="7365429" y="1659363"/>
+            <a:ext cx="3729914" cy="1772131"/>
+          </a:xfrm>
+          <a:prstGeom prst="rect">
+            <a:avLst/>
+          </a:prstGeom>
+          <a:ln>
+            <a:solidFill>
+              <a:schemeClr val="tx1"/>
+            </a:solidFill>
+          </a:ln>
+        </p:spPr>
+      </p:pic>
+      <p:pic>
+        <p:nvPicPr>
+          <p:cNvPr id="7" name="Picture 6">
+            <a:extLst>
+              <a:ext uri="{FF2B5EF4-FFF2-40B4-BE49-F238E27FC236}">
+                <a16:creationId xmlns:a16="http://schemas.microsoft.com/office/drawing/2014/main" id="{701B79AD-A62D-C949-8DC6-C3B507EA99E4}"/>
+              </a:ext>
+            </a:extLst>
+          </p:cNvPr>
+          <p:cNvPicPr>
+            <a:picLocks noChangeAspect="1"/>
+          </p:cNvPicPr>
+          <p:nvPr/>
+        </p:nvPicPr>
+        <p:blipFill>
+          <a:blip r:embed="rId6"/>
+          <a:stretch>
+            <a:fillRect/>
+          </a:stretch>
+        </p:blipFill>
+        <p:spPr>
+          <a:xfrm>
+            <a:off x="2483454" y="4500693"/>
+            <a:ext cx="6836455" cy="1358236"/>
+          </a:xfrm>
+          <a:prstGeom prst="rect">
+            <a:avLst/>
+          </a:prstGeom>
+          <a:ln>
+            <a:solidFill>
+              <a:schemeClr val="tx1"/>
+            </a:solidFill>
+          </a:ln>
+        </p:spPr>
+      </p:pic>
+    </p:spTree>
+    <p:extLst>
+      <p:ext uri="{BB962C8B-B14F-4D97-AF65-F5344CB8AC3E}">
+        <p14:creationId xmlns:p14="http://schemas.microsoft.com/office/powerpoint/2010/main" val="3922228980"/>
+      </p:ext>
+    </p:extLst>
+  </p:cSld>
+  <p:clrMapOvr>
+    <a:masterClrMapping/>
+  </p:clrMapOvr>
+</p:sld>
+</file>
+
+<file path=ppt/slides/slide8.xml><?xml version="1.0" encoding="utf-8"?>
+<p:sld xmlns:a="http://schemas.openxmlformats.org/drawingml/2006/main" xmlns:r="http://schemas.openxmlformats.org/officeDocument/2006/relationships" xmlns:p="http://schemas.openxmlformats.org/presentationml/2006/main">
+  <p:cSld>
+    <p:spTree>
+      <p:nvGrpSpPr>
+        <p:cNvPr id="1" name=""/>
+        <p:cNvGrpSpPr/>
+        <p:nvPr/>
+      </p:nvGrpSpPr>
+      <p:grpSpPr>
+        <a:xfrm>
+          <a:off x="0" y="0"/>
+          <a:ext cx="0" cy="0"/>
+          <a:chOff x="0" y="0"/>
+          <a:chExt cx="0" cy="0"/>
+        </a:xfrm>
+      </p:grpSpPr>
+      <p:sp>
+        <p:nvSpPr>
+          <p:cNvPr id="3" name="Title 2">
+            <a:extLst>
+              <a:ext uri="{FF2B5EF4-FFF2-40B4-BE49-F238E27FC236}">
+                <a16:creationId xmlns:a16="http://schemas.microsoft.com/office/drawing/2014/main" id="{89AAC0A9-8A9F-7749-A50C-CD947F888D4F}"/>
+              </a:ext>
+            </a:extLst>
+          </p:cNvPr>
+          <p:cNvSpPr>
+            <a:spLocks noGrp="1"/>
+          </p:cNvSpPr>
+          <p:nvPr>
+            <p:ph type="ctrTitle"/>
+          </p:nvPr>
+        </p:nvSpPr>
+        <p:spPr/>
+        <p:txBody>
+          <a:bodyPr>
+            <a:normAutofit/>
+          </a:bodyPr>
+          <a:lstStyle/>
+          <a:p>
+            <a:r>
+              <a:rPr lang="en-US" sz="4400" dirty="0"/>
+              <a:t>Given features</a:t>
+            </a:r>
+          </a:p>
+        </p:txBody>
+      </p:sp>
+      <p:sp>
+        <p:nvSpPr>
+          <p:cNvPr id="16" name="TextBox 15">
+            <a:extLst>
+              <a:ext uri="{FF2B5EF4-FFF2-40B4-BE49-F238E27FC236}">
+                <a16:creationId xmlns:a16="http://schemas.microsoft.com/office/drawing/2014/main" id="{AA50D7C7-1944-DD4E-A85E-795355EA5432}"/>
+              </a:ext>
+            </a:extLst>
+          </p:cNvPr>
+          <p:cNvSpPr txBox="1"/>
+          <p:nvPr/>
+        </p:nvSpPr>
+        <p:spPr>
+          <a:xfrm>
+            <a:off x="680140" y="1760810"/>
+            <a:ext cx="1345884" cy="430887"/>
+          </a:xfrm>
+          <a:prstGeom prst="rect">
+            <a:avLst/>
+          </a:prstGeom>
+          <a:noFill/>
+        </p:spPr>
+        <p:txBody>
+          <a:bodyPr wrap="square" rtlCol="0">
+            <a:spAutoFit/>
+          </a:bodyPr>
+          <a:lstStyle/>
+          <a:p>
+            <a:pPr algn="just"/>
+            <a:r>
+              <a:rPr lang="en-US" sz="2200" dirty="0">
+                <a:latin typeface="Lusitana" pitchFamily="2" charset="0"/>
+              </a:rPr>
+              <a:t>Discrete:</a:t>
+            </a:r>
+          </a:p>
+        </p:txBody>
+      </p:sp>
+      <p:sp>
+        <p:nvSpPr>
+          <p:cNvPr id="18" name="Right Arrow 17">
+            <a:extLst>
+              <a:ext uri="{FF2B5EF4-FFF2-40B4-BE49-F238E27FC236}">
+                <a16:creationId xmlns:a16="http://schemas.microsoft.com/office/drawing/2014/main" id="{65E3C11A-BFD7-C547-892E-4EF6BC629131}"/>
+              </a:ext>
+            </a:extLst>
+          </p:cNvPr>
+          <p:cNvSpPr/>
+          <p:nvPr/>
+        </p:nvSpPr>
+        <p:spPr>
+          <a:xfrm>
+            <a:off x="4994910" y="3994308"/>
+            <a:ext cx="708660" cy="215444"/>
+          </a:xfrm>
+          <a:prstGeom prst="rightArrow">
+            <a:avLst/>
+          </a:prstGeom>
+        </p:spPr>
+        <p:style>
+          <a:lnRef idx="2">
+            <a:schemeClr val="accent1">
+              <a:shade val="50000"/>
+            </a:schemeClr>
+          </a:lnRef>
+          <a:fillRef idx="1">
+            <a:schemeClr val="accent1"/>
+          </a:fillRef>
+          <a:effectRef idx="0">
+            <a:schemeClr val="accent1"/>
+          </a:effectRef>
+          <a:fontRef idx="minor">
+            <a:schemeClr val="lt1"/>
+          </a:fontRef>
+        </p:style>
+        <p:txBody>
+          <a:bodyPr rtlCol="0" anchor="ctr"/>
+          <a:lstStyle/>
+          <a:p>
+            <a:pPr algn="ctr"/>
+            <a:endParaRPr lang="en-US"/>
+          </a:p>
+        </p:txBody>
+      </p:sp>
+      <p:cxnSp>
+        <p:nvCxnSpPr>
+          <p:cNvPr id="20" name="Elbow Connector 19">
+            <a:extLst>
+              <a:ext uri="{FF2B5EF4-FFF2-40B4-BE49-F238E27FC236}">
+                <a16:creationId xmlns:a16="http://schemas.microsoft.com/office/drawing/2014/main" id="{7449503F-E5E6-1B43-B4DC-5EE78115CEC7}"/>
+              </a:ext>
+            </a:extLst>
+          </p:cNvPr>
+          <p:cNvCxnSpPr/>
+          <p:nvPr/>
+        </p:nvCxnSpPr>
+        <p:spPr>
+          <a:xfrm>
+            <a:off x="1672011" y="4469427"/>
+            <a:ext cx="1158857" cy="640080"/>
+          </a:xfrm>
+          <a:prstGeom prst="bentConnector3">
+            <a:avLst>
+              <a:gd name="adj1" fmla="val 3644"/>
+            </a:avLst>
+          </a:prstGeom>
+          <a:ln w="76200">
+            <a:tailEnd type="triangle"/>
+          </a:ln>
+        </p:spPr>
+        <p:style>
+          <a:lnRef idx="1">
+            <a:schemeClr val="accent1"/>
+          </a:lnRef>
+          <a:fillRef idx="0">
+            <a:schemeClr val="accent1"/>
+          </a:fillRef>
+          <a:effectRef idx="0">
+            <a:schemeClr val="accent1"/>
+          </a:effectRef>
+          <a:fontRef idx="minor">
+            <a:schemeClr val="tx1"/>
+          </a:fontRef>
+        </p:style>
+      </p:cxnSp>
+      <p:sp>
+        <p:nvSpPr>
+          <p:cNvPr id="24" name="TextBox 23">
+            <a:extLst>
+              <a:ext uri="{FF2B5EF4-FFF2-40B4-BE49-F238E27FC236}">
+                <a16:creationId xmlns:a16="http://schemas.microsoft.com/office/drawing/2014/main" id="{EEB525A5-5207-8D47-A0AC-BB8BA3E60A37}"/>
+              </a:ext>
+            </a:extLst>
+          </p:cNvPr>
+          <p:cNvSpPr txBox="1"/>
+          <p:nvPr/>
+        </p:nvSpPr>
+        <p:spPr>
+          <a:xfrm>
+            <a:off x="3147558" y="4891766"/>
+            <a:ext cx="5493521" cy="430887"/>
+          </a:xfrm>
+          <a:prstGeom prst="rect">
+            <a:avLst/>
+          </a:prstGeom>
+          <a:noFill/>
+        </p:spPr>
+        <p:txBody>
+          <a:bodyPr wrap="square" rtlCol="0">
+            <a:spAutoFit/>
+          </a:bodyPr>
+          <a:lstStyle/>
+          <a:p>
+            <a:pPr algn="just"/>
+            <a:r>
+              <a:rPr lang="en-US" sz="2200" dirty="0">
+                <a:latin typeface="Lusitana" pitchFamily="2" charset="0"/>
+              </a:rPr>
+              <a:t>A. Quick classifier on Citrination</a:t>
+            </a:r>
+          </a:p>
+        </p:txBody>
+      </p:sp>
+      <p:sp>
+        <p:nvSpPr>
+          <p:cNvPr id="25" name="TextBox 24">
+            <a:extLst>
+              <a:ext uri="{FF2B5EF4-FFF2-40B4-BE49-F238E27FC236}">
+                <a16:creationId xmlns:a16="http://schemas.microsoft.com/office/drawing/2014/main" id="{20D6833F-FCC6-754B-B7BA-30943D146AAE}"/>
+              </a:ext>
+            </a:extLst>
+          </p:cNvPr>
+          <p:cNvSpPr txBox="1"/>
+          <p:nvPr/>
+        </p:nvSpPr>
+        <p:spPr>
+          <a:xfrm>
+            <a:off x="3228957" y="5797765"/>
+            <a:ext cx="3806190" cy="430887"/>
+          </a:xfrm>
+          <a:prstGeom prst="rect">
+            <a:avLst/>
+          </a:prstGeom>
+          <a:noFill/>
+        </p:spPr>
+        <p:txBody>
+          <a:bodyPr wrap="square" rtlCol="0">
+            <a:spAutoFit/>
+          </a:bodyPr>
+          <a:lstStyle/>
+          <a:p>
+            <a:pPr algn="just"/>
+            <a:r>
+              <a:rPr lang="en-US" sz="2200" dirty="0">
+                <a:latin typeface="Lusitana" pitchFamily="2" charset="0"/>
+              </a:rPr>
+              <a:t>B. Perform modeling in .</a:t>
+            </a:r>
+            <a:r>
+              <a:rPr lang="en-US" sz="2200" dirty="0" err="1">
+                <a:latin typeface="Lusitana" pitchFamily="2" charset="0"/>
+              </a:rPr>
+              <a:t>ipynb</a:t>
+            </a:r>
+            <a:r>
+              <a:rPr lang="en-US" sz="2200" dirty="0">
+                <a:latin typeface="Lusitana" pitchFamily="2" charset="0"/>
+              </a:rPr>
+              <a:t> </a:t>
+            </a:r>
+          </a:p>
+        </p:txBody>
+      </p:sp>
+      <p:cxnSp>
+        <p:nvCxnSpPr>
+          <p:cNvPr id="26" name="Elbow Connector 25">
+            <a:extLst>
+              <a:ext uri="{FF2B5EF4-FFF2-40B4-BE49-F238E27FC236}">
+                <a16:creationId xmlns:a16="http://schemas.microsoft.com/office/drawing/2014/main" id="{8B788F2A-664B-734C-BDA0-C07EC940842E}"/>
+              </a:ext>
+            </a:extLst>
+          </p:cNvPr>
+          <p:cNvCxnSpPr/>
+          <p:nvPr/>
+        </p:nvCxnSpPr>
+        <p:spPr>
+          <a:xfrm>
+            <a:off x="1672011" y="5376303"/>
+            <a:ext cx="1158857" cy="640080"/>
+          </a:xfrm>
+          <a:prstGeom prst="bentConnector3">
+            <a:avLst>
+              <a:gd name="adj1" fmla="val 3644"/>
+            </a:avLst>
+          </a:prstGeom>
+          <a:ln w="76200">
+            <a:tailEnd type="triangle"/>
+          </a:ln>
+        </p:spPr>
+        <p:style>
+          <a:lnRef idx="1">
+            <a:schemeClr val="accent1"/>
+          </a:lnRef>
+          <a:fillRef idx="0">
+            <a:schemeClr val="accent1"/>
+          </a:fillRef>
+          <a:effectRef idx="0">
+            <a:schemeClr val="accent1"/>
+          </a:effectRef>
+          <a:fontRef idx="minor">
+            <a:schemeClr val="tx1"/>
+          </a:fontRef>
+        </p:style>
+      </p:cxnSp>
+      <p:sp>
+        <p:nvSpPr>
+          <p:cNvPr id="14" name="TextBox 13">
+            <a:extLst>
+              <a:ext uri="{FF2B5EF4-FFF2-40B4-BE49-F238E27FC236}">
+                <a16:creationId xmlns:a16="http://schemas.microsoft.com/office/drawing/2014/main" id="{F68CA111-AE47-AA41-A6FB-F6C6857211A9}"/>
+              </a:ext>
+            </a:extLst>
+          </p:cNvPr>
+          <p:cNvSpPr txBox="1"/>
+          <p:nvPr/>
+        </p:nvSpPr>
+        <p:spPr>
+          <a:xfrm>
+            <a:off x="3414375" y="1750790"/>
+            <a:ext cx="2289195" cy="1446550"/>
+          </a:xfrm>
+          <a:prstGeom prst="rect">
+            <a:avLst/>
+          </a:prstGeom>
+          <a:noFill/>
+        </p:spPr>
+        <p:txBody>
+          <a:bodyPr wrap="square" rtlCol="0">
+            <a:spAutoFit/>
+          </a:bodyPr>
+          <a:lstStyle/>
+          <a:p>
+            <a:pPr algn="just"/>
+            <a:r>
+              <a:rPr lang="en-US" sz="2200" dirty="0">
+                <a:latin typeface="Lusitana" pitchFamily="2" charset="0"/>
+              </a:rPr>
+              <a:t>Continuous: Atomic volume, atomic weight, boiling, </a:t>
+            </a:r>
+          </a:p>
+        </p:txBody>
+      </p:sp>
+    </p:spTree>
+    <p:extLst>
+      <p:ext uri="{BB962C8B-B14F-4D97-AF65-F5344CB8AC3E}">
+        <p14:creationId xmlns:p14="http://schemas.microsoft.com/office/powerpoint/2010/main" val="1640361790"/>
+      </p:ext>
+    </p:extLst>
+  </p:cSld>
+  <p:clrMapOvr>
+    <a:masterClrMapping/>
+  </p:clrMapOvr>
+</p:sld>
+</file>
+
+<file path=ppt/slides/slide9.xml><?xml version="1.0" encoding="utf-8"?>
+<p:sld xmlns:a="http://schemas.openxmlformats.org/drawingml/2006/main" xmlns:r="http://schemas.openxmlformats.org/officeDocument/2006/relationships" xmlns:p="http://schemas.openxmlformats.org/presentationml/2006/main">
+  <p:cSld>
+    <p:spTree>
+      <p:nvGrpSpPr>
+        <p:cNvPr id="1" name=""/>
+        <p:cNvGrpSpPr/>
+        <p:nvPr/>
+      </p:nvGrpSpPr>
+      <p:grpSpPr>
+        <a:xfrm>
+          <a:off x="0" y="0"/>
+          <a:ext cx="0" cy="0"/>
+          <a:chOff x="0" y="0"/>
+          <a:chExt cx="0" cy="0"/>
+        </a:xfrm>
+      </p:grpSpPr>
+      <p:sp>
+        <p:nvSpPr>
+          <p:cNvPr id="3" name="Title 2">
+            <a:extLst>
+              <a:ext uri="{FF2B5EF4-FFF2-40B4-BE49-F238E27FC236}">
+                <a16:creationId xmlns:a16="http://schemas.microsoft.com/office/drawing/2014/main" id="{89AAC0A9-8A9F-7749-A50C-CD947F888D4F}"/>
+              </a:ext>
+            </a:extLst>
+          </p:cNvPr>
+          <p:cNvSpPr>
+            <a:spLocks noGrp="1"/>
+          </p:cNvSpPr>
+          <p:nvPr>
+            <p:ph type="ctrTitle"/>
+          </p:nvPr>
+        </p:nvSpPr>
+        <p:spPr/>
+        <p:txBody>
+          <a:bodyPr>
+            <a:normAutofit/>
+          </a:bodyPr>
+          <a:lstStyle/>
+          <a:p>
+            <a:r>
+              <a:rPr lang="en-US" sz="4400" dirty="0"/>
+              <a:t>A. Binary classification on Citrination</a:t>
+            </a:r>
+          </a:p>
+        </p:txBody>
+      </p:sp>
+      <p:sp>
+        <p:nvSpPr>
+          <p:cNvPr id="15" name="TextBox 14">
+            <a:extLst>
+              <a:ext uri="{FF2B5EF4-FFF2-40B4-BE49-F238E27FC236}">
+                <a16:creationId xmlns:a16="http://schemas.microsoft.com/office/drawing/2014/main" id="{1B435456-55CF-2C47-8309-6B1DE370F6D7}"/>
+              </a:ext>
+            </a:extLst>
+          </p:cNvPr>
+          <p:cNvSpPr txBox="1"/>
+          <p:nvPr/>
+        </p:nvSpPr>
+        <p:spPr>
+          <a:xfrm>
+            <a:off x="853441" y="5530777"/>
+            <a:ext cx="3741420" cy="769441"/>
+          </a:xfrm>
+          <a:prstGeom prst="rect">
+            <a:avLst/>
+          </a:prstGeom>
+          <a:noFill/>
+        </p:spPr>
+        <p:txBody>
+          <a:bodyPr wrap="square" rtlCol="0">
+            <a:spAutoFit/>
+          </a:bodyPr>
+          <a:lstStyle/>
+          <a:p>
+            <a:pPr algn="just"/>
+            <a:r>
+              <a:rPr lang="en-US" sz="2200" dirty="0">
+                <a:latin typeface="Lusitana" pitchFamily="2" charset="0"/>
+              </a:rPr>
+              <a:t>Random subset of data (Citrination limit = 4k rows)</a:t>
+            </a:r>
+          </a:p>
+        </p:txBody>
+      </p:sp>
+      <p:pic>
+        <p:nvPicPr>
+          <p:cNvPr id="2" name="Picture 1">
+            <a:extLst>
+              <a:ext uri="{FF2B5EF4-FFF2-40B4-BE49-F238E27FC236}">
+                <a16:creationId xmlns:a16="http://schemas.microsoft.com/office/drawing/2014/main" id="{05259D51-BAEA-BD49-B665-34108359248D}"/>
+              </a:ext>
+            </a:extLst>
+          </p:cNvPr>
+          <p:cNvPicPr>
+            <a:picLocks noChangeAspect="1"/>
+          </p:cNvPicPr>
+          <p:nvPr/>
+        </p:nvPicPr>
+        <p:blipFill>
+          <a:blip r:embed="rId3"/>
+          <a:stretch>
+            <a:fillRect/>
+          </a:stretch>
+        </p:blipFill>
+        <p:spPr>
+          <a:xfrm>
+            <a:off x="853441" y="1822377"/>
+            <a:ext cx="4216400" cy="3708400"/>
+          </a:xfrm>
+          <a:prstGeom prst="rect">
+            <a:avLst/>
+          </a:prstGeom>
+        </p:spPr>
+      </p:pic>
+      <p:grpSp>
+        <p:nvGrpSpPr>
+          <p:cNvPr id="5" name="Group 4">
+            <a:extLst>
+              <a:ext uri="{FF2B5EF4-FFF2-40B4-BE49-F238E27FC236}">
+                <a16:creationId xmlns:a16="http://schemas.microsoft.com/office/drawing/2014/main" id="{0108A45A-8C0B-894C-9CBB-354035B92A6B}"/>
+              </a:ext>
+            </a:extLst>
+          </p:cNvPr>
+          <p:cNvGrpSpPr/>
+          <p:nvPr/>
+        </p:nvGrpSpPr>
+        <p:grpSpPr>
+          <a:xfrm>
+            <a:off x="5563203" y="2002627"/>
+            <a:ext cx="5790598" cy="3912870"/>
+            <a:chOff x="5466080" y="1943100"/>
+            <a:chExt cx="5790598" cy="3912870"/>
+          </a:xfrm>
+        </p:grpSpPr>
+        <p:pic>
+          <p:nvPicPr>
+            <p:cNvPr id="4" name="Picture 3">
+              <a:extLst>
+                <a:ext uri="{FF2B5EF4-FFF2-40B4-BE49-F238E27FC236}">
+                  <a16:creationId xmlns:a16="http://schemas.microsoft.com/office/drawing/2014/main" id="{31332BF2-AFE2-E74A-8EA3-18B6C2028CA2}"/>
+                </a:ext>
+              </a:extLst>
+            </p:cNvPr>
+            <p:cNvPicPr>
+              <a:picLocks noChangeAspect="1"/>
+            </p:cNvPicPr>
+            <p:nvPr/>
+          </p:nvPicPr>
+          <p:blipFill>
+            <a:blip r:embed="rId4"/>
+            <a:stretch>
+              <a:fillRect/>
+            </a:stretch>
+          </p:blipFill>
+          <p:spPr>
+            <a:xfrm>
+              <a:off x="5466080" y="1943100"/>
+              <a:ext cx="5790598" cy="3912870"/>
+            </a:xfrm>
+            <a:prstGeom prst="rect">
+              <a:avLst/>
+            </a:prstGeom>
+          </p:spPr>
+        </p:pic>
+        <p:sp>
+          <p:nvSpPr>
+            <p:cNvPr id="17" name="TextBox 16">
+              <a:extLst>
+                <a:ext uri="{FF2B5EF4-FFF2-40B4-BE49-F238E27FC236}">
+                  <a16:creationId xmlns:a16="http://schemas.microsoft.com/office/drawing/2014/main" id="{DDB3FAD2-3226-9048-B4A6-F50F9FE75BA9}"/>
+                </a:ext>
+              </a:extLst>
+            </p:cNvPr>
+            <p:cNvSpPr txBox="1"/>
+            <p:nvPr/>
+          </p:nvSpPr>
+          <p:spPr>
+            <a:xfrm>
+              <a:off x="7018021" y="4369680"/>
+              <a:ext cx="3741420" cy="430887"/>
+            </a:xfrm>
+            <a:prstGeom prst="rect">
+              <a:avLst/>
+            </a:prstGeom>
+            <a:noFill/>
+          </p:spPr>
+          <p:txBody>
+            <a:bodyPr wrap="square" rtlCol="0">
+              <a:spAutoFit/>
+            </a:bodyPr>
+            <a:lstStyle/>
+            <a:p>
+              <a:pPr algn="just"/>
+              <a:r>
+                <a:rPr lang="en-US" sz="2200" dirty="0">
+                  <a:latin typeface="Lusitana" pitchFamily="2" charset="0"/>
+                </a:rPr>
+                <a:t>AUROC = 0.948</a:t>
+              </a:r>
+            </a:p>
+          </p:txBody>
+        </p:sp>
+      </p:grpSp>
+    </p:spTree>
+    <p:extLst>
+      <p:ext uri="{BB962C8B-B14F-4D97-AF65-F5344CB8AC3E}">
+        <p14:creationId xmlns:p14="http://schemas.microsoft.com/office/powerpoint/2010/main" val="3332289585"/>
       </p:ext>
     </p:extLst>
   </p:cSld>

--- a/DSE_challenge_slides.pptx
+++ b/DSE_challenge_slides.pptx
@@ -5,7 +5,7 @@
     <p:sldMasterId id="2147483648" r:id="rId1"/>
   </p:sldMasterIdLst>
   <p:notesMasterIdLst>
-    <p:notesMasterId r:id="rId17"/>
+    <p:notesMasterId r:id="rId24"/>
   </p:notesMasterIdLst>
   <p:sldIdLst>
     <p:sldId id="257" r:id="rId2"/>
@@ -15,14 +15,21 @@
     <p:sldId id="445" r:id="rId6"/>
     <p:sldId id="435" r:id="rId7"/>
     <p:sldId id="446" r:id="rId8"/>
-    <p:sldId id="438" r:id="rId9"/>
-    <p:sldId id="436" r:id="rId10"/>
-    <p:sldId id="437" r:id="rId11"/>
-    <p:sldId id="442" r:id="rId12"/>
-    <p:sldId id="444" r:id="rId13"/>
-    <p:sldId id="443" r:id="rId14"/>
-    <p:sldId id="439" r:id="rId15"/>
-    <p:sldId id="440" r:id="rId16"/>
+    <p:sldId id="442" r:id="rId9"/>
+    <p:sldId id="451" r:id="rId10"/>
+    <p:sldId id="452" r:id="rId11"/>
+    <p:sldId id="447" r:id="rId12"/>
+    <p:sldId id="453" r:id="rId13"/>
+    <p:sldId id="454" r:id="rId14"/>
+    <p:sldId id="296" r:id="rId15"/>
+    <p:sldId id="449" r:id="rId16"/>
+    <p:sldId id="436" r:id="rId17"/>
+    <p:sldId id="438" r:id="rId18"/>
+    <p:sldId id="448" r:id="rId19"/>
+    <p:sldId id="437" r:id="rId20"/>
+    <p:sldId id="443" r:id="rId21"/>
+    <p:sldId id="439" r:id="rId22"/>
+    <p:sldId id="440" r:id="rId23"/>
   </p:sldIdLst>
   <p:sldSz cx="12192000" cy="6858000"/>
   <p:notesSz cx="6858000" cy="9144000"/>
@@ -626,15 +633,34 @@
               <a:rPr lang="en-US" dirty="0">
                 <a:hlinkClick r:id="rId3"/>
               </a:rPr>
-              <a:t>https://citrination.com/data_views</a:t>
-            </a:r>
-            <a:r>
-              <a:rPr lang="en-US">
-                <a:hlinkClick r:id="rId3"/>
-              </a:rPr>
-              <a:t>/11942/predict</a:t>
+              <a:t>https://citrination.com/data_views/11942/predict</a:t>
             </a:r>
             <a:endParaRPr lang="en-US" dirty="0"/>
+          </a:p>
+          <a:p>
+            <a:pPr marL="171450" indent="-171450">
+              <a:buFontTx/>
+              <a:buChar char="-"/>
+            </a:pPr>
+            <a:endParaRPr lang="en-US" dirty="0"/>
+          </a:p>
+          <a:p>
+            <a:pPr marL="171450" indent="-171450">
+              <a:buFontTx/>
+              <a:buChar char="-"/>
+            </a:pPr>
+            <a:r>
+              <a:rPr lang="en-US" dirty="0"/>
+              <a:t>GS = </a:t>
+            </a:r>
+            <a:r>
+              <a:rPr lang="en-US" dirty="0" err="1"/>
+              <a:t>dft</a:t>
+            </a:r>
+            <a:r>
+              <a:rPr lang="en-US" dirty="0"/>
+              <a:t> volume per atom</a:t>
+            </a:r>
           </a:p>
         </p:txBody>
       </p:sp>
@@ -664,7 +690,7 @@
     </p:spTree>
     <p:extLst>
       <p:ext uri="{BB962C8B-B14F-4D97-AF65-F5344CB8AC3E}">
-        <p14:creationId xmlns:p14="http://schemas.microsoft.com/office/powerpoint/2010/main" val="2489745496"/>
+        <p14:creationId xmlns:p14="http://schemas.microsoft.com/office/powerpoint/2010/main" val="1825132350"/>
       </p:ext>
     </p:extLst>
   </p:cSld>
@@ -726,15 +752,34 @@
               <a:rPr lang="en-US" dirty="0">
                 <a:hlinkClick r:id="rId3"/>
               </a:rPr>
-              <a:t>https://citrination.com/data_views</a:t>
-            </a:r>
-            <a:r>
-              <a:rPr lang="en-US">
-                <a:hlinkClick r:id="rId3"/>
-              </a:rPr>
-              <a:t>/11942/predict</a:t>
+              <a:t>https://citrination.com/data_views/11942/predict</a:t>
             </a:r>
             <a:endParaRPr lang="en-US" dirty="0"/>
+          </a:p>
+          <a:p>
+            <a:pPr marL="171450" indent="-171450">
+              <a:buFontTx/>
+              <a:buChar char="-"/>
+            </a:pPr>
+            <a:endParaRPr lang="en-US" dirty="0"/>
+          </a:p>
+          <a:p>
+            <a:pPr marL="171450" indent="-171450">
+              <a:buFontTx/>
+              <a:buChar char="-"/>
+            </a:pPr>
+            <a:r>
+              <a:rPr lang="en-US" dirty="0"/>
+              <a:t>GS = </a:t>
+            </a:r>
+            <a:r>
+              <a:rPr lang="en-US" dirty="0" err="1"/>
+              <a:t>dft</a:t>
+            </a:r>
+            <a:r>
+              <a:rPr lang="en-US" dirty="0"/>
+              <a:t> volume per atom</a:t>
+            </a:r>
           </a:p>
         </p:txBody>
       </p:sp>
@@ -764,7 +809,7 @@
     </p:spTree>
     <p:extLst>
       <p:ext uri="{BB962C8B-B14F-4D97-AF65-F5344CB8AC3E}">
-        <p14:creationId xmlns:p14="http://schemas.microsoft.com/office/powerpoint/2010/main" val="3913473975"/>
+        <p14:creationId xmlns:p14="http://schemas.microsoft.com/office/powerpoint/2010/main" val="2277279158"/>
       </p:ext>
     </p:extLst>
   </p:cSld>
@@ -826,15 +871,34 @@
               <a:rPr lang="en-US" dirty="0">
                 <a:hlinkClick r:id="rId3"/>
               </a:rPr>
-              <a:t>https://citrination.com/data_views</a:t>
-            </a:r>
-            <a:r>
-              <a:rPr lang="en-US">
-                <a:hlinkClick r:id="rId3"/>
-              </a:rPr>
-              <a:t>/11942/predict</a:t>
+              <a:t>https://citrination.com/data_views/11942/predict</a:t>
             </a:r>
             <a:endParaRPr lang="en-US" dirty="0"/>
+          </a:p>
+          <a:p>
+            <a:pPr marL="171450" indent="-171450">
+              <a:buFontTx/>
+              <a:buChar char="-"/>
+            </a:pPr>
+            <a:endParaRPr lang="en-US" dirty="0"/>
+          </a:p>
+          <a:p>
+            <a:pPr marL="171450" indent="-171450">
+              <a:buFontTx/>
+              <a:buChar char="-"/>
+            </a:pPr>
+            <a:r>
+              <a:rPr lang="en-US" dirty="0"/>
+              <a:t>GS = </a:t>
+            </a:r>
+            <a:r>
+              <a:rPr lang="en-US" dirty="0" err="1"/>
+              <a:t>dft</a:t>
+            </a:r>
+            <a:r>
+              <a:rPr lang="en-US" dirty="0"/>
+              <a:t> volume per atom</a:t>
+            </a:r>
           </a:p>
         </p:txBody>
       </p:sp>
@@ -864,7 +928,7 @@
     </p:spTree>
     <p:extLst>
       <p:ext uri="{BB962C8B-B14F-4D97-AF65-F5344CB8AC3E}">
-        <p14:creationId xmlns:p14="http://schemas.microsoft.com/office/powerpoint/2010/main" val="3995637932"/>
+        <p14:creationId xmlns:p14="http://schemas.microsoft.com/office/powerpoint/2010/main" val="107797015"/>
       </p:ext>
     </p:extLst>
   </p:cSld>
@@ -955,7 +1019,7 @@
           <a:p>
             <a:fld id="{C19A1FAC-02BD-7148-9F07-7C5DC5561CDA}" type="slidenum">
               <a:rPr lang="en-US" smtClean="0"/>
-              <a:t>14</a:t>
+              <a:t>15</a:t>
             </a:fld>
             <a:endParaRPr lang="en-US"/>
           </a:p>
@@ -964,7 +1028,7 @@
     </p:spTree>
     <p:extLst>
       <p:ext uri="{BB962C8B-B14F-4D97-AF65-F5344CB8AC3E}">
-        <p14:creationId xmlns:p14="http://schemas.microsoft.com/office/powerpoint/2010/main" val="1284475178"/>
+        <p14:creationId xmlns:p14="http://schemas.microsoft.com/office/powerpoint/2010/main" val="569847411"/>
       </p:ext>
     </p:extLst>
   </p:cSld>
@@ -1026,7 +1090,7 @@
               <a:rPr lang="en-US" dirty="0">
                 <a:hlinkClick r:id="rId3"/>
               </a:rPr>
-              <a:t>https://towardsdatascience.com/receiver-operating-characteristic-curves-demystified-in-python-bd531a4364d0</a:t>
+              <a:t>https://citrination.com/datasets/181017/show_search?searchMatchOption=fuzzyMatch</a:t>
             </a:r>
             <a:endParaRPr lang="en-US" dirty="0"/>
           </a:p>
@@ -1049,7 +1113,7 @@
           <a:p>
             <a:fld id="{C19A1FAC-02BD-7148-9F07-7C5DC5561CDA}" type="slidenum">
               <a:rPr lang="en-US" smtClean="0"/>
-              <a:t>15</a:t>
+              <a:t>16</a:t>
             </a:fld>
             <a:endParaRPr lang="en-US"/>
           </a:p>
@@ -1058,7 +1122,495 @@
     </p:spTree>
     <p:extLst>
       <p:ext uri="{BB962C8B-B14F-4D97-AF65-F5344CB8AC3E}">
-        <p14:creationId xmlns:p14="http://schemas.microsoft.com/office/powerpoint/2010/main" val="4135947100"/>
+        <p14:creationId xmlns:p14="http://schemas.microsoft.com/office/powerpoint/2010/main" val="4287871416"/>
+      </p:ext>
+    </p:extLst>
+  </p:cSld>
+  <p:clrMapOvr>
+    <a:masterClrMapping/>
+  </p:clrMapOvr>
+</p:notes>
+</file>
+
+<file path=ppt/notesSlides/notesSlide15.xml><?xml version="1.0" encoding="utf-8"?>
+<p:notes xmlns:a="http://schemas.openxmlformats.org/drawingml/2006/main" xmlns:r="http://schemas.openxmlformats.org/officeDocument/2006/relationships" xmlns:p="http://schemas.openxmlformats.org/presentationml/2006/main">
+  <p:cSld>
+    <p:spTree>
+      <p:nvGrpSpPr>
+        <p:cNvPr id="1" name=""/>
+        <p:cNvGrpSpPr/>
+        <p:nvPr/>
+      </p:nvGrpSpPr>
+      <p:grpSpPr>
+        <a:xfrm>
+          <a:off x="0" y="0"/>
+          <a:ext cx="0" cy="0"/>
+          <a:chOff x="0" y="0"/>
+          <a:chExt cx="0" cy="0"/>
+        </a:xfrm>
+      </p:grpSpPr>
+      <p:sp>
+        <p:nvSpPr>
+          <p:cNvPr id="2" name="Slide Image Placeholder 1"/>
+          <p:cNvSpPr>
+            <a:spLocks noGrp="1" noRot="1" noChangeAspect="1"/>
+          </p:cNvSpPr>
+          <p:nvPr>
+            <p:ph type="sldImg"/>
+          </p:nvPr>
+        </p:nvSpPr>
+        <p:spPr/>
+      </p:sp>
+      <p:sp>
+        <p:nvSpPr>
+          <p:cNvPr id="3" name="Notes Placeholder 2"/>
+          <p:cNvSpPr>
+            <a:spLocks noGrp="1"/>
+          </p:cNvSpPr>
+          <p:nvPr>
+            <p:ph type="body" idx="1"/>
+          </p:nvPr>
+        </p:nvSpPr>
+        <p:spPr/>
+        <p:txBody>
+          <a:bodyPr/>
+          <a:lstStyle/>
+          <a:p>
+            <a:pPr marL="171450" indent="-171450">
+              <a:buFontTx/>
+              <a:buChar char="-"/>
+            </a:pPr>
+            <a:r>
+              <a:rPr lang="en-US" dirty="0">
+                <a:hlinkClick r:id="rId3"/>
+              </a:rPr>
+              <a:t>https://citrination.com/datasets/181017/show_search?searchMatchOption=fuzzyMatch</a:t>
+            </a:r>
+            <a:endParaRPr lang="en-US" dirty="0"/>
+          </a:p>
+        </p:txBody>
+      </p:sp>
+      <p:sp>
+        <p:nvSpPr>
+          <p:cNvPr id="4" name="Slide Number Placeholder 3"/>
+          <p:cNvSpPr>
+            <a:spLocks noGrp="1"/>
+          </p:cNvSpPr>
+          <p:nvPr>
+            <p:ph type="sldNum" sz="quarter" idx="5"/>
+          </p:nvPr>
+        </p:nvSpPr>
+        <p:spPr/>
+        <p:txBody>
+          <a:bodyPr/>
+          <a:lstStyle/>
+          <a:p>
+            <a:fld id="{C19A1FAC-02BD-7148-9F07-7C5DC5561CDA}" type="slidenum">
+              <a:rPr lang="en-US" smtClean="0"/>
+              <a:t>17</a:t>
+            </a:fld>
+            <a:endParaRPr lang="en-US"/>
+          </a:p>
+        </p:txBody>
+      </p:sp>
+    </p:spTree>
+    <p:extLst>
+      <p:ext uri="{BB962C8B-B14F-4D97-AF65-F5344CB8AC3E}">
+        <p14:creationId xmlns:p14="http://schemas.microsoft.com/office/powerpoint/2010/main" val="2957753033"/>
+      </p:ext>
+    </p:extLst>
+  </p:cSld>
+  <p:clrMapOvr>
+    <a:masterClrMapping/>
+  </p:clrMapOvr>
+</p:notes>
+</file>
+
+<file path=ppt/notesSlides/notesSlide16.xml><?xml version="1.0" encoding="utf-8"?>
+<p:notes xmlns:a="http://schemas.openxmlformats.org/drawingml/2006/main" xmlns:r="http://schemas.openxmlformats.org/officeDocument/2006/relationships" xmlns:p="http://schemas.openxmlformats.org/presentationml/2006/main">
+  <p:cSld>
+    <p:spTree>
+      <p:nvGrpSpPr>
+        <p:cNvPr id="1" name=""/>
+        <p:cNvGrpSpPr/>
+        <p:nvPr/>
+      </p:nvGrpSpPr>
+      <p:grpSpPr>
+        <a:xfrm>
+          <a:off x="0" y="0"/>
+          <a:ext cx="0" cy="0"/>
+          <a:chOff x="0" y="0"/>
+          <a:chExt cx="0" cy="0"/>
+        </a:xfrm>
+      </p:grpSpPr>
+      <p:sp>
+        <p:nvSpPr>
+          <p:cNvPr id="2" name="Slide Image Placeholder 1"/>
+          <p:cNvSpPr>
+            <a:spLocks noGrp="1" noRot="1" noChangeAspect="1"/>
+          </p:cNvSpPr>
+          <p:nvPr>
+            <p:ph type="sldImg"/>
+          </p:nvPr>
+        </p:nvSpPr>
+        <p:spPr/>
+      </p:sp>
+      <p:sp>
+        <p:nvSpPr>
+          <p:cNvPr id="3" name="Notes Placeholder 2"/>
+          <p:cNvSpPr>
+            <a:spLocks noGrp="1"/>
+          </p:cNvSpPr>
+          <p:nvPr>
+            <p:ph type="body" idx="1"/>
+          </p:nvPr>
+        </p:nvSpPr>
+        <p:spPr/>
+        <p:txBody>
+          <a:bodyPr/>
+          <a:lstStyle/>
+          <a:p>
+            <a:pPr marL="171450" indent="-171450">
+              <a:buFontTx/>
+              <a:buChar char="-"/>
+            </a:pPr>
+            <a:r>
+              <a:rPr lang="en-US" dirty="0">
+                <a:hlinkClick r:id="rId3"/>
+              </a:rPr>
+              <a:t>https://citrination.com/datasets/181017/show_search?searchMatchOption=fuzzyMatch</a:t>
+            </a:r>
+            <a:endParaRPr lang="en-US" dirty="0"/>
+          </a:p>
+        </p:txBody>
+      </p:sp>
+      <p:sp>
+        <p:nvSpPr>
+          <p:cNvPr id="4" name="Slide Number Placeholder 3"/>
+          <p:cNvSpPr>
+            <a:spLocks noGrp="1"/>
+          </p:cNvSpPr>
+          <p:nvPr>
+            <p:ph type="sldNum" sz="quarter" idx="5"/>
+          </p:nvPr>
+        </p:nvSpPr>
+        <p:spPr/>
+        <p:txBody>
+          <a:bodyPr/>
+          <a:lstStyle/>
+          <a:p>
+            <a:fld id="{C19A1FAC-02BD-7148-9F07-7C5DC5561CDA}" type="slidenum">
+              <a:rPr lang="en-US" smtClean="0"/>
+              <a:t>18</a:t>
+            </a:fld>
+            <a:endParaRPr lang="en-US"/>
+          </a:p>
+        </p:txBody>
+      </p:sp>
+    </p:spTree>
+    <p:extLst>
+      <p:ext uri="{BB962C8B-B14F-4D97-AF65-F5344CB8AC3E}">
+        <p14:creationId xmlns:p14="http://schemas.microsoft.com/office/powerpoint/2010/main" val="2378701544"/>
+      </p:ext>
+    </p:extLst>
+  </p:cSld>
+  <p:clrMapOvr>
+    <a:masterClrMapping/>
+  </p:clrMapOvr>
+</p:notes>
+</file>
+
+<file path=ppt/notesSlides/notesSlide17.xml><?xml version="1.0" encoding="utf-8"?>
+<p:notes xmlns:a="http://schemas.openxmlformats.org/drawingml/2006/main" xmlns:r="http://schemas.openxmlformats.org/officeDocument/2006/relationships" xmlns:p="http://schemas.openxmlformats.org/presentationml/2006/main">
+  <p:cSld>
+    <p:spTree>
+      <p:nvGrpSpPr>
+        <p:cNvPr id="1" name=""/>
+        <p:cNvGrpSpPr/>
+        <p:nvPr/>
+      </p:nvGrpSpPr>
+      <p:grpSpPr>
+        <a:xfrm>
+          <a:off x="0" y="0"/>
+          <a:ext cx="0" cy="0"/>
+          <a:chOff x="0" y="0"/>
+          <a:chExt cx="0" cy="0"/>
+        </a:xfrm>
+      </p:grpSpPr>
+      <p:sp>
+        <p:nvSpPr>
+          <p:cNvPr id="2" name="Slide Image Placeholder 1"/>
+          <p:cNvSpPr>
+            <a:spLocks noGrp="1" noRot="1" noChangeAspect="1"/>
+          </p:cNvSpPr>
+          <p:nvPr>
+            <p:ph type="sldImg"/>
+          </p:nvPr>
+        </p:nvSpPr>
+        <p:spPr/>
+      </p:sp>
+      <p:sp>
+        <p:nvSpPr>
+          <p:cNvPr id="3" name="Notes Placeholder 2"/>
+          <p:cNvSpPr>
+            <a:spLocks noGrp="1"/>
+          </p:cNvSpPr>
+          <p:nvPr>
+            <p:ph type="body" idx="1"/>
+          </p:nvPr>
+        </p:nvSpPr>
+        <p:spPr/>
+        <p:txBody>
+          <a:bodyPr/>
+          <a:lstStyle/>
+          <a:p>
+            <a:pPr marL="171450" indent="-171450">
+              <a:buFontTx/>
+              <a:buChar char="-"/>
+            </a:pPr>
+            <a:r>
+              <a:rPr lang="en-US" dirty="0">
+                <a:hlinkClick r:id="rId3"/>
+              </a:rPr>
+              <a:t>https://citrination.com/data_views</a:t>
+            </a:r>
+            <a:r>
+              <a:rPr lang="en-US">
+                <a:hlinkClick r:id="rId3"/>
+              </a:rPr>
+              <a:t>/11942/predict</a:t>
+            </a:r>
+            <a:endParaRPr lang="en-US" dirty="0"/>
+          </a:p>
+        </p:txBody>
+      </p:sp>
+      <p:sp>
+        <p:nvSpPr>
+          <p:cNvPr id="4" name="Slide Number Placeholder 3"/>
+          <p:cNvSpPr>
+            <a:spLocks noGrp="1"/>
+          </p:cNvSpPr>
+          <p:nvPr>
+            <p:ph type="sldNum" sz="quarter" idx="5"/>
+          </p:nvPr>
+        </p:nvSpPr>
+        <p:spPr/>
+        <p:txBody>
+          <a:bodyPr/>
+          <a:lstStyle/>
+          <a:p>
+            <a:fld id="{C19A1FAC-02BD-7148-9F07-7C5DC5561CDA}" type="slidenum">
+              <a:rPr lang="en-US" smtClean="0"/>
+              <a:t>19</a:t>
+            </a:fld>
+            <a:endParaRPr lang="en-US"/>
+          </a:p>
+        </p:txBody>
+      </p:sp>
+    </p:spTree>
+    <p:extLst>
+      <p:ext uri="{BB962C8B-B14F-4D97-AF65-F5344CB8AC3E}">
+        <p14:creationId xmlns:p14="http://schemas.microsoft.com/office/powerpoint/2010/main" val="2099003995"/>
+      </p:ext>
+    </p:extLst>
+  </p:cSld>
+  <p:clrMapOvr>
+    <a:masterClrMapping/>
+  </p:clrMapOvr>
+</p:notes>
+</file>
+
+<file path=ppt/notesSlides/notesSlide18.xml><?xml version="1.0" encoding="utf-8"?>
+<p:notes xmlns:a="http://schemas.openxmlformats.org/drawingml/2006/main" xmlns:r="http://schemas.openxmlformats.org/officeDocument/2006/relationships" xmlns:p="http://schemas.openxmlformats.org/presentationml/2006/main">
+  <p:cSld>
+    <p:spTree>
+      <p:nvGrpSpPr>
+        <p:cNvPr id="1" name=""/>
+        <p:cNvGrpSpPr/>
+        <p:nvPr/>
+      </p:nvGrpSpPr>
+      <p:grpSpPr>
+        <a:xfrm>
+          <a:off x="0" y="0"/>
+          <a:ext cx="0" cy="0"/>
+          <a:chOff x="0" y="0"/>
+          <a:chExt cx="0" cy="0"/>
+        </a:xfrm>
+      </p:grpSpPr>
+      <p:sp>
+        <p:nvSpPr>
+          <p:cNvPr id="2" name="Slide Image Placeholder 1"/>
+          <p:cNvSpPr>
+            <a:spLocks noGrp="1" noRot="1" noChangeAspect="1"/>
+          </p:cNvSpPr>
+          <p:nvPr>
+            <p:ph type="sldImg"/>
+          </p:nvPr>
+        </p:nvSpPr>
+        <p:spPr/>
+      </p:sp>
+      <p:sp>
+        <p:nvSpPr>
+          <p:cNvPr id="3" name="Notes Placeholder 2"/>
+          <p:cNvSpPr>
+            <a:spLocks noGrp="1"/>
+          </p:cNvSpPr>
+          <p:nvPr>
+            <p:ph type="body" idx="1"/>
+          </p:nvPr>
+        </p:nvSpPr>
+        <p:spPr/>
+        <p:txBody>
+          <a:bodyPr/>
+          <a:lstStyle/>
+          <a:p>
+            <a:pPr marL="171450" indent="-171450">
+              <a:buFontTx/>
+              <a:buChar char="-"/>
+            </a:pPr>
+            <a:r>
+              <a:rPr lang="en-US" dirty="0">
+                <a:hlinkClick r:id="rId3"/>
+              </a:rPr>
+              <a:t>https://citrination.com/data_views</a:t>
+            </a:r>
+            <a:r>
+              <a:rPr lang="en-US">
+                <a:hlinkClick r:id="rId3"/>
+              </a:rPr>
+              <a:t>/11942/predict</a:t>
+            </a:r>
+            <a:endParaRPr lang="en-US" dirty="0"/>
+          </a:p>
+        </p:txBody>
+      </p:sp>
+      <p:sp>
+        <p:nvSpPr>
+          <p:cNvPr id="4" name="Slide Number Placeholder 3"/>
+          <p:cNvSpPr>
+            <a:spLocks noGrp="1"/>
+          </p:cNvSpPr>
+          <p:nvPr>
+            <p:ph type="sldNum" sz="quarter" idx="5"/>
+          </p:nvPr>
+        </p:nvSpPr>
+        <p:spPr/>
+        <p:txBody>
+          <a:bodyPr/>
+          <a:lstStyle/>
+          <a:p>
+            <a:fld id="{C19A1FAC-02BD-7148-9F07-7C5DC5561CDA}" type="slidenum">
+              <a:rPr lang="en-US" smtClean="0"/>
+              <a:t>20</a:t>
+            </a:fld>
+            <a:endParaRPr lang="en-US"/>
+          </a:p>
+        </p:txBody>
+      </p:sp>
+    </p:spTree>
+    <p:extLst>
+      <p:ext uri="{BB962C8B-B14F-4D97-AF65-F5344CB8AC3E}">
+        <p14:creationId xmlns:p14="http://schemas.microsoft.com/office/powerpoint/2010/main" val="3995637932"/>
+      </p:ext>
+    </p:extLst>
+  </p:cSld>
+  <p:clrMapOvr>
+    <a:masterClrMapping/>
+  </p:clrMapOvr>
+</p:notes>
+</file>
+
+<file path=ppt/notesSlides/notesSlide19.xml><?xml version="1.0" encoding="utf-8"?>
+<p:notes xmlns:a="http://schemas.openxmlformats.org/drawingml/2006/main" xmlns:r="http://schemas.openxmlformats.org/officeDocument/2006/relationships" xmlns:p="http://schemas.openxmlformats.org/presentationml/2006/main">
+  <p:cSld>
+    <p:spTree>
+      <p:nvGrpSpPr>
+        <p:cNvPr id="1" name=""/>
+        <p:cNvGrpSpPr/>
+        <p:nvPr/>
+      </p:nvGrpSpPr>
+      <p:grpSpPr>
+        <a:xfrm>
+          <a:off x="0" y="0"/>
+          <a:ext cx="0" cy="0"/>
+          <a:chOff x="0" y="0"/>
+          <a:chExt cx="0" cy="0"/>
+        </a:xfrm>
+      </p:grpSpPr>
+      <p:sp>
+        <p:nvSpPr>
+          <p:cNvPr id="2" name="Slide Image Placeholder 1"/>
+          <p:cNvSpPr>
+            <a:spLocks noGrp="1" noRot="1" noChangeAspect="1"/>
+          </p:cNvSpPr>
+          <p:nvPr>
+            <p:ph type="sldImg"/>
+          </p:nvPr>
+        </p:nvSpPr>
+        <p:spPr/>
+      </p:sp>
+      <p:sp>
+        <p:nvSpPr>
+          <p:cNvPr id="3" name="Notes Placeholder 2"/>
+          <p:cNvSpPr>
+            <a:spLocks noGrp="1"/>
+          </p:cNvSpPr>
+          <p:nvPr>
+            <p:ph type="body" idx="1"/>
+          </p:nvPr>
+        </p:nvSpPr>
+        <p:spPr/>
+        <p:txBody>
+          <a:bodyPr/>
+          <a:lstStyle/>
+          <a:p>
+            <a:pPr marL="171450" indent="-171450">
+              <a:buFontTx/>
+              <a:buChar char="-"/>
+            </a:pPr>
+            <a:r>
+              <a:rPr lang="en-US" dirty="0">
+                <a:hlinkClick r:id="rId3"/>
+              </a:rPr>
+              <a:t>https://citrination.com/data_views</a:t>
+            </a:r>
+            <a:r>
+              <a:rPr lang="en-US">
+                <a:hlinkClick r:id="rId3"/>
+              </a:rPr>
+              <a:t>/11942/predict</a:t>
+            </a:r>
+            <a:endParaRPr lang="en-US" dirty="0"/>
+          </a:p>
+        </p:txBody>
+      </p:sp>
+      <p:sp>
+        <p:nvSpPr>
+          <p:cNvPr id="4" name="Slide Number Placeholder 3"/>
+          <p:cNvSpPr>
+            <a:spLocks noGrp="1"/>
+          </p:cNvSpPr>
+          <p:nvPr>
+            <p:ph type="sldNum" sz="quarter" idx="5"/>
+          </p:nvPr>
+        </p:nvSpPr>
+        <p:spPr/>
+        <p:txBody>
+          <a:bodyPr/>
+          <a:lstStyle/>
+          <a:p>
+            <a:fld id="{C19A1FAC-02BD-7148-9F07-7C5DC5561CDA}" type="slidenum">
+              <a:rPr lang="en-US" smtClean="0"/>
+              <a:t>21</a:t>
+            </a:fld>
+            <a:endParaRPr lang="en-US"/>
+          </a:p>
+        </p:txBody>
+      </p:sp>
+    </p:spTree>
+    <p:extLst>
+      <p:ext uri="{BB962C8B-B14F-4D97-AF65-F5344CB8AC3E}">
+        <p14:creationId xmlns:p14="http://schemas.microsoft.com/office/powerpoint/2010/main" val="1284475178"/>
       </p:ext>
     </p:extLst>
   </p:cSld>
@@ -1162,6 +1714,100 @@
 </p:notes>
 </file>
 
+<file path=ppt/notesSlides/notesSlide20.xml><?xml version="1.0" encoding="utf-8"?>
+<p:notes xmlns:a="http://schemas.openxmlformats.org/drawingml/2006/main" xmlns:r="http://schemas.openxmlformats.org/officeDocument/2006/relationships" xmlns:p="http://schemas.openxmlformats.org/presentationml/2006/main">
+  <p:cSld>
+    <p:spTree>
+      <p:nvGrpSpPr>
+        <p:cNvPr id="1" name=""/>
+        <p:cNvGrpSpPr/>
+        <p:nvPr/>
+      </p:nvGrpSpPr>
+      <p:grpSpPr>
+        <a:xfrm>
+          <a:off x="0" y="0"/>
+          <a:ext cx="0" cy="0"/>
+          <a:chOff x="0" y="0"/>
+          <a:chExt cx="0" cy="0"/>
+        </a:xfrm>
+      </p:grpSpPr>
+      <p:sp>
+        <p:nvSpPr>
+          <p:cNvPr id="2" name="Slide Image Placeholder 1"/>
+          <p:cNvSpPr>
+            <a:spLocks noGrp="1" noRot="1" noChangeAspect="1"/>
+          </p:cNvSpPr>
+          <p:nvPr>
+            <p:ph type="sldImg"/>
+          </p:nvPr>
+        </p:nvSpPr>
+        <p:spPr/>
+      </p:sp>
+      <p:sp>
+        <p:nvSpPr>
+          <p:cNvPr id="3" name="Notes Placeholder 2"/>
+          <p:cNvSpPr>
+            <a:spLocks noGrp="1"/>
+          </p:cNvSpPr>
+          <p:nvPr>
+            <p:ph type="body" idx="1"/>
+          </p:nvPr>
+        </p:nvSpPr>
+        <p:spPr/>
+        <p:txBody>
+          <a:bodyPr/>
+          <a:lstStyle/>
+          <a:p>
+            <a:pPr marL="171450" indent="-171450">
+              <a:buFontTx/>
+              <a:buChar char="-"/>
+            </a:pPr>
+            <a:r>
+              <a:rPr lang="en-US" dirty="0">
+                <a:hlinkClick r:id="rId3"/>
+              </a:rPr>
+              <a:t>https://towardsdatascience.com/receiver-operating-characteristic-curves-demystified-in-python-bd531a4364d0</a:t>
+            </a:r>
+            <a:endParaRPr lang="en-US" dirty="0"/>
+          </a:p>
+        </p:txBody>
+      </p:sp>
+      <p:sp>
+        <p:nvSpPr>
+          <p:cNvPr id="4" name="Slide Number Placeholder 3"/>
+          <p:cNvSpPr>
+            <a:spLocks noGrp="1"/>
+          </p:cNvSpPr>
+          <p:nvPr>
+            <p:ph type="sldNum" sz="quarter" idx="5"/>
+          </p:nvPr>
+        </p:nvSpPr>
+        <p:spPr/>
+        <p:txBody>
+          <a:bodyPr/>
+          <a:lstStyle/>
+          <a:p>
+            <a:fld id="{C19A1FAC-02BD-7148-9F07-7C5DC5561CDA}" type="slidenum">
+              <a:rPr lang="en-US" smtClean="0"/>
+              <a:t>22</a:t>
+            </a:fld>
+            <a:endParaRPr lang="en-US"/>
+          </a:p>
+        </p:txBody>
+      </p:sp>
+    </p:spTree>
+    <p:extLst>
+      <p:ext uri="{BB962C8B-B14F-4D97-AF65-F5344CB8AC3E}">
+        <p14:creationId xmlns:p14="http://schemas.microsoft.com/office/powerpoint/2010/main" val="4135947100"/>
+      </p:ext>
+    </p:extLst>
+  </p:cSld>
+  <p:clrMapOvr>
+    <a:masterClrMapping/>
+  </p:clrMapOvr>
+</p:notes>
+</file>
+
 <file path=ppt/notesSlides/notesSlide3.xml><?xml version="1.0" encoding="utf-8"?>
 <p:notes xmlns:a="http://schemas.openxmlformats.org/drawingml/2006/main" xmlns:r="http://schemas.openxmlformats.org/officeDocument/2006/relationships" xmlns:p="http://schemas.openxmlformats.org/presentationml/2006/main">
   <p:cSld>
@@ -1217,6 +1863,27 @@
               <a:t>https://citrination.com/datasets/181017/show_search?searchMatchOption=fuzzyMatch</a:t>
             </a:r>
             <a:endParaRPr lang="en-US" dirty="0"/>
+          </a:p>
+          <a:p>
+            <a:pPr marL="171450" indent="-171450">
+              <a:buFontTx/>
+              <a:buChar char="-"/>
+            </a:pPr>
+            <a:endParaRPr lang="en-US" dirty="0"/>
+          </a:p>
+          <a:p>
+            <a:pPr marL="171450" indent="-171450">
+              <a:buFontTx/>
+              <a:buChar char="-"/>
+            </a:pPr>
+            <a:r>
+              <a:rPr lang="en-US" dirty="0" err="1"/>
+              <a:t>delH</a:t>
+            </a:r>
+            <a:r>
+              <a:rPr lang="en-US" dirty="0"/>
+              <a:t> = enthalpy of formation. 	</a:t>
+            </a:r>
           </a:p>
         </p:txBody>
       </p:sp>
@@ -1585,7 +2252,7 @@
               <a:rPr lang="en-US" dirty="0">
                 <a:hlinkClick r:id="rId3"/>
               </a:rPr>
-              <a:t>https://citrination.com/datasets/181017/show_search?searchMatchOption=fuzzyMatch</a:t>
+              <a:t>https://citrination.com/data_views/11942/predict</a:t>
             </a:r>
             <a:endParaRPr lang="en-US" dirty="0"/>
           </a:p>
@@ -1617,7 +2284,7 @@
     </p:spTree>
     <p:extLst>
       <p:ext uri="{BB962C8B-B14F-4D97-AF65-F5344CB8AC3E}">
-        <p14:creationId xmlns:p14="http://schemas.microsoft.com/office/powerpoint/2010/main" val="2957753033"/>
+        <p14:creationId xmlns:p14="http://schemas.microsoft.com/office/powerpoint/2010/main" val="2489745496"/>
       </p:ext>
     </p:extLst>
   </p:cSld>
@@ -1676,12 +2343,78 @@
               <a:buChar char="-"/>
             </a:pPr>
             <a:r>
-              <a:rPr lang="en-US" dirty="0">
-                <a:hlinkClick r:id="rId3"/>
-              </a:rPr>
-              <a:t>https://citrination.com/datasets/181017/show_search?searchMatchOption=fuzzyMatch</a:t>
-            </a:r>
+              <a:rPr lang="en-US" dirty="0"/>
+              <a:t># precision: What proportion of positive identifications was actually correct?</a:t>
+            </a:r>
+          </a:p>
+          <a:p>
+            <a:pPr marL="171450" indent="-171450">
+              <a:buFontTx/>
+              <a:buChar char="-"/>
+            </a:pPr>
+            <a:r>
+              <a:rPr lang="en-US" dirty="0"/>
+              <a:t>precision = </a:t>
+            </a:r>
+            <a:r>
+              <a:rPr lang="en-US" dirty="0" err="1"/>
+              <a:t>tp</a:t>
+            </a:r>
+            <a:r>
+              <a:rPr lang="en-US" dirty="0"/>
+              <a:t>/(</a:t>
+            </a:r>
+            <a:r>
+              <a:rPr lang="en-US" dirty="0" err="1"/>
+              <a:t>tp+fp</a:t>
+            </a:r>
+            <a:r>
+              <a:rPr lang="en-US" dirty="0"/>
+              <a:t>)</a:t>
+            </a:r>
+          </a:p>
+          <a:p>
+            <a:pPr marL="171450" indent="-171450">
+              <a:buFontTx/>
+              <a:buChar char="-"/>
+            </a:pPr>
             <a:endParaRPr lang="en-US" dirty="0"/>
+          </a:p>
+          <a:p>
+            <a:pPr marL="171450" indent="-171450">
+              <a:buFontTx/>
+              <a:buChar char="-"/>
+            </a:pPr>
+            <a:r>
+              <a:rPr lang="en-US" dirty="0"/>
+              <a:t># recall: What proportion of actual positives was identified correctly?</a:t>
+            </a:r>
+          </a:p>
+          <a:p>
+            <a:pPr marL="171450" indent="-171450">
+              <a:buFontTx/>
+              <a:buChar char="-"/>
+            </a:pPr>
+            <a:r>
+              <a:rPr lang="en-US" dirty="0"/>
+              <a:t>recall = </a:t>
+            </a:r>
+            <a:r>
+              <a:rPr lang="en-US" dirty="0" err="1"/>
+              <a:t>tp</a:t>
+            </a:r>
+            <a:r>
+              <a:rPr lang="en-US" dirty="0"/>
+              <a:t>/(</a:t>
+            </a:r>
+            <a:r>
+              <a:rPr lang="en-US" dirty="0" err="1"/>
+              <a:t>tp+fn</a:t>
+            </a:r>
+            <a:r>
+              <a:rPr lang="en-US" dirty="0"/>
+              <a:t>)</a:t>
+            </a:r>
           </a:p>
         </p:txBody>
       </p:sp>
@@ -1711,7 +2444,7 @@
     </p:spTree>
     <p:extLst>
       <p:ext uri="{BB962C8B-B14F-4D97-AF65-F5344CB8AC3E}">
-        <p14:creationId xmlns:p14="http://schemas.microsoft.com/office/powerpoint/2010/main" val="4287871416"/>
+        <p14:creationId xmlns:p14="http://schemas.microsoft.com/office/powerpoint/2010/main" val="3987656801"/>
       </p:ext>
     </p:extLst>
   </p:cSld>
@@ -1811,7 +2544,7 @@
     </p:spTree>
     <p:extLst>
       <p:ext uri="{BB962C8B-B14F-4D97-AF65-F5344CB8AC3E}">
-        <p14:creationId xmlns:p14="http://schemas.microsoft.com/office/powerpoint/2010/main" val="2099003995"/>
+        <p14:creationId xmlns:p14="http://schemas.microsoft.com/office/powerpoint/2010/main" val="2344244635"/>
       </p:ext>
     </p:extLst>
   </p:cSld>
@@ -3212,6 +3945,90 @@
   </p:cSld>
   <p:clrMapOvr>
     <a:masterClrMapping/>
+  </p:clrMapOvr>
+</p:sldLayout>
+</file>
+
+<file path=ppt/slideLayouts/slideLayout15.xml><?xml version="1.0" encoding="utf-8"?>
+<p:sldLayout xmlns:a="http://schemas.openxmlformats.org/drawingml/2006/main" xmlns:r="http://schemas.openxmlformats.org/officeDocument/2006/relationships" xmlns:p="http://schemas.openxmlformats.org/presentationml/2006/main" userDrawn="1">
+  <p:cSld name="Section Title Slide - Black 50%">
+    <p:bg>
+      <p:bgPr>
+        <a:solidFill>
+          <a:schemeClr val="bg1">
+            <a:lumMod val="75000"/>
+            <a:lumOff val="25000"/>
+          </a:schemeClr>
+        </a:solidFill>
+        <a:effectLst/>
+      </p:bgPr>
+    </p:bg>
+    <p:spTree>
+      <p:nvGrpSpPr>
+        <p:cNvPr id="1" name=""/>
+        <p:cNvGrpSpPr/>
+        <p:nvPr/>
+      </p:nvGrpSpPr>
+      <p:grpSpPr>
+        <a:xfrm>
+          <a:off x="0" y="0"/>
+          <a:ext cx="0" cy="0"/>
+          <a:chOff x="0" y="0"/>
+          <a:chExt cx="0" cy="0"/>
+        </a:xfrm>
+      </p:grpSpPr>
+      <p:sp>
+        <p:nvSpPr>
+          <p:cNvPr id="4" name="Title 1"/>
+          <p:cNvSpPr>
+            <a:spLocks noGrp="1"/>
+          </p:cNvSpPr>
+          <p:nvPr>
+            <p:ph type="ctrTitle" hasCustomPrompt="1"/>
+          </p:nvPr>
+        </p:nvSpPr>
+        <p:spPr>
+          <a:xfrm>
+            <a:off x="838199" y="3009259"/>
+            <a:ext cx="10515601" cy="933154"/>
+          </a:xfrm>
+          <a:prstGeom prst="rect">
+            <a:avLst/>
+          </a:prstGeom>
+        </p:spPr>
+        <p:txBody>
+          <a:bodyPr anchor="ctr">
+            <a:noAutofit/>
+          </a:bodyPr>
+          <a:lstStyle>
+            <a:lvl1pPr algn="ctr">
+              <a:defRPr sz="6000" b="0" i="0">
+                <a:solidFill>
+                  <a:schemeClr val="tx1"/>
+                </a:solidFill>
+                <a:latin typeface="Barlow Semi Condensed SemiBold" charset="0"/>
+                <a:ea typeface="Barlow Semi Condensed SemiBold" charset="0"/>
+                <a:cs typeface="Barlow Semi Condensed SemiBold" charset="0"/>
+              </a:defRPr>
+            </a:lvl1pPr>
+          </a:lstStyle>
+          <a:p>
+            <a:r>
+              <a:rPr lang="en-US" dirty="0"/>
+              <a:t>CLICK TO EDIT MASTER TITLE</a:t>
+            </a:r>
+          </a:p>
+        </p:txBody>
+      </p:sp>
+    </p:spTree>
+    <p:extLst>
+      <p:ext uri="{BB962C8B-B14F-4D97-AF65-F5344CB8AC3E}">
+        <p14:creationId xmlns:p14="http://schemas.microsoft.com/office/powerpoint/2010/main" val="791615648"/>
+      </p:ext>
+    </p:extLst>
+  </p:cSld>
+  <p:clrMapOvr>
+    <a:overrideClrMapping bg1="dk1" tx1="lt1" bg2="dk2" tx2="lt2" accent1="accent1" accent2="accent2" accent3="accent3" accent4="accent4" accent5="accent5" accent6="accent6" hlink="hlink" folHlink="folHlink"/>
   </p:clrMapOvr>
 </p:sldLayout>
 </file>
@@ -5506,6 +6323,7 @@
     <p:sldLayoutId id="2147483660" r:id="rId12"/>
     <p:sldLayoutId id="2147483661" r:id="rId13"/>
     <p:sldLayoutId id="2147483662" r:id="rId14"/>
+    <p:sldLayoutId id="2147483663" r:id="rId15"/>
   </p:sldLayoutIdLst>
   <p:txStyles>
     <p:titleStyle>
@@ -5858,6 +6676,3861 @@
 </file>
 
 <file path=ppt/slides/slide10.xml><?xml version="1.0" encoding="utf-8"?>
+<p:sld xmlns:a="http://schemas.openxmlformats.org/drawingml/2006/main" xmlns:r="http://schemas.openxmlformats.org/officeDocument/2006/relationships" xmlns:p="http://schemas.openxmlformats.org/presentationml/2006/main">
+  <p:cSld>
+    <p:spTree>
+      <p:nvGrpSpPr>
+        <p:cNvPr id="1" name=""/>
+        <p:cNvGrpSpPr/>
+        <p:nvPr/>
+      </p:nvGrpSpPr>
+      <p:grpSpPr>
+        <a:xfrm>
+          <a:off x="0" y="0"/>
+          <a:ext cx="0" cy="0"/>
+          <a:chOff x="0" y="0"/>
+          <a:chExt cx="0" cy="0"/>
+        </a:xfrm>
+      </p:grpSpPr>
+      <p:sp>
+        <p:nvSpPr>
+          <p:cNvPr id="3" name="Title 2">
+            <a:extLst>
+              <a:ext uri="{FF2B5EF4-FFF2-40B4-BE49-F238E27FC236}">
+                <a16:creationId xmlns:a16="http://schemas.microsoft.com/office/drawing/2014/main" id="{89AAC0A9-8A9F-7749-A50C-CD947F888D4F}"/>
+              </a:ext>
+            </a:extLst>
+          </p:cNvPr>
+          <p:cNvSpPr>
+            <a:spLocks noGrp="1"/>
+          </p:cNvSpPr>
+          <p:nvPr>
+            <p:ph type="ctrTitle"/>
+          </p:nvPr>
+        </p:nvSpPr>
+        <p:spPr/>
+        <p:txBody>
+          <a:bodyPr>
+            <a:normAutofit/>
+          </a:bodyPr>
+          <a:lstStyle/>
+          <a:p>
+            <a:r>
+              <a:rPr lang="en-US" sz="4400" dirty="0"/>
+              <a:t>Evaluating predictions</a:t>
+            </a:r>
+          </a:p>
+        </p:txBody>
+      </p:sp>
+      <p:sp>
+        <p:nvSpPr>
+          <p:cNvPr id="6" name="TextBox 5">
+            <a:extLst>
+              <a:ext uri="{FF2B5EF4-FFF2-40B4-BE49-F238E27FC236}">
+                <a16:creationId xmlns:a16="http://schemas.microsoft.com/office/drawing/2014/main" id="{3A865C27-4BCE-A94F-96DB-34B0C32C538C}"/>
+              </a:ext>
+            </a:extLst>
+          </p:cNvPr>
+          <p:cNvSpPr txBox="1"/>
+          <p:nvPr/>
+        </p:nvSpPr>
+        <p:spPr>
+          <a:xfrm>
+            <a:off x="788279" y="5240132"/>
+            <a:ext cx="4386019" cy="1015663"/>
+          </a:xfrm>
+          <a:prstGeom prst="rect">
+            <a:avLst/>
+          </a:prstGeom>
+          <a:noFill/>
+        </p:spPr>
+        <p:txBody>
+          <a:bodyPr wrap="square" rtlCol="0">
+            <a:spAutoFit/>
+          </a:bodyPr>
+          <a:lstStyle/>
+          <a:p>
+            <a:pPr algn="just"/>
+            <a:r>
+              <a:rPr lang="en-US" sz="2000" dirty="0">
+                <a:latin typeface="Lusitana" pitchFamily="2" charset="0"/>
+              </a:rPr>
+              <a:t>Typically, an ROC curve is a good measure of the ability of a binary classifier.</a:t>
+            </a:r>
+          </a:p>
+        </p:txBody>
+      </p:sp>
+      <p:sp>
+        <p:nvSpPr>
+          <p:cNvPr id="8" name="TextBox 7">
+            <a:extLst>
+              <a:ext uri="{FF2B5EF4-FFF2-40B4-BE49-F238E27FC236}">
+                <a16:creationId xmlns:a16="http://schemas.microsoft.com/office/drawing/2014/main" id="{92DFE199-31A6-6440-9346-5C591E10FD70}"/>
+              </a:ext>
+            </a:extLst>
+          </p:cNvPr>
+          <p:cNvSpPr txBox="1"/>
+          <p:nvPr/>
+        </p:nvSpPr>
+        <p:spPr>
+          <a:xfrm>
+            <a:off x="5793735" y="5226784"/>
+            <a:ext cx="5377512" cy="1631216"/>
+          </a:xfrm>
+          <a:prstGeom prst="rect">
+            <a:avLst/>
+          </a:prstGeom>
+          <a:noFill/>
+        </p:spPr>
+        <p:txBody>
+          <a:bodyPr wrap="square" rtlCol="0">
+            <a:spAutoFit/>
+          </a:bodyPr>
+          <a:lstStyle/>
+          <a:p>
+            <a:pPr algn="just"/>
+            <a:r>
+              <a:rPr lang="en-US" sz="2000" dirty="0">
+                <a:latin typeface="Lusitana" pitchFamily="2" charset="0"/>
+              </a:rPr>
+              <a:t>However this is an overly optimistic view due to the large class imbalance between stable and unstable compounds. PR curve better captures the classification ability of the model.</a:t>
+            </a:r>
+          </a:p>
+          <a:p>
+            <a:pPr algn="just"/>
+            <a:endParaRPr lang="en-US" sz="2000" dirty="0">
+              <a:latin typeface="Lusitana" pitchFamily="2" charset="0"/>
+            </a:endParaRPr>
+          </a:p>
+        </p:txBody>
+      </p:sp>
+      <p:grpSp>
+        <p:nvGrpSpPr>
+          <p:cNvPr id="11" name="Group 10">
+            <a:extLst>
+              <a:ext uri="{FF2B5EF4-FFF2-40B4-BE49-F238E27FC236}">
+                <a16:creationId xmlns:a16="http://schemas.microsoft.com/office/drawing/2014/main" id="{2A1FE28D-D336-7848-9BE6-4089CF721124}"/>
+              </a:ext>
+            </a:extLst>
+          </p:cNvPr>
+          <p:cNvGrpSpPr/>
+          <p:nvPr/>
+        </p:nvGrpSpPr>
+        <p:grpSpPr>
+          <a:xfrm>
+            <a:off x="1270344" y="1605781"/>
+            <a:ext cx="3463703" cy="3452557"/>
+            <a:chOff x="4541838" y="1177758"/>
+            <a:chExt cx="3108324" cy="3098321"/>
+          </a:xfrm>
+        </p:grpSpPr>
+        <p:pic>
+          <p:nvPicPr>
+            <p:cNvPr id="4" name="Picture 3" descr="A screenshot of a cell phone&#13;&#10;&#13;&#10;Description automatically generated">
+              <a:extLst>
+                <a:ext uri="{FF2B5EF4-FFF2-40B4-BE49-F238E27FC236}">
+                  <a16:creationId xmlns:a16="http://schemas.microsoft.com/office/drawing/2014/main" id="{0E2208CF-DF38-164B-95D4-A3D61696AFD7}"/>
+                </a:ext>
+              </a:extLst>
+            </p:cNvPr>
+            <p:cNvPicPr>
+              <a:picLocks noChangeAspect="1"/>
+            </p:cNvPicPr>
+            <p:nvPr/>
+          </p:nvPicPr>
+          <p:blipFill rotWithShape="1">
+            <a:blip r:embed="rId3"/>
+            <a:srcRect l="13487" r="19631"/>
+            <a:stretch/>
+          </p:blipFill>
+          <p:spPr>
+            <a:xfrm>
+              <a:off x="4541838" y="1177758"/>
+              <a:ext cx="3108324" cy="3098321"/>
+            </a:xfrm>
+            <a:prstGeom prst="rect">
+              <a:avLst/>
+            </a:prstGeom>
+            <a:ln>
+              <a:solidFill>
+                <a:schemeClr val="tx1"/>
+              </a:solidFill>
+            </a:ln>
+          </p:spPr>
+        </p:pic>
+        <p:sp>
+          <p:nvSpPr>
+            <p:cNvPr id="10" name="TextBox 9">
+              <a:extLst>
+                <a:ext uri="{FF2B5EF4-FFF2-40B4-BE49-F238E27FC236}">
+                  <a16:creationId xmlns:a16="http://schemas.microsoft.com/office/drawing/2014/main" id="{9204D713-0291-F641-8AF8-295467A7F68D}"/>
+                </a:ext>
+              </a:extLst>
+            </p:cNvPr>
+            <p:cNvSpPr txBox="1"/>
+            <p:nvPr/>
+          </p:nvSpPr>
+          <p:spPr>
+            <a:xfrm>
+              <a:off x="5781799" y="3263381"/>
+              <a:ext cx="1697901" cy="369332"/>
+            </a:xfrm>
+            <a:prstGeom prst="rect">
+              <a:avLst/>
+            </a:prstGeom>
+            <a:noFill/>
+          </p:spPr>
+          <p:txBody>
+            <a:bodyPr wrap="none" rtlCol="0">
+              <a:spAutoFit/>
+            </a:bodyPr>
+            <a:lstStyle/>
+            <a:p>
+              <a:r>
+                <a:rPr lang="en-US" dirty="0">
+                  <a:latin typeface="Lusitana" pitchFamily="2" charset="0"/>
+                </a:rPr>
+                <a:t>AUROC = 0.96</a:t>
+              </a:r>
+            </a:p>
+          </p:txBody>
+        </p:sp>
+      </p:grpSp>
+      <p:grpSp>
+        <p:nvGrpSpPr>
+          <p:cNvPr id="2" name="Group 1">
+            <a:extLst>
+              <a:ext uri="{FF2B5EF4-FFF2-40B4-BE49-F238E27FC236}">
+                <a16:creationId xmlns:a16="http://schemas.microsoft.com/office/drawing/2014/main" id="{74369273-0D4C-5047-A85A-1D9D3062A3F7}"/>
+              </a:ext>
+            </a:extLst>
+          </p:cNvPr>
+          <p:cNvGrpSpPr/>
+          <p:nvPr/>
+        </p:nvGrpSpPr>
+        <p:grpSpPr>
+          <a:xfrm>
+            <a:off x="6852263" y="1499120"/>
+            <a:ext cx="3260456" cy="3528223"/>
+            <a:chOff x="8115300" y="1790830"/>
+            <a:chExt cx="2581153" cy="2793132"/>
+          </a:xfrm>
+        </p:grpSpPr>
+        <p:pic>
+          <p:nvPicPr>
+            <p:cNvPr id="22" name="Picture 21" descr="A screenshot of a cell phone&#13;&#10;&#13;&#10;Description automatically generated">
+              <a:extLst>
+                <a:ext uri="{FF2B5EF4-FFF2-40B4-BE49-F238E27FC236}">
+                  <a16:creationId xmlns:a16="http://schemas.microsoft.com/office/drawing/2014/main" id="{0D40EDB4-6ADB-CC4F-B2FC-4E607919FB86}"/>
+                </a:ext>
+              </a:extLst>
+            </p:cNvPr>
+            <p:cNvPicPr>
+              <a:picLocks noChangeAspect="1"/>
+            </p:cNvPicPr>
+            <p:nvPr/>
+          </p:nvPicPr>
+          <p:blipFill rotWithShape="1">
+            <a:blip r:embed="rId4"/>
+            <a:srcRect l="16865" r="21528"/>
+            <a:stretch/>
+          </p:blipFill>
+          <p:spPr>
+            <a:xfrm>
+              <a:off x="8115300" y="1790830"/>
+              <a:ext cx="2581153" cy="2793132"/>
+            </a:xfrm>
+            <a:prstGeom prst="rect">
+              <a:avLst/>
+            </a:prstGeom>
+            <a:ln>
+              <a:solidFill>
+                <a:schemeClr val="tx1"/>
+              </a:solidFill>
+            </a:ln>
+          </p:spPr>
+        </p:pic>
+        <p:sp>
+          <p:nvSpPr>
+            <p:cNvPr id="23" name="TextBox 22">
+              <a:extLst>
+                <a:ext uri="{FF2B5EF4-FFF2-40B4-BE49-F238E27FC236}">
+                  <a16:creationId xmlns:a16="http://schemas.microsoft.com/office/drawing/2014/main" id="{5EDB5C87-4EE7-254B-AE4A-CEFC3C02CED3}"/>
+                </a:ext>
+              </a:extLst>
+            </p:cNvPr>
+            <p:cNvSpPr txBox="1"/>
+            <p:nvPr/>
+          </p:nvSpPr>
+          <p:spPr>
+            <a:xfrm>
+              <a:off x="8754069" y="2949438"/>
+              <a:ext cx="1942384" cy="400110"/>
+            </a:xfrm>
+            <a:prstGeom prst="rect">
+              <a:avLst/>
+            </a:prstGeom>
+            <a:noFill/>
+          </p:spPr>
+          <p:txBody>
+            <a:bodyPr wrap="square" rtlCol="0">
+              <a:spAutoFit/>
+            </a:bodyPr>
+            <a:lstStyle/>
+            <a:p>
+              <a:r>
+                <a:rPr lang="en-US" sz="2000" dirty="0">
+                  <a:latin typeface="Lusitana" pitchFamily="2" charset="0"/>
+                </a:rPr>
+                <a:t>AP = 0.78</a:t>
+              </a:r>
+            </a:p>
+          </p:txBody>
+        </p:sp>
+      </p:grpSp>
+    </p:spTree>
+    <p:extLst>
+      <p:ext uri="{BB962C8B-B14F-4D97-AF65-F5344CB8AC3E}">
+        <p14:creationId xmlns:p14="http://schemas.microsoft.com/office/powerpoint/2010/main" val="2564856073"/>
+      </p:ext>
+    </p:extLst>
+  </p:cSld>
+  <p:clrMapOvr>
+    <a:masterClrMapping/>
+  </p:clrMapOvr>
+</p:sld>
+</file>
+
+<file path=ppt/slides/slide11.xml><?xml version="1.0" encoding="utf-8"?>
+<p:sld xmlns:a="http://schemas.openxmlformats.org/drawingml/2006/main" xmlns:r="http://schemas.openxmlformats.org/officeDocument/2006/relationships" xmlns:p="http://schemas.openxmlformats.org/presentationml/2006/main">
+  <p:cSld>
+    <p:spTree>
+      <p:nvGrpSpPr>
+        <p:cNvPr id="1" name=""/>
+        <p:cNvGrpSpPr/>
+        <p:nvPr/>
+      </p:nvGrpSpPr>
+      <p:grpSpPr>
+        <a:xfrm>
+          <a:off x="0" y="0"/>
+          <a:ext cx="0" cy="0"/>
+          <a:chOff x="0" y="0"/>
+          <a:chExt cx="0" cy="0"/>
+        </a:xfrm>
+      </p:grpSpPr>
+      <p:sp>
+        <p:nvSpPr>
+          <p:cNvPr id="3" name="Title 2">
+            <a:extLst>
+              <a:ext uri="{FF2B5EF4-FFF2-40B4-BE49-F238E27FC236}">
+                <a16:creationId xmlns:a16="http://schemas.microsoft.com/office/drawing/2014/main" id="{89AAC0A9-8A9F-7749-A50C-CD947F888D4F}"/>
+              </a:ext>
+            </a:extLst>
+          </p:cNvPr>
+          <p:cNvSpPr>
+            <a:spLocks noGrp="1"/>
+          </p:cNvSpPr>
+          <p:nvPr>
+            <p:ph type="ctrTitle"/>
+          </p:nvPr>
+        </p:nvSpPr>
+        <p:spPr/>
+        <p:txBody>
+          <a:bodyPr>
+            <a:normAutofit/>
+          </a:bodyPr>
+          <a:lstStyle/>
+          <a:p>
+            <a:r>
+              <a:rPr lang="en-US" sz="4400" dirty="0"/>
+              <a:t>Important features</a:t>
+            </a:r>
+          </a:p>
+        </p:txBody>
+      </p:sp>
+      <p:pic>
+        <p:nvPicPr>
+          <p:cNvPr id="4" name="Picture 3">
+            <a:extLst>
+              <a:ext uri="{FF2B5EF4-FFF2-40B4-BE49-F238E27FC236}">
+                <a16:creationId xmlns:a16="http://schemas.microsoft.com/office/drawing/2014/main" id="{B9D16099-4152-C843-AF7A-C3F24F676F67}"/>
+              </a:ext>
+            </a:extLst>
+          </p:cNvPr>
+          <p:cNvPicPr>
+            <a:picLocks noChangeAspect="1"/>
+          </p:cNvPicPr>
+          <p:nvPr/>
+        </p:nvPicPr>
+        <p:blipFill>
+          <a:blip r:embed="rId3"/>
+          <a:stretch>
+            <a:fillRect/>
+          </a:stretch>
+        </p:blipFill>
+        <p:spPr>
+          <a:xfrm>
+            <a:off x="1095375" y="2375296"/>
+            <a:ext cx="6515100" cy="1778000"/>
+          </a:xfrm>
+          <a:prstGeom prst="rect">
+            <a:avLst/>
+          </a:prstGeom>
+          <a:ln>
+            <a:solidFill>
+              <a:schemeClr val="tx1"/>
+            </a:solidFill>
+          </a:ln>
+        </p:spPr>
+      </p:pic>
+      <p:sp>
+        <p:nvSpPr>
+          <p:cNvPr id="5" name="Rectangle 4">
+            <a:extLst>
+              <a:ext uri="{FF2B5EF4-FFF2-40B4-BE49-F238E27FC236}">
+                <a16:creationId xmlns:a16="http://schemas.microsoft.com/office/drawing/2014/main" id="{B5273487-DA62-1840-AD58-DA4695EFA2B7}"/>
+              </a:ext>
+            </a:extLst>
+          </p:cNvPr>
+          <p:cNvSpPr/>
+          <p:nvPr/>
+        </p:nvSpPr>
+        <p:spPr>
+          <a:xfrm>
+            <a:off x="950360" y="5220962"/>
+            <a:ext cx="10001250" cy="707886"/>
+          </a:xfrm>
+          <a:prstGeom prst="rect">
+            <a:avLst/>
+          </a:prstGeom>
+        </p:spPr>
+        <p:txBody>
+          <a:bodyPr wrap="square">
+            <a:spAutoFit/>
+          </a:bodyPr>
+          <a:lstStyle/>
+          <a:p>
+            <a:pPr algn="just"/>
+            <a:r>
+              <a:rPr lang="en-US" sz="2000" dirty="0">
+                <a:latin typeface="Lusitana" pitchFamily="2" charset="0"/>
+              </a:rPr>
+              <a:t>“The Mendeleev number (MN) (ordering number listing the chemical elements column by column through the periodic system) was successfully used to classify the chemical systems”</a:t>
+            </a:r>
+          </a:p>
+        </p:txBody>
+      </p:sp>
+      <p:pic>
+        <p:nvPicPr>
+          <p:cNvPr id="6" name="Picture 5">
+            <a:extLst>
+              <a:ext uri="{FF2B5EF4-FFF2-40B4-BE49-F238E27FC236}">
+                <a16:creationId xmlns:a16="http://schemas.microsoft.com/office/drawing/2014/main" id="{6DFA4B6D-FEF7-0B42-ABC7-5C293B0912E2}"/>
+              </a:ext>
+            </a:extLst>
+          </p:cNvPr>
+          <p:cNvPicPr>
+            <a:picLocks noChangeAspect="1"/>
+          </p:cNvPicPr>
+          <p:nvPr/>
+        </p:nvPicPr>
+        <p:blipFill>
+          <a:blip r:embed="rId4"/>
+          <a:stretch>
+            <a:fillRect/>
+          </a:stretch>
+        </p:blipFill>
+        <p:spPr>
+          <a:xfrm>
+            <a:off x="8416236" y="1374181"/>
+            <a:ext cx="2535374" cy="3483768"/>
+          </a:xfrm>
+          <a:prstGeom prst="rect">
+            <a:avLst/>
+          </a:prstGeom>
+          <a:ln>
+            <a:solidFill>
+              <a:schemeClr val="tx1"/>
+            </a:solidFill>
+          </a:ln>
+        </p:spPr>
+      </p:pic>
+    </p:spTree>
+    <p:extLst>
+      <p:ext uri="{BB962C8B-B14F-4D97-AF65-F5344CB8AC3E}">
+        <p14:creationId xmlns:p14="http://schemas.microsoft.com/office/powerpoint/2010/main" val="3218647780"/>
+      </p:ext>
+    </p:extLst>
+  </p:cSld>
+  <p:clrMapOvr>
+    <a:masterClrMapping/>
+  </p:clrMapOvr>
+</p:sld>
+</file>
+
+<file path=ppt/slides/slide12.xml><?xml version="1.0" encoding="utf-8"?>
+<p:sld xmlns:a="http://schemas.openxmlformats.org/drawingml/2006/main" xmlns:r="http://schemas.openxmlformats.org/officeDocument/2006/relationships" xmlns:p="http://schemas.openxmlformats.org/presentationml/2006/main">
+  <p:cSld>
+    <p:spTree>
+      <p:nvGrpSpPr>
+        <p:cNvPr id="1" name=""/>
+        <p:cNvGrpSpPr/>
+        <p:nvPr/>
+      </p:nvGrpSpPr>
+      <p:grpSpPr>
+        <a:xfrm>
+          <a:off x="0" y="0"/>
+          <a:ext cx="0" cy="0"/>
+          <a:chOff x="0" y="0"/>
+          <a:chExt cx="0" cy="0"/>
+        </a:xfrm>
+      </p:grpSpPr>
+      <p:sp>
+        <p:nvSpPr>
+          <p:cNvPr id="3" name="Title 2">
+            <a:extLst>
+              <a:ext uri="{FF2B5EF4-FFF2-40B4-BE49-F238E27FC236}">
+                <a16:creationId xmlns:a16="http://schemas.microsoft.com/office/drawing/2014/main" id="{89AAC0A9-8A9F-7749-A50C-CD947F888D4F}"/>
+              </a:ext>
+            </a:extLst>
+          </p:cNvPr>
+          <p:cNvSpPr>
+            <a:spLocks noGrp="1"/>
+          </p:cNvSpPr>
+          <p:nvPr>
+            <p:ph type="ctrTitle"/>
+          </p:nvPr>
+        </p:nvSpPr>
+        <p:spPr/>
+        <p:txBody>
+          <a:bodyPr>
+            <a:normAutofit/>
+          </a:bodyPr>
+          <a:lstStyle/>
+          <a:p>
+            <a:r>
+              <a:rPr lang="en-US" sz="4400" dirty="0"/>
+              <a:t>Comparing against DFT</a:t>
+            </a:r>
+          </a:p>
+        </p:txBody>
+      </p:sp>
+      <p:pic>
+        <p:nvPicPr>
+          <p:cNvPr id="2" name="Picture 1">
+            <a:extLst>
+              <a:ext uri="{FF2B5EF4-FFF2-40B4-BE49-F238E27FC236}">
+                <a16:creationId xmlns:a16="http://schemas.microsoft.com/office/drawing/2014/main" id="{E8CF4084-EC5F-0141-A067-6B8FE274045F}"/>
+              </a:ext>
+            </a:extLst>
+          </p:cNvPr>
+          <p:cNvPicPr>
+            <a:picLocks noChangeAspect="1"/>
+          </p:cNvPicPr>
+          <p:nvPr/>
+        </p:nvPicPr>
+        <p:blipFill>
+          <a:blip r:embed="rId3"/>
+          <a:stretch>
+            <a:fillRect/>
+          </a:stretch>
+        </p:blipFill>
+        <p:spPr>
+          <a:xfrm>
+            <a:off x="1657376" y="1582737"/>
+            <a:ext cx="3933799" cy="1846263"/>
+          </a:xfrm>
+          <a:prstGeom prst="rect">
+            <a:avLst/>
+          </a:prstGeom>
+          <a:ln>
+            <a:solidFill>
+              <a:schemeClr val="tx1"/>
+            </a:solidFill>
+          </a:ln>
+        </p:spPr>
+      </p:pic>
+      <p:sp>
+        <p:nvSpPr>
+          <p:cNvPr id="7" name="TextBox 6">
+            <a:extLst>
+              <a:ext uri="{FF2B5EF4-FFF2-40B4-BE49-F238E27FC236}">
+                <a16:creationId xmlns:a16="http://schemas.microsoft.com/office/drawing/2014/main" id="{81DB4E61-B62E-774E-B918-1593DF3D2428}"/>
+              </a:ext>
+            </a:extLst>
+          </p:cNvPr>
+          <p:cNvSpPr txBox="1"/>
+          <p:nvPr/>
+        </p:nvSpPr>
+        <p:spPr>
+          <a:xfrm>
+            <a:off x="590551" y="3607810"/>
+            <a:ext cx="5870791" cy="2800767"/>
+          </a:xfrm>
+          <a:prstGeom prst="rect">
+            <a:avLst/>
+          </a:prstGeom>
+          <a:noFill/>
+        </p:spPr>
+        <p:txBody>
+          <a:bodyPr wrap="square" rtlCol="0">
+            <a:spAutoFit/>
+          </a:bodyPr>
+          <a:lstStyle/>
+          <a:p>
+            <a:pPr algn="just"/>
+            <a:r>
+              <a:rPr lang="en-US" sz="2200" dirty="0">
+                <a:latin typeface="Lusitana" pitchFamily="2" charset="0"/>
+              </a:rPr>
+              <a:t>Added DFT calculated stability to test data.</a:t>
+            </a:r>
+          </a:p>
+          <a:p>
+            <a:pPr algn="just"/>
+            <a:endParaRPr lang="en-US" sz="2200" dirty="0">
+              <a:latin typeface="Lusitana" pitchFamily="2" charset="0"/>
+            </a:endParaRPr>
+          </a:p>
+          <a:p>
+            <a:pPr algn="just"/>
+            <a:r>
+              <a:rPr lang="en-US" sz="2200" dirty="0">
+                <a:latin typeface="Lusitana" pitchFamily="2" charset="0"/>
+              </a:rPr>
+              <a:t>While accuracy is high, FP is more than 2x TP. </a:t>
+            </a:r>
+          </a:p>
+          <a:p>
+            <a:pPr algn="just"/>
+            <a:endParaRPr lang="en-US" sz="2200" dirty="0">
+              <a:latin typeface="Lusitana" pitchFamily="2" charset="0"/>
+            </a:endParaRPr>
+          </a:p>
+          <a:p>
+            <a:pPr algn="just"/>
+            <a:r>
+              <a:rPr lang="en-US" sz="2200" dirty="0">
+                <a:latin typeface="Lusitana" pitchFamily="2" charset="0"/>
+              </a:rPr>
+              <a:t>If a researcher were to attempt synthesis of predicted compounds, they may likely succeed 50% of the time.</a:t>
+            </a:r>
+          </a:p>
+          <a:p>
+            <a:pPr algn="just"/>
+            <a:r>
+              <a:rPr lang="en-US" sz="2200" dirty="0">
+                <a:latin typeface="Lusitana" pitchFamily="2" charset="0"/>
+              </a:rPr>
+              <a:t> </a:t>
+            </a:r>
+          </a:p>
+        </p:txBody>
+      </p:sp>
+      <p:graphicFrame>
+        <p:nvGraphicFramePr>
+          <p:cNvPr id="8" name="Table 7">
+            <a:extLst>
+              <a:ext uri="{FF2B5EF4-FFF2-40B4-BE49-F238E27FC236}">
+                <a16:creationId xmlns:a16="http://schemas.microsoft.com/office/drawing/2014/main" id="{3C6A05EE-9F10-CC4A-A298-59D5ACA7BA94}"/>
+              </a:ext>
+            </a:extLst>
+          </p:cNvPr>
+          <p:cNvGraphicFramePr>
+            <a:graphicFrameLocks noGrp="1"/>
+          </p:cNvGraphicFramePr>
+          <p:nvPr>
+            <p:extLst>
+              <p:ext uri="{D42A27DB-BD31-4B8C-83A1-F6EECF244321}">
+                <p14:modId xmlns:p14="http://schemas.microsoft.com/office/powerpoint/2010/main" val="3613408952"/>
+              </p:ext>
+            </p:extLst>
+          </p:nvPr>
+        </p:nvGraphicFramePr>
+        <p:xfrm>
+          <a:off x="6871233" y="1548297"/>
+          <a:ext cx="4482568" cy="2788418"/>
+        </p:xfrm>
+        <a:graphic>
+          <a:graphicData uri="http://schemas.openxmlformats.org/drawingml/2006/table">
+            <a:tbl>
+              <a:tblPr firstRow="1" bandRow="1">
+                <a:tableStyleId>{5C22544A-7EE6-4342-B048-85BDC9FD1C3A}</a:tableStyleId>
+              </a:tblPr>
+              <a:tblGrid>
+                <a:gridCol w="1210807">
+                  <a:extLst>
+                    <a:ext uri="{9D8B030D-6E8A-4147-A177-3AD203B41FA5}">
+                      <a16:colId xmlns:a16="http://schemas.microsoft.com/office/drawing/2014/main" val="2546607406"/>
+                    </a:ext>
+                  </a:extLst>
+                </a:gridCol>
+                <a:gridCol w="1615868">
+                  <a:extLst>
+                    <a:ext uri="{9D8B030D-6E8A-4147-A177-3AD203B41FA5}">
+                      <a16:colId xmlns:a16="http://schemas.microsoft.com/office/drawing/2014/main" val="4209961578"/>
+                    </a:ext>
+                  </a:extLst>
+                </a:gridCol>
+                <a:gridCol w="1655893">
+                  <a:extLst>
+                    <a:ext uri="{9D8B030D-6E8A-4147-A177-3AD203B41FA5}">
+                      <a16:colId xmlns:a16="http://schemas.microsoft.com/office/drawing/2014/main" val="3644029023"/>
+                    </a:ext>
+                  </a:extLst>
+                </a:gridCol>
+              </a:tblGrid>
+              <a:tr h="847522">
+                <a:tc>
+                  <a:txBody>
+                    <a:bodyPr/>
+                    <a:lstStyle/>
+                    <a:p>
+                      <a:pPr algn="ctr"/>
+                      <a:endParaRPr lang="en-US" sz="2000" dirty="0">
+                        <a:solidFill>
+                          <a:sysClr val="windowText" lastClr="000000"/>
+                        </a:solidFill>
+                        <a:latin typeface="Lusitana" pitchFamily="2" charset="0"/>
+                      </a:endParaRPr>
+                    </a:p>
+                  </a:txBody>
+                  <a:tcPr marL="53712" marR="53712" marT="26856" marB="26856"/>
+                </a:tc>
+                <a:tc>
+                  <a:txBody>
+                    <a:bodyPr/>
+                    <a:lstStyle/>
+                    <a:p>
+                      <a:pPr algn="ctr"/>
+                      <a:r>
+                        <a:rPr lang="en-US" sz="2000" dirty="0">
+                          <a:latin typeface="Lusitana" pitchFamily="2" charset="0"/>
+                        </a:rPr>
+                        <a:t>N (predicted)</a:t>
+                      </a:r>
+                      <a:endParaRPr lang="en-US" sz="2000" dirty="0">
+                        <a:solidFill>
+                          <a:sysClr val="windowText" lastClr="000000"/>
+                        </a:solidFill>
+                        <a:latin typeface="Lusitana" pitchFamily="2" charset="0"/>
+                      </a:endParaRPr>
+                    </a:p>
+                  </a:txBody>
+                  <a:tcPr marL="53712" marR="53712" marT="26856" marB="26856"/>
+                </a:tc>
+                <a:tc>
+                  <a:txBody>
+                    <a:bodyPr/>
+                    <a:lstStyle/>
+                    <a:p>
+                      <a:pPr algn="ctr"/>
+                      <a:r>
+                        <a:rPr lang="en-US" sz="2000" dirty="0">
+                          <a:latin typeface="Lusitana" pitchFamily="2" charset="0"/>
+                        </a:rPr>
+                        <a:t>P (predicted)</a:t>
+                      </a:r>
+                      <a:endParaRPr lang="en-US" sz="2000" dirty="0">
+                        <a:solidFill>
+                          <a:sysClr val="windowText" lastClr="000000"/>
+                        </a:solidFill>
+                        <a:latin typeface="Lusitana" pitchFamily="2" charset="0"/>
+                      </a:endParaRPr>
+                    </a:p>
+                  </a:txBody>
+                  <a:tcPr marL="53712" marR="53712" marT="26856" marB="26856"/>
+                </a:tc>
+                <a:extLst>
+                  <a:ext uri="{0D108BD9-81ED-4DB2-BD59-A6C34878D82A}">
+                    <a16:rowId xmlns:a16="http://schemas.microsoft.com/office/drawing/2014/main" val="2141506907"/>
+                  </a:ext>
+                </a:extLst>
+              </a:tr>
+              <a:tr h="970448">
+                <a:tc>
+                  <a:txBody>
+                    <a:bodyPr/>
+                    <a:lstStyle/>
+                    <a:p>
+                      <a:pPr algn="ctr"/>
+                      <a:r>
+                        <a:rPr lang="en-US" sz="2000" dirty="0">
+                          <a:latin typeface="Lusitana" pitchFamily="2" charset="0"/>
+                        </a:rPr>
+                        <a:t>N (actual)</a:t>
+                      </a:r>
+                      <a:endParaRPr lang="en-US" sz="2000" dirty="0">
+                        <a:solidFill>
+                          <a:sysClr val="windowText" lastClr="000000"/>
+                        </a:solidFill>
+                        <a:latin typeface="Lusitana" pitchFamily="2" charset="0"/>
+                      </a:endParaRPr>
+                    </a:p>
+                  </a:txBody>
+                  <a:tcPr marL="53712" marR="53712" marT="26856" marB="26856"/>
+                </a:tc>
+                <a:tc>
+                  <a:txBody>
+                    <a:bodyPr/>
+                    <a:lstStyle/>
+                    <a:p>
+                      <a:pPr algn="ctr"/>
+                      <a:r>
+                        <a:rPr lang="en-US" sz="2000" dirty="0">
+                          <a:latin typeface="Lusitana" pitchFamily="2" charset="0"/>
+                        </a:rPr>
+                        <a:t>TN = 6230</a:t>
+                      </a:r>
+                      <a:endParaRPr lang="en-US" sz="2000" dirty="0">
+                        <a:solidFill>
+                          <a:sysClr val="windowText" lastClr="000000"/>
+                        </a:solidFill>
+                        <a:latin typeface="Lusitana" pitchFamily="2" charset="0"/>
+                      </a:endParaRPr>
+                    </a:p>
+                  </a:txBody>
+                  <a:tcPr marL="53712" marR="53712" marT="26856" marB="26856"/>
+                </a:tc>
+                <a:tc>
+                  <a:txBody>
+                    <a:bodyPr/>
+                    <a:lstStyle/>
+                    <a:p>
+                      <a:pPr algn="ctr"/>
+                      <a:r>
+                        <a:rPr lang="en-US" sz="2000" dirty="0">
+                          <a:latin typeface="Lusitana" pitchFamily="2" charset="0"/>
+                        </a:rPr>
+                        <a:t>FP = 218</a:t>
+                      </a:r>
+                      <a:endParaRPr lang="en-US" sz="2000" dirty="0">
+                        <a:solidFill>
+                          <a:sysClr val="windowText" lastClr="000000"/>
+                        </a:solidFill>
+                        <a:latin typeface="Lusitana" pitchFamily="2" charset="0"/>
+                      </a:endParaRPr>
+                    </a:p>
+                  </a:txBody>
+                  <a:tcPr marL="53712" marR="53712" marT="26856" marB="26856"/>
+                </a:tc>
+                <a:extLst>
+                  <a:ext uri="{0D108BD9-81ED-4DB2-BD59-A6C34878D82A}">
+                    <a16:rowId xmlns:a16="http://schemas.microsoft.com/office/drawing/2014/main" val="3889698626"/>
+                  </a:ext>
+                </a:extLst>
+              </a:tr>
+              <a:tr h="970448">
+                <a:tc>
+                  <a:txBody>
+                    <a:bodyPr/>
+                    <a:lstStyle/>
+                    <a:p>
+                      <a:pPr algn="ctr"/>
+                      <a:r>
+                        <a:rPr lang="en-US" sz="2000" dirty="0">
+                          <a:latin typeface="Lusitana" pitchFamily="2" charset="0"/>
+                        </a:rPr>
+                        <a:t>P (actual)</a:t>
+                      </a:r>
+                      <a:endParaRPr lang="en-US" sz="2000" dirty="0">
+                        <a:solidFill>
+                          <a:sysClr val="windowText" lastClr="000000"/>
+                        </a:solidFill>
+                        <a:latin typeface="Lusitana" pitchFamily="2" charset="0"/>
+                      </a:endParaRPr>
+                    </a:p>
+                  </a:txBody>
+                  <a:tcPr marL="53712" marR="53712" marT="26856" marB="26856"/>
+                </a:tc>
+                <a:tc>
+                  <a:txBody>
+                    <a:bodyPr/>
+                    <a:lstStyle/>
+                    <a:p>
+                      <a:pPr algn="ctr"/>
+                      <a:r>
+                        <a:rPr lang="en-US" sz="2000" dirty="0">
+                          <a:latin typeface="Lusitana" pitchFamily="2" charset="0"/>
+                        </a:rPr>
+                        <a:t>FN  = 196</a:t>
+                      </a:r>
+                      <a:endParaRPr lang="en-US" sz="2000" dirty="0">
+                        <a:solidFill>
+                          <a:sysClr val="windowText" lastClr="000000"/>
+                        </a:solidFill>
+                        <a:latin typeface="Lusitana" pitchFamily="2" charset="0"/>
+                      </a:endParaRPr>
+                    </a:p>
+                  </a:txBody>
+                  <a:tcPr marL="53712" marR="53712" marT="26856" marB="26856"/>
+                </a:tc>
+                <a:tc>
+                  <a:txBody>
+                    <a:bodyPr/>
+                    <a:lstStyle/>
+                    <a:p>
+                      <a:pPr algn="ctr"/>
+                      <a:r>
+                        <a:rPr lang="en-US" sz="2000" dirty="0">
+                          <a:latin typeface="Lusitana" pitchFamily="2" charset="0"/>
+                        </a:rPr>
+                        <a:t>TP = 97</a:t>
+                      </a:r>
+                      <a:endParaRPr lang="en-US" sz="2000" dirty="0">
+                        <a:solidFill>
+                          <a:sysClr val="windowText" lastClr="000000"/>
+                        </a:solidFill>
+                        <a:latin typeface="Lusitana" pitchFamily="2" charset="0"/>
+                      </a:endParaRPr>
+                    </a:p>
+                  </a:txBody>
+                  <a:tcPr marL="53712" marR="53712" marT="26856" marB="26856"/>
+                </a:tc>
+                <a:extLst>
+                  <a:ext uri="{0D108BD9-81ED-4DB2-BD59-A6C34878D82A}">
+                    <a16:rowId xmlns:a16="http://schemas.microsoft.com/office/drawing/2014/main" val="3127859206"/>
+                  </a:ext>
+                </a:extLst>
+              </a:tr>
+            </a:tbl>
+          </a:graphicData>
+        </a:graphic>
+      </p:graphicFrame>
+      <p:sp>
+        <p:nvSpPr>
+          <p:cNvPr id="9" name="TextBox 8">
+            <a:extLst>
+              <a:ext uri="{FF2B5EF4-FFF2-40B4-BE49-F238E27FC236}">
+                <a16:creationId xmlns:a16="http://schemas.microsoft.com/office/drawing/2014/main" id="{5D977220-AFA3-334B-9A21-5AC023F37012}"/>
+              </a:ext>
+            </a:extLst>
+          </p:cNvPr>
+          <p:cNvSpPr txBox="1"/>
+          <p:nvPr/>
+        </p:nvSpPr>
+        <p:spPr>
+          <a:xfrm>
+            <a:off x="8229145" y="4792749"/>
+            <a:ext cx="2140330" cy="430887"/>
+          </a:xfrm>
+          <a:prstGeom prst="rect">
+            <a:avLst/>
+          </a:prstGeom>
+          <a:noFill/>
+        </p:spPr>
+        <p:txBody>
+          <a:bodyPr wrap="none" rtlCol="0">
+            <a:spAutoFit/>
+          </a:bodyPr>
+          <a:lstStyle/>
+          <a:p>
+            <a:r>
+              <a:rPr lang="en-US" sz="2200" b="1" dirty="0">
+                <a:latin typeface="Lusitana" pitchFamily="2" charset="0"/>
+              </a:rPr>
+              <a:t>Accuracy = 0.94</a:t>
+            </a:r>
+          </a:p>
+        </p:txBody>
+      </p:sp>
+      <p:sp>
+        <p:nvSpPr>
+          <p:cNvPr id="10" name="TextBox 9">
+            <a:extLst>
+              <a:ext uri="{FF2B5EF4-FFF2-40B4-BE49-F238E27FC236}">
+                <a16:creationId xmlns:a16="http://schemas.microsoft.com/office/drawing/2014/main" id="{99F75E11-ED5C-5A42-BBDC-70855C9E0EA9}"/>
+              </a:ext>
+            </a:extLst>
+          </p:cNvPr>
+          <p:cNvSpPr txBox="1"/>
+          <p:nvPr/>
+        </p:nvSpPr>
+        <p:spPr>
+          <a:xfrm>
+            <a:off x="8329332" y="5679670"/>
+            <a:ext cx="1939955" cy="430887"/>
+          </a:xfrm>
+          <a:prstGeom prst="rect">
+            <a:avLst/>
+          </a:prstGeom>
+          <a:noFill/>
+        </p:spPr>
+        <p:txBody>
+          <a:bodyPr wrap="none" rtlCol="0">
+            <a:spAutoFit/>
+          </a:bodyPr>
+          <a:lstStyle/>
+          <a:p>
+            <a:r>
+              <a:rPr lang="en-US" sz="2200" b="1" dirty="0">
+                <a:solidFill>
+                  <a:srgbClr val="FF0000"/>
+                </a:solidFill>
+                <a:latin typeface="Lusitana" pitchFamily="2" charset="0"/>
+              </a:rPr>
+              <a:t>F1 score = 0.32</a:t>
+            </a:r>
+          </a:p>
+        </p:txBody>
+      </p:sp>
+    </p:spTree>
+    <p:extLst>
+      <p:ext uri="{BB962C8B-B14F-4D97-AF65-F5344CB8AC3E}">
+        <p14:creationId xmlns:p14="http://schemas.microsoft.com/office/powerpoint/2010/main" val="3905174347"/>
+      </p:ext>
+    </p:extLst>
+  </p:cSld>
+  <p:clrMapOvr>
+    <a:masterClrMapping/>
+  </p:clrMapOvr>
+</p:sld>
+</file>
+
+<file path=ppt/slides/slide13.xml><?xml version="1.0" encoding="utf-8"?>
+<p:sld xmlns:a="http://schemas.openxmlformats.org/drawingml/2006/main" xmlns:r="http://schemas.openxmlformats.org/officeDocument/2006/relationships" xmlns:p="http://schemas.openxmlformats.org/presentationml/2006/main">
+  <p:cSld>
+    <p:spTree>
+      <p:nvGrpSpPr>
+        <p:cNvPr id="1" name=""/>
+        <p:cNvGrpSpPr/>
+        <p:nvPr/>
+      </p:nvGrpSpPr>
+      <p:grpSpPr>
+        <a:xfrm>
+          <a:off x="0" y="0"/>
+          <a:ext cx="0" cy="0"/>
+          <a:chOff x="0" y="0"/>
+          <a:chExt cx="0" cy="0"/>
+        </a:xfrm>
+      </p:grpSpPr>
+      <p:sp>
+        <p:nvSpPr>
+          <p:cNvPr id="3" name="Title 2">
+            <a:extLst>
+              <a:ext uri="{FF2B5EF4-FFF2-40B4-BE49-F238E27FC236}">
+                <a16:creationId xmlns:a16="http://schemas.microsoft.com/office/drawing/2014/main" id="{89AAC0A9-8A9F-7749-A50C-CD947F888D4F}"/>
+              </a:ext>
+            </a:extLst>
+          </p:cNvPr>
+          <p:cNvSpPr>
+            <a:spLocks noGrp="1"/>
+          </p:cNvSpPr>
+          <p:nvPr>
+            <p:ph type="ctrTitle"/>
+          </p:nvPr>
+        </p:nvSpPr>
+        <p:spPr/>
+        <p:txBody>
+          <a:bodyPr>
+            <a:normAutofit/>
+          </a:bodyPr>
+          <a:lstStyle/>
+          <a:p>
+            <a:r>
+              <a:rPr lang="en-US" sz="4400" dirty="0"/>
+              <a:t>Conclusions</a:t>
+            </a:r>
+          </a:p>
+        </p:txBody>
+      </p:sp>
+      <p:sp>
+        <p:nvSpPr>
+          <p:cNvPr id="7" name="TextBox 6">
+            <a:extLst>
+              <a:ext uri="{FF2B5EF4-FFF2-40B4-BE49-F238E27FC236}">
+                <a16:creationId xmlns:a16="http://schemas.microsoft.com/office/drawing/2014/main" id="{81DB4E61-B62E-774E-B918-1593DF3D2428}"/>
+              </a:ext>
+            </a:extLst>
+          </p:cNvPr>
+          <p:cNvSpPr txBox="1"/>
+          <p:nvPr/>
+        </p:nvSpPr>
+        <p:spPr>
+          <a:xfrm>
+            <a:off x="790576" y="1707984"/>
+            <a:ext cx="10139362" cy="3477875"/>
+          </a:xfrm>
+          <a:prstGeom prst="rect">
+            <a:avLst/>
+          </a:prstGeom>
+          <a:noFill/>
+        </p:spPr>
+        <p:txBody>
+          <a:bodyPr wrap="square" rtlCol="0">
+            <a:spAutoFit/>
+          </a:bodyPr>
+          <a:lstStyle/>
+          <a:p>
+            <a:pPr algn="just"/>
+            <a:r>
+              <a:rPr lang="en-US" sz="2200" dirty="0">
+                <a:latin typeface="Lusitana" pitchFamily="2" charset="0"/>
+              </a:rPr>
+              <a:t>The random forest model trained on the given data is able to discern, above a baseline, between stable and unstable compounds.</a:t>
+            </a:r>
+          </a:p>
+          <a:p>
+            <a:pPr algn="just"/>
+            <a:endParaRPr lang="en-US" sz="2200" dirty="0">
+              <a:latin typeface="Lusitana" pitchFamily="2" charset="0"/>
+            </a:endParaRPr>
+          </a:p>
+          <a:p>
+            <a:pPr algn="just"/>
+            <a:r>
+              <a:rPr lang="en-US" sz="2200" dirty="0">
+                <a:latin typeface="Lusitana" pitchFamily="2" charset="0"/>
+              </a:rPr>
+              <a:t>However, the class imbalance (low number of stable compounds) skews our perspective on the model’s classification ability (as shown in the comparison to DFT)</a:t>
+            </a:r>
+          </a:p>
+          <a:p>
+            <a:pPr algn="just"/>
+            <a:endParaRPr lang="en-US" sz="2200" dirty="0">
+              <a:latin typeface="Lusitana" pitchFamily="2" charset="0"/>
+            </a:endParaRPr>
+          </a:p>
+          <a:p>
+            <a:pPr algn="just"/>
+            <a:r>
+              <a:rPr lang="en-US" sz="2200" dirty="0">
+                <a:latin typeface="Lusitana" pitchFamily="2" charset="0"/>
+              </a:rPr>
+              <a:t>This imbalance causes an equivalent number of false positives and false negatives and could be address through re-samples (super- or sub- sampling)</a:t>
+            </a:r>
+          </a:p>
+          <a:p>
+            <a:pPr algn="just"/>
+            <a:r>
+              <a:rPr lang="en-US" sz="2200" dirty="0">
+                <a:latin typeface="Lusitana" pitchFamily="2" charset="0"/>
+              </a:rPr>
+              <a:t> </a:t>
+            </a:r>
+          </a:p>
+        </p:txBody>
+      </p:sp>
+    </p:spTree>
+    <p:extLst>
+      <p:ext uri="{BB962C8B-B14F-4D97-AF65-F5344CB8AC3E}">
+        <p14:creationId xmlns:p14="http://schemas.microsoft.com/office/powerpoint/2010/main" val="738703143"/>
+      </p:ext>
+    </p:extLst>
+  </p:cSld>
+  <p:clrMapOvr>
+    <a:masterClrMapping/>
+  </p:clrMapOvr>
+</p:sld>
+</file>
+
+<file path=ppt/slides/slide14.xml><?xml version="1.0" encoding="utf-8"?>
+<p:sld xmlns:a="http://schemas.openxmlformats.org/drawingml/2006/main" xmlns:r="http://schemas.openxmlformats.org/officeDocument/2006/relationships" xmlns:p="http://schemas.openxmlformats.org/presentationml/2006/main">
+  <p:cSld>
+    <p:spTree>
+      <p:nvGrpSpPr>
+        <p:cNvPr id="1" name=""/>
+        <p:cNvGrpSpPr/>
+        <p:nvPr/>
+      </p:nvGrpSpPr>
+      <p:grpSpPr>
+        <a:xfrm>
+          <a:off x="0" y="0"/>
+          <a:ext cx="0" cy="0"/>
+          <a:chOff x="0" y="0"/>
+          <a:chExt cx="0" cy="0"/>
+        </a:xfrm>
+      </p:grpSpPr>
+      <p:pic>
+        <p:nvPicPr>
+          <p:cNvPr id="6" name="Picture 5"/>
+          <p:cNvPicPr>
+            <a:picLocks noChangeAspect="1"/>
+          </p:cNvPicPr>
+          <p:nvPr/>
+        </p:nvPicPr>
+        <p:blipFill>
+          <a:blip r:embed="rId2" cstate="screen">
+            <a:extLst>
+              <a:ext uri="{28A0092B-C50C-407E-A947-70E740481C1C}">
+                <a14:useLocalDpi xmlns:a14="http://schemas.microsoft.com/office/drawing/2010/main"/>
+              </a:ext>
+            </a:extLst>
+          </a:blip>
+          <a:stretch>
+            <a:fillRect/>
+          </a:stretch>
+        </p:blipFill>
+        <p:spPr>
+          <a:xfrm>
+            <a:off x="8421510" y="5013162"/>
+            <a:ext cx="3085212" cy="1147868"/>
+          </a:xfrm>
+          <a:prstGeom prst="rect">
+            <a:avLst/>
+          </a:prstGeom>
+        </p:spPr>
+      </p:pic>
+      <p:sp>
+        <p:nvSpPr>
+          <p:cNvPr id="4" name="Title 4"/>
+          <p:cNvSpPr txBox="1">
+            <a:spLocks/>
+          </p:cNvSpPr>
+          <p:nvPr/>
+        </p:nvSpPr>
+        <p:spPr>
+          <a:xfrm>
+            <a:off x="556683" y="665797"/>
+            <a:ext cx="3615267" cy="3691714"/>
+          </a:xfrm>
+          <a:prstGeom prst="rect">
+            <a:avLst/>
+          </a:prstGeom>
+        </p:spPr>
+        <p:txBody>
+          <a:bodyPr anchor="t">
+            <a:noAutofit/>
+          </a:bodyPr>
+          <a:lstStyle>
+            <a:lvl1pPr algn="ctr" defTabSz="914400" rtl="0" eaLnBrk="1" latinLnBrk="0" hangingPunct="1">
+              <a:lnSpc>
+                <a:spcPct val="90000"/>
+              </a:lnSpc>
+              <a:spcBef>
+                <a:spcPct val="0"/>
+              </a:spcBef>
+              <a:buNone/>
+              <a:defRPr sz="6000" b="0" i="0" kern="1200">
+                <a:solidFill>
+                  <a:schemeClr val="tx1"/>
+                </a:solidFill>
+                <a:latin typeface="Barlow Semi Condensed SemiBold" charset="0"/>
+                <a:ea typeface="Barlow Semi Condensed SemiBold" charset="0"/>
+                <a:cs typeface="Barlow Semi Condensed SemiBold" charset="0"/>
+              </a:defRPr>
+            </a:lvl1pPr>
+          </a:lstStyle>
+          <a:p>
+            <a:pPr algn="l"/>
+            <a:r>
+              <a:rPr lang="en-US" dirty="0"/>
+              <a:t>THANK YOU!</a:t>
+            </a:r>
+          </a:p>
+        </p:txBody>
+      </p:sp>
+    </p:spTree>
+    <p:extLst>
+      <p:ext uri="{BB962C8B-B14F-4D97-AF65-F5344CB8AC3E}">
+        <p14:creationId xmlns:p14="http://schemas.microsoft.com/office/powerpoint/2010/main" val="298166196"/>
+      </p:ext>
+    </p:extLst>
+  </p:cSld>
+  <p:clrMapOvr>
+    <a:masterClrMapping/>
+  </p:clrMapOvr>
+</p:sld>
+</file>
+
+<file path=ppt/slides/slide15.xml><?xml version="1.0" encoding="utf-8"?>
+<p:sld xmlns:a="http://schemas.openxmlformats.org/drawingml/2006/main" xmlns:r="http://schemas.openxmlformats.org/officeDocument/2006/relationships" xmlns:p="http://schemas.openxmlformats.org/presentationml/2006/main">
+  <p:cSld>
+    <p:spTree>
+      <p:nvGrpSpPr>
+        <p:cNvPr id="1" name=""/>
+        <p:cNvGrpSpPr/>
+        <p:nvPr/>
+      </p:nvGrpSpPr>
+      <p:grpSpPr>
+        <a:xfrm>
+          <a:off x="0" y="0"/>
+          <a:ext cx="0" cy="0"/>
+          <a:chOff x="0" y="0"/>
+          <a:chExt cx="0" cy="0"/>
+        </a:xfrm>
+      </p:grpSpPr>
+      <p:sp>
+        <p:nvSpPr>
+          <p:cNvPr id="3" name="Title 2">
+            <a:extLst>
+              <a:ext uri="{FF2B5EF4-FFF2-40B4-BE49-F238E27FC236}">
+                <a16:creationId xmlns:a16="http://schemas.microsoft.com/office/drawing/2014/main" id="{89AAC0A9-8A9F-7749-A50C-CD947F888D4F}"/>
+              </a:ext>
+            </a:extLst>
+          </p:cNvPr>
+          <p:cNvSpPr>
+            <a:spLocks noGrp="1"/>
+          </p:cNvSpPr>
+          <p:nvPr>
+            <p:ph type="ctrTitle"/>
+          </p:nvPr>
+        </p:nvSpPr>
+        <p:spPr/>
+        <p:txBody>
+          <a:bodyPr>
+            <a:normAutofit/>
+          </a:bodyPr>
+          <a:lstStyle/>
+          <a:p>
+            <a:r>
+              <a:rPr lang="en-US" sz="4400" dirty="0"/>
+              <a:t>Tuning </a:t>
+            </a:r>
+            <a:r>
+              <a:rPr lang="en-US" sz="4400" dirty="0" err="1"/>
+              <a:t>rf</a:t>
+            </a:r>
+            <a:r>
+              <a:rPr lang="en-US" sz="4400" dirty="0"/>
+              <a:t> hyperparameters</a:t>
+            </a:r>
+          </a:p>
+        </p:txBody>
+      </p:sp>
+      <p:graphicFrame>
+        <p:nvGraphicFramePr>
+          <p:cNvPr id="5" name="Table 4">
+            <a:extLst>
+              <a:ext uri="{FF2B5EF4-FFF2-40B4-BE49-F238E27FC236}">
+                <a16:creationId xmlns:a16="http://schemas.microsoft.com/office/drawing/2014/main" id="{033A7987-DB4A-AE4F-8A89-15A6F92C0FD5}"/>
+              </a:ext>
+            </a:extLst>
+          </p:cNvPr>
+          <p:cNvGraphicFramePr>
+            <a:graphicFrameLocks noGrp="1"/>
+          </p:cNvGraphicFramePr>
+          <p:nvPr>
+            <p:extLst>
+              <p:ext uri="{D42A27DB-BD31-4B8C-83A1-F6EECF244321}">
+                <p14:modId xmlns:p14="http://schemas.microsoft.com/office/powerpoint/2010/main" val="1084211275"/>
+              </p:ext>
+            </p:extLst>
+          </p:nvPr>
+        </p:nvGraphicFramePr>
+        <p:xfrm>
+          <a:off x="4681886" y="1560023"/>
+          <a:ext cx="3018273" cy="1892789"/>
+        </p:xfrm>
+        <a:graphic>
+          <a:graphicData uri="http://schemas.openxmlformats.org/drawingml/2006/table">
+            <a:tbl>
+              <a:tblPr firstRow="1" bandRow="1">
+                <a:tableStyleId>{21E4AEA4-8DFA-4A89-87EB-49C32662AFE0}</a:tableStyleId>
+              </a:tblPr>
+              <a:tblGrid>
+                <a:gridCol w="815281">
+                  <a:extLst>
+                    <a:ext uri="{9D8B030D-6E8A-4147-A177-3AD203B41FA5}">
+                      <a16:colId xmlns:a16="http://schemas.microsoft.com/office/drawing/2014/main" val="2546607406"/>
+                    </a:ext>
+                  </a:extLst>
+                </a:gridCol>
+                <a:gridCol w="995224">
+                  <a:extLst>
+                    <a:ext uri="{9D8B030D-6E8A-4147-A177-3AD203B41FA5}">
+                      <a16:colId xmlns:a16="http://schemas.microsoft.com/office/drawing/2014/main" val="4209961578"/>
+                    </a:ext>
+                  </a:extLst>
+                </a:gridCol>
+                <a:gridCol w="1207768">
+                  <a:extLst>
+                    <a:ext uri="{9D8B030D-6E8A-4147-A177-3AD203B41FA5}">
+                      <a16:colId xmlns:a16="http://schemas.microsoft.com/office/drawing/2014/main" val="3644029023"/>
+                    </a:ext>
+                  </a:extLst>
+                </a:gridCol>
+              </a:tblGrid>
+              <a:tr h="625141">
+                <a:tc>
+                  <a:txBody>
+                    <a:bodyPr/>
+                    <a:lstStyle/>
+                    <a:p>
+                      <a:pPr algn="ctr"/>
+                      <a:r>
+                        <a:rPr lang="en-US" sz="1200" dirty="0" err="1">
+                          <a:solidFill>
+                            <a:sysClr val="windowText" lastClr="000000"/>
+                          </a:solidFill>
+                          <a:latin typeface="Lusitana" pitchFamily="2" charset="0"/>
+                        </a:rPr>
+                        <a:t>n_estimators</a:t>
+                      </a:r>
+                      <a:r>
+                        <a:rPr lang="en-US" sz="1200" dirty="0">
+                          <a:solidFill>
+                            <a:sysClr val="windowText" lastClr="000000"/>
+                          </a:solidFill>
+                          <a:latin typeface="Lusitana" pitchFamily="2" charset="0"/>
+                        </a:rPr>
+                        <a:t> = 10</a:t>
+                      </a:r>
+                    </a:p>
+                  </a:txBody>
+                  <a:tcPr marL="48018" marR="48018" marT="24009" marB="24009"/>
+                </a:tc>
+                <a:tc>
+                  <a:txBody>
+                    <a:bodyPr/>
+                    <a:lstStyle/>
+                    <a:p>
+                      <a:pPr algn="ctr"/>
+                      <a:r>
+                        <a:rPr lang="en-US" sz="1200" dirty="0">
+                          <a:latin typeface="Lusitana" pitchFamily="2" charset="0"/>
+                        </a:rPr>
+                        <a:t>N (predicted)</a:t>
+                      </a:r>
+                      <a:endParaRPr lang="en-US" sz="1200" dirty="0">
+                        <a:solidFill>
+                          <a:sysClr val="windowText" lastClr="000000"/>
+                        </a:solidFill>
+                        <a:latin typeface="Lusitana" pitchFamily="2" charset="0"/>
+                      </a:endParaRPr>
+                    </a:p>
+                  </a:txBody>
+                  <a:tcPr marL="48018" marR="48018" marT="24009" marB="24009"/>
+                </a:tc>
+                <a:tc>
+                  <a:txBody>
+                    <a:bodyPr/>
+                    <a:lstStyle/>
+                    <a:p>
+                      <a:pPr algn="ctr"/>
+                      <a:r>
+                        <a:rPr lang="en-US" sz="1200" dirty="0">
+                          <a:latin typeface="Lusitana" pitchFamily="2" charset="0"/>
+                        </a:rPr>
+                        <a:t>P (predicted)</a:t>
+                      </a:r>
+                      <a:endParaRPr lang="en-US" sz="1200" dirty="0">
+                        <a:solidFill>
+                          <a:sysClr val="windowText" lastClr="000000"/>
+                        </a:solidFill>
+                        <a:latin typeface="Lusitana" pitchFamily="2" charset="0"/>
+                      </a:endParaRPr>
+                    </a:p>
+                  </a:txBody>
+                  <a:tcPr marL="48018" marR="48018" marT="24009" marB="24009"/>
+                </a:tc>
+                <a:extLst>
+                  <a:ext uri="{0D108BD9-81ED-4DB2-BD59-A6C34878D82A}">
+                    <a16:rowId xmlns:a16="http://schemas.microsoft.com/office/drawing/2014/main" val="2141506907"/>
+                  </a:ext>
+                </a:extLst>
+              </a:tr>
+              <a:tr h="633824">
+                <a:tc>
+                  <a:txBody>
+                    <a:bodyPr/>
+                    <a:lstStyle/>
+                    <a:p>
+                      <a:pPr algn="ctr"/>
+                      <a:r>
+                        <a:rPr lang="en-US" sz="1200" dirty="0">
+                          <a:latin typeface="Lusitana" pitchFamily="2" charset="0"/>
+                        </a:rPr>
+                        <a:t>N (actual)</a:t>
+                      </a:r>
+                      <a:endParaRPr lang="en-US" sz="1200" dirty="0">
+                        <a:solidFill>
+                          <a:sysClr val="windowText" lastClr="000000"/>
+                        </a:solidFill>
+                        <a:latin typeface="Lusitana" pitchFamily="2" charset="0"/>
+                      </a:endParaRPr>
+                    </a:p>
+                  </a:txBody>
+                  <a:tcPr marL="48018" marR="48018" marT="24009" marB="24009"/>
+                </a:tc>
+                <a:tc>
+                  <a:txBody>
+                    <a:bodyPr/>
+                    <a:lstStyle/>
+                    <a:p>
+                      <a:pPr algn="ctr"/>
+                      <a:r>
+                        <a:rPr lang="en-US" sz="1200" dirty="0">
+                          <a:latin typeface="Lusitana" pitchFamily="2" charset="0"/>
+                        </a:rPr>
+                        <a:t>TN = 6665</a:t>
+                      </a:r>
+                      <a:endParaRPr lang="en-US" sz="1200" dirty="0">
+                        <a:solidFill>
+                          <a:sysClr val="windowText" lastClr="000000"/>
+                        </a:solidFill>
+                        <a:latin typeface="Lusitana" pitchFamily="2" charset="0"/>
+                      </a:endParaRPr>
+                    </a:p>
+                  </a:txBody>
+                  <a:tcPr marL="48018" marR="48018" marT="24009" marB="24009"/>
+                </a:tc>
+                <a:tc>
+                  <a:txBody>
+                    <a:bodyPr/>
+                    <a:lstStyle/>
+                    <a:p>
+                      <a:pPr algn="ctr"/>
+                      <a:r>
+                        <a:rPr lang="en-US" sz="1200" dirty="0">
+                          <a:latin typeface="Lusitana" pitchFamily="2" charset="0"/>
+                        </a:rPr>
+                        <a:t>FP = 173</a:t>
+                      </a:r>
+                      <a:endParaRPr lang="en-US" sz="1200" dirty="0">
+                        <a:solidFill>
+                          <a:sysClr val="windowText" lastClr="000000"/>
+                        </a:solidFill>
+                        <a:latin typeface="Lusitana" pitchFamily="2" charset="0"/>
+                      </a:endParaRPr>
+                    </a:p>
+                  </a:txBody>
+                  <a:tcPr marL="48018" marR="48018" marT="24009" marB="24009"/>
+                </a:tc>
+                <a:extLst>
+                  <a:ext uri="{0D108BD9-81ED-4DB2-BD59-A6C34878D82A}">
+                    <a16:rowId xmlns:a16="http://schemas.microsoft.com/office/drawing/2014/main" val="3889698626"/>
+                  </a:ext>
+                </a:extLst>
+              </a:tr>
+              <a:tr h="633824">
+                <a:tc>
+                  <a:txBody>
+                    <a:bodyPr/>
+                    <a:lstStyle/>
+                    <a:p>
+                      <a:pPr algn="ctr"/>
+                      <a:r>
+                        <a:rPr lang="en-US" sz="1200" dirty="0">
+                          <a:latin typeface="Lusitana" pitchFamily="2" charset="0"/>
+                        </a:rPr>
+                        <a:t>P (actual)</a:t>
+                      </a:r>
+                      <a:endParaRPr lang="en-US" sz="1200" dirty="0">
+                        <a:solidFill>
+                          <a:sysClr val="windowText" lastClr="000000"/>
+                        </a:solidFill>
+                        <a:latin typeface="Lusitana" pitchFamily="2" charset="0"/>
+                      </a:endParaRPr>
+                    </a:p>
+                  </a:txBody>
+                  <a:tcPr marL="48018" marR="48018" marT="24009" marB="24009"/>
+                </a:tc>
+                <a:tc>
+                  <a:txBody>
+                    <a:bodyPr/>
+                    <a:lstStyle/>
+                    <a:p>
+                      <a:pPr algn="ctr"/>
+                      <a:r>
+                        <a:rPr lang="en-US" sz="1200" dirty="0">
+                          <a:latin typeface="Lusitana" pitchFamily="2" charset="0"/>
+                        </a:rPr>
+                        <a:t>FN  = 583</a:t>
+                      </a:r>
+                      <a:endParaRPr lang="en-US" sz="1200" dirty="0">
+                        <a:solidFill>
+                          <a:sysClr val="windowText" lastClr="000000"/>
+                        </a:solidFill>
+                        <a:latin typeface="Lusitana" pitchFamily="2" charset="0"/>
+                      </a:endParaRPr>
+                    </a:p>
+                  </a:txBody>
+                  <a:tcPr marL="48018" marR="48018" marT="24009" marB="24009"/>
+                </a:tc>
+                <a:tc>
+                  <a:txBody>
+                    <a:bodyPr/>
+                    <a:lstStyle/>
+                    <a:p>
+                      <a:pPr algn="ctr"/>
+                      <a:r>
+                        <a:rPr lang="en-US" sz="1200" dirty="0">
+                          <a:latin typeface="Lusitana" pitchFamily="2" charset="0"/>
+                        </a:rPr>
+                        <a:t>TP = 1916</a:t>
+                      </a:r>
+                      <a:endParaRPr lang="en-US" sz="1200" dirty="0">
+                        <a:solidFill>
+                          <a:sysClr val="windowText" lastClr="000000"/>
+                        </a:solidFill>
+                        <a:latin typeface="Lusitana" pitchFamily="2" charset="0"/>
+                      </a:endParaRPr>
+                    </a:p>
+                  </a:txBody>
+                  <a:tcPr marL="48018" marR="48018" marT="24009" marB="24009"/>
+                </a:tc>
+                <a:extLst>
+                  <a:ext uri="{0D108BD9-81ED-4DB2-BD59-A6C34878D82A}">
+                    <a16:rowId xmlns:a16="http://schemas.microsoft.com/office/drawing/2014/main" val="3127859206"/>
+                  </a:ext>
+                </a:extLst>
+              </a:tr>
+            </a:tbl>
+          </a:graphicData>
+        </a:graphic>
+      </p:graphicFrame>
+      <p:graphicFrame>
+        <p:nvGraphicFramePr>
+          <p:cNvPr id="6" name="Table 5">
+            <a:extLst>
+              <a:ext uri="{FF2B5EF4-FFF2-40B4-BE49-F238E27FC236}">
+                <a16:creationId xmlns:a16="http://schemas.microsoft.com/office/drawing/2014/main" id="{5806AA8B-BD59-0641-87BC-85CC05AB1B04}"/>
+              </a:ext>
+            </a:extLst>
+          </p:cNvPr>
+          <p:cNvGraphicFramePr>
+            <a:graphicFrameLocks noGrp="1"/>
+          </p:cNvGraphicFramePr>
+          <p:nvPr>
+            <p:extLst>
+              <p:ext uri="{D42A27DB-BD31-4B8C-83A1-F6EECF244321}">
+                <p14:modId xmlns:p14="http://schemas.microsoft.com/office/powerpoint/2010/main" val="953755232"/>
+              </p:ext>
+            </p:extLst>
+          </p:nvPr>
+        </p:nvGraphicFramePr>
+        <p:xfrm>
+          <a:off x="8518484" y="1560022"/>
+          <a:ext cx="3018273" cy="1892789"/>
+        </p:xfrm>
+        <a:graphic>
+          <a:graphicData uri="http://schemas.openxmlformats.org/drawingml/2006/table">
+            <a:tbl>
+              <a:tblPr firstRow="1" bandRow="1">
+                <a:tableStyleId>{21E4AEA4-8DFA-4A89-87EB-49C32662AFE0}</a:tableStyleId>
+              </a:tblPr>
+              <a:tblGrid>
+                <a:gridCol w="815281">
+                  <a:extLst>
+                    <a:ext uri="{9D8B030D-6E8A-4147-A177-3AD203B41FA5}">
+                      <a16:colId xmlns:a16="http://schemas.microsoft.com/office/drawing/2014/main" val="2546607406"/>
+                    </a:ext>
+                  </a:extLst>
+                </a:gridCol>
+                <a:gridCol w="995224">
+                  <a:extLst>
+                    <a:ext uri="{9D8B030D-6E8A-4147-A177-3AD203B41FA5}">
+                      <a16:colId xmlns:a16="http://schemas.microsoft.com/office/drawing/2014/main" val="4209961578"/>
+                    </a:ext>
+                  </a:extLst>
+                </a:gridCol>
+                <a:gridCol w="1207768">
+                  <a:extLst>
+                    <a:ext uri="{9D8B030D-6E8A-4147-A177-3AD203B41FA5}">
+                      <a16:colId xmlns:a16="http://schemas.microsoft.com/office/drawing/2014/main" val="3644029023"/>
+                    </a:ext>
+                  </a:extLst>
+                </a:gridCol>
+              </a:tblGrid>
+              <a:tr h="625141">
+                <a:tc>
+                  <a:txBody>
+                    <a:bodyPr/>
+                    <a:lstStyle/>
+                    <a:p>
+                      <a:pPr algn="ctr"/>
+                      <a:r>
+                        <a:rPr lang="en-US" sz="1200" dirty="0" err="1">
+                          <a:solidFill>
+                            <a:sysClr val="windowText" lastClr="000000"/>
+                          </a:solidFill>
+                          <a:latin typeface="Lusitana" pitchFamily="2" charset="0"/>
+                        </a:rPr>
+                        <a:t>n_estimators</a:t>
+                      </a:r>
+                      <a:r>
+                        <a:rPr lang="en-US" sz="1200" dirty="0">
+                          <a:solidFill>
+                            <a:sysClr val="windowText" lastClr="000000"/>
+                          </a:solidFill>
+                          <a:latin typeface="Lusitana" pitchFamily="2" charset="0"/>
+                        </a:rPr>
+                        <a:t> = 20</a:t>
+                      </a:r>
+                    </a:p>
+                  </a:txBody>
+                  <a:tcPr marL="48018" marR="48018" marT="24009" marB="24009"/>
+                </a:tc>
+                <a:tc>
+                  <a:txBody>
+                    <a:bodyPr/>
+                    <a:lstStyle/>
+                    <a:p>
+                      <a:pPr algn="ctr"/>
+                      <a:r>
+                        <a:rPr lang="en-US" sz="1200" dirty="0">
+                          <a:latin typeface="Lusitana" pitchFamily="2" charset="0"/>
+                        </a:rPr>
+                        <a:t>N (predicted)</a:t>
+                      </a:r>
+                      <a:endParaRPr lang="en-US" sz="1200" dirty="0">
+                        <a:solidFill>
+                          <a:sysClr val="windowText" lastClr="000000"/>
+                        </a:solidFill>
+                        <a:latin typeface="Lusitana" pitchFamily="2" charset="0"/>
+                      </a:endParaRPr>
+                    </a:p>
+                  </a:txBody>
+                  <a:tcPr marL="48018" marR="48018" marT="24009" marB="24009"/>
+                </a:tc>
+                <a:tc>
+                  <a:txBody>
+                    <a:bodyPr/>
+                    <a:lstStyle/>
+                    <a:p>
+                      <a:pPr algn="ctr"/>
+                      <a:r>
+                        <a:rPr lang="en-US" sz="1200" dirty="0">
+                          <a:latin typeface="Lusitana" pitchFamily="2" charset="0"/>
+                        </a:rPr>
+                        <a:t>P (predicted)</a:t>
+                      </a:r>
+                      <a:endParaRPr lang="en-US" sz="1200" dirty="0">
+                        <a:solidFill>
+                          <a:sysClr val="windowText" lastClr="000000"/>
+                        </a:solidFill>
+                        <a:latin typeface="Lusitana" pitchFamily="2" charset="0"/>
+                      </a:endParaRPr>
+                    </a:p>
+                  </a:txBody>
+                  <a:tcPr marL="48018" marR="48018" marT="24009" marB="24009"/>
+                </a:tc>
+                <a:extLst>
+                  <a:ext uri="{0D108BD9-81ED-4DB2-BD59-A6C34878D82A}">
+                    <a16:rowId xmlns:a16="http://schemas.microsoft.com/office/drawing/2014/main" val="2141506907"/>
+                  </a:ext>
+                </a:extLst>
+              </a:tr>
+              <a:tr h="633824">
+                <a:tc>
+                  <a:txBody>
+                    <a:bodyPr/>
+                    <a:lstStyle/>
+                    <a:p>
+                      <a:pPr algn="ctr"/>
+                      <a:r>
+                        <a:rPr lang="en-US" sz="1200" dirty="0">
+                          <a:latin typeface="Lusitana" pitchFamily="2" charset="0"/>
+                        </a:rPr>
+                        <a:t>N (actual)</a:t>
+                      </a:r>
+                      <a:endParaRPr lang="en-US" sz="1200" dirty="0">
+                        <a:solidFill>
+                          <a:sysClr val="windowText" lastClr="000000"/>
+                        </a:solidFill>
+                        <a:latin typeface="Lusitana" pitchFamily="2" charset="0"/>
+                      </a:endParaRPr>
+                    </a:p>
+                  </a:txBody>
+                  <a:tcPr marL="48018" marR="48018" marT="24009" marB="24009"/>
+                </a:tc>
+                <a:tc>
+                  <a:txBody>
+                    <a:bodyPr/>
+                    <a:lstStyle/>
+                    <a:p>
+                      <a:pPr algn="ctr"/>
+                      <a:r>
+                        <a:rPr lang="en-US" sz="1200" dirty="0">
+                          <a:latin typeface="Lusitana" pitchFamily="2" charset="0"/>
+                        </a:rPr>
+                        <a:t>TN = 6697</a:t>
+                      </a:r>
+                      <a:endParaRPr lang="en-US" sz="1200" dirty="0">
+                        <a:solidFill>
+                          <a:sysClr val="windowText" lastClr="000000"/>
+                        </a:solidFill>
+                        <a:latin typeface="Lusitana" pitchFamily="2" charset="0"/>
+                      </a:endParaRPr>
+                    </a:p>
+                  </a:txBody>
+                  <a:tcPr marL="48018" marR="48018" marT="24009" marB="24009"/>
+                </a:tc>
+                <a:tc>
+                  <a:txBody>
+                    <a:bodyPr/>
+                    <a:lstStyle/>
+                    <a:p>
+                      <a:pPr algn="ctr"/>
+                      <a:r>
+                        <a:rPr lang="en-US" sz="1200" dirty="0">
+                          <a:latin typeface="Lusitana" pitchFamily="2" charset="0"/>
+                        </a:rPr>
+                        <a:t>FP = 141</a:t>
+                      </a:r>
+                      <a:endParaRPr lang="en-US" sz="1200" dirty="0">
+                        <a:solidFill>
+                          <a:sysClr val="windowText" lastClr="000000"/>
+                        </a:solidFill>
+                        <a:latin typeface="Lusitana" pitchFamily="2" charset="0"/>
+                      </a:endParaRPr>
+                    </a:p>
+                  </a:txBody>
+                  <a:tcPr marL="48018" marR="48018" marT="24009" marB="24009"/>
+                </a:tc>
+                <a:extLst>
+                  <a:ext uri="{0D108BD9-81ED-4DB2-BD59-A6C34878D82A}">
+                    <a16:rowId xmlns:a16="http://schemas.microsoft.com/office/drawing/2014/main" val="3889698626"/>
+                  </a:ext>
+                </a:extLst>
+              </a:tr>
+              <a:tr h="633824">
+                <a:tc>
+                  <a:txBody>
+                    <a:bodyPr/>
+                    <a:lstStyle/>
+                    <a:p>
+                      <a:pPr algn="ctr"/>
+                      <a:r>
+                        <a:rPr lang="en-US" sz="1200" dirty="0">
+                          <a:latin typeface="Lusitana" pitchFamily="2" charset="0"/>
+                        </a:rPr>
+                        <a:t>P (actual)</a:t>
+                      </a:r>
+                      <a:endParaRPr lang="en-US" sz="1200" dirty="0">
+                        <a:solidFill>
+                          <a:sysClr val="windowText" lastClr="000000"/>
+                        </a:solidFill>
+                        <a:latin typeface="Lusitana" pitchFamily="2" charset="0"/>
+                      </a:endParaRPr>
+                    </a:p>
+                  </a:txBody>
+                  <a:tcPr marL="48018" marR="48018" marT="24009" marB="24009"/>
+                </a:tc>
+                <a:tc>
+                  <a:txBody>
+                    <a:bodyPr/>
+                    <a:lstStyle/>
+                    <a:p>
+                      <a:pPr algn="ctr"/>
+                      <a:r>
+                        <a:rPr lang="en-US" sz="1200" dirty="0">
+                          <a:latin typeface="Lusitana" pitchFamily="2" charset="0"/>
+                        </a:rPr>
+                        <a:t>FN  = 578</a:t>
+                      </a:r>
+                      <a:endParaRPr lang="en-US" sz="1200" dirty="0">
+                        <a:solidFill>
+                          <a:sysClr val="windowText" lastClr="000000"/>
+                        </a:solidFill>
+                        <a:latin typeface="Lusitana" pitchFamily="2" charset="0"/>
+                      </a:endParaRPr>
+                    </a:p>
+                  </a:txBody>
+                  <a:tcPr marL="48018" marR="48018" marT="24009" marB="24009"/>
+                </a:tc>
+                <a:tc>
+                  <a:txBody>
+                    <a:bodyPr/>
+                    <a:lstStyle/>
+                    <a:p>
+                      <a:pPr algn="ctr"/>
+                      <a:r>
+                        <a:rPr lang="en-US" sz="1200" dirty="0">
+                          <a:latin typeface="Lusitana" pitchFamily="2" charset="0"/>
+                        </a:rPr>
+                        <a:t>TP = 1921</a:t>
+                      </a:r>
+                      <a:endParaRPr lang="en-US" sz="1200" dirty="0">
+                        <a:solidFill>
+                          <a:sysClr val="windowText" lastClr="000000"/>
+                        </a:solidFill>
+                        <a:latin typeface="Lusitana" pitchFamily="2" charset="0"/>
+                      </a:endParaRPr>
+                    </a:p>
+                  </a:txBody>
+                  <a:tcPr marL="48018" marR="48018" marT="24009" marB="24009"/>
+                </a:tc>
+                <a:extLst>
+                  <a:ext uri="{0D108BD9-81ED-4DB2-BD59-A6C34878D82A}">
+                    <a16:rowId xmlns:a16="http://schemas.microsoft.com/office/drawing/2014/main" val="3127859206"/>
+                  </a:ext>
+                </a:extLst>
+              </a:tr>
+            </a:tbl>
+          </a:graphicData>
+        </a:graphic>
+      </p:graphicFrame>
+      <p:graphicFrame>
+        <p:nvGraphicFramePr>
+          <p:cNvPr id="7" name="Table 6">
+            <a:extLst>
+              <a:ext uri="{FF2B5EF4-FFF2-40B4-BE49-F238E27FC236}">
+                <a16:creationId xmlns:a16="http://schemas.microsoft.com/office/drawing/2014/main" id="{76D81708-8012-5349-A780-123F059C71C9}"/>
+              </a:ext>
+            </a:extLst>
+          </p:cNvPr>
+          <p:cNvGraphicFramePr>
+            <a:graphicFrameLocks noGrp="1"/>
+          </p:cNvGraphicFramePr>
+          <p:nvPr>
+            <p:extLst>
+              <p:ext uri="{D42A27DB-BD31-4B8C-83A1-F6EECF244321}">
+                <p14:modId xmlns:p14="http://schemas.microsoft.com/office/powerpoint/2010/main" val="2538162172"/>
+              </p:ext>
+            </p:extLst>
+          </p:nvPr>
+        </p:nvGraphicFramePr>
+        <p:xfrm>
+          <a:off x="845288" y="1560023"/>
+          <a:ext cx="3018273" cy="1892789"/>
+        </p:xfrm>
+        <a:graphic>
+          <a:graphicData uri="http://schemas.openxmlformats.org/drawingml/2006/table">
+            <a:tbl>
+              <a:tblPr firstRow="1" bandRow="1">
+                <a:tableStyleId>{21E4AEA4-8DFA-4A89-87EB-49C32662AFE0}</a:tableStyleId>
+              </a:tblPr>
+              <a:tblGrid>
+                <a:gridCol w="815281">
+                  <a:extLst>
+                    <a:ext uri="{9D8B030D-6E8A-4147-A177-3AD203B41FA5}">
+                      <a16:colId xmlns:a16="http://schemas.microsoft.com/office/drawing/2014/main" val="2546607406"/>
+                    </a:ext>
+                  </a:extLst>
+                </a:gridCol>
+                <a:gridCol w="995224">
+                  <a:extLst>
+                    <a:ext uri="{9D8B030D-6E8A-4147-A177-3AD203B41FA5}">
+                      <a16:colId xmlns:a16="http://schemas.microsoft.com/office/drawing/2014/main" val="4209961578"/>
+                    </a:ext>
+                  </a:extLst>
+                </a:gridCol>
+                <a:gridCol w="1207768">
+                  <a:extLst>
+                    <a:ext uri="{9D8B030D-6E8A-4147-A177-3AD203B41FA5}">
+                      <a16:colId xmlns:a16="http://schemas.microsoft.com/office/drawing/2014/main" val="3644029023"/>
+                    </a:ext>
+                  </a:extLst>
+                </a:gridCol>
+              </a:tblGrid>
+              <a:tr h="625141">
+                <a:tc>
+                  <a:txBody>
+                    <a:bodyPr/>
+                    <a:lstStyle/>
+                    <a:p>
+                      <a:pPr algn="ctr"/>
+                      <a:r>
+                        <a:rPr lang="en-US" sz="1200" dirty="0" err="1">
+                          <a:solidFill>
+                            <a:sysClr val="windowText" lastClr="000000"/>
+                          </a:solidFill>
+                          <a:latin typeface="Lusitana" pitchFamily="2" charset="0"/>
+                        </a:rPr>
+                        <a:t>n_estimators</a:t>
+                      </a:r>
+                      <a:r>
+                        <a:rPr lang="en-US" sz="1200" dirty="0">
+                          <a:solidFill>
+                            <a:sysClr val="windowText" lastClr="000000"/>
+                          </a:solidFill>
+                          <a:latin typeface="Lusitana" pitchFamily="2" charset="0"/>
+                        </a:rPr>
+                        <a:t> = 3</a:t>
+                      </a:r>
+                    </a:p>
+                  </a:txBody>
+                  <a:tcPr marL="48018" marR="48018" marT="24009" marB="24009"/>
+                </a:tc>
+                <a:tc>
+                  <a:txBody>
+                    <a:bodyPr/>
+                    <a:lstStyle/>
+                    <a:p>
+                      <a:pPr algn="ctr"/>
+                      <a:r>
+                        <a:rPr lang="en-US" sz="1200" dirty="0">
+                          <a:latin typeface="Lusitana" pitchFamily="2" charset="0"/>
+                        </a:rPr>
+                        <a:t>N (predicted)</a:t>
+                      </a:r>
+                      <a:endParaRPr lang="en-US" sz="1200" dirty="0">
+                        <a:solidFill>
+                          <a:sysClr val="windowText" lastClr="000000"/>
+                        </a:solidFill>
+                        <a:latin typeface="Lusitana" pitchFamily="2" charset="0"/>
+                      </a:endParaRPr>
+                    </a:p>
+                  </a:txBody>
+                  <a:tcPr marL="48018" marR="48018" marT="24009" marB="24009"/>
+                </a:tc>
+                <a:tc>
+                  <a:txBody>
+                    <a:bodyPr/>
+                    <a:lstStyle/>
+                    <a:p>
+                      <a:pPr algn="ctr"/>
+                      <a:r>
+                        <a:rPr lang="en-US" sz="1200" dirty="0">
+                          <a:latin typeface="Lusitana" pitchFamily="2" charset="0"/>
+                        </a:rPr>
+                        <a:t>P (predicted)</a:t>
+                      </a:r>
+                      <a:endParaRPr lang="en-US" sz="1200" dirty="0">
+                        <a:solidFill>
+                          <a:sysClr val="windowText" lastClr="000000"/>
+                        </a:solidFill>
+                        <a:latin typeface="Lusitana" pitchFamily="2" charset="0"/>
+                      </a:endParaRPr>
+                    </a:p>
+                  </a:txBody>
+                  <a:tcPr marL="48018" marR="48018" marT="24009" marB="24009"/>
+                </a:tc>
+                <a:extLst>
+                  <a:ext uri="{0D108BD9-81ED-4DB2-BD59-A6C34878D82A}">
+                    <a16:rowId xmlns:a16="http://schemas.microsoft.com/office/drawing/2014/main" val="2141506907"/>
+                  </a:ext>
+                </a:extLst>
+              </a:tr>
+              <a:tr h="633824">
+                <a:tc>
+                  <a:txBody>
+                    <a:bodyPr/>
+                    <a:lstStyle/>
+                    <a:p>
+                      <a:pPr algn="ctr"/>
+                      <a:r>
+                        <a:rPr lang="en-US" sz="1200" dirty="0">
+                          <a:latin typeface="Lusitana" pitchFamily="2" charset="0"/>
+                        </a:rPr>
+                        <a:t>N (actual)</a:t>
+                      </a:r>
+                      <a:endParaRPr lang="en-US" sz="1200" dirty="0">
+                        <a:solidFill>
+                          <a:sysClr val="windowText" lastClr="000000"/>
+                        </a:solidFill>
+                        <a:latin typeface="Lusitana" pitchFamily="2" charset="0"/>
+                      </a:endParaRPr>
+                    </a:p>
+                  </a:txBody>
+                  <a:tcPr marL="48018" marR="48018" marT="24009" marB="24009"/>
+                </a:tc>
+                <a:tc>
+                  <a:txBody>
+                    <a:bodyPr/>
+                    <a:lstStyle/>
+                    <a:p>
+                      <a:pPr algn="ctr"/>
+                      <a:r>
+                        <a:rPr lang="en-US" sz="1200" dirty="0">
+                          <a:latin typeface="Lusitana" pitchFamily="2" charset="0"/>
+                        </a:rPr>
+                        <a:t>TN = 6500</a:t>
+                      </a:r>
+                      <a:endParaRPr lang="en-US" sz="1200" dirty="0">
+                        <a:solidFill>
+                          <a:sysClr val="windowText" lastClr="000000"/>
+                        </a:solidFill>
+                        <a:latin typeface="Lusitana" pitchFamily="2" charset="0"/>
+                      </a:endParaRPr>
+                    </a:p>
+                  </a:txBody>
+                  <a:tcPr marL="48018" marR="48018" marT="24009" marB="24009"/>
+                </a:tc>
+                <a:tc>
+                  <a:txBody>
+                    <a:bodyPr/>
+                    <a:lstStyle/>
+                    <a:p>
+                      <a:pPr algn="ctr"/>
+                      <a:r>
+                        <a:rPr lang="en-US" sz="1200" dirty="0">
+                          <a:latin typeface="Lusitana" pitchFamily="2" charset="0"/>
+                        </a:rPr>
+                        <a:t>FP = 338</a:t>
+                      </a:r>
+                      <a:endParaRPr lang="en-US" sz="1200" dirty="0">
+                        <a:solidFill>
+                          <a:sysClr val="windowText" lastClr="000000"/>
+                        </a:solidFill>
+                        <a:latin typeface="Lusitana" pitchFamily="2" charset="0"/>
+                      </a:endParaRPr>
+                    </a:p>
+                  </a:txBody>
+                  <a:tcPr marL="48018" marR="48018" marT="24009" marB="24009"/>
+                </a:tc>
+                <a:extLst>
+                  <a:ext uri="{0D108BD9-81ED-4DB2-BD59-A6C34878D82A}">
+                    <a16:rowId xmlns:a16="http://schemas.microsoft.com/office/drawing/2014/main" val="3889698626"/>
+                  </a:ext>
+                </a:extLst>
+              </a:tr>
+              <a:tr h="633824">
+                <a:tc>
+                  <a:txBody>
+                    <a:bodyPr/>
+                    <a:lstStyle/>
+                    <a:p>
+                      <a:pPr algn="ctr"/>
+                      <a:r>
+                        <a:rPr lang="en-US" sz="1200" dirty="0">
+                          <a:latin typeface="Lusitana" pitchFamily="2" charset="0"/>
+                        </a:rPr>
+                        <a:t>P (actual)</a:t>
+                      </a:r>
+                      <a:endParaRPr lang="en-US" sz="1200" dirty="0">
+                        <a:solidFill>
+                          <a:sysClr val="windowText" lastClr="000000"/>
+                        </a:solidFill>
+                        <a:latin typeface="Lusitana" pitchFamily="2" charset="0"/>
+                      </a:endParaRPr>
+                    </a:p>
+                  </a:txBody>
+                  <a:tcPr marL="48018" marR="48018" marT="24009" marB="24009"/>
+                </a:tc>
+                <a:tc>
+                  <a:txBody>
+                    <a:bodyPr/>
+                    <a:lstStyle/>
+                    <a:p>
+                      <a:pPr algn="ctr"/>
+                      <a:r>
+                        <a:rPr lang="en-US" sz="1200" dirty="0">
+                          <a:latin typeface="Lusitana" pitchFamily="2" charset="0"/>
+                        </a:rPr>
+                        <a:t>FN  = 539</a:t>
+                      </a:r>
+                      <a:endParaRPr lang="en-US" sz="1200" dirty="0">
+                        <a:solidFill>
+                          <a:sysClr val="windowText" lastClr="000000"/>
+                        </a:solidFill>
+                        <a:latin typeface="Lusitana" pitchFamily="2" charset="0"/>
+                      </a:endParaRPr>
+                    </a:p>
+                  </a:txBody>
+                  <a:tcPr marL="48018" marR="48018" marT="24009" marB="24009"/>
+                </a:tc>
+                <a:tc>
+                  <a:txBody>
+                    <a:bodyPr/>
+                    <a:lstStyle/>
+                    <a:p>
+                      <a:pPr algn="ctr"/>
+                      <a:r>
+                        <a:rPr lang="en-US" sz="1200" dirty="0">
+                          <a:latin typeface="Lusitana" pitchFamily="2" charset="0"/>
+                        </a:rPr>
+                        <a:t>TP = 1960</a:t>
+                      </a:r>
+                      <a:endParaRPr lang="en-US" sz="1200" dirty="0">
+                        <a:solidFill>
+                          <a:sysClr val="windowText" lastClr="000000"/>
+                        </a:solidFill>
+                        <a:latin typeface="Lusitana" pitchFamily="2" charset="0"/>
+                      </a:endParaRPr>
+                    </a:p>
+                  </a:txBody>
+                  <a:tcPr marL="48018" marR="48018" marT="24009" marB="24009"/>
+                </a:tc>
+                <a:extLst>
+                  <a:ext uri="{0D108BD9-81ED-4DB2-BD59-A6C34878D82A}">
+                    <a16:rowId xmlns:a16="http://schemas.microsoft.com/office/drawing/2014/main" val="3127859206"/>
+                  </a:ext>
+                </a:extLst>
+              </a:tr>
+            </a:tbl>
+          </a:graphicData>
+        </a:graphic>
+      </p:graphicFrame>
+      <p:graphicFrame>
+        <p:nvGraphicFramePr>
+          <p:cNvPr id="8" name="Table 7">
+            <a:extLst>
+              <a:ext uri="{FF2B5EF4-FFF2-40B4-BE49-F238E27FC236}">
+                <a16:creationId xmlns:a16="http://schemas.microsoft.com/office/drawing/2014/main" id="{35EF7E67-3A1E-9B49-91BC-0B727D6D7B4B}"/>
+              </a:ext>
+            </a:extLst>
+          </p:cNvPr>
+          <p:cNvGraphicFramePr>
+            <a:graphicFrameLocks noGrp="1"/>
+          </p:cNvGraphicFramePr>
+          <p:nvPr>
+            <p:extLst>
+              <p:ext uri="{D42A27DB-BD31-4B8C-83A1-F6EECF244321}">
+                <p14:modId xmlns:p14="http://schemas.microsoft.com/office/powerpoint/2010/main" val="2152287521"/>
+              </p:ext>
+            </p:extLst>
+          </p:nvPr>
+        </p:nvGraphicFramePr>
+        <p:xfrm>
+          <a:off x="864528" y="3895628"/>
+          <a:ext cx="3136627" cy="1967011"/>
+        </p:xfrm>
+        <a:graphic>
+          <a:graphicData uri="http://schemas.openxmlformats.org/drawingml/2006/table">
+            <a:tbl>
+              <a:tblPr firstRow="1" bandRow="1">
+                <a:tableStyleId>{21E4AEA4-8DFA-4A89-87EB-49C32662AFE0}</a:tableStyleId>
+              </a:tblPr>
+              <a:tblGrid>
+                <a:gridCol w="847250">
+                  <a:extLst>
+                    <a:ext uri="{9D8B030D-6E8A-4147-A177-3AD203B41FA5}">
+                      <a16:colId xmlns:a16="http://schemas.microsoft.com/office/drawing/2014/main" val="2546607406"/>
+                    </a:ext>
+                  </a:extLst>
+                </a:gridCol>
+                <a:gridCol w="1034249">
+                  <a:extLst>
+                    <a:ext uri="{9D8B030D-6E8A-4147-A177-3AD203B41FA5}">
+                      <a16:colId xmlns:a16="http://schemas.microsoft.com/office/drawing/2014/main" val="4209961578"/>
+                    </a:ext>
+                  </a:extLst>
+                </a:gridCol>
+                <a:gridCol w="1255128">
+                  <a:extLst>
+                    <a:ext uri="{9D8B030D-6E8A-4147-A177-3AD203B41FA5}">
+                      <a16:colId xmlns:a16="http://schemas.microsoft.com/office/drawing/2014/main" val="3644029023"/>
+                    </a:ext>
+                  </a:extLst>
+                </a:gridCol>
+              </a:tblGrid>
+              <a:tr h="649655">
+                <a:tc>
+                  <a:txBody>
+                    <a:bodyPr/>
+                    <a:lstStyle/>
+                    <a:p>
+                      <a:pPr algn="ctr"/>
+                      <a:r>
+                        <a:rPr lang="en-US" sz="1200" dirty="0" err="1">
+                          <a:solidFill>
+                            <a:sysClr val="windowText" lastClr="000000"/>
+                          </a:solidFill>
+                          <a:latin typeface="Lusitana" pitchFamily="2" charset="0"/>
+                        </a:rPr>
+                        <a:t>test_size</a:t>
+                      </a:r>
+                      <a:r>
+                        <a:rPr lang="en-US" sz="1200" dirty="0">
+                          <a:solidFill>
+                            <a:sysClr val="windowText" lastClr="000000"/>
+                          </a:solidFill>
+                          <a:latin typeface="Lusitana" pitchFamily="2" charset="0"/>
+                        </a:rPr>
+                        <a:t> = 0.1 </a:t>
+                      </a:r>
+                    </a:p>
+                  </a:txBody>
+                  <a:tcPr marL="49901" marR="49901" marT="24950" marB="24950"/>
+                </a:tc>
+                <a:tc>
+                  <a:txBody>
+                    <a:bodyPr/>
+                    <a:lstStyle/>
+                    <a:p>
+                      <a:pPr algn="ctr"/>
+                      <a:r>
+                        <a:rPr lang="en-US" sz="1200" dirty="0">
+                          <a:latin typeface="Lusitana" pitchFamily="2" charset="0"/>
+                        </a:rPr>
+                        <a:t>N (predicted)</a:t>
+                      </a:r>
+                      <a:endParaRPr lang="en-US" sz="1200" dirty="0">
+                        <a:solidFill>
+                          <a:sysClr val="windowText" lastClr="000000"/>
+                        </a:solidFill>
+                        <a:latin typeface="Lusitana" pitchFamily="2" charset="0"/>
+                      </a:endParaRPr>
+                    </a:p>
+                  </a:txBody>
+                  <a:tcPr marL="49901" marR="49901" marT="24950" marB="24950"/>
+                </a:tc>
+                <a:tc>
+                  <a:txBody>
+                    <a:bodyPr/>
+                    <a:lstStyle/>
+                    <a:p>
+                      <a:pPr algn="ctr"/>
+                      <a:r>
+                        <a:rPr lang="en-US" sz="1200" dirty="0">
+                          <a:latin typeface="Lusitana" pitchFamily="2" charset="0"/>
+                        </a:rPr>
+                        <a:t>P (predicted)</a:t>
+                      </a:r>
+                      <a:endParaRPr lang="en-US" sz="1200" dirty="0">
+                        <a:solidFill>
+                          <a:sysClr val="windowText" lastClr="000000"/>
+                        </a:solidFill>
+                        <a:latin typeface="Lusitana" pitchFamily="2" charset="0"/>
+                      </a:endParaRPr>
+                    </a:p>
+                  </a:txBody>
+                  <a:tcPr marL="49901" marR="49901" marT="24950" marB="24950"/>
+                </a:tc>
+                <a:extLst>
+                  <a:ext uri="{0D108BD9-81ED-4DB2-BD59-A6C34878D82A}">
+                    <a16:rowId xmlns:a16="http://schemas.microsoft.com/office/drawing/2014/main" val="2141506907"/>
+                  </a:ext>
+                </a:extLst>
+              </a:tr>
+              <a:tr h="658678">
+                <a:tc>
+                  <a:txBody>
+                    <a:bodyPr/>
+                    <a:lstStyle/>
+                    <a:p>
+                      <a:pPr algn="ctr"/>
+                      <a:r>
+                        <a:rPr lang="en-US" sz="1200" dirty="0">
+                          <a:latin typeface="Lusitana" pitchFamily="2" charset="0"/>
+                        </a:rPr>
+                        <a:t>N (actual)</a:t>
+                      </a:r>
+                      <a:endParaRPr lang="en-US" sz="1200" dirty="0">
+                        <a:solidFill>
+                          <a:sysClr val="windowText" lastClr="000000"/>
+                        </a:solidFill>
+                        <a:latin typeface="Lusitana" pitchFamily="2" charset="0"/>
+                      </a:endParaRPr>
+                    </a:p>
+                  </a:txBody>
+                  <a:tcPr marL="49901" marR="49901" marT="24950" marB="24950"/>
+                </a:tc>
+                <a:tc>
+                  <a:txBody>
+                    <a:bodyPr/>
+                    <a:lstStyle/>
+                    <a:p>
+                      <a:pPr algn="ctr"/>
+                      <a:r>
+                        <a:rPr lang="en-US" sz="1200" dirty="0">
+                          <a:latin typeface="Lusitana" pitchFamily="2" charset="0"/>
+                        </a:rPr>
+                        <a:t>TN = 2002</a:t>
+                      </a:r>
+                      <a:endParaRPr lang="en-US" sz="1200" dirty="0">
+                        <a:solidFill>
+                          <a:sysClr val="windowText" lastClr="000000"/>
+                        </a:solidFill>
+                        <a:latin typeface="Lusitana" pitchFamily="2" charset="0"/>
+                      </a:endParaRPr>
+                    </a:p>
+                  </a:txBody>
+                  <a:tcPr marL="49901" marR="49901" marT="24950" marB="24950"/>
+                </a:tc>
+                <a:tc>
+                  <a:txBody>
+                    <a:bodyPr/>
+                    <a:lstStyle/>
+                    <a:p>
+                      <a:pPr algn="ctr"/>
+                      <a:r>
+                        <a:rPr lang="en-US" sz="1200" dirty="0">
+                          <a:latin typeface="Lusitana" pitchFamily="2" charset="0"/>
+                        </a:rPr>
+                        <a:t>FP = 50</a:t>
+                      </a:r>
+                      <a:endParaRPr lang="en-US" sz="1200" dirty="0">
+                        <a:solidFill>
+                          <a:sysClr val="windowText" lastClr="000000"/>
+                        </a:solidFill>
+                        <a:latin typeface="Lusitana" pitchFamily="2" charset="0"/>
+                      </a:endParaRPr>
+                    </a:p>
+                  </a:txBody>
+                  <a:tcPr marL="49901" marR="49901" marT="24950" marB="24950"/>
+                </a:tc>
+                <a:extLst>
+                  <a:ext uri="{0D108BD9-81ED-4DB2-BD59-A6C34878D82A}">
+                    <a16:rowId xmlns:a16="http://schemas.microsoft.com/office/drawing/2014/main" val="3889698626"/>
+                  </a:ext>
+                </a:extLst>
+              </a:tr>
+              <a:tr h="658678">
+                <a:tc>
+                  <a:txBody>
+                    <a:bodyPr/>
+                    <a:lstStyle/>
+                    <a:p>
+                      <a:pPr algn="ctr"/>
+                      <a:r>
+                        <a:rPr lang="en-US" sz="1200" dirty="0">
+                          <a:latin typeface="Lusitana" pitchFamily="2" charset="0"/>
+                        </a:rPr>
+                        <a:t>P (actual)</a:t>
+                      </a:r>
+                      <a:endParaRPr lang="en-US" sz="1200" dirty="0">
+                        <a:solidFill>
+                          <a:sysClr val="windowText" lastClr="000000"/>
+                        </a:solidFill>
+                        <a:latin typeface="Lusitana" pitchFamily="2" charset="0"/>
+                      </a:endParaRPr>
+                    </a:p>
+                  </a:txBody>
+                  <a:tcPr marL="49901" marR="49901" marT="24950" marB="24950"/>
+                </a:tc>
+                <a:tc>
+                  <a:txBody>
+                    <a:bodyPr/>
+                    <a:lstStyle/>
+                    <a:p>
+                      <a:pPr algn="ctr"/>
+                      <a:r>
+                        <a:rPr lang="en-US" sz="1200" dirty="0">
+                          <a:latin typeface="Lusitana" pitchFamily="2" charset="0"/>
+                        </a:rPr>
+                        <a:t>FN  = 160</a:t>
+                      </a:r>
+                      <a:endParaRPr lang="en-US" sz="1200" dirty="0">
+                        <a:solidFill>
+                          <a:sysClr val="windowText" lastClr="000000"/>
+                        </a:solidFill>
+                        <a:latin typeface="Lusitana" pitchFamily="2" charset="0"/>
+                      </a:endParaRPr>
+                    </a:p>
+                  </a:txBody>
+                  <a:tcPr marL="49901" marR="49901" marT="24950" marB="24950"/>
+                </a:tc>
+                <a:tc>
+                  <a:txBody>
+                    <a:bodyPr/>
+                    <a:lstStyle/>
+                    <a:p>
+                      <a:pPr algn="ctr"/>
+                      <a:r>
+                        <a:rPr lang="en-US" sz="1200" dirty="0">
+                          <a:latin typeface="Lusitana" pitchFamily="2" charset="0"/>
+                        </a:rPr>
+                        <a:t>TP = 618</a:t>
+                      </a:r>
+                      <a:endParaRPr lang="en-US" sz="1200" dirty="0">
+                        <a:solidFill>
+                          <a:sysClr val="windowText" lastClr="000000"/>
+                        </a:solidFill>
+                        <a:latin typeface="Lusitana" pitchFamily="2" charset="0"/>
+                      </a:endParaRPr>
+                    </a:p>
+                  </a:txBody>
+                  <a:tcPr marL="49901" marR="49901" marT="24950" marB="24950"/>
+                </a:tc>
+                <a:extLst>
+                  <a:ext uri="{0D108BD9-81ED-4DB2-BD59-A6C34878D82A}">
+                    <a16:rowId xmlns:a16="http://schemas.microsoft.com/office/drawing/2014/main" val="3127859206"/>
+                  </a:ext>
+                </a:extLst>
+              </a:tr>
+            </a:tbl>
+          </a:graphicData>
+        </a:graphic>
+      </p:graphicFrame>
+      <p:graphicFrame>
+        <p:nvGraphicFramePr>
+          <p:cNvPr id="9" name="Table 8">
+            <a:extLst>
+              <a:ext uri="{FF2B5EF4-FFF2-40B4-BE49-F238E27FC236}">
+                <a16:creationId xmlns:a16="http://schemas.microsoft.com/office/drawing/2014/main" id="{C6970399-4EEB-0A40-9F27-E809FBD08FA2}"/>
+              </a:ext>
+            </a:extLst>
+          </p:cNvPr>
+          <p:cNvGraphicFramePr>
+            <a:graphicFrameLocks noGrp="1"/>
+          </p:cNvGraphicFramePr>
+          <p:nvPr>
+            <p:extLst>
+              <p:ext uri="{D42A27DB-BD31-4B8C-83A1-F6EECF244321}">
+                <p14:modId xmlns:p14="http://schemas.microsoft.com/office/powerpoint/2010/main" val="2607102254"/>
+              </p:ext>
+            </p:extLst>
+          </p:nvPr>
+        </p:nvGraphicFramePr>
+        <p:xfrm>
+          <a:off x="4681886" y="3895627"/>
+          <a:ext cx="3136627" cy="1967011"/>
+        </p:xfrm>
+        <a:graphic>
+          <a:graphicData uri="http://schemas.openxmlformats.org/drawingml/2006/table">
+            <a:tbl>
+              <a:tblPr firstRow="1" bandRow="1">
+                <a:tableStyleId>{21E4AEA4-8DFA-4A89-87EB-49C32662AFE0}</a:tableStyleId>
+              </a:tblPr>
+              <a:tblGrid>
+                <a:gridCol w="847250">
+                  <a:extLst>
+                    <a:ext uri="{9D8B030D-6E8A-4147-A177-3AD203B41FA5}">
+                      <a16:colId xmlns:a16="http://schemas.microsoft.com/office/drawing/2014/main" val="2546607406"/>
+                    </a:ext>
+                  </a:extLst>
+                </a:gridCol>
+                <a:gridCol w="1034249">
+                  <a:extLst>
+                    <a:ext uri="{9D8B030D-6E8A-4147-A177-3AD203B41FA5}">
+                      <a16:colId xmlns:a16="http://schemas.microsoft.com/office/drawing/2014/main" val="4209961578"/>
+                    </a:ext>
+                  </a:extLst>
+                </a:gridCol>
+                <a:gridCol w="1255128">
+                  <a:extLst>
+                    <a:ext uri="{9D8B030D-6E8A-4147-A177-3AD203B41FA5}">
+                      <a16:colId xmlns:a16="http://schemas.microsoft.com/office/drawing/2014/main" val="3644029023"/>
+                    </a:ext>
+                  </a:extLst>
+                </a:gridCol>
+              </a:tblGrid>
+              <a:tr h="649655">
+                <a:tc>
+                  <a:txBody>
+                    <a:bodyPr/>
+                    <a:lstStyle/>
+                    <a:p>
+                      <a:pPr algn="ctr"/>
+                      <a:r>
+                        <a:rPr lang="en-US" sz="1200" dirty="0" err="1">
+                          <a:solidFill>
+                            <a:sysClr val="windowText" lastClr="000000"/>
+                          </a:solidFill>
+                          <a:latin typeface="Lusitana" pitchFamily="2" charset="0"/>
+                        </a:rPr>
+                        <a:t>test_size</a:t>
+                      </a:r>
+                      <a:r>
+                        <a:rPr lang="en-US" sz="1200" dirty="0">
+                          <a:solidFill>
+                            <a:sysClr val="windowText" lastClr="000000"/>
+                          </a:solidFill>
+                          <a:latin typeface="Lusitana" pitchFamily="2" charset="0"/>
+                        </a:rPr>
+                        <a:t> = 0.25</a:t>
+                      </a:r>
+                    </a:p>
+                  </a:txBody>
+                  <a:tcPr marL="49901" marR="49901" marT="24950" marB="24950"/>
+                </a:tc>
+                <a:tc>
+                  <a:txBody>
+                    <a:bodyPr/>
+                    <a:lstStyle/>
+                    <a:p>
+                      <a:pPr algn="ctr"/>
+                      <a:r>
+                        <a:rPr lang="en-US" sz="1200" dirty="0">
+                          <a:latin typeface="Lusitana" pitchFamily="2" charset="0"/>
+                        </a:rPr>
+                        <a:t>N (predicted)</a:t>
+                      </a:r>
+                      <a:endParaRPr lang="en-US" sz="1200" dirty="0">
+                        <a:solidFill>
+                          <a:sysClr val="windowText" lastClr="000000"/>
+                        </a:solidFill>
+                        <a:latin typeface="Lusitana" pitchFamily="2" charset="0"/>
+                      </a:endParaRPr>
+                    </a:p>
+                  </a:txBody>
+                  <a:tcPr marL="49901" marR="49901" marT="24950" marB="24950"/>
+                </a:tc>
+                <a:tc>
+                  <a:txBody>
+                    <a:bodyPr/>
+                    <a:lstStyle/>
+                    <a:p>
+                      <a:pPr algn="ctr"/>
+                      <a:r>
+                        <a:rPr lang="en-US" sz="1200" dirty="0">
+                          <a:latin typeface="Lusitana" pitchFamily="2" charset="0"/>
+                        </a:rPr>
+                        <a:t>P (predicted)</a:t>
+                      </a:r>
+                      <a:endParaRPr lang="en-US" sz="1200" dirty="0">
+                        <a:solidFill>
+                          <a:sysClr val="windowText" lastClr="000000"/>
+                        </a:solidFill>
+                        <a:latin typeface="Lusitana" pitchFamily="2" charset="0"/>
+                      </a:endParaRPr>
+                    </a:p>
+                  </a:txBody>
+                  <a:tcPr marL="49901" marR="49901" marT="24950" marB="24950"/>
+                </a:tc>
+                <a:extLst>
+                  <a:ext uri="{0D108BD9-81ED-4DB2-BD59-A6C34878D82A}">
+                    <a16:rowId xmlns:a16="http://schemas.microsoft.com/office/drawing/2014/main" val="2141506907"/>
+                  </a:ext>
+                </a:extLst>
+              </a:tr>
+              <a:tr h="658678">
+                <a:tc>
+                  <a:txBody>
+                    <a:bodyPr/>
+                    <a:lstStyle/>
+                    <a:p>
+                      <a:pPr algn="ctr"/>
+                      <a:r>
+                        <a:rPr lang="en-US" sz="1200" dirty="0">
+                          <a:latin typeface="Lusitana" pitchFamily="2" charset="0"/>
+                        </a:rPr>
+                        <a:t>N (actual)</a:t>
+                      </a:r>
+                      <a:endParaRPr lang="en-US" sz="1200" dirty="0">
+                        <a:solidFill>
+                          <a:sysClr val="windowText" lastClr="000000"/>
+                        </a:solidFill>
+                        <a:latin typeface="Lusitana" pitchFamily="2" charset="0"/>
+                      </a:endParaRPr>
+                    </a:p>
+                  </a:txBody>
+                  <a:tcPr marL="49901" marR="49901" marT="24950" marB="24950"/>
+                </a:tc>
+                <a:tc>
+                  <a:txBody>
+                    <a:bodyPr/>
+                    <a:lstStyle/>
+                    <a:p>
+                      <a:pPr algn="ctr"/>
+                      <a:r>
+                        <a:rPr lang="en-US" sz="1200" dirty="0">
+                          <a:latin typeface="Lusitana" pitchFamily="2" charset="0"/>
+                        </a:rPr>
+                        <a:t>TN = 5126</a:t>
+                      </a:r>
+                      <a:endParaRPr lang="en-US" sz="1200" dirty="0">
+                        <a:solidFill>
+                          <a:sysClr val="windowText" lastClr="000000"/>
+                        </a:solidFill>
+                        <a:latin typeface="Lusitana" pitchFamily="2" charset="0"/>
+                      </a:endParaRPr>
+                    </a:p>
+                  </a:txBody>
+                  <a:tcPr marL="49901" marR="49901" marT="24950" marB="24950"/>
+                </a:tc>
+                <a:tc>
+                  <a:txBody>
+                    <a:bodyPr/>
+                    <a:lstStyle/>
+                    <a:p>
+                      <a:pPr algn="ctr"/>
+                      <a:r>
+                        <a:rPr lang="en-US" sz="1200" dirty="0">
+                          <a:latin typeface="Lusitana" pitchFamily="2" charset="0"/>
+                        </a:rPr>
+                        <a:t>FP = 102</a:t>
+                      </a:r>
+                      <a:endParaRPr lang="en-US" sz="1200" dirty="0">
+                        <a:solidFill>
+                          <a:sysClr val="windowText" lastClr="000000"/>
+                        </a:solidFill>
+                        <a:latin typeface="Lusitana" pitchFamily="2" charset="0"/>
+                      </a:endParaRPr>
+                    </a:p>
+                  </a:txBody>
+                  <a:tcPr marL="49901" marR="49901" marT="24950" marB="24950"/>
+                </a:tc>
+                <a:extLst>
+                  <a:ext uri="{0D108BD9-81ED-4DB2-BD59-A6C34878D82A}">
+                    <a16:rowId xmlns:a16="http://schemas.microsoft.com/office/drawing/2014/main" val="3889698626"/>
+                  </a:ext>
+                </a:extLst>
+              </a:tr>
+              <a:tr h="658678">
+                <a:tc>
+                  <a:txBody>
+                    <a:bodyPr/>
+                    <a:lstStyle/>
+                    <a:p>
+                      <a:pPr algn="ctr"/>
+                      <a:r>
+                        <a:rPr lang="en-US" sz="1200" dirty="0">
+                          <a:latin typeface="Lusitana" pitchFamily="2" charset="0"/>
+                        </a:rPr>
+                        <a:t>P (actual)</a:t>
+                      </a:r>
+                      <a:endParaRPr lang="en-US" sz="1200" dirty="0">
+                        <a:solidFill>
+                          <a:sysClr val="windowText" lastClr="000000"/>
+                        </a:solidFill>
+                        <a:latin typeface="Lusitana" pitchFamily="2" charset="0"/>
+                      </a:endParaRPr>
+                    </a:p>
+                  </a:txBody>
+                  <a:tcPr marL="49901" marR="49901" marT="24950" marB="24950"/>
+                </a:tc>
+                <a:tc>
+                  <a:txBody>
+                    <a:bodyPr/>
+                    <a:lstStyle/>
+                    <a:p>
+                      <a:pPr algn="ctr"/>
+                      <a:r>
+                        <a:rPr lang="en-US" sz="1200" dirty="0">
+                          <a:latin typeface="Lusitana" pitchFamily="2" charset="0"/>
+                        </a:rPr>
+                        <a:t>FN  = 405</a:t>
+                      </a:r>
+                      <a:endParaRPr lang="en-US" sz="1200" dirty="0">
+                        <a:solidFill>
+                          <a:sysClr val="windowText" lastClr="000000"/>
+                        </a:solidFill>
+                        <a:latin typeface="Lusitana" pitchFamily="2" charset="0"/>
+                      </a:endParaRPr>
+                    </a:p>
+                  </a:txBody>
+                  <a:tcPr marL="49901" marR="49901" marT="24950" marB="24950"/>
+                </a:tc>
+                <a:tc>
+                  <a:txBody>
+                    <a:bodyPr/>
+                    <a:lstStyle/>
+                    <a:p>
+                      <a:pPr algn="ctr"/>
+                      <a:r>
+                        <a:rPr lang="en-US" sz="1200" dirty="0">
+                          <a:latin typeface="Lusitana" pitchFamily="2" charset="0"/>
+                        </a:rPr>
+                        <a:t>TP = 1440</a:t>
+                      </a:r>
+                      <a:endParaRPr lang="en-US" sz="1200" dirty="0">
+                        <a:solidFill>
+                          <a:sysClr val="windowText" lastClr="000000"/>
+                        </a:solidFill>
+                        <a:latin typeface="Lusitana" pitchFamily="2" charset="0"/>
+                      </a:endParaRPr>
+                    </a:p>
+                  </a:txBody>
+                  <a:tcPr marL="49901" marR="49901" marT="24950" marB="24950"/>
+                </a:tc>
+                <a:extLst>
+                  <a:ext uri="{0D108BD9-81ED-4DB2-BD59-A6C34878D82A}">
+                    <a16:rowId xmlns:a16="http://schemas.microsoft.com/office/drawing/2014/main" val="3127859206"/>
+                  </a:ext>
+                </a:extLst>
+              </a:tr>
+            </a:tbl>
+          </a:graphicData>
+        </a:graphic>
+      </p:graphicFrame>
+      <p:graphicFrame>
+        <p:nvGraphicFramePr>
+          <p:cNvPr id="11" name="Table 10">
+            <a:extLst>
+              <a:ext uri="{FF2B5EF4-FFF2-40B4-BE49-F238E27FC236}">
+                <a16:creationId xmlns:a16="http://schemas.microsoft.com/office/drawing/2014/main" id="{54F22EC6-4408-2E42-BFE3-8439B668B507}"/>
+              </a:ext>
+            </a:extLst>
+          </p:cNvPr>
+          <p:cNvGraphicFramePr>
+            <a:graphicFrameLocks noGrp="1"/>
+          </p:cNvGraphicFramePr>
+          <p:nvPr>
+            <p:extLst>
+              <p:ext uri="{D42A27DB-BD31-4B8C-83A1-F6EECF244321}">
+                <p14:modId xmlns:p14="http://schemas.microsoft.com/office/powerpoint/2010/main" val="3638244136"/>
+              </p:ext>
+            </p:extLst>
+          </p:nvPr>
+        </p:nvGraphicFramePr>
+        <p:xfrm>
+          <a:off x="8518484" y="3895627"/>
+          <a:ext cx="3136627" cy="1967011"/>
+        </p:xfrm>
+        <a:graphic>
+          <a:graphicData uri="http://schemas.openxmlformats.org/drawingml/2006/table">
+            <a:tbl>
+              <a:tblPr firstRow="1" bandRow="1">
+                <a:tableStyleId>{21E4AEA4-8DFA-4A89-87EB-49C32662AFE0}</a:tableStyleId>
+              </a:tblPr>
+              <a:tblGrid>
+                <a:gridCol w="847250">
+                  <a:extLst>
+                    <a:ext uri="{9D8B030D-6E8A-4147-A177-3AD203B41FA5}">
+                      <a16:colId xmlns:a16="http://schemas.microsoft.com/office/drawing/2014/main" val="2546607406"/>
+                    </a:ext>
+                  </a:extLst>
+                </a:gridCol>
+                <a:gridCol w="1034249">
+                  <a:extLst>
+                    <a:ext uri="{9D8B030D-6E8A-4147-A177-3AD203B41FA5}">
+                      <a16:colId xmlns:a16="http://schemas.microsoft.com/office/drawing/2014/main" val="4209961578"/>
+                    </a:ext>
+                  </a:extLst>
+                </a:gridCol>
+                <a:gridCol w="1255128">
+                  <a:extLst>
+                    <a:ext uri="{9D8B030D-6E8A-4147-A177-3AD203B41FA5}">
+                      <a16:colId xmlns:a16="http://schemas.microsoft.com/office/drawing/2014/main" val="3644029023"/>
+                    </a:ext>
+                  </a:extLst>
+                </a:gridCol>
+              </a:tblGrid>
+              <a:tr h="649655">
+                <a:tc>
+                  <a:txBody>
+                    <a:bodyPr/>
+                    <a:lstStyle/>
+                    <a:p>
+                      <a:pPr algn="ctr"/>
+                      <a:r>
+                        <a:rPr lang="en-US" sz="1200" dirty="0" err="1">
+                          <a:solidFill>
+                            <a:sysClr val="windowText" lastClr="000000"/>
+                          </a:solidFill>
+                          <a:latin typeface="Lusitana" pitchFamily="2" charset="0"/>
+                        </a:rPr>
+                        <a:t>test_size</a:t>
+                      </a:r>
+                      <a:r>
+                        <a:rPr lang="en-US" sz="1200" dirty="0">
+                          <a:solidFill>
+                            <a:sysClr val="windowText" lastClr="000000"/>
+                          </a:solidFill>
+                          <a:latin typeface="Lusitana" pitchFamily="2" charset="0"/>
+                        </a:rPr>
+                        <a:t> = 0.33</a:t>
+                      </a:r>
+                    </a:p>
+                  </a:txBody>
+                  <a:tcPr marL="49901" marR="49901" marT="24950" marB="24950"/>
+                </a:tc>
+                <a:tc>
+                  <a:txBody>
+                    <a:bodyPr/>
+                    <a:lstStyle/>
+                    <a:p>
+                      <a:pPr algn="ctr"/>
+                      <a:r>
+                        <a:rPr lang="en-US" sz="1200" dirty="0">
+                          <a:latin typeface="Lusitana" pitchFamily="2" charset="0"/>
+                        </a:rPr>
+                        <a:t>N (predicted)</a:t>
+                      </a:r>
+                      <a:endParaRPr lang="en-US" sz="1200" dirty="0">
+                        <a:solidFill>
+                          <a:sysClr val="windowText" lastClr="000000"/>
+                        </a:solidFill>
+                        <a:latin typeface="Lusitana" pitchFamily="2" charset="0"/>
+                      </a:endParaRPr>
+                    </a:p>
+                  </a:txBody>
+                  <a:tcPr marL="49901" marR="49901" marT="24950" marB="24950"/>
+                </a:tc>
+                <a:tc>
+                  <a:txBody>
+                    <a:bodyPr/>
+                    <a:lstStyle/>
+                    <a:p>
+                      <a:pPr algn="ctr"/>
+                      <a:r>
+                        <a:rPr lang="en-US" sz="1200" dirty="0">
+                          <a:latin typeface="Lusitana" pitchFamily="2" charset="0"/>
+                        </a:rPr>
+                        <a:t>P (predicted)</a:t>
+                      </a:r>
+                      <a:endParaRPr lang="en-US" sz="1200" dirty="0">
+                        <a:solidFill>
+                          <a:sysClr val="windowText" lastClr="000000"/>
+                        </a:solidFill>
+                        <a:latin typeface="Lusitana" pitchFamily="2" charset="0"/>
+                      </a:endParaRPr>
+                    </a:p>
+                  </a:txBody>
+                  <a:tcPr marL="49901" marR="49901" marT="24950" marB="24950"/>
+                </a:tc>
+                <a:extLst>
+                  <a:ext uri="{0D108BD9-81ED-4DB2-BD59-A6C34878D82A}">
+                    <a16:rowId xmlns:a16="http://schemas.microsoft.com/office/drawing/2014/main" val="2141506907"/>
+                  </a:ext>
+                </a:extLst>
+              </a:tr>
+              <a:tr h="658678">
+                <a:tc>
+                  <a:txBody>
+                    <a:bodyPr/>
+                    <a:lstStyle/>
+                    <a:p>
+                      <a:pPr algn="ctr"/>
+                      <a:r>
+                        <a:rPr lang="en-US" sz="1200" dirty="0">
+                          <a:latin typeface="Lusitana" pitchFamily="2" charset="0"/>
+                        </a:rPr>
+                        <a:t>N (actual)</a:t>
+                      </a:r>
+                      <a:endParaRPr lang="en-US" sz="1200" dirty="0">
+                        <a:solidFill>
+                          <a:sysClr val="windowText" lastClr="000000"/>
+                        </a:solidFill>
+                        <a:latin typeface="Lusitana" pitchFamily="2" charset="0"/>
+                      </a:endParaRPr>
+                    </a:p>
+                  </a:txBody>
+                  <a:tcPr marL="49901" marR="49901" marT="24950" marB="24950"/>
+                </a:tc>
+                <a:tc>
+                  <a:txBody>
+                    <a:bodyPr/>
+                    <a:lstStyle/>
+                    <a:p>
+                      <a:pPr algn="ctr"/>
+                      <a:r>
+                        <a:rPr lang="en-US" sz="1200" dirty="0">
+                          <a:latin typeface="Lusitana" pitchFamily="2" charset="0"/>
+                        </a:rPr>
+                        <a:t>TN = 6665</a:t>
+                      </a:r>
+                      <a:endParaRPr lang="en-US" sz="1200" dirty="0">
+                        <a:solidFill>
+                          <a:sysClr val="windowText" lastClr="000000"/>
+                        </a:solidFill>
+                        <a:latin typeface="Lusitana" pitchFamily="2" charset="0"/>
+                      </a:endParaRPr>
+                    </a:p>
+                  </a:txBody>
+                  <a:tcPr marL="49901" marR="49901" marT="24950" marB="24950"/>
+                </a:tc>
+                <a:tc>
+                  <a:txBody>
+                    <a:bodyPr/>
+                    <a:lstStyle/>
+                    <a:p>
+                      <a:pPr algn="ctr"/>
+                      <a:r>
+                        <a:rPr lang="en-US" sz="1200" dirty="0">
+                          <a:latin typeface="Lusitana" pitchFamily="2" charset="0"/>
+                        </a:rPr>
+                        <a:t>FP = 173</a:t>
+                      </a:r>
+                      <a:endParaRPr lang="en-US" sz="1200" dirty="0">
+                        <a:solidFill>
+                          <a:sysClr val="windowText" lastClr="000000"/>
+                        </a:solidFill>
+                        <a:latin typeface="Lusitana" pitchFamily="2" charset="0"/>
+                      </a:endParaRPr>
+                    </a:p>
+                  </a:txBody>
+                  <a:tcPr marL="49901" marR="49901" marT="24950" marB="24950"/>
+                </a:tc>
+                <a:extLst>
+                  <a:ext uri="{0D108BD9-81ED-4DB2-BD59-A6C34878D82A}">
+                    <a16:rowId xmlns:a16="http://schemas.microsoft.com/office/drawing/2014/main" val="3889698626"/>
+                  </a:ext>
+                </a:extLst>
+              </a:tr>
+              <a:tr h="658678">
+                <a:tc>
+                  <a:txBody>
+                    <a:bodyPr/>
+                    <a:lstStyle/>
+                    <a:p>
+                      <a:pPr algn="ctr"/>
+                      <a:r>
+                        <a:rPr lang="en-US" sz="1200" dirty="0">
+                          <a:latin typeface="Lusitana" pitchFamily="2" charset="0"/>
+                        </a:rPr>
+                        <a:t>P (actual)</a:t>
+                      </a:r>
+                      <a:endParaRPr lang="en-US" sz="1200" dirty="0">
+                        <a:solidFill>
+                          <a:sysClr val="windowText" lastClr="000000"/>
+                        </a:solidFill>
+                        <a:latin typeface="Lusitana" pitchFamily="2" charset="0"/>
+                      </a:endParaRPr>
+                    </a:p>
+                  </a:txBody>
+                  <a:tcPr marL="49901" marR="49901" marT="24950" marB="24950"/>
+                </a:tc>
+                <a:tc>
+                  <a:txBody>
+                    <a:bodyPr/>
+                    <a:lstStyle/>
+                    <a:p>
+                      <a:pPr algn="ctr"/>
+                      <a:r>
+                        <a:rPr lang="en-US" sz="1200" dirty="0">
+                          <a:latin typeface="Lusitana" pitchFamily="2" charset="0"/>
+                        </a:rPr>
+                        <a:t>FN  = 583</a:t>
+                      </a:r>
+                      <a:endParaRPr lang="en-US" sz="1200" dirty="0">
+                        <a:solidFill>
+                          <a:sysClr val="windowText" lastClr="000000"/>
+                        </a:solidFill>
+                        <a:latin typeface="Lusitana" pitchFamily="2" charset="0"/>
+                      </a:endParaRPr>
+                    </a:p>
+                  </a:txBody>
+                  <a:tcPr marL="49901" marR="49901" marT="24950" marB="24950"/>
+                </a:tc>
+                <a:tc>
+                  <a:txBody>
+                    <a:bodyPr/>
+                    <a:lstStyle/>
+                    <a:p>
+                      <a:pPr algn="ctr"/>
+                      <a:r>
+                        <a:rPr lang="en-US" sz="1200" dirty="0">
+                          <a:latin typeface="Lusitana" pitchFamily="2" charset="0"/>
+                        </a:rPr>
+                        <a:t>TP = 1916</a:t>
+                      </a:r>
+                      <a:endParaRPr lang="en-US" sz="1200" dirty="0">
+                        <a:solidFill>
+                          <a:sysClr val="windowText" lastClr="000000"/>
+                        </a:solidFill>
+                        <a:latin typeface="Lusitana" pitchFamily="2" charset="0"/>
+                      </a:endParaRPr>
+                    </a:p>
+                  </a:txBody>
+                  <a:tcPr marL="49901" marR="49901" marT="24950" marB="24950"/>
+                </a:tc>
+                <a:extLst>
+                  <a:ext uri="{0D108BD9-81ED-4DB2-BD59-A6C34878D82A}">
+                    <a16:rowId xmlns:a16="http://schemas.microsoft.com/office/drawing/2014/main" val="3127859206"/>
+                  </a:ext>
+                </a:extLst>
+              </a:tr>
+            </a:tbl>
+          </a:graphicData>
+        </a:graphic>
+      </p:graphicFrame>
+    </p:spTree>
+    <p:extLst>
+      <p:ext uri="{BB962C8B-B14F-4D97-AF65-F5344CB8AC3E}">
+        <p14:creationId xmlns:p14="http://schemas.microsoft.com/office/powerpoint/2010/main" val="2296593351"/>
+      </p:ext>
+    </p:extLst>
+  </p:cSld>
+  <p:clrMapOvr>
+    <a:masterClrMapping/>
+  </p:clrMapOvr>
+</p:sld>
+</file>
+
+<file path=ppt/slides/slide16.xml><?xml version="1.0" encoding="utf-8"?>
+<p:sld xmlns:a="http://schemas.openxmlformats.org/drawingml/2006/main" xmlns:r="http://schemas.openxmlformats.org/officeDocument/2006/relationships" xmlns:p="http://schemas.openxmlformats.org/presentationml/2006/main">
+  <p:cSld>
+    <p:spTree>
+      <p:nvGrpSpPr>
+        <p:cNvPr id="1" name=""/>
+        <p:cNvGrpSpPr/>
+        <p:nvPr/>
+      </p:nvGrpSpPr>
+      <p:grpSpPr>
+        <a:xfrm>
+          <a:off x="0" y="0"/>
+          <a:ext cx="0" cy="0"/>
+          <a:chOff x="0" y="0"/>
+          <a:chExt cx="0" cy="0"/>
+        </a:xfrm>
+      </p:grpSpPr>
+      <p:sp>
+        <p:nvSpPr>
+          <p:cNvPr id="3" name="Title 2">
+            <a:extLst>
+              <a:ext uri="{FF2B5EF4-FFF2-40B4-BE49-F238E27FC236}">
+                <a16:creationId xmlns:a16="http://schemas.microsoft.com/office/drawing/2014/main" id="{89AAC0A9-8A9F-7749-A50C-CD947F888D4F}"/>
+              </a:ext>
+            </a:extLst>
+          </p:cNvPr>
+          <p:cNvSpPr>
+            <a:spLocks noGrp="1"/>
+          </p:cNvSpPr>
+          <p:nvPr>
+            <p:ph type="ctrTitle"/>
+          </p:nvPr>
+        </p:nvSpPr>
+        <p:spPr/>
+        <p:txBody>
+          <a:bodyPr>
+            <a:normAutofit/>
+          </a:bodyPr>
+          <a:lstStyle/>
+          <a:p>
+            <a:r>
+              <a:rPr lang="en-US" sz="4400" dirty="0"/>
+              <a:t>Binary classification on Citrination</a:t>
+            </a:r>
+          </a:p>
+        </p:txBody>
+      </p:sp>
+      <p:sp>
+        <p:nvSpPr>
+          <p:cNvPr id="15" name="TextBox 14">
+            <a:extLst>
+              <a:ext uri="{FF2B5EF4-FFF2-40B4-BE49-F238E27FC236}">
+                <a16:creationId xmlns:a16="http://schemas.microsoft.com/office/drawing/2014/main" id="{1B435456-55CF-2C47-8309-6B1DE370F6D7}"/>
+              </a:ext>
+            </a:extLst>
+          </p:cNvPr>
+          <p:cNvSpPr txBox="1"/>
+          <p:nvPr/>
+        </p:nvSpPr>
+        <p:spPr>
+          <a:xfrm>
+            <a:off x="853441" y="5530777"/>
+            <a:ext cx="3741420" cy="769441"/>
+          </a:xfrm>
+          <a:prstGeom prst="rect">
+            <a:avLst/>
+          </a:prstGeom>
+          <a:noFill/>
+        </p:spPr>
+        <p:txBody>
+          <a:bodyPr wrap="square" rtlCol="0">
+            <a:spAutoFit/>
+          </a:bodyPr>
+          <a:lstStyle/>
+          <a:p>
+            <a:pPr algn="just"/>
+            <a:r>
+              <a:rPr lang="en-US" sz="2200" dirty="0">
+                <a:latin typeface="Lusitana" pitchFamily="2" charset="0"/>
+              </a:rPr>
+              <a:t>Random subset of data (Citrination limit = 4k rows)</a:t>
+            </a:r>
+          </a:p>
+        </p:txBody>
+      </p:sp>
+      <p:pic>
+        <p:nvPicPr>
+          <p:cNvPr id="2" name="Picture 1">
+            <a:extLst>
+              <a:ext uri="{FF2B5EF4-FFF2-40B4-BE49-F238E27FC236}">
+                <a16:creationId xmlns:a16="http://schemas.microsoft.com/office/drawing/2014/main" id="{05259D51-BAEA-BD49-B665-34108359248D}"/>
+              </a:ext>
+            </a:extLst>
+          </p:cNvPr>
+          <p:cNvPicPr>
+            <a:picLocks noChangeAspect="1"/>
+          </p:cNvPicPr>
+          <p:nvPr/>
+        </p:nvPicPr>
+        <p:blipFill>
+          <a:blip r:embed="rId3"/>
+          <a:stretch>
+            <a:fillRect/>
+          </a:stretch>
+        </p:blipFill>
+        <p:spPr>
+          <a:xfrm>
+            <a:off x="853441" y="1822377"/>
+            <a:ext cx="4216400" cy="3708400"/>
+          </a:xfrm>
+          <a:prstGeom prst="rect">
+            <a:avLst/>
+          </a:prstGeom>
+        </p:spPr>
+      </p:pic>
+      <p:grpSp>
+        <p:nvGrpSpPr>
+          <p:cNvPr id="5" name="Group 4">
+            <a:extLst>
+              <a:ext uri="{FF2B5EF4-FFF2-40B4-BE49-F238E27FC236}">
+                <a16:creationId xmlns:a16="http://schemas.microsoft.com/office/drawing/2014/main" id="{0108A45A-8C0B-894C-9CBB-354035B92A6B}"/>
+              </a:ext>
+            </a:extLst>
+          </p:cNvPr>
+          <p:cNvGrpSpPr/>
+          <p:nvPr/>
+        </p:nvGrpSpPr>
+        <p:grpSpPr>
+          <a:xfrm>
+            <a:off x="5563203" y="2002627"/>
+            <a:ext cx="5790598" cy="3912870"/>
+            <a:chOff x="5466080" y="1943100"/>
+            <a:chExt cx="5790598" cy="3912870"/>
+          </a:xfrm>
+        </p:grpSpPr>
+        <p:pic>
+          <p:nvPicPr>
+            <p:cNvPr id="4" name="Picture 3">
+              <a:extLst>
+                <a:ext uri="{FF2B5EF4-FFF2-40B4-BE49-F238E27FC236}">
+                  <a16:creationId xmlns:a16="http://schemas.microsoft.com/office/drawing/2014/main" id="{31332BF2-AFE2-E74A-8EA3-18B6C2028CA2}"/>
+                </a:ext>
+              </a:extLst>
+            </p:cNvPr>
+            <p:cNvPicPr>
+              <a:picLocks noChangeAspect="1"/>
+            </p:cNvPicPr>
+            <p:nvPr/>
+          </p:nvPicPr>
+          <p:blipFill>
+            <a:blip r:embed="rId4"/>
+            <a:stretch>
+              <a:fillRect/>
+            </a:stretch>
+          </p:blipFill>
+          <p:spPr>
+            <a:xfrm>
+              <a:off x="5466080" y="1943100"/>
+              <a:ext cx="5790598" cy="3912870"/>
+            </a:xfrm>
+            <a:prstGeom prst="rect">
+              <a:avLst/>
+            </a:prstGeom>
+          </p:spPr>
+        </p:pic>
+        <p:sp>
+          <p:nvSpPr>
+            <p:cNvPr id="17" name="TextBox 16">
+              <a:extLst>
+                <a:ext uri="{FF2B5EF4-FFF2-40B4-BE49-F238E27FC236}">
+                  <a16:creationId xmlns:a16="http://schemas.microsoft.com/office/drawing/2014/main" id="{DDB3FAD2-3226-9048-B4A6-F50F9FE75BA9}"/>
+                </a:ext>
+              </a:extLst>
+            </p:cNvPr>
+            <p:cNvSpPr txBox="1"/>
+            <p:nvPr/>
+          </p:nvSpPr>
+          <p:spPr>
+            <a:xfrm>
+              <a:off x="7018021" y="4369680"/>
+              <a:ext cx="3741420" cy="430887"/>
+            </a:xfrm>
+            <a:prstGeom prst="rect">
+              <a:avLst/>
+            </a:prstGeom>
+            <a:noFill/>
+          </p:spPr>
+          <p:txBody>
+            <a:bodyPr wrap="square" rtlCol="0">
+              <a:spAutoFit/>
+            </a:bodyPr>
+            <a:lstStyle/>
+            <a:p>
+              <a:pPr algn="just"/>
+              <a:r>
+                <a:rPr lang="en-US" sz="2200" dirty="0">
+                  <a:latin typeface="Lusitana" pitchFamily="2" charset="0"/>
+                </a:rPr>
+                <a:t>AUROC = 0.948</a:t>
+              </a:r>
+            </a:p>
+          </p:txBody>
+        </p:sp>
+      </p:grpSp>
+    </p:spTree>
+    <p:extLst>
+      <p:ext uri="{BB962C8B-B14F-4D97-AF65-F5344CB8AC3E}">
+        <p14:creationId xmlns:p14="http://schemas.microsoft.com/office/powerpoint/2010/main" val="3332289585"/>
+      </p:ext>
+    </p:extLst>
+  </p:cSld>
+  <p:clrMapOvr>
+    <a:masterClrMapping/>
+  </p:clrMapOvr>
+</p:sld>
+</file>
+
+<file path=ppt/slides/slide17.xml><?xml version="1.0" encoding="utf-8"?>
+<p:sld xmlns:a="http://schemas.openxmlformats.org/drawingml/2006/main" xmlns:r="http://schemas.openxmlformats.org/officeDocument/2006/relationships" xmlns:p="http://schemas.openxmlformats.org/presentationml/2006/main">
+  <p:cSld>
+    <p:spTree>
+      <p:nvGrpSpPr>
+        <p:cNvPr id="1" name=""/>
+        <p:cNvGrpSpPr/>
+        <p:nvPr/>
+      </p:nvGrpSpPr>
+      <p:grpSpPr>
+        <a:xfrm>
+          <a:off x="0" y="0"/>
+          <a:ext cx="0" cy="0"/>
+          <a:chOff x="0" y="0"/>
+          <a:chExt cx="0" cy="0"/>
+        </a:xfrm>
+      </p:grpSpPr>
+      <p:sp>
+        <p:nvSpPr>
+          <p:cNvPr id="3" name="Title 2">
+            <a:extLst>
+              <a:ext uri="{FF2B5EF4-FFF2-40B4-BE49-F238E27FC236}">
+                <a16:creationId xmlns:a16="http://schemas.microsoft.com/office/drawing/2014/main" id="{89AAC0A9-8A9F-7749-A50C-CD947F888D4F}"/>
+              </a:ext>
+            </a:extLst>
+          </p:cNvPr>
+          <p:cNvSpPr>
+            <a:spLocks noGrp="1"/>
+          </p:cNvSpPr>
+          <p:nvPr>
+            <p:ph type="ctrTitle"/>
+          </p:nvPr>
+        </p:nvSpPr>
+        <p:spPr/>
+        <p:txBody>
+          <a:bodyPr>
+            <a:normAutofit/>
+          </a:bodyPr>
+          <a:lstStyle/>
+          <a:p>
+            <a:r>
+              <a:rPr lang="en-US" sz="4400" dirty="0"/>
+              <a:t>Baseline accuracy</a:t>
+            </a:r>
+          </a:p>
+        </p:txBody>
+      </p:sp>
+      <p:sp>
+        <p:nvSpPr>
+          <p:cNvPr id="24" name="TextBox 23">
+            <a:extLst>
+              <a:ext uri="{FF2B5EF4-FFF2-40B4-BE49-F238E27FC236}">
+                <a16:creationId xmlns:a16="http://schemas.microsoft.com/office/drawing/2014/main" id="{EEB525A5-5207-8D47-A0AC-BB8BA3E60A37}"/>
+              </a:ext>
+            </a:extLst>
+          </p:cNvPr>
+          <p:cNvSpPr txBox="1"/>
+          <p:nvPr/>
+        </p:nvSpPr>
+        <p:spPr>
+          <a:xfrm>
+            <a:off x="7736866" y="2198617"/>
+            <a:ext cx="3390917" cy="769441"/>
+          </a:xfrm>
+          <a:prstGeom prst="rect">
+            <a:avLst/>
+          </a:prstGeom>
+          <a:noFill/>
+        </p:spPr>
+        <p:txBody>
+          <a:bodyPr wrap="square" rtlCol="0">
+            <a:spAutoFit/>
+          </a:bodyPr>
+          <a:lstStyle/>
+          <a:p>
+            <a:pPr algn="just"/>
+            <a:r>
+              <a:rPr lang="en-US" sz="2200" dirty="0">
+                <a:latin typeface="Lusitana" pitchFamily="2" charset="0"/>
+              </a:rPr>
+              <a:t>Classifying all binaries as unstable = 88%</a:t>
+            </a:r>
+          </a:p>
+        </p:txBody>
+      </p:sp>
+      <p:pic>
+        <p:nvPicPr>
+          <p:cNvPr id="2" name="Picture 1">
+            <a:extLst>
+              <a:ext uri="{FF2B5EF4-FFF2-40B4-BE49-F238E27FC236}">
+                <a16:creationId xmlns:a16="http://schemas.microsoft.com/office/drawing/2014/main" id="{7702B914-0232-6040-BDC6-F1B36D9008EB}"/>
+              </a:ext>
+            </a:extLst>
+          </p:cNvPr>
+          <p:cNvPicPr>
+            <a:picLocks noChangeAspect="1"/>
+          </p:cNvPicPr>
+          <p:nvPr/>
+        </p:nvPicPr>
+        <p:blipFill>
+          <a:blip r:embed="rId3"/>
+          <a:stretch>
+            <a:fillRect/>
+          </a:stretch>
+        </p:blipFill>
+        <p:spPr>
+          <a:xfrm>
+            <a:off x="707740" y="1999636"/>
+            <a:ext cx="4246256" cy="1320264"/>
+          </a:xfrm>
+          <a:prstGeom prst="rect">
+            <a:avLst/>
+          </a:prstGeom>
+          <a:ln>
+            <a:solidFill>
+              <a:schemeClr val="tx1"/>
+            </a:solidFill>
+          </a:ln>
+        </p:spPr>
+      </p:pic>
+      <mc:AlternateContent xmlns:mc="http://schemas.openxmlformats.org/markup-compatibility/2006">
+        <mc:Choice xmlns:a14="http://schemas.microsoft.com/office/drawing/2010/main" Requires="a14">
+          <p:sp>
+            <p:nvSpPr>
+              <p:cNvPr id="12" name="TextBox 11">
+                <a:extLst>
+                  <a:ext uri="{FF2B5EF4-FFF2-40B4-BE49-F238E27FC236}">
+                    <a16:creationId xmlns:a16="http://schemas.microsoft.com/office/drawing/2014/main" id="{3794BDA5-446F-C84E-B86F-AEA801EEB02B}"/>
+                  </a:ext>
+                </a:extLst>
+              </p:cNvPr>
+              <p:cNvSpPr txBox="1"/>
+              <p:nvPr/>
+            </p:nvSpPr>
+            <p:spPr>
+              <a:xfrm>
+                <a:off x="5349240" y="2351094"/>
+                <a:ext cx="2057586" cy="616964"/>
+              </a:xfrm>
+              <a:prstGeom prst="rect">
+                <a:avLst/>
+              </a:prstGeom>
+              <a:noFill/>
+            </p:spPr>
+            <p:txBody>
+              <a:bodyPr wrap="square" rtlCol="0">
+                <a:spAutoFit/>
+              </a:bodyPr>
+              <a:lstStyle/>
+              <a:p>
+                <a14:m>
+                  <m:oMath xmlns:m="http://schemas.openxmlformats.org/officeDocument/2006/math">
+                    <m:f>
+                      <m:fPr>
+                        <m:ctrlPr>
+                          <a:rPr lang="en-US" sz="2400" i="1" smtClean="0">
+                            <a:latin typeface="Cambria Math" panose="02040503050406030204" pitchFamily="18" charset="0"/>
+                          </a:rPr>
+                        </m:ctrlPr>
+                      </m:fPr>
+                      <m:num>
+                        <m:r>
+                          <a:rPr lang="en-US" sz="2400" b="0" i="1" smtClean="0">
+                            <a:latin typeface="Cambria Math" panose="02040503050406030204" pitchFamily="18" charset="0"/>
+                          </a:rPr>
+                          <m:t>18999</m:t>
+                        </m:r>
+                      </m:num>
+                      <m:den>
+                        <m:r>
+                          <a:rPr lang="en-US" sz="2400" b="0" i="1" smtClean="0">
+                            <a:latin typeface="Cambria Math" panose="02040503050406030204" pitchFamily="18" charset="0"/>
+                          </a:rPr>
+                          <m:t>21571</m:t>
+                        </m:r>
+                      </m:den>
+                    </m:f>
+                  </m:oMath>
+                </a14:m>
+                <a:r>
+                  <a:rPr lang="en-US" sz="2400" dirty="0"/>
+                  <a:t> = 0.88</a:t>
+                </a:r>
+              </a:p>
+            </p:txBody>
+          </p:sp>
+        </mc:Choice>
+        <mc:Fallback>
+          <p:sp>
+            <p:nvSpPr>
+              <p:cNvPr id="12" name="TextBox 11">
+                <a:extLst>
+                  <a:ext uri="{FF2B5EF4-FFF2-40B4-BE49-F238E27FC236}">
+                    <a16:creationId xmlns:a16="http://schemas.microsoft.com/office/drawing/2014/main" id="{3794BDA5-446F-C84E-B86F-AEA801EEB02B}"/>
+                  </a:ext>
+                </a:extLst>
+              </p:cNvPr>
+              <p:cNvSpPr txBox="1">
+                <a:spLocks noRot="1" noChangeAspect="1" noMove="1" noResize="1" noEditPoints="1" noAdjustHandles="1" noChangeArrowheads="1" noChangeShapeType="1" noTextEdit="1"/>
+              </p:cNvSpPr>
+              <p:nvPr/>
+            </p:nvSpPr>
+            <p:spPr>
+              <a:xfrm>
+                <a:off x="5349240" y="2351094"/>
+                <a:ext cx="2057586" cy="616964"/>
+              </a:xfrm>
+              <a:prstGeom prst="rect">
+                <a:avLst/>
+              </a:prstGeom>
+              <a:blipFill>
+                <a:blip r:embed="rId4"/>
+                <a:stretch>
+                  <a:fillRect b="-8000"/>
+                </a:stretch>
+              </a:blipFill>
+            </p:spPr>
+            <p:txBody>
+              <a:bodyPr/>
+              <a:lstStyle/>
+              <a:p>
+                <a:r>
+                  <a:rPr lang="en-US">
+                    <a:noFill/>
+                  </a:rPr>
+                  <a:t> </a:t>
+                </a:r>
+              </a:p>
+            </p:txBody>
+          </p:sp>
+        </mc:Fallback>
+      </mc:AlternateContent>
+      <p:pic>
+        <p:nvPicPr>
+          <p:cNvPr id="6" name="Picture 5">
+            <a:extLst>
+              <a:ext uri="{FF2B5EF4-FFF2-40B4-BE49-F238E27FC236}">
+                <a16:creationId xmlns:a16="http://schemas.microsoft.com/office/drawing/2014/main" id="{B1D4FA55-FEE6-D74B-843E-A68D2D0CFDBF}"/>
+              </a:ext>
+            </a:extLst>
+          </p:cNvPr>
+          <p:cNvPicPr>
+            <a:picLocks noChangeAspect="1"/>
+          </p:cNvPicPr>
+          <p:nvPr/>
+        </p:nvPicPr>
+        <p:blipFill>
+          <a:blip r:embed="rId5"/>
+          <a:stretch>
+            <a:fillRect/>
+          </a:stretch>
+        </p:blipFill>
+        <p:spPr>
+          <a:xfrm>
+            <a:off x="793688" y="4229529"/>
+            <a:ext cx="4074360" cy="1320263"/>
+          </a:xfrm>
+          <a:prstGeom prst="rect">
+            <a:avLst/>
+          </a:prstGeom>
+          <a:ln>
+            <a:solidFill>
+              <a:schemeClr val="tx1"/>
+            </a:solidFill>
+          </a:ln>
+        </p:spPr>
+      </p:pic>
+      <mc:AlternateContent xmlns:mc="http://schemas.openxmlformats.org/markup-compatibility/2006">
+        <mc:Choice xmlns:a14="http://schemas.microsoft.com/office/drawing/2010/main" Requires="a14">
+          <p:sp>
+            <p:nvSpPr>
+              <p:cNvPr id="15" name="TextBox 14">
+                <a:extLst>
+                  <a:ext uri="{FF2B5EF4-FFF2-40B4-BE49-F238E27FC236}">
+                    <a16:creationId xmlns:a16="http://schemas.microsoft.com/office/drawing/2014/main" id="{F9541EFC-EA21-5643-8EDD-A54DA7EBF4B3}"/>
+                  </a:ext>
+                </a:extLst>
+              </p:cNvPr>
+              <p:cNvSpPr txBox="1"/>
+              <p:nvPr/>
+            </p:nvSpPr>
+            <p:spPr>
+              <a:xfrm>
+                <a:off x="5266367" y="4581178"/>
+                <a:ext cx="3645158" cy="616964"/>
+              </a:xfrm>
+              <a:prstGeom prst="rect">
+                <a:avLst/>
+              </a:prstGeom>
+              <a:noFill/>
+            </p:spPr>
+            <p:txBody>
+              <a:bodyPr wrap="square" rtlCol="0">
+                <a:spAutoFit/>
+              </a:bodyPr>
+              <a:lstStyle/>
+              <a:p>
+                <a14:m>
+                  <m:oMath xmlns:m="http://schemas.openxmlformats.org/officeDocument/2006/math">
+                    <m:f>
+                      <m:fPr>
+                        <m:ctrlPr>
+                          <a:rPr lang="en-US" sz="2400" i="1" smtClean="0">
+                            <a:latin typeface="Cambria Math" panose="02040503050406030204" pitchFamily="18" charset="0"/>
+                          </a:rPr>
+                        </m:ctrlPr>
+                      </m:fPr>
+                      <m:num>
+                        <m:r>
+                          <a:rPr lang="en-US" sz="2400" b="0" i="1" smtClean="0">
+                            <a:latin typeface="Cambria Math" panose="02040503050406030204" pitchFamily="18" charset="0"/>
+                          </a:rPr>
+                          <m:t>21571−4</m:t>
+                        </m:r>
+                      </m:num>
+                      <m:den>
+                        <m:r>
+                          <a:rPr lang="en-US" sz="2400" b="0" i="1" smtClean="0">
+                            <a:latin typeface="Cambria Math" panose="02040503050406030204" pitchFamily="18" charset="0"/>
+                          </a:rPr>
+                          <m:t>21571</m:t>
+                        </m:r>
+                      </m:den>
+                    </m:f>
+                  </m:oMath>
+                </a14:m>
+                <a:r>
+                  <a:rPr lang="en-US" sz="2400" dirty="0"/>
+                  <a:t> = 0.99</a:t>
+                </a:r>
+              </a:p>
+            </p:txBody>
+          </p:sp>
+        </mc:Choice>
+        <mc:Fallback>
+          <p:sp>
+            <p:nvSpPr>
+              <p:cNvPr id="15" name="TextBox 14">
+                <a:extLst>
+                  <a:ext uri="{FF2B5EF4-FFF2-40B4-BE49-F238E27FC236}">
+                    <a16:creationId xmlns:a16="http://schemas.microsoft.com/office/drawing/2014/main" id="{F9541EFC-EA21-5643-8EDD-A54DA7EBF4B3}"/>
+                  </a:ext>
+                </a:extLst>
+              </p:cNvPr>
+              <p:cNvSpPr txBox="1">
+                <a:spLocks noRot="1" noChangeAspect="1" noMove="1" noResize="1" noEditPoints="1" noAdjustHandles="1" noChangeArrowheads="1" noChangeShapeType="1" noTextEdit="1"/>
+              </p:cNvSpPr>
+              <p:nvPr/>
+            </p:nvSpPr>
+            <p:spPr>
+              <a:xfrm>
+                <a:off x="5266367" y="4581178"/>
+                <a:ext cx="3645158" cy="616964"/>
+              </a:xfrm>
+              <a:prstGeom prst="rect">
+                <a:avLst/>
+              </a:prstGeom>
+              <a:blipFill>
+                <a:blip r:embed="rId6"/>
+                <a:stretch>
+                  <a:fillRect b="-10204"/>
+                </a:stretch>
+              </a:blipFill>
+            </p:spPr>
+            <p:txBody>
+              <a:bodyPr/>
+              <a:lstStyle/>
+              <a:p>
+                <a:r>
+                  <a:rPr lang="en-US">
+                    <a:noFill/>
+                  </a:rPr>
+                  <a:t> </a:t>
+                </a:r>
+              </a:p>
+            </p:txBody>
+          </p:sp>
+        </mc:Fallback>
+      </mc:AlternateContent>
+      <p:sp>
+        <p:nvSpPr>
+          <p:cNvPr id="17" name="TextBox 16">
+            <a:extLst>
+              <a:ext uri="{FF2B5EF4-FFF2-40B4-BE49-F238E27FC236}">
+                <a16:creationId xmlns:a16="http://schemas.microsoft.com/office/drawing/2014/main" id="{E0E1B6F9-C54C-8D43-BC90-6409CB334E28}"/>
+              </a:ext>
+            </a:extLst>
+          </p:cNvPr>
+          <p:cNvSpPr txBox="1"/>
+          <p:nvPr/>
+        </p:nvSpPr>
+        <p:spPr>
+          <a:xfrm>
+            <a:off x="7962884" y="4674216"/>
+            <a:ext cx="3390917" cy="430887"/>
+          </a:xfrm>
+          <a:prstGeom prst="rect">
+            <a:avLst/>
+          </a:prstGeom>
+          <a:noFill/>
+        </p:spPr>
+        <p:txBody>
+          <a:bodyPr wrap="square" rtlCol="0">
+            <a:spAutoFit/>
+          </a:bodyPr>
+          <a:lstStyle/>
+          <a:p>
+            <a:pPr algn="just"/>
+            <a:r>
+              <a:rPr lang="en-US" sz="2200" dirty="0">
+                <a:latin typeface="Lusitana" pitchFamily="2" charset="0"/>
+              </a:rPr>
+              <a:t>Random forest</a:t>
+            </a:r>
+          </a:p>
+        </p:txBody>
+      </p:sp>
+    </p:spTree>
+    <p:extLst>
+      <p:ext uri="{BB962C8B-B14F-4D97-AF65-F5344CB8AC3E}">
+        <p14:creationId xmlns:p14="http://schemas.microsoft.com/office/powerpoint/2010/main" val="1640361790"/>
+      </p:ext>
+    </p:extLst>
+  </p:cSld>
+  <p:clrMapOvr>
+    <a:masterClrMapping/>
+  </p:clrMapOvr>
+</p:sld>
+</file>
+
+<file path=ppt/slides/slide18.xml><?xml version="1.0" encoding="utf-8"?>
+<p:sld xmlns:a="http://schemas.openxmlformats.org/drawingml/2006/main" xmlns:r="http://schemas.openxmlformats.org/officeDocument/2006/relationships" xmlns:p="http://schemas.openxmlformats.org/presentationml/2006/main">
+  <p:cSld>
+    <p:spTree>
+      <p:nvGrpSpPr>
+        <p:cNvPr id="1" name=""/>
+        <p:cNvGrpSpPr/>
+        <p:nvPr/>
+      </p:nvGrpSpPr>
+      <p:grpSpPr>
+        <a:xfrm>
+          <a:off x="0" y="0"/>
+          <a:ext cx="0" cy="0"/>
+          <a:chOff x="0" y="0"/>
+          <a:chExt cx="0" cy="0"/>
+        </a:xfrm>
+      </p:grpSpPr>
+      <p:sp>
+        <p:nvSpPr>
+          <p:cNvPr id="3" name="Title 2">
+            <a:extLst>
+              <a:ext uri="{FF2B5EF4-FFF2-40B4-BE49-F238E27FC236}">
+                <a16:creationId xmlns:a16="http://schemas.microsoft.com/office/drawing/2014/main" id="{89AAC0A9-8A9F-7749-A50C-CD947F888D4F}"/>
+              </a:ext>
+            </a:extLst>
+          </p:cNvPr>
+          <p:cNvSpPr>
+            <a:spLocks noGrp="1"/>
+          </p:cNvSpPr>
+          <p:nvPr>
+            <p:ph type="ctrTitle"/>
+          </p:nvPr>
+        </p:nvSpPr>
+        <p:spPr/>
+        <p:txBody>
+          <a:bodyPr>
+            <a:normAutofit/>
+          </a:bodyPr>
+          <a:lstStyle/>
+          <a:p>
+            <a:r>
+              <a:rPr lang="en-US" sz="4400" dirty="0"/>
+              <a:t>Addressing class imbalance</a:t>
+            </a:r>
+          </a:p>
+        </p:txBody>
+      </p:sp>
+      <p:sp>
+        <p:nvSpPr>
+          <p:cNvPr id="9" name="Rectangle 8">
+            <a:extLst>
+              <a:ext uri="{FF2B5EF4-FFF2-40B4-BE49-F238E27FC236}">
+                <a16:creationId xmlns:a16="http://schemas.microsoft.com/office/drawing/2014/main" id="{4F873BEC-1733-B643-98CF-B849CB700178}"/>
+              </a:ext>
+            </a:extLst>
+          </p:cNvPr>
+          <p:cNvSpPr/>
+          <p:nvPr/>
+        </p:nvSpPr>
+        <p:spPr>
+          <a:xfrm>
+            <a:off x="745086" y="4409725"/>
+            <a:ext cx="5866991" cy="523220"/>
+          </a:xfrm>
+          <a:prstGeom prst="rect">
+            <a:avLst/>
+          </a:prstGeom>
+        </p:spPr>
+        <p:txBody>
+          <a:bodyPr wrap="square">
+            <a:spAutoFit/>
+          </a:bodyPr>
+          <a:lstStyle/>
+          <a:p>
+            <a:r>
+              <a:rPr lang="en-US" sz="1400" dirty="0">
+                <a:solidFill>
+                  <a:srgbClr val="222222"/>
+                </a:solidFill>
+                <a:latin typeface="Lusitana" pitchFamily="2" charset="0"/>
+              </a:rPr>
+              <a:t>Lever, J., </a:t>
+            </a:r>
+            <a:r>
+              <a:rPr lang="en-US" sz="1400" dirty="0" err="1">
+                <a:solidFill>
+                  <a:srgbClr val="222222"/>
+                </a:solidFill>
+                <a:latin typeface="Lusitana" pitchFamily="2" charset="0"/>
+              </a:rPr>
+              <a:t>Krzywinski</a:t>
+            </a:r>
+            <a:r>
+              <a:rPr lang="en-US" sz="1400" dirty="0">
+                <a:solidFill>
+                  <a:srgbClr val="222222"/>
+                </a:solidFill>
+                <a:latin typeface="Lusitana" pitchFamily="2" charset="0"/>
+              </a:rPr>
+              <a:t>, M., &amp; Altman, N. (2016). Points of significance: classification evaluation.</a:t>
+            </a:r>
+            <a:endParaRPr lang="en-US" sz="1400" dirty="0">
+              <a:latin typeface="Lusitana" pitchFamily="2" charset="0"/>
+            </a:endParaRPr>
+          </a:p>
+        </p:txBody>
+      </p:sp>
+      <p:pic>
+        <p:nvPicPr>
+          <p:cNvPr id="10" name="Picture 9">
+            <a:extLst>
+              <a:ext uri="{FF2B5EF4-FFF2-40B4-BE49-F238E27FC236}">
+                <a16:creationId xmlns:a16="http://schemas.microsoft.com/office/drawing/2014/main" id="{A03F3C28-EF64-274B-88FA-10B51CDB8767}"/>
+              </a:ext>
+            </a:extLst>
+          </p:cNvPr>
+          <p:cNvPicPr>
+            <a:picLocks noChangeAspect="1"/>
+          </p:cNvPicPr>
+          <p:nvPr/>
+        </p:nvPicPr>
+        <p:blipFill>
+          <a:blip r:embed="rId3"/>
+          <a:stretch>
+            <a:fillRect/>
+          </a:stretch>
+        </p:blipFill>
+        <p:spPr>
+          <a:xfrm>
+            <a:off x="826959" y="1682864"/>
+            <a:ext cx="3775649" cy="2467985"/>
+          </a:xfrm>
+          <a:prstGeom prst="rect">
+            <a:avLst/>
+          </a:prstGeom>
+          <a:ln>
+            <a:solidFill>
+              <a:schemeClr val="tx1"/>
+            </a:solidFill>
+          </a:ln>
+        </p:spPr>
+      </p:pic>
+      <p:pic>
+        <p:nvPicPr>
+          <p:cNvPr id="11" name="Picture 10">
+            <a:extLst>
+              <a:ext uri="{FF2B5EF4-FFF2-40B4-BE49-F238E27FC236}">
+                <a16:creationId xmlns:a16="http://schemas.microsoft.com/office/drawing/2014/main" id="{AF1119D4-F104-424B-BDE9-B849F6646F87}"/>
+              </a:ext>
+            </a:extLst>
+          </p:cNvPr>
+          <p:cNvPicPr>
+            <a:picLocks noChangeAspect="1"/>
+          </p:cNvPicPr>
+          <p:nvPr/>
+        </p:nvPicPr>
+        <p:blipFill>
+          <a:blip r:embed="rId4"/>
+          <a:stretch>
+            <a:fillRect/>
+          </a:stretch>
+        </p:blipFill>
+        <p:spPr>
+          <a:xfrm>
+            <a:off x="4751880" y="1646028"/>
+            <a:ext cx="3720395" cy="2541656"/>
+          </a:xfrm>
+          <a:prstGeom prst="rect">
+            <a:avLst/>
+          </a:prstGeom>
+          <a:ln>
+            <a:solidFill>
+              <a:schemeClr val="tx1"/>
+            </a:solidFill>
+          </a:ln>
+        </p:spPr>
+      </p:pic>
+    </p:spTree>
+    <p:extLst>
+      <p:ext uri="{BB962C8B-B14F-4D97-AF65-F5344CB8AC3E}">
+        <p14:creationId xmlns:p14="http://schemas.microsoft.com/office/powerpoint/2010/main" val="3769064964"/>
+      </p:ext>
+    </p:extLst>
+  </p:cSld>
+  <p:clrMapOvr>
+    <a:masterClrMapping/>
+  </p:clrMapOvr>
+</p:sld>
+</file>
+
+<file path=ppt/slides/slide19.xml><?xml version="1.0" encoding="utf-8"?>
 <p:sld xmlns:a="http://schemas.openxmlformats.org/drawingml/2006/main" xmlns:r="http://schemas.openxmlformats.org/officeDocument/2006/relationships" xmlns:p="http://schemas.openxmlformats.org/presentationml/2006/main">
   <p:cSld>
     <p:spTree>
@@ -7144,7 +11817,7 @@
 </p:sld>
 </file>
 
-<file path=ppt/slides/slide11.xml><?xml version="1.0" encoding="utf-8"?>
+<file path=ppt/slides/slide2.xml><?xml version="1.0" encoding="utf-8"?>
 <p:sld xmlns:a="http://schemas.openxmlformats.org/drawingml/2006/main" xmlns:r="http://schemas.openxmlformats.org/officeDocument/2006/relationships" xmlns:p="http://schemas.openxmlformats.org/presentationml/2006/main">
   <p:cSld>
     <p:spTree>
@@ -7163,13 +11836,7 @@
       </p:grpSpPr>
       <p:sp>
         <p:nvSpPr>
-          <p:cNvPr id="3" name="Title 2">
-            <a:extLst>
-              <a:ext uri="{FF2B5EF4-FFF2-40B4-BE49-F238E27FC236}">
-                <a16:creationId xmlns:a16="http://schemas.microsoft.com/office/drawing/2014/main" id="{89AAC0A9-8A9F-7749-A50C-CD947F888D4F}"/>
-              </a:ext>
-            </a:extLst>
-          </p:cNvPr>
+          <p:cNvPr id="2" name="Title 1"/>
           <p:cNvSpPr>
             <a:spLocks noGrp="1"/>
           </p:cNvSpPr>
@@ -7177,84 +11844,84 @@
             <p:ph type="ctrTitle"/>
           </p:nvPr>
         </p:nvSpPr>
-        <p:spPr/>
-        <p:txBody>
-          <a:bodyPr>
-            <a:normAutofit/>
+        <p:spPr>
+          <a:xfrm>
+            <a:off x="609599" y="609600"/>
+            <a:ext cx="7038110" cy="3652434"/>
+          </a:xfrm>
+        </p:spPr>
+        <p:txBody>
+          <a:bodyPr/>
+          <a:lstStyle/>
+          <a:p>
+            <a:r>
+              <a:rPr lang="en-US" dirty="0"/>
+              <a:t>Predicting the formation of binary compounds using machine learning</a:t>
+            </a:r>
+          </a:p>
+        </p:txBody>
+      </p:sp>
+      <p:sp>
+        <p:nvSpPr>
+          <p:cNvPr id="3" name="Text Placeholder 2"/>
+          <p:cNvSpPr>
+            <a:spLocks noGrp="1"/>
+          </p:cNvSpPr>
+          <p:nvPr>
+            <p:ph type="body" sz="quarter" idx="10"/>
+          </p:nvPr>
+        </p:nvSpPr>
+        <p:spPr>
+          <a:xfrm>
+            <a:off x="8423022" y="5562600"/>
+            <a:ext cx="3437508" cy="441960"/>
+          </a:xfrm>
+        </p:spPr>
+        <p:txBody>
+          <a:bodyPr anchor="t">
+            <a:noAutofit/>
           </a:bodyPr>
           <a:lstStyle/>
           <a:p>
             <a:r>
-              <a:rPr lang="en-US" sz="4400" dirty="0"/>
-              <a:t>Choosing a machine learning algorithm</a:t>
-            </a:r>
-          </a:p>
-        </p:txBody>
-      </p:sp>
-      <p:sp>
-        <p:nvSpPr>
-          <p:cNvPr id="16" name="TextBox 15">
-            <a:extLst>
-              <a:ext uri="{FF2B5EF4-FFF2-40B4-BE49-F238E27FC236}">
-                <a16:creationId xmlns:a16="http://schemas.microsoft.com/office/drawing/2014/main" id="{70F9A51B-FA63-9D4D-B004-D85D4BF7F03C}"/>
-              </a:ext>
-            </a:extLst>
-          </p:cNvPr>
-          <p:cNvSpPr txBox="1"/>
-          <p:nvPr/>
+              <a:rPr lang="en-US" sz="1800" b="1" dirty="0"/>
+              <a:t>Chris Borg, </a:t>
+            </a:r>
+            <a:r>
+              <a:rPr lang="en-US" sz="1800" dirty="0"/>
+              <a:t>Research Scientist</a:t>
+            </a:r>
+          </a:p>
+        </p:txBody>
+      </p:sp>
+      <p:sp>
+        <p:nvSpPr>
+          <p:cNvPr id="4" name="Text Placeholder 3"/>
+          <p:cNvSpPr>
+            <a:spLocks noGrp="1"/>
+          </p:cNvSpPr>
+          <p:nvPr>
+            <p:ph type="body" sz="quarter" idx="11"/>
+          </p:nvPr>
         </p:nvSpPr>
         <p:spPr>
           <a:xfrm>
-            <a:off x="703627" y="1624829"/>
-            <a:ext cx="10650173" cy="1785104"/>
+            <a:off x="609599" y="5562600"/>
+            <a:ext cx="3122142" cy="430213"/>
           </a:xfrm>
-          <a:prstGeom prst="rect">
-            <a:avLst/>
-          </a:prstGeom>
-          <a:noFill/>
         </p:spPr>
         <p:txBody>
-          <a:bodyPr wrap="square" rtlCol="0">
-            <a:spAutoFit/>
+          <a:bodyPr>
+            <a:noAutofit/>
           </a:bodyPr>
           <a:lstStyle/>
           <a:p>
-            <a:pPr algn="just"/>
-            <a:r>
-              <a:rPr lang="en-US" sz="2200" dirty="0">
-                <a:latin typeface="Lusitana" pitchFamily="2" charset="0"/>
-              </a:rPr>
-              <a:t>Classification:</a:t>
-            </a:r>
-          </a:p>
-          <a:p>
-            <a:pPr algn="just"/>
-            <a:endParaRPr lang="en-US" sz="2200" dirty="0">
-              <a:latin typeface="Lusitana" pitchFamily="2" charset="0"/>
-            </a:endParaRPr>
-          </a:p>
-          <a:p>
-            <a:pPr algn="just"/>
-            <a:r>
-              <a:rPr lang="en-US" sz="2200" dirty="0">
-                <a:latin typeface="Lusitana" pitchFamily="2" charset="0"/>
-              </a:rPr>
-              <a:t>1. Random forest</a:t>
-            </a:r>
-          </a:p>
-          <a:p>
-            <a:pPr algn="just"/>
-            <a:endParaRPr lang="en-US" sz="2200" dirty="0">
-              <a:latin typeface="Lusitana" pitchFamily="2" charset="0"/>
-            </a:endParaRPr>
-          </a:p>
-          <a:p>
-            <a:pPr algn="just"/>
-            <a:r>
-              <a:rPr lang="en-US" sz="2200" dirty="0">
-                <a:latin typeface="Lusitana" pitchFamily="2" charset="0"/>
-              </a:rPr>
-              <a:t>2. Logistic regression</a:t>
+            <a:endParaRPr lang="en-US" sz="2000" dirty="0"/>
+          </a:p>
+          <a:p>
+            <a:r>
+              <a:rPr lang="en-US" sz="2000" dirty="0"/>
+              <a:t>5 September 2019</a:t>
             </a:r>
           </a:p>
         </p:txBody>
@@ -7262,7 +11929,7 @@
     </p:spTree>
     <p:extLst>
       <p:ext uri="{BB962C8B-B14F-4D97-AF65-F5344CB8AC3E}">
-        <p14:creationId xmlns:p14="http://schemas.microsoft.com/office/powerpoint/2010/main" val="2300932974"/>
+        <p14:creationId xmlns:p14="http://schemas.microsoft.com/office/powerpoint/2010/main" val="1868553046"/>
       </p:ext>
     </p:extLst>
   </p:cSld>
@@ -7272,7 +11939,7 @@
 </p:sld>
 </file>
 
-<file path=ppt/slides/slide12.xml><?xml version="1.0" encoding="utf-8"?>
+<file path=ppt/slides/slide20.xml><?xml version="1.0" encoding="utf-8"?>
 <p:sld xmlns:a="http://schemas.openxmlformats.org/drawingml/2006/main" xmlns:r="http://schemas.openxmlformats.org/officeDocument/2006/relationships" xmlns:p="http://schemas.openxmlformats.org/presentationml/2006/main">
   <p:cSld>
     <p:spTree>
@@ -7314,104 +11981,6 @@
           <a:p>
             <a:r>
               <a:rPr lang="en-US" sz="4400" dirty="0"/>
-              <a:t>Important features</a:t>
-            </a:r>
-          </a:p>
-        </p:txBody>
-      </p:sp>
-      <p:sp>
-        <p:nvSpPr>
-          <p:cNvPr id="16" name="TextBox 15">
-            <a:extLst>
-              <a:ext uri="{FF2B5EF4-FFF2-40B4-BE49-F238E27FC236}">
-                <a16:creationId xmlns:a16="http://schemas.microsoft.com/office/drawing/2014/main" id="{70F9A51B-FA63-9D4D-B004-D85D4BF7F03C}"/>
-              </a:ext>
-            </a:extLst>
-          </p:cNvPr>
-          <p:cNvSpPr txBox="1"/>
-          <p:nvPr/>
-        </p:nvSpPr>
-        <p:spPr>
-          <a:xfrm>
-            <a:off x="703627" y="1624829"/>
-            <a:ext cx="10650173" cy="430887"/>
-          </a:xfrm>
-          <a:prstGeom prst="rect">
-            <a:avLst/>
-          </a:prstGeom>
-          <a:noFill/>
-        </p:spPr>
-        <p:txBody>
-          <a:bodyPr wrap="square" rtlCol="0">
-            <a:spAutoFit/>
-          </a:bodyPr>
-          <a:lstStyle/>
-          <a:p>
-            <a:pPr algn="just"/>
-            <a:r>
-              <a:rPr lang="en-US" sz="2200" dirty="0">
-                <a:latin typeface="Lusitana" pitchFamily="2" charset="0"/>
-              </a:rPr>
-              <a:t>Can we acquire some physically meaningful insights from our featurization method? </a:t>
-            </a:r>
-          </a:p>
-        </p:txBody>
-      </p:sp>
-    </p:spTree>
-    <p:extLst>
-      <p:ext uri="{BB962C8B-B14F-4D97-AF65-F5344CB8AC3E}">
-        <p14:creationId xmlns:p14="http://schemas.microsoft.com/office/powerpoint/2010/main" val="3808824233"/>
-      </p:ext>
-    </p:extLst>
-  </p:cSld>
-  <p:clrMapOvr>
-    <a:masterClrMapping/>
-  </p:clrMapOvr>
-</p:sld>
-</file>
-
-<file path=ppt/slides/slide13.xml><?xml version="1.0" encoding="utf-8"?>
-<p:sld xmlns:a="http://schemas.openxmlformats.org/drawingml/2006/main" xmlns:r="http://schemas.openxmlformats.org/officeDocument/2006/relationships" xmlns:p="http://schemas.openxmlformats.org/presentationml/2006/main">
-  <p:cSld>
-    <p:spTree>
-      <p:nvGrpSpPr>
-        <p:cNvPr id="1" name=""/>
-        <p:cNvGrpSpPr/>
-        <p:nvPr/>
-      </p:nvGrpSpPr>
-      <p:grpSpPr>
-        <a:xfrm>
-          <a:off x="0" y="0"/>
-          <a:ext cx="0" cy="0"/>
-          <a:chOff x="0" y="0"/>
-          <a:chExt cx="0" cy="0"/>
-        </a:xfrm>
-      </p:grpSpPr>
-      <p:sp>
-        <p:nvSpPr>
-          <p:cNvPr id="3" name="Title 2">
-            <a:extLst>
-              <a:ext uri="{FF2B5EF4-FFF2-40B4-BE49-F238E27FC236}">
-                <a16:creationId xmlns:a16="http://schemas.microsoft.com/office/drawing/2014/main" id="{89AAC0A9-8A9F-7749-A50C-CD947F888D4F}"/>
-              </a:ext>
-            </a:extLst>
-          </p:cNvPr>
-          <p:cNvSpPr>
-            <a:spLocks noGrp="1"/>
-          </p:cNvSpPr>
-          <p:nvPr>
-            <p:ph type="ctrTitle"/>
-          </p:nvPr>
-        </p:nvSpPr>
-        <p:spPr/>
-        <p:txBody>
-          <a:bodyPr>
-            <a:normAutofit/>
-          </a:bodyPr>
-          <a:lstStyle/>
-          <a:p>
-            <a:r>
-              <a:rPr lang="en-US" sz="4400" dirty="0"/>
               <a:t>Assess model quality</a:t>
             </a:r>
           </a:p>
@@ -7483,7 +12052,7 @@
 </p:sld>
 </file>
 
-<file path=ppt/slides/slide14.xml><?xml version="1.0" encoding="utf-8"?>
+<file path=ppt/slides/slide21.xml><?xml version="1.0" encoding="utf-8"?>
 <p:sld xmlns:a="http://schemas.openxmlformats.org/drawingml/2006/main" xmlns:r="http://schemas.openxmlformats.org/officeDocument/2006/relationships" xmlns:p="http://schemas.openxmlformats.org/presentationml/2006/main">
   <p:cSld>
     <p:spTree>
@@ -8003,7 +12572,7 @@
 </p:sld>
 </file>
 
-<file path=ppt/slides/slide15.xml><?xml version="1.0" encoding="utf-8"?>
+<file path=ppt/slides/slide22.xml><?xml version="1.0" encoding="utf-8"?>
 <p:sld xmlns:a="http://schemas.openxmlformats.org/drawingml/2006/main" xmlns:r="http://schemas.openxmlformats.org/officeDocument/2006/relationships" xmlns:p="http://schemas.openxmlformats.org/presentationml/2006/main">
   <p:cSld>
     <p:spTree>
@@ -8098,128 +12667,6 @@
 </p:sld>
 </file>
 
-<file path=ppt/slides/slide2.xml><?xml version="1.0" encoding="utf-8"?>
-<p:sld xmlns:a="http://schemas.openxmlformats.org/drawingml/2006/main" xmlns:r="http://schemas.openxmlformats.org/officeDocument/2006/relationships" xmlns:p="http://schemas.openxmlformats.org/presentationml/2006/main">
-  <p:cSld>
-    <p:spTree>
-      <p:nvGrpSpPr>
-        <p:cNvPr id="1" name=""/>
-        <p:cNvGrpSpPr/>
-        <p:nvPr/>
-      </p:nvGrpSpPr>
-      <p:grpSpPr>
-        <a:xfrm>
-          <a:off x="0" y="0"/>
-          <a:ext cx="0" cy="0"/>
-          <a:chOff x="0" y="0"/>
-          <a:chExt cx="0" cy="0"/>
-        </a:xfrm>
-      </p:grpSpPr>
-      <p:sp>
-        <p:nvSpPr>
-          <p:cNvPr id="2" name="Title 1"/>
-          <p:cNvSpPr>
-            <a:spLocks noGrp="1"/>
-          </p:cNvSpPr>
-          <p:nvPr>
-            <p:ph type="ctrTitle"/>
-          </p:nvPr>
-        </p:nvSpPr>
-        <p:spPr>
-          <a:xfrm>
-            <a:off x="609599" y="609600"/>
-            <a:ext cx="7038110" cy="3652434"/>
-          </a:xfrm>
-        </p:spPr>
-        <p:txBody>
-          <a:bodyPr/>
-          <a:lstStyle/>
-          <a:p>
-            <a:r>
-              <a:rPr lang="en-US" dirty="0"/>
-              <a:t>Predicting the formation of binary compounds using machine learning</a:t>
-            </a:r>
-          </a:p>
-        </p:txBody>
-      </p:sp>
-      <p:sp>
-        <p:nvSpPr>
-          <p:cNvPr id="3" name="Text Placeholder 2"/>
-          <p:cNvSpPr>
-            <a:spLocks noGrp="1"/>
-          </p:cNvSpPr>
-          <p:nvPr>
-            <p:ph type="body" sz="quarter" idx="10"/>
-          </p:nvPr>
-        </p:nvSpPr>
-        <p:spPr>
-          <a:xfrm>
-            <a:off x="8423022" y="5562600"/>
-            <a:ext cx="3437508" cy="441960"/>
-          </a:xfrm>
-        </p:spPr>
-        <p:txBody>
-          <a:bodyPr anchor="t">
-            <a:noAutofit/>
-          </a:bodyPr>
-          <a:lstStyle/>
-          <a:p>
-            <a:r>
-              <a:rPr lang="en-US" sz="1800" b="1" dirty="0"/>
-              <a:t>Chris Borg, </a:t>
-            </a:r>
-            <a:r>
-              <a:rPr lang="en-US" sz="1800" dirty="0"/>
-              <a:t>Research Scientist</a:t>
-            </a:r>
-          </a:p>
-        </p:txBody>
-      </p:sp>
-      <p:sp>
-        <p:nvSpPr>
-          <p:cNvPr id="4" name="Text Placeholder 3"/>
-          <p:cNvSpPr>
-            <a:spLocks noGrp="1"/>
-          </p:cNvSpPr>
-          <p:nvPr>
-            <p:ph type="body" sz="quarter" idx="11"/>
-          </p:nvPr>
-        </p:nvSpPr>
-        <p:spPr>
-          <a:xfrm>
-            <a:off x="609599" y="5562600"/>
-            <a:ext cx="3122142" cy="430213"/>
-          </a:xfrm>
-        </p:spPr>
-        <p:txBody>
-          <a:bodyPr>
-            <a:noAutofit/>
-          </a:bodyPr>
-          <a:lstStyle/>
-          <a:p>
-            <a:endParaRPr lang="en-US" sz="2000" dirty="0"/>
-          </a:p>
-          <a:p>
-            <a:r>
-              <a:rPr lang="en-US" sz="2000" dirty="0"/>
-              <a:t>5 September 2019</a:t>
-            </a:r>
-          </a:p>
-        </p:txBody>
-      </p:sp>
-    </p:spTree>
-    <p:extLst>
-      <p:ext uri="{BB962C8B-B14F-4D97-AF65-F5344CB8AC3E}">
-        <p14:creationId xmlns:p14="http://schemas.microsoft.com/office/powerpoint/2010/main" val="1868553046"/>
-      </p:ext>
-    </p:extLst>
-  </p:cSld>
-  <p:clrMapOvr>
-    <a:masterClrMapping/>
-  </p:clrMapOvr>
-</p:sld>
-</file>
-
 <file path=ppt/slides/slide3.xml><?xml version="1.0" encoding="utf-8"?>
 <p:sld xmlns:a="http://schemas.openxmlformats.org/drawingml/2006/main" xmlns:r="http://schemas.openxmlformats.org/officeDocument/2006/relationships" xmlns:p="http://schemas.openxmlformats.org/presentationml/2006/main">
   <p:cSld>
@@ -8281,8 +12728,8 @@
         </p:nvSpPr>
         <p:spPr>
           <a:xfrm>
-            <a:off x="742951" y="1832693"/>
-            <a:ext cx="8153075" cy="2246769"/>
+            <a:off x="1052919" y="1799570"/>
+            <a:ext cx="8153075" cy="3785652"/>
           </a:xfrm>
           <a:prstGeom prst="rect">
             <a:avLst/>
@@ -8296,79 +12743,114 @@
           <a:lstStyle/>
           <a:p>
             <a:r>
+              <a:rPr lang="en-US" sz="2000" b="1" dirty="0">
+                <a:latin typeface="Lusitana" pitchFamily="2" charset="0"/>
+              </a:rPr>
+              <a:t>0.     Is this a good problem for ML?</a:t>
+            </a:r>
+          </a:p>
+          <a:p>
+            <a:endParaRPr lang="en-US" sz="2000" dirty="0">
+              <a:latin typeface="Lusitana" pitchFamily="2" charset="0"/>
+            </a:endParaRPr>
+          </a:p>
+          <a:p>
+            <a:pPr marL="457200" indent="-457200">
+              <a:buAutoNum type="arabicPeriod"/>
+            </a:pPr>
+            <a:r>
+              <a:rPr lang="en-US" sz="2000" b="1" dirty="0">
+                <a:latin typeface="Lusitana" pitchFamily="2" charset="0"/>
+              </a:rPr>
+              <a:t>Data preparation</a:t>
+            </a:r>
+          </a:p>
+          <a:p>
+            <a:pPr marL="457200" indent="-457200">
+              <a:buAutoNum type="arabicPeriod"/>
+            </a:pPr>
+            <a:endParaRPr lang="en-US" sz="2000" dirty="0">
+              <a:latin typeface="Lusitana" pitchFamily="2" charset="0"/>
+            </a:endParaRPr>
+          </a:p>
+          <a:p>
+            <a:pPr marL="457200" indent="-457200">
+              <a:buAutoNum type="arabicPeriod"/>
+            </a:pPr>
+            <a:r>
+              <a:rPr lang="en-US" sz="2000" b="1" dirty="0">
+                <a:latin typeface="Lusitana" pitchFamily="2" charset="0"/>
+              </a:rPr>
+              <a:t>Modeling</a:t>
+            </a:r>
+          </a:p>
+          <a:p>
+            <a:pPr marL="914400" lvl="1" indent="-457200">
+              <a:buFont typeface="+mj-lt"/>
+              <a:buAutoNum type="alphaLcPeriod"/>
+            </a:pPr>
+            <a:r>
               <a:rPr lang="en-US" sz="2000" dirty="0">
                 <a:latin typeface="Lusitana" pitchFamily="2" charset="0"/>
               </a:rPr>
-              <a:t>0.     Is this a good problem for ML?</a:t>
-            </a:r>
+              <a:t>Classification with random forest</a:t>
+            </a:r>
+          </a:p>
+          <a:p>
+            <a:pPr marL="914400" lvl="1" indent="-457200">
+              <a:buAutoNum type="alphaLcPeriod"/>
+            </a:pPr>
+            <a:r>
+              <a:rPr lang="en-US" sz="2000" dirty="0">
+                <a:latin typeface="Lusitana" pitchFamily="2" charset="0"/>
+              </a:rPr>
+              <a:t>Model quality metrics</a:t>
+            </a:r>
+          </a:p>
+          <a:p>
+            <a:pPr lvl="1"/>
+            <a:endParaRPr lang="en-US" sz="2000" dirty="0">
+              <a:latin typeface="Lusitana" pitchFamily="2" charset="0"/>
+            </a:endParaRPr>
           </a:p>
           <a:p>
             <a:pPr marL="457200" indent="-457200">
               <a:buAutoNum type="arabicPeriod"/>
             </a:pPr>
             <a:r>
+              <a:rPr lang="en-US" sz="2000" b="1" dirty="0">
+                <a:latin typeface="Lusitana" pitchFamily="2" charset="0"/>
+              </a:rPr>
+              <a:t>Compare to DFT</a:t>
+            </a:r>
+          </a:p>
+          <a:p>
+            <a:pPr marL="914400" lvl="1" indent="-457200">
+              <a:buFont typeface="+mj-lt"/>
+              <a:buAutoNum type="alphaLcPeriod"/>
+            </a:pPr>
+            <a:r>
               <a:rPr lang="en-US" sz="2000" dirty="0">
                 <a:latin typeface="Lusitana" pitchFamily="2" charset="0"/>
               </a:rPr>
-              <a:t>Data preparation</a:t>
+              <a:t>Model performance vs. “ground-truth”</a:t>
             </a:r>
           </a:p>
           <a:p>
             <a:pPr marL="914400" lvl="1" indent="-457200">
+              <a:buFont typeface="+mj-lt"/>
               <a:buAutoNum type="alphaLcPeriod"/>
             </a:pPr>
-            <a:r>
-              <a:rPr lang="en-US" sz="2000" dirty="0">
-                <a:latin typeface="Lusitana" pitchFamily="2" charset="0"/>
-              </a:rPr>
-              <a:t>Breakout stability vector</a:t>
-            </a:r>
-          </a:p>
-          <a:p>
-            <a:pPr marL="914400" lvl="1" indent="-457200">
-              <a:buAutoNum type="alphaLcPeriod"/>
-            </a:pPr>
-            <a:r>
-              <a:rPr lang="en-US" sz="2000" dirty="0" err="1">
-                <a:latin typeface="Lusitana" pitchFamily="2" charset="0"/>
-              </a:rPr>
-              <a:t>Featurize</a:t>
-            </a:r>
-            <a:r>
-              <a:rPr lang="en-US" sz="2000" dirty="0">
-                <a:latin typeface="Lusitana" pitchFamily="2" charset="0"/>
-              </a:rPr>
-              <a:t> with magpie</a:t>
-            </a:r>
+            <a:endParaRPr lang="en-US" sz="2000" dirty="0">
+              <a:latin typeface="Lusitana" pitchFamily="2" charset="0"/>
+            </a:endParaRPr>
           </a:p>
           <a:p>
             <a:pPr marL="457200" indent="-457200">
               <a:buAutoNum type="arabicPeriod"/>
             </a:pPr>
             <a:r>
-              <a:rPr lang="en-US" sz="2000" dirty="0">
-                <a:latin typeface="Lusitana" pitchFamily="2" charset="0"/>
-              </a:rPr>
-              <a:t>Modeling</a:t>
-            </a:r>
-          </a:p>
-          <a:p>
-            <a:pPr marL="457200" indent="-457200">
-              <a:buAutoNum type="arabicPeriod"/>
-            </a:pPr>
-            <a:r>
-              <a:rPr lang="en-US" sz="2000" dirty="0">
-                <a:latin typeface="Lusitana" pitchFamily="2" charset="0"/>
-              </a:rPr>
-              <a:t>Model quality</a:t>
-            </a:r>
-          </a:p>
-          <a:p>
-            <a:pPr marL="457200" indent="-457200">
-              <a:buAutoNum type="arabicPeriod"/>
-            </a:pPr>
-            <a:r>
-              <a:rPr lang="en-US" sz="2000" dirty="0">
+              <a:rPr lang="en-US" sz="2000" b="1" dirty="0">
                 <a:latin typeface="Lusitana" pitchFamily="2" charset="0"/>
               </a:rPr>
               <a:t>Further considerations</a:t>
@@ -8458,8 +12940,8 @@
         </p:blipFill>
         <p:spPr>
           <a:xfrm>
-            <a:off x="590551" y="1763295"/>
-            <a:ext cx="4761493" cy="3750365"/>
+            <a:off x="616457" y="1616989"/>
+            <a:ext cx="4833928" cy="3807418"/>
           </a:xfrm>
           <a:prstGeom prst="rect">
             <a:avLst/>
@@ -8485,8 +12967,8 @@
         </p:nvSpPr>
         <p:spPr>
           <a:xfrm>
-            <a:off x="5972175" y="4313331"/>
-            <a:ext cx="5381625" cy="830997"/>
+            <a:off x="5969174" y="5389875"/>
+            <a:ext cx="5381625" cy="769441"/>
           </a:xfrm>
           <a:prstGeom prst="rect">
             <a:avLst/>
@@ -8500,7 +12982,7 @@
           <a:lstStyle/>
           <a:p>
             <a:r>
-              <a:rPr lang="en-US" sz="2400" dirty="0">
+              <a:rPr lang="en-US" sz="2200" dirty="0">
                 <a:latin typeface="Lusitana" pitchFamily="2" charset="0"/>
               </a:rPr>
               <a:t>Task: build a machine learning model in python to predict the full stability vector</a:t>
@@ -8522,8 +13004,8 @@
         </p:nvSpPr>
         <p:spPr>
           <a:xfrm>
-            <a:off x="5972175" y="1895434"/>
-            <a:ext cx="5101076" cy="461665"/>
+            <a:off x="6096000" y="3614420"/>
+            <a:ext cx="4701928" cy="430887"/>
           </a:xfrm>
           <a:prstGeom prst="rect">
             <a:avLst/>
@@ -8537,13 +13019,13 @@
           <a:lstStyle/>
           <a:p>
             <a:r>
-              <a:rPr lang="en-US" sz="2400" dirty="0" err="1">
+              <a:rPr lang="en-US" sz="2200" dirty="0" err="1">
                 <a:latin typeface="Lusitana" pitchFamily="2" charset="0"/>
               </a:rPr>
               <a:t>stabilityVec</a:t>
             </a:r>
             <a:r>
-              <a:rPr lang="en-US" sz="2400" dirty="0">
+              <a:rPr lang="en-US" sz="2200" dirty="0">
                 <a:latin typeface="Lusitana" pitchFamily="2" charset="0"/>
               </a:rPr>
               <a:t>: [1, 0, 0, 0, 0, 1, 1, 0, 0, 0, 1]</a:t>
@@ -8565,8 +13047,8 @@
         </p:nvSpPr>
         <p:spPr>
           <a:xfrm>
-            <a:off x="8926211" y="3233336"/>
-            <a:ext cx="2008883" cy="461665"/>
+            <a:off x="8096152" y="4675643"/>
+            <a:ext cx="2746265" cy="430887"/>
           </a:xfrm>
           <a:prstGeom prst="rect">
             <a:avLst/>
@@ -8580,16 +13062,22 @@
           <a:lstStyle/>
           <a:p>
             <a:r>
-              <a:rPr lang="en-US" sz="2400" dirty="0" err="1">
+              <a:rPr lang="en-US" sz="2200" dirty="0">
+                <a:latin typeface="Lusitana" pitchFamily="2" charset="0"/>
+              </a:rPr>
+              <a:t>Na, </a:t>
+            </a:r>
+            <a:r>
+              <a:rPr lang="en-US" sz="2200" dirty="0" err="1">
                 <a:latin typeface="Lusitana" pitchFamily="2" charset="0"/>
               </a:rPr>
               <a:t>NaCl</a:t>
             </a:r>
             <a:r>
-              <a:rPr lang="en-US" sz="2400" dirty="0">
+              <a:rPr lang="en-US" sz="2200" dirty="0">
                 <a:latin typeface="Lusitana" pitchFamily="2" charset="0"/>
               </a:rPr>
-              <a:t>, Na2Cl3</a:t>
+              <a:t>, Na2Cl3, Cl</a:t>
             </a:r>
           </a:p>
         </p:txBody>
@@ -8648,8 +13136,8 @@
         </p:nvSpPr>
         <p:spPr>
           <a:xfrm>
-            <a:off x="6096000" y="3071754"/>
-            <a:ext cx="1806905" cy="830997"/>
+            <a:off x="5969174" y="4377959"/>
+            <a:ext cx="1670650" cy="769441"/>
           </a:xfrm>
           <a:prstGeom prst="rect">
             <a:avLst/>
@@ -8663,7 +13151,7 @@
           <a:lstStyle/>
           <a:p>
             <a:r>
-              <a:rPr lang="en-US" sz="2400" dirty="0">
+              <a:rPr lang="en-US" sz="2200" dirty="0">
                 <a:latin typeface="Lusitana" pitchFamily="2" charset="0"/>
               </a:rPr>
               <a:t>1 = stable</a:t>
@@ -8671,7 +13159,7 @@
           </a:p>
           <a:p>
             <a:r>
-              <a:rPr lang="en-US" sz="2400" dirty="0">
+              <a:rPr lang="en-US" sz="2200" dirty="0">
                 <a:latin typeface="Lusitana" pitchFamily="2" charset="0"/>
               </a:rPr>
               <a:t>0 = unstable </a:t>
@@ -8693,7 +13181,7 @@
         </p:nvSpPr>
         <p:spPr>
           <a:xfrm>
-            <a:off x="9748434" y="2660621"/>
+            <a:off x="9322050" y="4166545"/>
             <a:ext cx="294468" cy="367425"/>
           </a:xfrm>
           <a:prstGeom prst="downArrow">
@@ -8721,7 +13209,45 @@
           <a:lstStyle/>
           <a:p>
             <a:pPr algn="ctr"/>
-            <a:endParaRPr lang="en-US"/>
+            <a:endParaRPr lang="en-US" sz="2200"/>
+          </a:p>
+        </p:txBody>
+      </p:sp>
+      <p:sp>
+        <p:nvSpPr>
+          <p:cNvPr id="12" name="TextBox 11">
+            <a:extLst>
+              <a:ext uri="{FF2B5EF4-FFF2-40B4-BE49-F238E27FC236}">
+                <a16:creationId xmlns:a16="http://schemas.microsoft.com/office/drawing/2014/main" id="{67AF8431-527B-AD4F-B0AC-7DFBB9DB606C}"/>
+              </a:ext>
+            </a:extLst>
+          </p:cNvPr>
+          <p:cNvSpPr txBox="1"/>
+          <p:nvPr/>
+        </p:nvSpPr>
+        <p:spPr>
+          <a:xfrm>
+            <a:off x="5831900" y="1542244"/>
+            <a:ext cx="5381625" cy="1785104"/>
+          </a:xfrm>
+          <a:prstGeom prst="rect">
+            <a:avLst/>
+          </a:prstGeom>
+          <a:noFill/>
+        </p:spPr>
+        <p:txBody>
+          <a:bodyPr wrap="square" rtlCol="0">
+            <a:spAutoFit/>
+          </a:bodyPr>
+          <a:lstStyle/>
+          <a:p>
+            <a:pPr algn="just"/>
+            <a:r>
+              <a:rPr lang="en-US" sz="2200" dirty="0">
+                <a:latin typeface="Lusitana" pitchFamily="2" charset="0"/>
+              </a:rPr>
+              <a:t>Typically thermodynamics allows us to calculate the relative stability of a compound. Instead of using standard equations, we can use data of known compounds to predict stability.</a:t>
+            </a:r>
           </a:p>
         </p:txBody>
       </p:sp>
@@ -8813,6 +13339,7 @@
           </a:bodyPr>
           <a:lstStyle/>
           <a:p>
+            <a:pPr algn="just"/>
             <a:r>
               <a:rPr lang="en-US" sz="2400" b="1" dirty="0">
                 <a:latin typeface="Lusitana" pitchFamily="2" charset="0"/>
@@ -8827,11 +13354,13 @@
             </a:r>
           </a:p>
           <a:p>
+            <a:pPr algn="just"/>
             <a:endParaRPr lang="en-US" sz="2400" dirty="0">
               <a:latin typeface="Lusitana" pitchFamily="2" charset="0"/>
             </a:endParaRPr>
           </a:p>
           <a:p>
+            <a:pPr algn="just"/>
             <a:r>
               <a:rPr lang="en-US" sz="2400" b="1" dirty="0">
                 <a:latin typeface="Lusitana" pitchFamily="2" charset="0"/>
@@ -8852,6 +13381,7 @@
             </a:endParaRPr>
           </a:p>
           <a:p>
+            <a:pPr algn="just"/>
             <a:r>
               <a:rPr lang="en-US" sz="2400" b="1" dirty="0">
                 <a:latin typeface="Lusitana" pitchFamily="2" charset="0"/>
@@ -8866,11 +13396,13 @@
             </a:r>
           </a:p>
           <a:p>
+            <a:pPr algn="just"/>
             <a:endParaRPr lang="en-US" sz="2400" dirty="0">
               <a:latin typeface="Lusitana" pitchFamily="2" charset="0"/>
             </a:endParaRPr>
           </a:p>
           <a:p>
+            <a:pPr algn="just"/>
             <a:r>
               <a:rPr lang="en-US" sz="2400" b="1" dirty="0">
                 <a:latin typeface="Lusitana" pitchFamily="2" charset="0"/>
@@ -9478,8 +14010,8 @@
         </p:blipFill>
         <p:spPr>
           <a:xfrm>
-            <a:off x="581884" y="1715593"/>
-            <a:ext cx="1993160" cy="1609157"/>
+            <a:off x="426552" y="1738366"/>
+            <a:ext cx="2253326" cy="1819200"/>
           </a:xfrm>
           <a:prstGeom prst="rect">
             <a:avLst/>
@@ -9559,8 +14091,8 @@
         </p:blipFill>
         <p:spPr>
           <a:xfrm>
-            <a:off x="3968297" y="1603592"/>
-            <a:ext cx="2003879" cy="1964779"/>
+            <a:off x="3841508" y="1537346"/>
+            <a:ext cx="2265445" cy="2221241"/>
           </a:xfrm>
           <a:prstGeom prst="rect">
             <a:avLst/>
@@ -9620,10 +14152,10 @@
       </p:sp>
       <p:pic>
         <p:nvPicPr>
-          <p:cNvPr id="5" name="Picture 4">
+          <p:cNvPr id="7" name="Picture 6">
             <a:extLst>
               <a:ext uri="{FF2B5EF4-FFF2-40B4-BE49-F238E27FC236}">
-                <a16:creationId xmlns:a16="http://schemas.microsoft.com/office/drawing/2014/main" id="{2128F2BE-D254-CA42-84D3-8AFA8528735A}"/>
+                <a16:creationId xmlns:a16="http://schemas.microsoft.com/office/drawing/2014/main" id="{701B79AD-A62D-C949-8DC6-C3B507EA99E4}"/>
               </a:ext>
             </a:extLst>
           </p:cNvPr>
@@ -9640,8 +14172,8 @@
         </p:blipFill>
         <p:spPr>
           <a:xfrm>
-            <a:off x="7365429" y="1659363"/>
-            <a:ext cx="3729914" cy="1772131"/>
+            <a:off x="1448469" y="4571286"/>
+            <a:ext cx="8325532" cy="1654079"/>
           </a:xfrm>
           <a:prstGeom prst="rect">
             <a:avLst/>
@@ -9655,10 +14187,10 @@
       </p:pic>
       <p:pic>
         <p:nvPicPr>
-          <p:cNvPr id="7" name="Picture 6">
+          <p:cNvPr id="21" name="Picture 20">
             <a:extLst>
               <a:ext uri="{FF2B5EF4-FFF2-40B4-BE49-F238E27FC236}">
-                <a16:creationId xmlns:a16="http://schemas.microsoft.com/office/drawing/2014/main" id="{701B79AD-A62D-C949-8DC6-C3B507EA99E4}"/>
+                <a16:creationId xmlns:a16="http://schemas.microsoft.com/office/drawing/2014/main" id="{DD26683E-BDF5-8747-B181-8CB4AC171280}"/>
               </a:ext>
             </a:extLst>
           </p:cNvPr>
@@ -9675,8 +14207,8 @@
         </p:blipFill>
         <p:spPr>
           <a:xfrm>
-            <a:off x="2483454" y="4500693"/>
-            <a:ext cx="6836455" cy="1358236"/>
+            <a:off x="7100987" y="1742101"/>
+            <a:ext cx="4520289" cy="2016486"/>
           </a:xfrm>
           <a:prstGeom prst="rect">
             <a:avLst/>
@@ -9743,17 +14275,106 @@
           <a:p>
             <a:r>
               <a:rPr lang="en-US" sz="4400" dirty="0"/>
-              <a:t>Given features</a:t>
-            </a:r>
-          </a:p>
-        </p:txBody>
-      </p:sp>
-      <p:sp>
-        <p:nvSpPr>
-          <p:cNvPr id="16" name="TextBox 15">
+              <a:t>Choosing the right estimator</a:t>
+            </a:r>
+          </a:p>
+        </p:txBody>
+      </p:sp>
+      <p:grpSp>
+        <p:nvGrpSpPr>
+          <p:cNvPr id="4" name="Group 3">
             <a:extLst>
               <a:ext uri="{FF2B5EF4-FFF2-40B4-BE49-F238E27FC236}">
-                <a16:creationId xmlns:a16="http://schemas.microsoft.com/office/drawing/2014/main" id="{AA50D7C7-1944-DD4E-A85E-795355EA5432}"/>
+                <a16:creationId xmlns:a16="http://schemas.microsoft.com/office/drawing/2014/main" id="{DD1F0EF1-EC92-E74F-9759-C7D1E630AF24}"/>
+              </a:ext>
+            </a:extLst>
+          </p:cNvPr>
+          <p:cNvGrpSpPr/>
+          <p:nvPr/>
+        </p:nvGrpSpPr>
+        <p:grpSpPr>
+          <a:xfrm>
+            <a:off x="1735286" y="1900776"/>
+            <a:ext cx="2318542" cy="2175100"/>
+            <a:chOff x="967099" y="2922788"/>
+            <a:chExt cx="2318542" cy="2175100"/>
+          </a:xfrm>
+        </p:grpSpPr>
+        <p:sp>
+          <p:nvSpPr>
+            <p:cNvPr id="16" name="TextBox 15">
+              <a:extLst>
+                <a:ext uri="{FF2B5EF4-FFF2-40B4-BE49-F238E27FC236}">
+                  <a16:creationId xmlns:a16="http://schemas.microsoft.com/office/drawing/2014/main" id="{70F9A51B-FA63-9D4D-B004-D85D4BF7F03C}"/>
+                </a:ext>
+              </a:extLst>
+            </p:cNvPr>
+            <p:cNvSpPr txBox="1"/>
+            <p:nvPr/>
+          </p:nvSpPr>
+          <p:spPr>
+            <a:xfrm>
+              <a:off x="967099" y="4667001"/>
+              <a:ext cx="2318542" cy="430887"/>
+            </a:xfrm>
+            <a:prstGeom prst="rect">
+              <a:avLst/>
+            </a:prstGeom>
+            <a:noFill/>
+          </p:spPr>
+          <p:txBody>
+            <a:bodyPr wrap="square" rtlCol="0">
+              <a:spAutoFit/>
+            </a:bodyPr>
+            <a:lstStyle/>
+            <a:p>
+              <a:pPr algn="just"/>
+              <a:r>
+                <a:rPr lang="en-US" sz="2200" dirty="0">
+                  <a:latin typeface="Lusitana" pitchFamily="2" charset="0"/>
+                </a:rPr>
+                <a:t>Random forest</a:t>
+              </a:r>
+            </a:p>
+          </p:txBody>
+        </p:sp>
+        <p:pic>
+          <p:nvPicPr>
+            <p:cNvPr id="2" name="Picture 1">
+              <a:extLst>
+                <a:ext uri="{FF2B5EF4-FFF2-40B4-BE49-F238E27FC236}">
+                  <a16:creationId xmlns:a16="http://schemas.microsoft.com/office/drawing/2014/main" id="{6B0237DB-C3B1-B449-946B-86DCA9BA0972}"/>
+                </a:ext>
+              </a:extLst>
+            </p:cNvPr>
+            <p:cNvPicPr>
+              <a:picLocks noChangeAspect="1"/>
+            </p:cNvPicPr>
+            <p:nvPr/>
+          </p:nvPicPr>
+          <p:blipFill>
+            <a:blip r:embed="rId3"/>
+            <a:stretch>
+              <a:fillRect/>
+            </a:stretch>
+          </p:blipFill>
+          <p:spPr>
+            <a:xfrm>
+              <a:off x="1218966" y="2922788"/>
+              <a:ext cx="1566835" cy="1744213"/>
+            </a:xfrm>
+            <a:prstGeom prst="rect">
+              <a:avLst/>
+            </a:prstGeom>
+          </p:spPr>
+        </p:pic>
+      </p:grpSp>
+      <p:sp>
+        <p:nvSpPr>
+          <p:cNvPr id="5" name="TextBox 4">
+            <a:extLst>
+              <a:ext uri="{FF2B5EF4-FFF2-40B4-BE49-F238E27FC236}">
+                <a16:creationId xmlns:a16="http://schemas.microsoft.com/office/drawing/2014/main" id="{376B6DD9-FFB6-2242-BE64-EF50E2321F93}"/>
               </a:ext>
             </a:extLst>
           </p:cNvPr>
@@ -9762,8 +14383,8 @@
         </p:nvSpPr>
         <p:spPr>
           <a:xfrm>
-            <a:off x="680140" y="1760810"/>
-            <a:ext cx="1345884" cy="430887"/>
+            <a:off x="729133" y="4552665"/>
+            <a:ext cx="3950132" cy="1785104"/>
           </a:xfrm>
           <a:prstGeom prst="rect">
             <a:avLst/>
@@ -9776,274 +14397,381 @@
           </a:bodyPr>
           <a:lstStyle/>
           <a:p>
-            <a:pPr algn="just"/>
+            <a:pPr marL="342900" indent="-342900" algn="just">
+              <a:buFontTx/>
+              <a:buChar char="-"/>
+            </a:pPr>
             <a:r>
               <a:rPr lang="en-US" sz="2200" dirty="0">
                 <a:latin typeface="Lusitana" pitchFamily="2" charset="0"/>
               </a:rPr>
-              <a:t>Discrete:</a:t>
-            </a:r>
-          </a:p>
-        </p:txBody>
-      </p:sp>
-      <p:sp>
-        <p:nvSpPr>
-          <p:cNvPr id="18" name="Right Arrow 17">
-            <a:extLst>
-              <a:ext uri="{FF2B5EF4-FFF2-40B4-BE49-F238E27FC236}">
-                <a16:creationId xmlns:a16="http://schemas.microsoft.com/office/drawing/2014/main" id="{65E3C11A-BFD7-C547-892E-4EF6BC629131}"/>
-              </a:ext>
-            </a:extLst>
-          </p:cNvPr>
-          <p:cNvSpPr/>
-          <p:nvPr/>
-        </p:nvSpPr>
-        <p:spPr>
-          <a:xfrm>
-            <a:off x="4994910" y="3994308"/>
-            <a:ext cx="708660" cy="215444"/>
-          </a:xfrm>
-          <a:prstGeom prst="rightArrow">
-            <a:avLst/>
-          </a:prstGeom>
-        </p:spPr>
-        <p:style>
-          <a:lnRef idx="2">
-            <a:schemeClr val="accent1">
-              <a:shade val="50000"/>
-            </a:schemeClr>
-          </a:lnRef>
-          <a:fillRef idx="1">
-            <a:schemeClr val="accent1"/>
-          </a:fillRef>
-          <a:effectRef idx="0">
-            <a:schemeClr val="accent1"/>
-          </a:effectRef>
-          <a:fontRef idx="minor">
-            <a:schemeClr val="lt1"/>
-          </a:fontRef>
-        </p:style>
-        <p:txBody>
-          <a:bodyPr rtlCol="0" anchor="ctr"/>
-          <a:lstStyle/>
-          <a:p>
-            <a:pPr algn="ctr"/>
-            <a:endParaRPr lang="en-US"/>
-          </a:p>
-        </p:txBody>
-      </p:sp>
-      <p:cxnSp>
-        <p:nvCxnSpPr>
-          <p:cNvPr id="20" name="Elbow Connector 19">
-            <a:extLst>
-              <a:ext uri="{FF2B5EF4-FFF2-40B4-BE49-F238E27FC236}">
-                <a16:creationId xmlns:a16="http://schemas.microsoft.com/office/drawing/2014/main" id="{7449503F-E5E6-1B43-B4DC-5EE78115CEC7}"/>
-              </a:ext>
-            </a:extLst>
-          </p:cNvPr>
-          <p:cNvCxnSpPr/>
-          <p:nvPr/>
-        </p:nvCxnSpPr>
-        <p:spPr>
-          <a:xfrm>
-            <a:off x="1672011" y="4469427"/>
-            <a:ext cx="1158857" cy="640080"/>
-          </a:xfrm>
-          <a:prstGeom prst="bentConnector3">
-            <a:avLst>
-              <a:gd name="adj1" fmla="val 3644"/>
-            </a:avLst>
-          </a:prstGeom>
-          <a:ln w="76200">
-            <a:tailEnd type="triangle"/>
-          </a:ln>
-        </p:spPr>
-        <p:style>
-          <a:lnRef idx="1">
-            <a:schemeClr val="accent1"/>
-          </a:lnRef>
-          <a:fillRef idx="0">
-            <a:schemeClr val="accent1"/>
-          </a:fillRef>
-          <a:effectRef idx="0">
-            <a:schemeClr val="accent1"/>
-          </a:effectRef>
-          <a:fontRef idx="minor">
-            <a:schemeClr val="tx1"/>
-          </a:fontRef>
-        </p:style>
-      </p:cxnSp>
-      <p:sp>
-        <p:nvSpPr>
-          <p:cNvPr id="24" name="TextBox 23">
-            <a:extLst>
-              <a:ext uri="{FF2B5EF4-FFF2-40B4-BE49-F238E27FC236}">
-                <a16:creationId xmlns:a16="http://schemas.microsoft.com/office/drawing/2014/main" id="{EEB525A5-5207-8D47-A0AC-BB8BA3E60A37}"/>
-              </a:ext>
-            </a:extLst>
-          </p:cNvPr>
-          <p:cNvSpPr txBox="1"/>
-          <p:nvPr/>
-        </p:nvSpPr>
-        <p:spPr>
-          <a:xfrm>
-            <a:off x="3147558" y="4891766"/>
-            <a:ext cx="5493521" cy="430887"/>
-          </a:xfrm>
-          <a:prstGeom prst="rect">
-            <a:avLst/>
-          </a:prstGeom>
-          <a:noFill/>
-        </p:spPr>
-        <p:txBody>
-          <a:bodyPr wrap="square" rtlCol="0">
-            <a:spAutoFit/>
-          </a:bodyPr>
-          <a:lstStyle/>
-          <a:p>
-            <a:pPr algn="just"/>
+              <a:t>Interpretable (can yield subset of important features)</a:t>
+            </a:r>
+          </a:p>
+          <a:p>
+            <a:pPr marL="342900" indent="-342900" algn="just">
+              <a:buFontTx/>
+              <a:buChar char="-"/>
+            </a:pPr>
+            <a:endParaRPr lang="en-US" sz="2200" dirty="0">
+              <a:latin typeface="Lusitana" pitchFamily="2" charset="0"/>
+            </a:endParaRPr>
+          </a:p>
+          <a:p>
+            <a:pPr marL="342900" indent="-342900" algn="just">
+              <a:buFontTx/>
+              <a:buChar char="-"/>
+            </a:pPr>
             <a:r>
               <a:rPr lang="en-US" sz="2200" dirty="0">
                 <a:latin typeface="Lusitana" pitchFamily="2" charset="0"/>
               </a:rPr>
-              <a:t>A. Quick classifier on Citrination</a:t>
-            </a:r>
-          </a:p>
-        </p:txBody>
-      </p:sp>
-      <p:sp>
-        <p:nvSpPr>
-          <p:cNvPr id="25" name="TextBox 24">
+              <a:t>Can capture non-linear correlations</a:t>
+            </a:r>
+          </a:p>
+        </p:txBody>
+      </p:sp>
+      <p:grpSp>
+        <p:nvGrpSpPr>
+          <p:cNvPr id="6" name="Group 5">
             <a:extLst>
               <a:ext uri="{FF2B5EF4-FFF2-40B4-BE49-F238E27FC236}">
-                <a16:creationId xmlns:a16="http://schemas.microsoft.com/office/drawing/2014/main" id="{20D6833F-FCC6-754B-B7BA-30943D146AAE}"/>
+                <a16:creationId xmlns:a16="http://schemas.microsoft.com/office/drawing/2014/main" id="{AE2546F1-FBBA-244D-ADB5-00F8718C77B3}"/>
               </a:ext>
             </a:extLst>
           </p:cNvPr>
-          <p:cNvSpPr txBox="1"/>
+          <p:cNvGrpSpPr/>
           <p:nvPr/>
-        </p:nvSpPr>
-        <p:spPr>
+        </p:nvGrpSpPr>
+        <p:grpSpPr>
           <a:xfrm>
-            <a:off x="3228957" y="5797765"/>
-            <a:ext cx="3806190" cy="430887"/>
+            <a:off x="4983519" y="1844192"/>
+            <a:ext cx="8370326" cy="3811706"/>
+            <a:chOff x="3548305" y="3017655"/>
+            <a:chExt cx="8815632" cy="4014491"/>
           </a:xfrm>
-          <a:prstGeom prst="rect">
-            <a:avLst/>
-          </a:prstGeom>
-          <a:noFill/>
-        </p:spPr>
-        <p:txBody>
-          <a:bodyPr wrap="square" rtlCol="0">
-            <a:spAutoFit/>
-          </a:bodyPr>
-          <a:lstStyle/>
-          <a:p>
-            <a:pPr algn="just"/>
-            <a:r>
-              <a:rPr lang="en-US" sz="2200" dirty="0">
+        </p:grpSpPr>
+        <p:sp>
+          <p:nvSpPr>
+            <p:cNvPr id="7" name="TextBox 6">
+              <a:extLst>
+                <a:ext uri="{FF2B5EF4-FFF2-40B4-BE49-F238E27FC236}">
+                  <a16:creationId xmlns:a16="http://schemas.microsoft.com/office/drawing/2014/main" id="{AA7991BF-F205-1341-A859-A216165636E6}"/>
+                </a:ext>
+              </a:extLst>
+            </p:cNvPr>
+            <p:cNvSpPr txBox="1"/>
+            <p:nvPr/>
+          </p:nvSpPr>
+          <p:spPr>
+            <a:xfrm>
+              <a:off x="8091732" y="5292175"/>
+              <a:ext cx="4272205" cy="1107996"/>
+            </a:xfrm>
+            <a:prstGeom prst="rect">
+              <a:avLst/>
+            </a:prstGeom>
+            <a:noFill/>
+          </p:spPr>
+          <p:txBody>
+            <a:bodyPr wrap="square" rtlCol="0">
+              <a:spAutoFit/>
+            </a:bodyPr>
+            <a:lstStyle/>
+            <a:p>
+              <a:pPr algn="just"/>
+              <a:r>
+                <a:rPr lang="en-US" sz="2200" dirty="0">
+                  <a:latin typeface="Lusitana" pitchFamily="2" charset="0"/>
+                </a:rPr>
+                <a:t>5144 stable monatomic</a:t>
+              </a:r>
+            </a:p>
+            <a:p>
+              <a:pPr algn="just"/>
+              <a:endParaRPr lang="en-US" sz="2200" b="1" dirty="0">
                 <a:latin typeface="Lusitana" pitchFamily="2" charset="0"/>
-              </a:rPr>
-              <a:t>B. Perform modeling in .</a:t>
-            </a:r>
-            <a:r>
-              <a:rPr lang="en-US" sz="2200" dirty="0" err="1">
-                <a:latin typeface="Lusitana" pitchFamily="2" charset="0"/>
-              </a:rPr>
-              <a:t>ipynb</a:t>
-            </a:r>
-            <a:r>
-              <a:rPr lang="en-US" sz="2200" dirty="0">
-                <a:latin typeface="Lusitana" pitchFamily="2" charset="0"/>
-              </a:rPr>
-              <a:t> </a:t>
-            </a:r>
-          </a:p>
-        </p:txBody>
-      </p:sp>
-      <p:cxnSp>
-        <p:nvCxnSpPr>
-          <p:cNvPr id="26" name="Elbow Connector 25">
-            <a:extLst>
-              <a:ext uri="{FF2B5EF4-FFF2-40B4-BE49-F238E27FC236}">
-                <a16:creationId xmlns:a16="http://schemas.microsoft.com/office/drawing/2014/main" id="{8B788F2A-664B-734C-BDA0-C07EC940842E}"/>
-              </a:ext>
-            </a:extLst>
-          </p:cNvPr>
-          <p:cNvCxnSpPr/>
-          <p:nvPr/>
-        </p:nvCxnSpPr>
-        <p:spPr>
-          <a:xfrm>
-            <a:off x="1672011" y="5376303"/>
-            <a:ext cx="1158857" cy="640080"/>
-          </a:xfrm>
-          <a:prstGeom prst="bentConnector3">
-            <a:avLst>
-              <a:gd name="adj1" fmla="val 3644"/>
-            </a:avLst>
-          </a:prstGeom>
-          <a:ln w="76200">
-            <a:tailEnd type="triangle"/>
-          </a:ln>
-        </p:spPr>
-        <p:style>
-          <a:lnRef idx="1">
-            <a:schemeClr val="accent1"/>
-          </a:lnRef>
-          <a:fillRef idx="0">
-            <a:schemeClr val="accent1"/>
-          </a:fillRef>
-          <a:effectRef idx="0">
-            <a:schemeClr val="accent1"/>
-          </a:effectRef>
-          <a:fontRef idx="minor">
-            <a:schemeClr val="tx1"/>
-          </a:fontRef>
-        </p:style>
-      </p:cxnSp>
-      <p:sp>
-        <p:nvSpPr>
-          <p:cNvPr id="14" name="TextBox 13">
-            <a:extLst>
-              <a:ext uri="{FF2B5EF4-FFF2-40B4-BE49-F238E27FC236}">
-                <a16:creationId xmlns:a16="http://schemas.microsoft.com/office/drawing/2014/main" id="{F68CA111-AE47-AA41-A6FB-F6C6857211A9}"/>
-              </a:ext>
-            </a:extLst>
-          </p:cNvPr>
-          <p:cNvSpPr txBox="1"/>
-          <p:nvPr/>
-        </p:nvSpPr>
-        <p:spPr>
-          <a:xfrm>
-            <a:off x="3414375" y="1750790"/>
-            <a:ext cx="2289195" cy="1446550"/>
-          </a:xfrm>
-          <a:prstGeom prst="rect">
-            <a:avLst/>
-          </a:prstGeom>
-          <a:noFill/>
-        </p:spPr>
-        <p:txBody>
-          <a:bodyPr wrap="square" rtlCol="0">
-            <a:spAutoFit/>
-          </a:bodyPr>
-          <a:lstStyle/>
-          <a:p>
-            <a:pPr algn="just"/>
-            <a:r>
-              <a:rPr lang="en-US" sz="2200" dirty="0">
-                <a:latin typeface="Lusitana" pitchFamily="2" charset="0"/>
-              </a:rPr>
-              <a:t>Continuous: Atomic volume, atomic weight, boiling, </a:t>
-            </a:r>
-          </a:p>
-        </p:txBody>
-      </p:sp>
+              </a:endParaRPr>
+            </a:p>
+            <a:p>
+              <a:pPr algn="just"/>
+              <a:r>
+                <a:rPr lang="en-US" sz="2200" b="1" dirty="0">
+                  <a:latin typeface="Lusitana" pitchFamily="2" charset="0"/>
+                </a:rPr>
+                <a:t>2493 stable binaries </a:t>
+              </a:r>
+            </a:p>
+          </p:txBody>
+        </p:sp>
+        <p:grpSp>
+          <p:nvGrpSpPr>
+            <p:cNvPr id="8" name="Group 7">
+              <a:extLst>
+                <a:ext uri="{FF2B5EF4-FFF2-40B4-BE49-F238E27FC236}">
+                  <a16:creationId xmlns:a16="http://schemas.microsoft.com/office/drawing/2014/main" id="{7C12BDD5-4210-6041-A136-FA7DF306F92E}"/>
+                </a:ext>
+              </a:extLst>
+            </p:cNvPr>
+            <p:cNvGrpSpPr/>
+            <p:nvPr/>
+          </p:nvGrpSpPr>
+          <p:grpSpPr>
+            <a:xfrm>
+              <a:off x="3548305" y="3017655"/>
+              <a:ext cx="4543427" cy="4014491"/>
+              <a:chOff x="776530" y="1781874"/>
+              <a:chExt cx="4543427" cy="4014491"/>
+            </a:xfrm>
+          </p:grpSpPr>
+          <p:grpSp>
+            <p:nvGrpSpPr>
+              <p:cNvPr id="9" name="Group 8">
+                <a:extLst>
+                  <a:ext uri="{FF2B5EF4-FFF2-40B4-BE49-F238E27FC236}">
+                    <a16:creationId xmlns:a16="http://schemas.microsoft.com/office/drawing/2014/main" id="{5A62084A-FC1D-C041-B2E8-0AEC6A89F392}"/>
+                  </a:ext>
+                </a:extLst>
+              </p:cNvPr>
+              <p:cNvGrpSpPr/>
+              <p:nvPr/>
+            </p:nvGrpSpPr>
+            <p:grpSpPr>
+              <a:xfrm>
+                <a:off x="776530" y="1781874"/>
+                <a:ext cx="4543427" cy="4014491"/>
+                <a:chOff x="776530" y="1781874"/>
+                <a:chExt cx="4543427" cy="4014491"/>
+              </a:xfrm>
+            </p:grpSpPr>
+            <p:pic>
+              <p:nvPicPr>
+                <p:cNvPr id="12" name="Picture 11">
+                  <a:extLst>
+                    <a:ext uri="{FF2B5EF4-FFF2-40B4-BE49-F238E27FC236}">
+                      <a16:creationId xmlns:a16="http://schemas.microsoft.com/office/drawing/2014/main" id="{B453AB02-9B38-8246-9E83-D2B23F031DAB}"/>
+                    </a:ext>
+                  </a:extLst>
+                </p:cNvPr>
+                <p:cNvPicPr>
+                  <a:picLocks noChangeAspect="1"/>
+                </p:cNvPicPr>
+                <p:nvPr/>
+              </p:nvPicPr>
+              <p:blipFill>
+                <a:blip r:embed="rId4"/>
+                <a:stretch>
+                  <a:fillRect/>
+                </a:stretch>
+              </p:blipFill>
+              <p:spPr>
+                <a:xfrm>
+                  <a:off x="776530" y="1781874"/>
+                  <a:ext cx="4543427" cy="4014491"/>
+                </a:xfrm>
+                <a:prstGeom prst="rect">
+                  <a:avLst/>
+                </a:prstGeom>
+              </p:spPr>
+            </p:pic>
+            <p:sp>
+              <p:nvSpPr>
+                <p:cNvPr id="13" name="Rectangle 12">
+                  <a:extLst>
+                    <a:ext uri="{FF2B5EF4-FFF2-40B4-BE49-F238E27FC236}">
+                      <a16:creationId xmlns:a16="http://schemas.microsoft.com/office/drawing/2014/main" id="{EDC25A9B-054B-7242-BC6A-D60D8E4064D2}"/>
+                    </a:ext>
+                  </a:extLst>
+                </p:cNvPr>
+                <p:cNvSpPr/>
+                <p:nvPr/>
+              </p:nvSpPr>
+              <p:spPr>
+                <a:xfrm>
+                  <a:off x="3998562" y="4707967"/>
+                  <a:ext cx="1030638" cy="466933"/>
+                </a:xfrm>
+                <a:prstGeom prst="rect">
+                  <a:avLst/>
+                </a:prstGeom>
+                <a:solidFill>
+                  <a:srgbClr val="008000"/>
+                </a:solidFill>
+                <a:ln>
+                  <a:noFill/>
+                </a:ln>
+              </p:spPr>
+              <p:style>
+                <a:lnRef idx="2">
+                  <a:schemeClr val="accent1">
+                    <a:shade val="50000"/>
+                  </a:schemeClr>
+                </a:lnRef>
+                <a:fillRef idx="1">
+                  <a:schemeClr val="accent1"/>
+                </a:fillRef>
+                <a:effectRef idx="0">
+                  <a:schemeClr val="accent1"/>
+                </a:effectRef>
+                <a:fontRef idx="minor">
+                  <a:schemeClr val="lt1"/>
+                </a:fontRef>
+              </p:style>
+              <p:txBody>
+                <a:bodyPr rtlCol="0" anchor="ctr"/>
+                <a:lstStyle/>
+                <a:p>
+                  <a:pPr algn="ctr"/>
+                  <a:endParaRPr lang="en-US"/>
+                </a:p>
+              </p:txBody>
+            </p:sp>
+          </p:grpSp>
+          <p:sp>
+            <p:nvSpPr>
+              <p:cNvPr id="10" name="Rectangle 9">
+                <a:extLst>
+                  <a:ext uri="{FF2B5EF4-FFF2-40B4-BE49-F238E27FC236}">
+                    <a16:creationId xmlns:a16="http://schemas.microsoft.com/office/drawing/2014/main" id="{6EC55857-BA8C-F745-94E1-FCE3575261B4}"/>
+                  </a:ext>
+                </a:extLst>
+              </p:cNvPr>
+              <p:cNvSpPr/>
+              <p:nvPr/>
+            </p:nvSpPr>
+            <p:spPr>
+              <a:xfrm>
+                <a:off x="4000841" y="3989247"/>
+                <a:ext cx="1030638" cy="706173"/>
+              </a:xfrm>
+              <a:prstGeom prst="rect">
+                <a:avLst/>
+              </a:prstGeom>
+              <a:solidFill>
+                <a:schemeClr val="accent2"/>
+              </a:solidFill>
+              <a:ln>
+                <a:noFill/>
+              </a:ln>
+            </p:spPr>
+            <p:style>
+              <a:lnRef idx="2">
+                <a:schemeClr val="accent1">
+                  <a:shade val="50000"/>
+                </a:schemeClr>
+              </a:lnRef>
+              <a:fillRef idx="1">
+                <a:schemeClr val="accent1"/>
+              </a:fillRef>
+              <a:effectRef idx="0">
+                <a:schemeClr val="accent1"/>
+              </a:effectRef>
+              <a:fontRef idx="minor">
+                <a:schemeClr val="lt1"/>
+              </a:fontRef>
+            </p:style>
+            <p:txBody>
+              <a:bodyPr rtlCol="0" anchor="ctr"/>
+              <a:lstStyle/>
+              <a:p>
+                <a:pPr algn="ctr"/>
+                <a:endParaRPr lang="en-US"/>
+              </a:p>
+            </p:txBody>
+          </p:sp>
+          <p:sp>
+            <p:nvSpPr>
+              <p:cNvPr id="11" name="Rectangle 10">
+                <a:extLst>
+                  <a:ext uri="{FF2B5EF4-FFF2-40B4-BE49-F238E27FC236}">
+                    <a16:creationId xmlns:a16="http://schemas.microsoft.com/office/drawing/2014/main" id="{6905E6A7-4EC6-FF44-ADE8-E776269A4F8D}"/>
+                  </a:ext>
+                </a:extLst>
+              </p:cNvPr>
+              <p:cNvSpPr/>
+              <p:nvPr/>
+            </p:nvSpPr>
+            <p:spPr>
+              <a:xfrm>
+                <a:off x="1926622" y="2003022"/>
+                <a:ext cx="1030637" cy="3161368"/>
+              </a:xfrm>
+              <a:prstGeom prst="rect">
+                <a:avLst/>
+              </a:prstGeom>
+              <a:solidFill>
+                <a:schemeClr val="accent4"/>
+              </a:solidFill>
+            </p:spPr>
+            <p:style>
+              <a:lnRef idx="2">
+                <a:schemeClr val="accent1">
+                  <a:shade val="50000"/>
+                </a:schemeClr>
+              </a:lnRef>
+              <a:fillRef idx="1">
+                <a:schemeClr val="accent1"/>
+              </a:fillRef>
+              <a:effectRef idx="0">
+                <a:schemeClr val="accent1"/>
+              </a:effectRef>
+              <a:fontRef idx="minor">
+                <a:schemeClr val="lt1"/>
+              </a:fontRef>
+            </p:style>
+            <p:txBody>
+              <a:bodyPr rtlCol="0" anchor="ctr"/>
+              <a:lstStyle/>
+              <a:p>
+                <a:pPr algn="ctr"/>
+                <a:endParaRPr lang="en-US"/>
+              </a:p>
+            </p:txBody>
+          </p:sp>
+        </p:grpSp>
+        <p:sp>
+          <p:nvSpPr>
+            <p:cNvPr id="14" name="TextBox 13">
+              <a:extLst>
+                <a:ext uri="{FF2B5EF4-FFF2-40B4-BE49-F238E27FC236}">
+                  <a16:creationId xmlns:a16="http://schemas.microsoft.com/office/drawing/2014/main" id="{A82903A8-AB98-5044-9400-3E96500DDAE1}"/>
+                </a:ext>
+              </a:extLst>
+            </p:cNvPr>
+            <p:cNvSpPr txBox="1"/>
+            <p:nvPr/>
+          </p:nvSpPr>
+          <p:spPr>
+            <a:xfrm>
+              <a:off x="5729034" y="3207984"/>
+              <a:ext cx="1552088" cy="1107996"/>
+            </a:xfrm>
+            <a:prstGeom prst="rect">
+              <a:avLst/>
+            </a:prstGeom>
+            <a:noFill/>
+          </p:spPr>
+          <p:txBody>
+            <a:bodyPr wrap="square" rtlCol="0">
+              <a:spAutoFit/>
+            </a:bodyPr>
+            <a:lstStyle/>
+            <a:p>
+              <a:pPr algn="just"/>
+              <a:r>
+                <a:rPr lang="en-US" sz="2200" b="1" dirty="0">
+                  <a:latin typeface="Lusitana" pitchFamily="2" charset="0"/>
+                </a:rPr>
+                <a:t>20655 unstable binaries </a:t>
+              </a:r>
+            </a:p>
+          </p:txBody>
+        </p:sp>
+      </p:grpSp>
     </p:spTree>
     <p:extLst>
       <p:ext uri="{BB962C8B-B14F-4D97-AF65-F5344CB8AC3E}">
-        <p14:creationId xmlns:p14="http://schemas.microsoft.com/office/powerpoint/2010/main" val="1640361790"/>
+        <p14:creationId xmlns:p14="http://schemas.microsoft.com/office/powerpoint/2010/main" val="2300932974"/>
       </p:ext>
     </p:extLst>
   </p:cSld>
@@ -10095,55 +14823,287 @@
           <a:p>
             <a:r>
               <a:rPr lang="en-US" sz="4400" dirty="0"/>
-              <a:t>A. Binary classification on Citrination</a:t>
-            </a:r>
-          </a:p>
-        </p:txBody>
-      </p:sp>
-      <p:sp>
-        <p:nvSpPr>
-          <p:cNvPr id="15" name="TextBox 14">
+              <a:t>Evaluating predictions</a:t>
+            </a:r>
+          </a:p>
+        </p:txBody>
+      </p:sp>
+      <p:graphicFrame>
+        <p:nvGraphicFramePr>
+          <p:cNvPr id="7" name="Table 6">
             <a:extLst>
               <a:ext uri="{FF2B5EF4-FFF2-40B4-BE49-F238E27FC236}">
-                <a16:creationId xmlns:a16="http://schemas.microsoft.com/office/drawing/2014/main" id="{1B435456-55CF-2C47-8309-6B1DE370F6D7}"/>
+                <a16:creationId xmlns:a16="http://schemas.microsoft.com/office/drawing/2014/main" id="{97F5694D-0D37-2747-B14B-EB9C7090E2D5}"/>
               </a:ext>
             </a:extLst>
           </p:cNvPr>
-          <p:cNvSpPr txBox="1"/>
-          <p:nvPr/>
-        </p:nvSpPr>
-        <p:spPr>
-          <a:xfrm>
-            <a:off x="853441" y="5530777"/>
-            <a:ext cx="3741420" cy="769441"/>
-          </a:xfrm>
-          <a:prstGeom prst="rect">
-            <a:avLst/>
-          </a:prstGeom>
-          <a:noFill/>
-        </p:spPr>
-        <p:txBody>
-          <a:bodyPr wrap="square" rtlCol="0">
-            <a:spAutoFit/>
-          </a:bodyPr>
-          <a:lstStyle/>
-          <a:p>
-            <a:pPr algn="just"/>
-            <a:r>
-              <a:rPr lang="en-US" sz="2200" dirty="0">
-                <a:latin typeface="Lusitana" pitchFamily="2" charset="0"/>
-              </a:rPr>
-              <a:t>Random subset of data (Citrination limit = 4k rows)</a:t>
-            </a:r>
-          </a:p>
-        </p:txBody>
-      </p:sp>
+          <p:cNvGraphicFramePr>
+            <a:graphicFrameLocks noGrp="1"/>
+          </p:cNvGraphicFramePr>
+          <p:nvPr>
+            <p:extLst>
+              <p:ext uri="{D42A27DB-BD31-4B8C-83A1-F6EECF244321}">
+                <p14:modId xmlns:p14="http://schemas.microsoft.com/office/powerpoint/2010/main" val="1279303641"/>
+              </p:ext>
+            </p:extLst>
+          </p:nvPr>
+        </p:nvGraphicFramePr>
+        <p:xfrm>
+          <a:off x="590551" y="2777475"/>
+          <a:ext cx="5220755" cy="3135284"/>
+        </p:xfrm>
+        <a:graphic>
+          <a:graphicData uri="http://schemas.openxmlformats.org/drawingml/2006/table">
+            <a:tbl>
+              <a:tblPr firstRow="1" bandRow="1">
+                <a:tableStyleId>{21E4AEA4-8DFA-4A89-87EB-49C32662AFE0}</a:tableStyleId>
+              </a:tblPr>
+              <a:tblGrid>
+                <a:gridCol w="1410202">
+                  <a:extLst>
+                    <a:ext uri="{9D8B030D-6E8A-4147-A177-3AD203B41FA5}">
+                      <a16:colId xmlns:a16="http://schemas.microsoft.com/office/drawing/2014/main" val="2546607406"/>
+                    </a:ext>
+                  </a:extLst>
+                </a:gridCol>
+                <a:gridCol w="1881968">
+                  <a:extLst>
+                    <a:ext uri="{9D8B030D-6E8A-4147-A177-3AD203B41FA5}">
+                      <a16:colId xmlns:a16="http://schemas.microsoft.com/office/drawing/2014/main" val="4209961578"/>
+                    </a:ext>
+                  </a:extLst>
+                </a:gridCol>
+                <a:gridCol w="1928585">
+                  <a:extLst>
+                    <a:ext uri="{9D8B030D-6E8A-4147-A177-3AD203B41FA5}">
+                      <a16:colId xmlns:a16="http://schemas.microsoft.com/office/drawing/2014/main" val="3644029023"/>
+                    </a:ext>
+                  </a:extLst>
+                </a:gridCol>
+              </a:tblGrid>
+              <a:tr h="952950">
+                <a:tc>
+                  <a:txBody>
+                    <a:bodyPr/>
+                    <a:lstStyle/>
+                    <a:p>
+                      <a:pPr algn="ctr"/>
+                      <a:endParaRPr lang="en-US" sz="2000" dirty="0">
+                        <a:solidFill>
+                          <a:sysClr val="windowText" lastClr="000000"/>
+                        </a:solidFill>
+                        <a:latin typeface="Lusitana" pitchFamily="2" charset="0"/>
+                      </a:endParaRPr>
+                    </a:p>
+                  </a:txBody>
+                  <a:tcPr marL="53712" marR="53712" marT="26856" marB="26856"/>
+                </a:tc>
+                <a:tc>
+                  <a:txBody>
+                    <a:bodyPr/>
+                    <a:lstStyle/>
+                    <a:p>
+                      <a:pPr algn="ctr"/>
+                      <a:r>
+                        <a:rPr lang="en-US" sz="2000" dirty="0">
+                          <a:latin typeface="Lusitana" pitchFamily="2" charset="0"/>
+                        </a:rPr>
+                        <a:t>N (predicted)</a:t>
+                      </a:r>
+                      <a:endParaRPr lang="en-US" sz="2000" dirty="0">
+                        <a:solidFill>
+                          <a:sysClr val="windowText" lastClr="000000"/>
+                        </a:solidFill>
+                        <a:latin typeface="Lusitana" pitchFamily="2" charset="0"/>
+                      </a:endParaRPr>
+                    </a:p>
+                  </a:txBody>
+                  <a:tcPr marL="53712" marR="53712" marT="26856" marB="26856"/>
+                </a:tc>
+                <a:tc>
+                  <a:txBody>
+                    <a:bodyPr/>
+                    <a:lstStyle/>
+                    <a:p>
+                      <a:pPr algn="ctr"/>
+                      <a:r>
+                        <a:rPr lang="en-US" sz="2000" dirty="0">
+                          <a:latin typeface="Lusitana" pitchFamily="2" charset="0"/>
+                        </a:rPr>
+                        <a:t>P (predicted)</a:t>
+                      </a:r>
+                      <a:endParaRPr lang="en-US" sz="2000" dirty="0">
+                        <a:solidFill>
+                          <a:sysClr val="windowText" lastClr="000000"/>
+                        </a:solidFill>
+                        <a:latin typeface="Lusitana" pitchFamily="2" charset="0"/>
+                      </a:endParaRPr>
+                    </a:p>
+                  </a:txBody>
+                  <a:tcPr marL="53712" marR="53712" marT="26856" marB="26856"/>
+                </a:tc>
+                <a:extLst>
+                  <a:ext uri="{0D108BD9-81ED-4DB2-BD59-A6C34878D82A}">
+                    <a16:rowId xmlns:a16="http://schemas.microsoft.com/office/drawing/2014/main" val="2141506907"/>
+                  </a:ext>
+                </a:extLst>
+              </a:tr>
+              <a:tr h="1091167">
+                <a:tc>
+                  <a:txBody>
+                    <a:bodyPr/>
+                    <a:lstStyle/>
+                    <a:p>
+                      <a:pPr algn="ctr"/>
+                      <a:r>
+                        <a:rPr lang="en-US" sz="2000" dirty="0">
+                          <a:latin typeface="Lusitana" pitchFamily="2" charset="0"/>
+                        </a:rPr>
+                        <a:t>N (actual)</a:t>
+                      </a:r>
+                      <a:endParaRPr lang="en-US" sz="2000" dirty="0">
+                        <a:solidFill>
+                          <a:sysClr val="windowText" lastClr="000000"/>
+                        </a:solidFill>
+                        <a:latin typeface="Lusitana" pitchFamily="2" charset="0"/>
+                      </a:endParaRPr>
+                    </a:p>
+                  </a:txBody>
+                  <a:tcPr marL="53712" marR="53712" marT="26856" marB="26856"/>
+                </a:tc>
+                <a:tc>
+                  <a:txBody>
+                    <a:bodyPr/>
+                    <a:lstStyle/>
+                    <a:p>
+                      <a:pPr algn="ctr"/>
+                      <a:r>
+                        <a:rPr lang="en-US" sz="2000" dirty="0">
+                          <a:latin typeface="Lusitana" pitchFamily="2" charset="0"/>
+                        </a:rPr>
+                        <a:t>TN = 6665</a:t>
+                      </a:r>
+                      <a:endParaRPr lang="en-US" sz="2000" dirty="0">
+                        <a:solidFill>
+                          <a:sysClr val="windowText" lastClr="000000"/>
+                        </a:solidFill>
+                        <a:latin typeface="Lusitana" pitchFamily="2" charset="0"/>
+                      </a:endParaRPr>
+                    </a:p>
+                  </a:txBody>
+                  <a:tcPr marL="53712" marR="53712" marT="26856" marB="26856"/>
+                </a:tc>
+                <a:tc>
+                  <a:txBody>
+                    <a:bodyPr/>
+                    <a:lstStyle/>
+                    <a:p>
+                      <a:pPr algn="ctr"/>
+                      <a:r>
+                        <a:rPr lang="en-US" sz="2000" dirty="0">
+                          <a:latin typeface="Lusitana" pitchFamily="2" charset="0"/>
+                        </a:rPr>
+                        <a:t>FP = 173</a:t>
+                      </a:r>
+                      <a:endParaRPr lang="en-US" sz="2000" dirty="0">
+                        <a:solidFill>
+                          <a:sysClr val="windowText" lastClr="000000"/>
+                        </a:solidFill>
+                        <a:latin typeface="Lusitana" pitchFamily="2" charset="0"/>
+                      </a:endParaRPr>
+                    </a:p>
+                  </a:txBody>
+                  <a:tcPr marL="53712" marR="53712" marT="26856" marB="26856"/>
+                </a:tc>
+                <a:extLst>
+                  <a:ext uri="{0D108BD9-81ED-4DB2-BD59-A6C34878D82A}">
+                    <a16:rowId xmlns:a16="http://schemas.microsoft.com/office/drawing/2014/main" val="3889698626"/>
+                  </a:ext>
+                </a:extLst>
+              </a:tr>
+              <a:tr h="1091167">
+                <a:tc>
+                  <a:txBody>
+                    <a:bodyPr/>
+                    <a:lstStyle/>
+                    <a:p>
+                      <a:pPr algn="ctr"/>
+                      <a:r>
+                        <a:rPr lang="en-US" sz="2000" dirty="0">
+                          <a:latin typeface="Lusitana" pitchFamily="2" charset="0"/>
+                        </a:rPr>
+                        <a:t>P (actual)</a:t>
+                      </a:r>
+                      <a:endParaRPr lang="en-US" sz="2000" dirty="0">
+                        <a:solidFill>
+                          <a:sysClr val="windowText" lastClr="000000"/>
+                        </a:solidFill>
+                        <a:latin typeface="Lusitana" pitchFamily="2" charset="0"/>
+                      </a:endParaRPr>
+                    </a:p>
+                  </a:txBody>
+                  <a:tcPr marL="53712" marR="53712" marT="26856" marB="26856"/>
+                </a:tc>
+                <a:tc>
+                  <a:txBody>
+                    <a:bodyPr/>
+                    <a:lstStyle/>
+                    <a:p>
+                      <a:pPr algn="ctr"/>
+                      <a:r>
+                        <a:rPr lang="en-US" sz="2000" dirty="0">
+                          <a:latin typeface="Lusitana" pitchFamily="2" charset="0"/>
+                        </a:rPr>
+                        <a:t>FN  = 583</a:t>
+                      </a:r>
+                      <a:endParaRPr lang="en-US" sz="2000" dirty="0">
+                        <a:solidFill>
+                          <a:sysClr val="windowText" lastClr="000000"/>
+                        </a:solidFill>
+                        <a:latin typeface="Lusitana" pitchFamily="2" charset="0"/>
+                      </a:endParaRPr>
+                    </a:p>
+                  </a:txBody>
+                  <a:tcPr marL="53712" marR="53712" marT="26856" marB="26856"/>
+                </a:tc>
+                <a:tc>
+                  <a:txBody>
+                    <a:bodyPr/>
+                    <a:lstStyle/>
+                    <a:p>
+                      <a:pPr algn="ctr"/>
+                      <a:r>
+                        <a:rPr lang="en-US" sz="2000" dirty="0">
+                          <a:latin typeface="Lusitana" pitchFamily="2" charset="0"/>
+                        </a:rPr>
+                        <a:t>TP = 1916</a:t>
+                      </a:r>
+                      <a:endParaRPr lang="en-US" sz="2000" dirty="0">
+                        <a:solidFill>
+                          <a:sysClr val="windowText" lastClr="000000"/>
+                        </a:solidFill>
+                        <a:latin typeface="Lusitana" pitchFamily="2" charset="0"/>
+                      </a:endParaRPr>
+                    </a:p>
+                  </a:txBody>
+                  <a:tcPr marL="53712" marR="53712" marT="26856" marB="26856"/>
+                </a:tc>
+                <a:extLst>
+                  <a:ext uri="{0D108BD9-81ED-4DB2-BD59-A6C34878D82A}">
+                    <a16:rowId xmlns:a16="http://schemas.microsoft.com/office/drawing/2014/main" val="3127859206"/>
+                  </a:ext>
+                </a:extLst>
+              </a:tr>
+            </a:tbl>
+          </a:graphicData>
+        </a:graphic>
+      </p:graphicFrame>
       <p:pic>
         <p:nvPicPr>
-          <p:cNvPr id="2" name="Picture 1">
+          <p:cNvPr id="24" name="Picture 23">
             <a:extLst>
               <a:ext uri="{FF2B5EF4-FFF2-40B4-BE49-F238E27FC236}">
-                <a16:creationId xmlns:a16="http://schemas.microsoft.com/office/drawing/2014/main" id="{05259D51-BAEA-BD49-B665-34108359248D}"/>
+                <a16:creationId xmlns:a16="http://schemas.microsoft.com/office/drawing/2014/main" id="{40FBA86D-B57F-6D4C-882A-A2C8798FC0B8}"/>
               </a:ext>
             </a:extLst>
           </p:cNvPr>
@@ -10160,20 +15120,25 @@
         </p:blipFill>
         <p:spPr>
           <a:xfrm>
-            <a:off x="853441" y="1822377"/>
-            <a:ext cx="4216400" cy="3708400"/>
+            <a:off x="1456733" y="1623884"/>
+            <a:ext cx="9588500" cy="889000"/>
           </a:xfrm>
           <a:prstGeom prst="rect">
             <a:avLst/>
           </a:prstGeom>
+          <a:ln>
+            <a:solidFill>
+              <a:schemeClr val="tx1"/>
+            </a:solidFill>
+          </a:ln>
         </p:spPr>
       </p:pic>
       <p:grpSp>
         <p:nvGrpSpPr>
-          <p:cNvPr id="5" name="Group 4">
+          <p:cNvPr id="26" name="Group 25">
             <a:extLst>
               <a:ext uri="{FF2B5EF4-FFF2-40B4-BE49-F238E27FC236}">
-                <a16:creationId xmlns:a16="http://schemas.microsoft.com/office/drawing/2014/main" id="{0108A45A-8C0B-894C-9CBB-354035B92A6B}"/>
+                <a16:creationId xmlns:a16="http://schemas.microsoft.com/office/drawing/2014/main" id="{29BFAA41-3B35-4448-85B9-14514481363F}"/>
               </a:ext>
             </a:extLst>
           </p:cNvPr>
@@ -10182,48 +15147,18 @@
         </p:nvGrpSpPr>
         <p:grpSpPr>
           <a:xfrm>
-            <a:off x="5563203" y="2002627"/>
-            <a:ext cx="5790598" cy="3912870"/>
-            <a:chOff x="5466080" y="1943100"/>
-            <a:chExt cx="5790598" cy="3912870"/>
+            <a:off x="5972176" y="3171659"/>
+            <a:ext cx="5708244" cy="648575"/>
+            <a:chOff x="6096000" y="1975816"/>
+            <a:chExt cx="5708244" cy="648575"/>
           </a:xfrm>
         </p:grpSpPr>
-        <p:pic>
-          <p:nvPicPr>
-            <p:cNvPr id="4" name="Picture 3">
+        <p:sp>
+          <p:nvSpPr>
+            <p:cNvPr id="12" name="TextBox 11">
               <a:extLst>
                 <a:ext uri="{FF2B5EF4-FFF2-40B4-BE49-F238E27FC236}">
-                  <a16:creationId xmlns:a16="http://schemas.microsoft.com/office/drawing/2014/main" id="{31332BF2-AFE2-E74A-8EA3-18B6C2028CA2}"/>
-                </a:ext>
-              </a:extLst>
-            </p:cNvPr>
-            <p:cNvPicPr>
-              <a:picLocks noChangeAspect="1"/>
-            </p:cNvPicPr>
-            <p:nvPr/>
-          </p:nvPicPr>
-          <p:blipFill>
-            <a:blip r:embed="rId4"/>
-            <a:stretch>
-              <a:fillRect/>
-            </a:stretch>
-          </p:blipFill>
-          <p:spPr>
-            <a:xfrm>
-              <a:off x="5466080" y="1943100"/>
-              <a:ext cx="5790598" cy="3912870"/>
-            </a:xfrm>
-            <a:prstGeom prst="rect">
-              <a:avLst/>
-            </a:prstGeom>
-          </p:spPr>
-        </p:pic>
-        <p:sp>
-          <p:nvSpPr>
-            <p:cNvPr id="17" name="TextBox 16">
-              <a:extLst>
-                <a:ext uri="{FF2B5EF4-FFF2-40B4-BE49-F238E27FC236}">
-                  <a16:creationId xmlns:a16="http://schemas.microsoft.com/office/drawing/2014/main" id="{DDB3FAD2-3226-9048-B4A6-F50F9FE75BA9}"/>
+                  <a16:creationId xmlns:a16="http://schemas.microsoft.com/office/drawing/2014/main" id="{81F4344E-2326-A349-9C49-0E29870765E1}"/>
                 </a:ext>
               </a:extLst>
             </p:cNvPr>
@@ -10232,8 +15167,8 @@
           </p:nvSpPr>
           <p:spPr>
             <a:xfrm>
-              <a:off x="7018021" y="4369680"/>
-              <a:ext cx="3741420" cy="430887"/>
+              <a:off x="6096000" y="2070586"/>
+              <a:ext cx="1332082" cy="430887"/>
             </a:xfrm>
             <a:prstGeom prst="rect">
               <a:avLst/>
@@ -10246,21 +15181,278 @@
             </a:bodyPr>
             <a:lstStyle/>
             <a:p>
-              <a:pPr algn="just"/>
               <a:r>
                 <a:rPr lang="en-US" sz="2200" dirty="0">
                   <a:latin typeface="Lusitana" pitchFamily="2" charset="0"/>
                 </a:rPr>
-                <a:t>AUROC = 0.948</a:t>
+                <a:t>Accuracy  </a:t>
               </a:r>
             </a:p>
           </p:txBody>
         </p:sp>
+        <mc:AlternateContent xmlns:mc="http://schemas.openxmlformats.org/markup-compatibility/2006">
+          <mc:Choice xmlns:a14="http://schemas.microsoft.com/office/drawing/2010/main" Requires="a14">
+            <p:sp>
+              <p:nvSpPr>
+                <p:cNvPr id="25" name="TextBox 24">
+                  <a:extLst>
+                    <a:ext uri="{FF2B5EF4-FFF2-40B4-BE49-F238E27FC236}">
+                      <a16:creationId xmlns:a16="http://schemas.microsoft.com/office/drawing/2014/main" id="{0A1131E5-3215-B341-B042-BC7B003DA170}"/>
+                    </a:ext>
+                  </a:extLst>
+                </p:cNvPr>
+                <p:cNvSpPr txBox="1"/>
+                <p:nvPr/>
+              </p:nvSpPr>
+              <p:spPr>
+                <a:xfrm>
+                  <a:off x="7300319" y="1975816"/>
+                  <a:ext cx="4503925" cy="648575"/>
+                </a:xfrm>
+                <a:prstGeom prst="rect">
+                  <a:avLst/>
+                </a:prstGeom>
+                <a:noFill/>
+              </p:spPr>
+              <p:txBody>
+                <a:bodyPr wrap="none" lIns="0" tIns="0" rIns="0" bIns="0" rtlCol="0">
+                  <a:spAutoFit/>
+                </a:bodyPr>
+                <a:lstStyle/>
+                <a:p>
+                  <a14:m>
+                    <m:oMathPara xmlns:m="http://schemas.openxmlformats.org/officeDocument/2006/math">
+                      <m:oMathParaPr>
+                        <m:jc m:val="centerGroup"/>
+                      </m:oMathParaPr>
+                      <m:oMath xmlns:m="http://schemas.openxmlformats.org/officeDocument/2006/math">
+                        <m:r>
+                          <a:rPr lang="en-US" sz="2200" b="0" i="1" smtClean="0">
+                            <a:latin typeface="Cambria Math" panose="02040503050406030204" pitchFamily="18" charset="0"/>
+                            <a:ea typeface="Cambria Math" panose="02040503050406030204" pitchFamily="18" charset="0"/>
+                          </a:rPr>
+                          <m:t>=</m:t>
+                        </m:r>
+                        <m:f>
+                          <m:fPr>
+                            <m:ctrlPr>
+                              <a:rPr lang="en-US" sz="2200" i="1" smtClean="0">
+                                <a:latin typeface="Cambria Math" panose="02040503050406030204" pitchFamily="18" charset="0"/>
+                              </a:rPr>
+                            </m:ctrlPr>
+                          </m:fPr>
+                          <m:num>
+                            <m:r>
+                              <a:rPr lang="en-US" sz="2200" b="0" i="1" smtClean="0">
+                                <a:latin typeface="Cambria Math" panose="02040503050406030204" pitchFamily="18" charset="0"/>
+                              </a:rPr>
+                              <m:t>6665+1916</m:t>
+                            </m:r>
+                          </m:num>
+                          <m:den>
+                            <m:r>
+                              <a:rPr lang="en-US" sz="2200" b="0" i="1" smtClean="0">
+                                <a:latin typeface="Cambria Math" panose="02040503050406030204" pitchFamily="18" charset="0"/>
+                              </a:rPr>
+                              <m:t>6665+1916+583+173</m:t>
+                            </m:r>
+                          </m:den>
+                        </m:f>
+                        <m:r>
+                          <a:rPr lang="en-US" sz="2200" b="0" i="1" smtClean="0">
+                            <a:latin typeface="Cambria Math" panose="02040503050406030204" pitchFamily="18" charset="0"/>
+                            <a:ea typeface="Cambria Math" panose="02040503050406030204" pitchFamily="18" charset="0"/>
+                          </a:rPr>
+                          <m:t>=</m:t>
+                        </m:r>
+                        <m:r>
+                          <a:rPr lang="en-US" sz="2200" b="1" i="1" smtClean="0">
+                            <a:latin typeface="Cambria Math" panose="02040503050406030204" pitchFamily="18" charset="0"/>
+                            <a:ea typeface="Cambria Math" panose="02040503050406030204" pitchFamily="18" charset="0"/>
+                          </a:rPr>
+                          <m:t>𝟎</m:t>
+                        </m:r>
+                        <m:r>
+                          <a:rPr lang="en-US" sz="2200" b="1" i="1" smtClean="0">
+                            <a:latin typeface="Cambria Math" panose="02040503050406030204" pitchFamily="18" charset="0"/>
+                            <a:ea typeface="Cambria Math" panose="02040503050406030204" pitchFamily="18" charset="0"/>
+                          </a:rPr>
+                          <m:t>.</m:t>
+                        </m:r>
+                        <m:r>
+                          <a:rPr lang="en-US" sz="2200" b="1" i="1" smtClean="0">
+                            <a:latin typeface="Cambria Math" panose="02040503050406030204" pitchFamily="18" charset="0"/>
+                            <a:ea typeface="Cambria Math" panose="02040503050406030204" pitchFamily="18" charset="0"/>
+                          </a:rPr>
+                          <m:t>𝟗𝟐</m:t>
+                        </m:r>
+                      </m:oMath>
+                    </m:oMathPara>
+                  </a14:m>
+                  <a:endParaRPr lang="en-US" sz="2200" b="1" dirty="0">
+                    <a:latin typeface="Lusitana" pitchFamily="2" charset="0"/>
+                  </a:endParaRPr>
+                </a:p>
+              </p:txBody>
+            </p:sp>
+          </mc:Choice>
+          <mc:Fallback>
+            <p:sp>
+              <p:nvSpPr>
+                <p:cNvPr id="25" name="TextBox 24">
+                  <a:extLst>
+                    <a:ext uri="{FF2B5EF4-FFF2-40B4-BE49-F238E27FC236}">
+                      <a16:creationId xmlns:a16="http://schemas.microsoft.com/office/drawing/2014/main" id="{0A1131E5-3215-B341-B042-BC7B003DA170}"/>
+                    </a:ext>
+                  </a:extLst>
+                </p:cNvPr>
+                <p:cNvSpPr txBox="1">
+                  <a:spLocks noRot="1" noChangeAspect="1" noMove="1" noResize="1" noEditPoints="1" noAdjustHandles="1" noChangeArrowheads="1" noChangeShapeType="1" noTextEdit="1"/>
+                </p:cNvSpPr>
+                <p:nvPr/>
+              </p:nvSpPr>
+              <p:spPr>
+                <a:xfrm>
+                  <a:off x="7300319" y="1975816"/>
+                  <a:ext cx="4503925" cy="648575"/>
+                </a:xfrm>
+                <a:prstGeom prst="rect">
+                  <a:avLst/>
+                </a:prstGeom>
+                <a:blipFill>
+                  <a:blip r:embed="rId4"/>
+                  <a:stretch>
+                    <a:fillRect t="-3846" r="-843" b="-11538"/>
+                  </a:stretch>
+                </a:blipFill>
+              </p:spPr>
+              <p:txBody>
+                <a:bodyPr/>
+                <a:lstStyle/>
+                <a:p>
+                  <a:r>
+                    <a:rPr lang="en-US">
+                      <a:noFill/>
+                    </a:rPr>
+                    <a:t> </a:t>
+                  </a:r>
+                </a:p>
+              </p:txBody>
+            </p:sp>
+          </mc:Fallback>
+        </mc:AlternateContent>
       </p:grpSp>
+      <p:sp>
+        <p:nvSpPr>
+          <p:cNvPr id="28" name="TextBox 27">
+            <a:extLst>
+              <a:ext uri="{FF2B5EF4-FFF2-40B4-BE49-F238E27FC236}">
+                <a16:creationId xmlns:a16="http://schemas.microsoft.com/office/drawing/2014/main" id="{4BFBBB57-B05F-2347-9C08-E15B78B7B281}"/>
+              </a:ext>
+            </a:extLst>
+          </p:cNvPr>
+          <p:cNvSpPr txBox="1"/>
+          <p:nvPr/>
+        </p:nvSpPr>
+        <p:spPr>
+          <a:xfrm>
+            <a:off x="6831121" y="5440769"/>
+            <a:ext cx="4043094" cy="1107996"/>
+          </a:xfrm>
+          <a:prstGeom prst="rect">
+            <a:avLst/>
+          </a:prstGeom>
+          <a:noFill/>
+        </p:spPr>
+        <p:txBody>
+          <a:bodyPr wrap="none" rtlCol="0">
+            <a:spAutoFit/>
+          </a:bodyPr>
+          <a:lstStyle/>
+          <a:p>
+            <a:r>
+              <a:rPr lang="en-US" sz="2200" dirty="0">
+                <a:latin typeface="Lusitana" pitchFamily="2" charset="0"/>
+              </a:rPr>
+              <a:t>3-fold CV avg. accuracy = 0.963</a:t>
+            </a:r>
+          </a:p>
+          <a:p>
+            <a:endParaRPr lang="en-US" sz="2200" dirty="0">
+              <a:latin typeface="Lusitana" pitchFamily="2" charset="0"/>
+            </a:endParaRPr>
+          </a:p>
+          <a:p>
+            <a:r>
+              <a:rPr lang="en-US" sz="2200" dirty="0">
+                <a:latin typeface="Lusitana" pitchFamily="2" charset="0"/>
+              </a:rPr>
+              <a:t>10-fold CV avg. accuracy = 0.967</a:t>
+            </a:r>
+          </a:p>
+        </p:txBody>
+      </p:sp>
+      <p:sp>
+        <p:nvSpPr>
+          <p:cNvPr id="30" name="TextBox 29">
+            <a:extLst>
+              <a:ext uri="{FF2B5EF4-FFF2-40B4-BE49-F238E27FC236}">
+                <a16:creationId xmlns:a16="http://schemas.microsoft.com/office/drawing/2014/main" id="{0D522541-1FDF-EC40-8704-622CF423D5FF}"/>
+              </a:ext>
+            </a:extLst>
+          </p:cNvPr>
+          <p:cNvSpPr txBox="1"/>
+          <p:nvPr/>
+        </p:nvSpPr>
+        <p:spPr>
+          <a:xfrm>
+            <a:off x="6024917" y="4336992"/>
+            <a:ext cx="5655503" cy="1107996"/>
+          </a:xfrm>
+          <a:prstGeom prst="rect">
+            <a:avLst/>
+          </a:prstGeom>
+          <a:noFill/>
+        </p:spPr>
+        <p:txBody>
+          <a:bodyPr wrap="square" rtlCol="0">
+            <a:spAutoFit/>
+          </a:bodyPr>
+          <a:lstStyle/>
+          <a:p>
+            <a:r>
+              <a:rPr lang="en-US" sz="2200" dirty="0">
+                <a:latin typeface="Lusitana" pitchFamily="2" charset="0"/>
+              </a:rPr>
+              <a:t>F1 = 2 * (precision * recall) / (precision + recall) = </a:t>
+            </a:r>
+            <a:r>
+              <a:rPr lang="en-US" sz="2200" b="1" dirty="0">
+                <a:latin typeface="Lusitana" pitchFamily="2" charset="0"/>
+              </a:rPr>
+              <a:t>0.842</a:t>
+            </a:r>
+            <a:r>
+              <a:rPr lang="en-US" sz="2200" dirty="0">
+                <a:latin typeface="Lusitana" pitchFamily="2" charset="0"/>
+              </a:rPr>
+              <a:t> </a:t>
+            </a:r>
+          </a:p>
+          <a:p>
+            <a:r>
+              <a:rPr lang="en-US" sz="2200" dirty="0">
+                <a:latin typeface="Lusitana" pitchFamily="2" charset="0"/>
+              </a:rPr>
+              <a:t>  </a:t>
+            </a:r>
+          </a:p>
+        </p:txBody>
+      </p:sp>
     </p:spTree>
     <p:extLst>
       <p:ext uri="{BB962C8B-B14F-4D97-AF65-F5344CB8AC3E}">
-        <p14:creationId xmlns:p14="http://schemas.microsoft.com/office/powerpoint/2010/main" val="3332289585"/>
+        <p14:creationId xmlns:p14="http://schemas.microsoft.com/office/powerpoint/2010/main" val="1437333221"/>
       </p:ext>
     </p:extLst>
   </p:cSld>

--- a/DSE_challenge_slides.pptx
+++ b/DSE_challenge_slides.pptx
@@ -5,7 +5,7 @@
     <p:sldMasterId id="2147483648" r:id="rId1"/>
   </p:sldMasterIdLst>
   <p:notesMasterIdLst>
-    <p:notesMasterId r:id="rId24"/>
+    <p:notesMasterId r:id="rId22"/>
   </p:notesMasterIdLst>
   <p:sldIdLst>
     <p:sldId id="257" r:id="rId2"/>
@@ -18,18 +18,16 @@
     <p:sldId id="442" r:id="rId9"/>
     <p:sldId id="451" r:id="rId10"/>
     <p:sldId id="452" r:id="rId11"/>
-    <p:sldId id="447" r:id="rId12"/>
-    <p:sldId id="453" r:id="rId13"/>
+    <p:sldId id="453" r:id="rId12"/>
+    <p:sldId id="447" r:id="rId13"/>
     <p:sldId id="454" r:id="rId14"/>
-    <p:sldId id="296" r:id="rId15"/>
-    <p:sldId id="449" r:id="rId16"/>
-    <p:sldId id="436" r:id="rId17"/>
-    <p:sldId id="438" r:id="rId18"/>
-    <p:sldId id="448" r:id="rId19"/>
-    <p:sldId id="437" r:id="rId20"/>
-    <p:sldId id="443" r:id="rId21"/>
-    <p:sldId id="439" r:id="rId22"/>
-    <p:sldId id="440" r:id="rId23"/>
+    <p:sldId id="456" r:id="rId15"/>
+    <p:sldId id="457" r:id="rId16"/>
+    <p:sldId id="455" r:id="rId17"/>
+    <p:sldId id="296" r:id="rId18"/>
+    <p:sldId id="449" r:id="rId19"/>
+    <p:sldId id="436" r:id="rId20"/>
+    <p:sldId id="437" r:id="rId21"/>
   </p:sldIdLst>
   <p:sldSz cx="12192000" cy="6858000"/>
   <p:notesSz cx="6858000" cy="9144000"/>
@@ -230,7 +228,7 @@
           <a:p>
             <a:fld id="{A84C03E3-B0BF-5C40-B9EC-4B39A4AA5E1B}" type="datetimeFigureOut">
               <a:rPr lang="en-US" smtClean="0"/>
-              <a:t>9/1/19</a:t>
+              <a:t>9/5/19</a:t>
             </a:fld>
             <a:endParaRPr lang="en-US"/>
           </a:p>
@@ -690,7 +688,7 @@
     </p:spTree>
     <p:extLst>
       <p:ext uri="{BB962C8B-B14F-4D97-AF65-F5344CB8AC3E}">
-        <p14:creationId xmlns:p14="http://schemas.microsoft.com/office/powerpoint/2010/main" val="1825132350"/>
+        <p14:creationId xmlns:p14="http://schemas.microsoft.com/office/powerpoint/2010/main" val="2277279158"/>
       </p:ext>
     </p:extLst>
   </p:cSld>
@@ -809,7 +807,7 @@
     </p:spTree>
     <p:extLst>
       <p:ext uri="{BB962C8B-B14F-4D97-AF65-F5344CB8AC3E}">
-        <p14:creationId xmlns:p14="http://schemas.microsoft.com/office/powerpoint/2010/main" val="2277279158"/>
+        <p14:creationId xmlns:p14="http://schemas.microsoft.com/office/powerpoint/2010/main" val="1825132350"/>
       </p:ext>
     </p:extLst>
   </p:cSld>
@@ -990,15 +988,34 @@
               <a:rPr lang="en-US" dirty="0">
                 <a:hlinkClick r:id="rId3"/>
               </a:rPr>
-              <a:t>https://citrination.com/data_views</a:t>
-            </a:r>
-            <a:r>
-              <a:rPr lang="en-US">
-                <a:hlinkClick r:id="rId3"/>
-              </a:rPr>
-              <a:t>/11942/predict</a:t>
+              <a:t>https://citrination.com/data_views/11942/predict</a:t>
             </a:r>
             <a:endParaRPr lang="en-US" dirty="0"/>
+          </a:p>
+          <a:p>
+            <a:pPr marL="171450" indent="-171450">
+              <a:buFontTx/>
+              <a:buChar char="-"/>
+            </a:pPr>
+            <a:endParaRPr lang="en-US" dirty="0"/>
+          </a:p>
+          <a:p>
+            <a:pPr marL="171450" indent="-171450">
+              <a:buFontTx/>
+              <a:buChar char="-"/>
+            </a:pPr>
+            <a:r>
+              <a:rPr lang="en-US" dirty="0"/>
+              <a:t>GS = </a:t>
+            </a:r>
+            <a:r>
+              <a:rPr lang="en-US" dirty="0" err="1"/>
+              <a:t>dft</a:t>
+            </a:r>
+            <a:r>
+              <a:rPr lang="en-US" dirty="0"/>
+              <a:t> volume per atom</a:t>
+            </a:r>
           </a:p>
         </p:txBody>
       </p:sp>
@@ -1019,7 +1036,7 @@
           <a:p>
             <a:fld id="{C19A1FAC-02BD-7148-9F07-7C5DC5561CDA}" type="slidenum">
               <a:rPr lang="en-US" smtClean="0"/>
-              <a:t>15</a:t>
+              <a:t>14</a:t>
             </a:fld>
             <a:endParaRPr lang="en-US"/>
           </a:p>
@@ -1028,7 +1045,7 @@
     </p:spTree>
     <p:extLst>
       <p:ext uri="{BB962C8B-B14F-4D97-AF65-F5344CB8AC3E}">
-        <p14:creationId xmlns:p14="http://schemas.microsoft.com/office/powerpoint/2010/main" val="569847411"/>
+        <p14:creationId xmlns:p14="http://schemas.microsoft.com/office/powerpoint/2010/main" val="3813028794"/>
       </p:ext>
     </p:extLst>
   </p:cSld>
@@ -1090,9 +1107,34 @@
               <a:rPr lang="en-US" dirty="0">
                 <a:hlinkClick r:id="rId3"/>
               </a:rPr>
-              <a:t>https://citrination.com/datasets/181017/show_search?searchMatchOption=fuzzyMatch</a:t>
+              <a:t>https://citrination.com/data_views/11942/predict</a:t>
             </a:r>
             <a:endParaRPr lang="en-US" dirty="0"/>
+          </a:p>
+          <a:p>
+            <a:pPr marL="171450" indent="-171450">
+              <a:buFontTx/>
+              <a:buChar char="-"/>
+            </a:pPr>
+            <a:endParaRPr lang="en-US" dirty="0"/>
+          </a:p>
+          <a:p>
+            <a:pPr marL="171450" indent="-171450">
+              <a:buFontTx/>
+              <a:buChar char="-"/>
+            </a:pPr>
+            <a:r>
+              <a:rPr lang="en-US" dirty="0"/>
+              <a:t>GS = </a:t>
+            </a:r>
+            <a:r>
+              <a:rPr lang="en-US" dirty="0" err="1"/>
+              <a:t>dft</a:t>
+            </a:r>
+            <a:r>
+              <a:rPr lang="en-US" dirty="0"/>
+              <a:t> volume per atom</a:t>
+            </a:r>
           </a:p>
         </p:txBody>
       </p:sp>
@@ -1113,7 +1155,7 @@
           <a:p>
             <a:fld id="{C19A1FAC-02BD-7148-9F07-7C5DC5561CDA}" type="slidenum">
               <a:rPr lang="en-US" smtClean="0"/>
-              <a:t>16</a:t>
+              <a:t>15</a:t>
             </a:fld>
             <a:endParaRPr lang="en-US"/>
           </a:p>
@@ -1122,7 +1164,7 @@
     </p:spTree>
     <p:extLst>
       <p:ext uri="{BB962C8B-B14F-4D97-AF65-F5344CB8AC3E}">
-        <p14:creationId xmlns:p14="http://schemas.microsoft.com/office/powerpoint/2010/main" val="4287871416"/>
+        <p14:creationId xmlns:p14="http://schemas.microsoft.com/office/powerpoint/2010/main" val="911733214"/>
       </p:ext>
     </p:extLst>
   </p:cSld>
@@ -1184,9 +1226,34 @@
               <a:rPr lang="en-US" dirty="0">
                 <a:hlinkClick r:id="rId3"/>
               </a:rPr>
-              <a:t>https://citrination.com/datasets/181017/show_search?searchMatchOption=fuzzyMatch</a:t>
+              <a:t>https://citrination.com/data_views/11942/predict</a:t>
             </a:r>
             <a:endParaRPr lang="en-US" dirty="0"/>
+          </a:p>
+          <a:p>
+            <a:pPr marL="171450" indent="-171450">
+              <a:buFontTx/>
+              <a:buChar char="-"/>
+            </a:pPr>
+            <a:endParaRPr lang="en-US" dirty="0"/>
+          </a:p>
+          <a:p>
+            <a:pPr marL="171450" indent="-171450">
+              <a:buFontTx/>
+              <a:buChar char="-"/>
+            </a:pPr>
+            <a:r>
+              <a:rPr lang="en-US" dirty="0"/>
+              <a:t>GS = </a:t>
+            </a:r>
+            <a:r>
+              <a:rPr lang="en-US" dirty="0" err="1"/>
+              <a:t>dft</a:t>
+            </a:r>
+            <a:r>
+              <a:rPr lang="en-US" dirty="0"/>
+              <a:t> volume per atom</a:t>
+            </a:r>
           </a:p>
         </p:txBody>
       </p:sp>
@@ -1207,7 +1274,7 @@
           <a:p>
             <a:fld id="{C19A1FAC-02BD-7148-9F07-7C5DC5561CDA}" type="slidenum">
               <a:rPr lang="en-US" smtClean="0"/>
-              <a:t>17</a:t>
+              <a:t>16</a:t>
             </a:fld>
             <a:endParaRPr lang="en-US"/>
           </a:p>
@@ -1216,7 +1283,7 @@
     </p:spTree>
     <p:extLst>
       <p:ext uri="{BB962C8B-B14F-4D97-AF65-F5344CB8AC3E}">
-        <p14:creationId xmlns:p14="http://schemas.microsoft.com/office/powerpoint/2010/main" val="2957753033"/>
+        <p14:creationId xmlns:p14="http://schemas.microsoft.com/office/powerpoint/2010/main" val="2298973367"/>
       </p:ext>
     </p:extLst>
   </p:cSld>
@@ -1278,7 +1345,13 @@
               <a:rPr lang="en-US" dirty="0">
                 <a:hlinkClick r:id="rId3"/>
               </a:rPr>
-              <a:t>https://citrination.com/datasets/181017/show_search?searchMatchOption=fuzzyMatch</a:t>
+              <a:t>https://citrination.com/data_views</a:t>
+            </a:r>
+            <a:r>
+              <a:rPr lang="en-US">
+                <a:hlinkClick r:id="rId3"/>
+              </a:rPr>
+              <a:t>/11942/predict</a:t>
             </a:r>
             <a:endParaRPr lang="en-US" dirty="0"/>
           </a:p>
@@ -1310,7 +1383,7 @@
     </p:spTree>
     <p:extLst>
       <p:ext uri="{BB962C8B-B14F-4D97-AF65-F5344CB8AC3E}">
-        <p14:creationId xmlns:p14="http://schemas.microsoft.com/office/powerpoint/2010/main" val="2378701544"/>
+        <p14:creationId xmlns:p14="http://schemas.microsoft.com/office/powerpoint/2010/main" val="569847411"/>
       </p:ext>
     </p:extLst>
   </p:cSld>
@@ -1372,13 +1445,7 @@
               <a:rPr lang="en-US" dirty="0">
                 <a:hlinkClick r:id="rId3"/>
               </a:rPr>
-              <a:t>https://citrination.com/data_views</a:t>
-            </a:r>
-            <a:r>
-              <a:rPr lang="en-US">
-                <a:hlinkClick r:id="rId3"/>
-              </a:rPr>
-              <a:t>/11942/predict</a:t>
+              <a:t>https://citrination.com/datasets/181017/show_search?searchMatchOption=fuzzyMatch</a:t>
             </a:r>
             <a:endParaRPr lang="en-US" dirty="0"/>
           </a:p>
@@ -1410,7 +1477,7 @@
     </p:spTree>
     <p:extLst>
       <p:ext uri="{BB962C8B-B14F-4D97-AF65-F5344CB8AC3E}">
-        <p14:creationId xmlns:p14="http://schemas.microsoft.com/office/powerpoint/2010/main" val="2099003995"/>
+        <p14:creationId xmlns:p14="http://schemas.microsoft.com/office/powerpoint/2010/main" val="4287871416"/>
       </p:ext>
     </p:extLst>
   </p:cSld>
@@ -1510,107 +1577,7 @@
     </p:spTree>
     <p:extLst>
       <p:ext uri="{BB962C8B-B14F-4D97-AF65-F5344CB8AC3E}">
-        <p14:creationId xmlns:p14="http://schemas.microsoft.com/office/powerpoint/2010/main" val="3995637932"/>
-      </p:ext>
-    </p:extLst>
-  </p:cSld>
-  <p:clrMapOvr>
-    <a:masterClrMapping/>
-  </p:clrMapOvr>
-</p:notes>
-</file>
-
-<file path=ppt/notesSlides/notesSlide19.xml><?xml version="1.0" encoding="utf-8"?>
-<p:notes xmlns:a="http://schemas.openxmlformats.org/drawingml/2006/main" xmlns:r="http://schemas.openxmlformats.org/officeDocument/2006/relationships" xmlns:p="http://schemas.openxmlformats.org/presentationml/2006/main">
-  <p:cSld>
-    <p:spTree>
-      <p:nvGrpSpPr>
-        <p:cNvPr id="1" name=""/>
-        <p:cNvGrpSpPr/>
-        <p:nvPr/>
-      </p:nvGrpSpPr>
-      <p:grpSpPr>
-        <a:xfrm>
-          <a:off x="0" y="0"/>
-          <a:ext cx="0" cy="0"/>
-          <a:chOff x="0" y="0"/>
-          <a:chExt cx="0" cy="0"/>
-        </a:xfrm>
-      </p:grpSpPr>
-      <p:sp>
-        <p:nvSpPr>
-          <p:cNvPr id="2" name="Slide Image Placeholder 1"/>
-          <p:cNvSpPr>
-            <a:spLocks noGrp="1" noRot="1" noChangeAspect="1"/>
-          </p:cNvSpPr>
-          <p:nvPr>
-            <p:ph type="sldImg"/>
-          </p:nvPr>
-        </p:nvSpPr>
-        <p:spPr/>
-      </p:sp>
-      <p:sp>
-        <p:nvSpPr>
-          <p:cNvPr id="3" name="Notes Placeholder 2"/>
-          <p:cNvSpPr>
-            <a:spLocks noGrp="1"/>
-          </p:cNvSpPr>
-          <p:nvPr>
-            <p:ph type="body" idx="1"/>
-          </p:nvPr>
-        </p:nvSpPr>
-        <p:spPr/>
-        <p:txBody>
-          <a:bodyPr/>
-          <a:lstStyle/>
-          <a:p>
-            <a:pPr marL="171450" indent="-171450">
-              <a:buFontTx/>
-              <a:buChar char="-"/>
-            </a:pPr>
-            <a:r>
-              <a:rPr lang="en-US" dirty="0">
-                <a:hlinkClick r:id="rId3"/>
-              </a:rPr>
-              <a:t>https://citrination.com/data_views</a:t>
-            </a:r>
-            <a:r>
-              <a:rPr lang="en-US">
-                <a:hlinkClick r:id="rId3"/>
-              </a:rPr>
-              <a:t>/11942/predict</a:t>
-            </a:r>
-            <a:endParaRPr lang="en-US" dirty="0"/>
-          </a:p>
-        </p:txBody>
-      </p:sp>
-      <p:sp>
-        <p:nvSpPr>
-          <p:cNvPr id="4" name="Slide Number Placeholder 3"/>
-          <p:cNvSpPr>
-            <a:spLocks noGrp="1"/>
-          </p:cNvSpPr>
-          <p:nvPr>
-            <p:ph type="sldNum" sz="quarter" idx="5"/>
-          </p:nvPr>
-        </p:nvSpPr>
-        <p:spPr/>
-        <p:txBody>
-          <a:bodyPr/>
-          <a:lstStyle/>
-          <a:p>
-            <a:fld id="{C19A1FAC-02BD-7148-9F07-7C5DC5561CDA}" type="slidenum">
-              <a:rPr lang="en-US" smtClean="0"/>
-              <a:t>21</a:t>
-            </a:fld>
-            <a:endParaRPr lang="en-US"/>
-          </a:p>
-        </p:txBody>
-      </p:sp>
-    </p:spTree>
-    <p:extLst>
-      <p:ext uri="{BB962C8B-B14F-4D97-AF65-F5344CB8AC3E}">
-        <p14:creationId xmlns:p14="http://schemas.microsoft.com/office/powerpoint/2010/main" val="1284475178"/>
+        <p14:creationId xmlns:p14="http://schemas.microsoft.com/office/powerpoint/2010/main" val="2099003995"/>
       </p:ext>
     </p:extLst>
   </p:cSld>
@@ -1705,100 +1672,6 @@
     <p:extLst>
       <p:ext uri="{BB962C8B-B14F-4D97-AF65-F5344CB8AC3E}">
         <p14:creationId xmlns:p14="http://schemas.microsoft.com/office/powerpoint/2010/main" val="1976824261"/>
-      </p:ext>
-    </p:extLst>
-  </p:cSld>
-  <p:clrMapOvr>
-    <a:masterClrMapping/>
-  </p:clrMapOvr>
-</p:notes>
-</file>
-
-<file path=ppt/notesSlides/notesSlide20.xml><?xml version="1.0" encoding="utf-8"?>
-<p:notes xmlns:a="http://schemas.openxmlformats.org/drawingml/2006/main" xmlns:r="http://schemas.openxmlformats.org/officeDocument/2006/relationships" xmlns:p="http://schemas.openxmlformats.org/presentationml/2006/main">
-  <p:cSld>
-    <p:spTree>
-      <p:nvGrpSpPr>
-        <p:cNvPr id="1" name=""/>
-        <p:cNvGrpSpPr/>
-        <p:nvPr/>
-      </p:nvGrpSpPr>
-      <p:grpSpPr>
-        <a:xfrm>
-          <a:off x="0" y="0"/>
-          <a:ext cx="0" cy="0"/>
-          <a:chOff x="0" y="0"/>
-          <a:chExt cx="0" cy="0"/>
-        </a:xfrm>
-      </p:grpSpPr>
-      <p:sp>
-        <p:nvSpPr>
-          <p:cNvPr id="2" name="Slide Image Placeholder 1"/>
-          <p:cNvSpPr>
-            <a:spLocks noGrp="1" noRot="1" noChangeAspect="1"/>
-          </p:cNvSpPr>
-          <p:nvPr>
-            <p:ph type="sldImg"/>
-          </p:nvPr>
-        </p:nvSpPr>
-        <p:spPr/>
-      </p:sp>
-      <p:sp>
-        <p:nvSpPr>
-          <p:cNvPr id="3" name="Notes Placeholder 2"/>
-          <p:cNvSpPr>
-            <a:spLocks noGrp="1"/>
-          </p:cNvSpPr>
-          <p:nvPr>
-            <p:ph type="body" idx="1"/>
-          </p:nvPr>
-        </p:nvSpPr>
-        <p:spPr/>
-        <p:txBody>
-          <a:bodyPr/>
-          <a:lstStyle/>
-          <a:p>
-            <a:pPr marL="171450" indent="-171450">
-              <a:buFontTx/>
-              <a:buChar char="-"/>
-            </a:pPr>
-            <a:r>
-              <a:rPr lang="en-US" dirty="0">
-                <a:hlinkClick r:id="rId3"/>
-              </a:rPr>
-              <a:t>https://towardsdatascience.com/receiver-operating-characteristic-curves-demystified-in-python-bd531a4364d0</a:t>
-            </a:r>
-            <a:endParaRPr lang="en-US" dirty="0"/>
-          </a:p>
-        </p:txBody>
-      </p:sp>
-      <p:sp>
-        <p:nvSpPr>
-          <p:cNvPr id="4" name="Slide Number Placeholder 3"/>
-          <p:cNvSpPr>
-            <a:spLocks noGrp="1"/>
-          </p:cNvSpPr>
-          <p:nvPr>
-            <p:ph type="sldNum" sz="quarter" idx="5"/>
-          </p:nvPr>
-        </p:nvSpPr>
-        <p:spPr/>
-        <p:txBody>
-          <a:bodyPr/>
-          <a:lstStyle/>
-          <a:p>
-            <a:fld id="{C19A1FAC-02BD-7148-9F07-7C5DC5561CDA}" type="slidenum">
-              <a:rPr lang="en-US" smtClean="0"/>
-              <a:t>22</a:t>
-            </a:fld>
-            <a:endParaRPr lang="en-US"/>
-          </a:p>
-        </p:txBody>
-      </p:sp>
-    </p:spTree>
-    <p:extLst>
-      <p:ext uri="{BB962C8B-B14F-4D97-AF65-F5344CB8AC3E}">
-        <p14:creationId xmlns:p14="http://schemas.microsoft.com/office/powerpoint/2010/main" val="4135947100"/>
       </p:ext>
     </p:extLst>
   </p:cSld>
@@ -2415,6 +2288,26 @@
               <a:rPr lang="en-US" dirty="0"/>
               <a:t>)</a:t>
             </a:r>
+          </a:p>
+          <a:p>
+            <a:pPr marL="171450" indent="-171450">
+              <a:buFontTx/>
+              <a:buChar char="-"/>
+            </a:pPr>
+            <a:endParaRPr lang="en-US" dirty="0"/>
+          </a:p>
+          <a:p>
+            <a:pPr marL="171450" indent="-171450">
+              <a:buFontTx/>
+              <a:buChar char="-"/>
+            </a:pPr>
+            <a:r>
+              <a:rPr lang="en-US" sz="1200" dirty="0">
+                <a:latin typeface="Lusitana" pitchFamily="2" charset="0"/>
+              </a:rPr>
+              <a:t>2 * (precision * recall) / (precision + recall) </a:t>
+            </a:r>
+            <a:endParaRPr lang="en-US" dirty="0"/>
           </a:p>
         </p:txBody>
       </p:sp>
@@ -2701,7 +2594,7 @@
           <a:p>
             <a:fld id="{828A800D-FD12-1143-85AB-6998B637A4E2}" type="datetimeFigureOut">
               <a:rPr lang="en-US" smtClean="0"/>
-              <a:t>9/1/19</a:t>
+              <a:t>9/5/19</a:t>
             </a:fld>
             <a:endParaRPr lang="en-US"/>
           </a:p>
@@ -2899,7 +2792,7 @@
           <a:p>
             <a:fld id="{828A800D-FD12-1143-85AB-6998B637A4E2}" type="datetimeFigureOut">
               <a:rPr lang="en-US" smtClean="0"/>
-              <a:t>9/1/19</a:t>
+              <a:t>9/5/19</a:t>
             </a:fld>
             <a:endParaRPr lang="en-US"/>
           </a:p>
@@ -3107,7 +3000,7 @@
           <a:p>
             <a:fld id="{828A800D-FD12-1143-85AB-6998B637A4E2}" type="datetimeFigureOut">
               <a:rPr lang="en-US" smtClean="0"/>
-              <a:t>9/1/19</a:t>
+              <a:t>9/5/19</a:t>
             </a:fld>
             <a:endParaRPr lang="en-US"/>
           </a:p>
@@ -4158,7 +4051,7 @@
           <a:p>
             <a:fld id="{828A800D-FD12-1143-85AB-6998B637A4E2}" type="datetimeFigureOut">
               <a:rPr lang="en-US" smtClean="0"/>
-              <a:t>9/1/19</a:t>
+              <a:t>9/5/19</a:t>
             </a:fld>
             <a:endParaRPr lang="en-US"/>
           </a:p>
@@ -4433,7 +4326,7 @@
           <a:p>
             <a:fld id="{828A800D-FD12-1143-85AB-6998B637A4E2}" type="datetimeFigureOut">
               <a:rPr lang="en-US" smtClean="0"/>
-              <a:t>9/1/19</a:t>
+              <a:t>9/5/19</a:t>
             </a:fld>
             <a:endParaRPr lang="en-US"/>
           </a:p>
@@ -4698,7 +4591,7 @@
           <a:p>
             <a:fld id="{828A800D-FD12-1143-85AB-6998B637A4E2}" type="datetimeFigureOut">
               <a:rPr lang="en-US" smtClean="0"/>
-              <a:t>9/1/19</a:t>
+              <a:t>9/5/19</a:t>
             </a:fld>
             <a:endParaRPr lang="en-US"/>
           </a:p>
@@ -5110,7 +5003,7 @@
           <a:p>
             <a:fld id="{828A800D-FD12-1143-85AB-6998B637A4E2}" type="datetimeFigureOut">
               <a:rPr lang="en-US" smtClean="0"/>
-              <a:t>9/1/19</a:t>
+              <a:t>9/5/19</a:t>
             </a:fld>
             <a:endParaRPr lang="en-US"/>
           </a:p>
@@ -5251,7 +5144,7 @@
           <a:p>
             <a:fld id="{828A800D-FD12-1143-85AB-6998B637A4E2}" type="datetimeFigureOut">
               <a:rPr lang="en-US" smtClean="0"/>
-              <a:t>9/1/19</a:t>
+              <a:t>9/5/19</a:t>
             </a:fld>
             <a:endParaRPr lang="en-US"/>
           </a:p>
@@ -5364,7 +5257,7 @@
           <a:p>
             <a:fld id="{828A800D-FD12-1143-85AB-6998B637A4E2}" type="datetimeFigureOut">
               <a:rPr lang="en-US" smtClean="0"/>
-              <a:t>9/1/19</a:t>
+              <a:t>9/5/19</a:t>
             </a:fld>
             <a:endParaRPr lang="en-US"/>
           </a:p>
@@ -5675,7 +5568,7 @@
           <a:p>
             <a:fld id="{828A800D-FD12-1143-85AB-6998B637A4E2}" type="datetimeFigureOut">
               <a:rPr lang="en-US" smtClean="0"/>
-              <a:t>9/1/19</a:t>
+              <a:t>9/5/19</a:t>
             </a:fld>
             <a:endParaRPr lang="en-US"/>
           </a:p>
@@ -5963,7 +5856,7 @@
           <a:p>
             <a:fld id="{828A800D-FD12-1143-85AB-6998B637A4E2}" type="datetimeFigureOut">
               <a:rPr lang="en-US" smtClean="0"/>
-              <a:t>9/1/19</a:t>
+              <a:t>9/5/19</a:t>
             </a:fld>
             <a:endParaRPr lang="en-US"/>
           </a:p>
@@ -6204,7 +6097,7 @@
           <a:p>
             <a:fld id="{828A800D-FD12-1143-85AB-6998B637A4E2}" type="datetimeFigureOut">
               <a:rPr lang="en-US" smtClean="0"/>
-              <a:t>9/1/19</a:t>
+              <a:t>9/5/19</a:t>
             </a:fld>
             <a:endParaRPr lang="en-US"/>
           </a:p>
@@ -6717,7 +6610,7 @@
           <a:p>
             <a:r>
               <a:rPr lang="en-US" sz="4400" dirty="0"/>
-              <a:t>Evaluating predictions</a:t>
+              <a:t>Graphical model accuracy metrics</a:t>
             </a:r>
           </a:p>
         </p:txBody>
@@ -7002,173 +6895,6 @@
 </file>
 
 <file path=ppt/slides/slide11.xml><?xml version="1.0" encoding="utf-8"?>
-<p:sld xmlns:a="http://schemas.openxmlformats.org/drawingml/2006/main" xmlns:r="http://schemas.openxmlformats.org/officeDocument/2006/relationships" xmlns:p="http://schemas.openxmlformats.org/presentationml/2006/main">
-  <p:cSld>
-    <p:spTree>
-      <p:nvGrpSpPr>
-        <p:cNvPr id="1" name=""/>
-        <p:cNvGrpSpPr/>
-        <p:nvPr/>
-      </p:nvGrpSpPr>
-      <p:grpSpPr>
-        <a:xfrm>
-          <a:off x="0" y="0"/>
-          <a:ext cx="0" cy="0"/>
-          <a:chOff x="0" y="0"/>
-          <a:chExt cx="0" cy="0"/>
-        </a:xfrm>
-      </p:grpSpPr>
-      <p:sp>
-        <p:nvSpPr>
-          <p:cNvPr id="3" name="Title 2">
-            <a:extLst>
-              <a:ext uri="{FF2B5EF4-FFF2-40B4-BE49-F238E27FC236}">
-                <a16:creationId xmlns:a16="http://schemas.microsoft.com/office/drawing/2014/main" id="{89AAC0A9-8A9F-7749-A50C-CD947F888D4F}"/>
-              </a:ext>
-            </a:extLst>
-          </p:cNvPr>
-          <p:cNvSpPr>
-            <a:spLocks noGrp="1"/>
-          </p:cNvSpPr>
-          <p:nvPr>
-            <p:ph type="ctrTitle"/>
-          </p:nvPr>
-        </p:nvSpPr>
-        <p:spPr/>
-        <p:txBody>
-          <a:bodyPr>
-            <a:normAutofit/>
-          </a:bodyPr>
-          <a:lstStyle/>
-          <a:p>
-            <a:r>
-              <a:rPr lang="en-US" sz="4400" dirty="0"/>
-              <a:t>Important features</a:t>
-            </a:r>
-          </a:p>
-        </p:txBody>
-      </p:sp>
-      <p:pic>
-        <p:nvPicPr>
-          <p:cNvPr id="4" name="Picture 3">
-            <a:extLst>
-              <a:ext uri="{FF2B5EF4-FFF2-40B4-BE49-F238E27FC236}">
-                <a16:creationId xmlns:a16="http://schemas.microsoft.com/office/drawing/2014/main" id="{B9D16099-4152-C843-AF7A-C3F24F676F67}"/>
-              </a:ext>
-            </a:extLst>
-          </p:cNvPr>
-          <p:cNvPicPr>
-            <a:picLocks noChangeAspect="1"/>
-          </p:cNvPicPr>
-          <p:nvPr/>
-        </p:nvPicPr>
-        <p:blipFill>
-          <a:blip r:embed="rId3"/>
-          <a:stretch>
-            <a:fillRect/>
-          </a:stretch>
-        </p:blipFill>
-        <p:spPr>
-          <a:xfrm>
-            <a:off x="1095375" y="2375296"/>
-            <a:ext cx="6515100" cy="1778000"/>
-          </a:xfrm>
-          <a:prstGeom prst="rect">
-            <a:avLst/>
-          </a:prstGeom>
-          <a:ln>
-            <a:solidFill>
-              <a:schemeClr val="tx1"/>
-            </a:solidFill>
-          </a:ln>
-        </p:spPr>
-      </p:pic>
-      <p:sp>
-        <p:nvSpPr>
-          <p:cNvPr id="5" name="Rectangle 4">
-            <a:extLst>
-              <a:ext uri="{FF2B5EF4-FFF2-40B4-BE49-F238E27FC236}">
-                <a16:creationId xmlns:a16="http://schemas.microsoft.com/office/drawing/2014/main" id="{B5273487-DA62-1840-AD58-DA4695EFA2B7}"/>
-              </a:ext>
-            </a:extLst>
-          </p:cNvPr>
-          <p:cNvSpPr/>
-          <p:nvPr/>
-        </p:nvSpPr>
-        <p:spPr>
-          <a:xfrm>
-            <a:off x="950360" y="5220962"/>
-            <a:ext cx="10001250" cy="707886"/>
-          </a:xfrm>
-          <a:prstGeom prst="rect">
-            <a:avLst/>
-          </a:prstGeom>
-        </p:spPr>
-        <p:txBody>
-          <a:bodyPr wrap="square">
-            <a:spAutoFit/>
-          </a:bodyPr>
-          <a:lstStyle/>
-          <a:p>
-            <a:pPr algn="just"/>
-            <a:r>
-              <a:rPr lang="en-US" sz="2000" dirty="0">
-                <a:latin typeface="Lusitana" pitchFamily="2" charset="0"/>
-              </a:rPr>
-              <a:t>“The Mendeleev number (MN) (ordering number listing the chemical elements column by column through the periodic system) was successfully used to classify the chemical systems”</a:t>
-            </a:r>
-          </a:p>
-        </p:txBody>
-      </p:sp>
-      <p:pic>
-        <p:nvPicPr>
-          <p:cNvPr id="6" name="Picture 5">
-            <a:extLst>
-              <a:ext uri="{FF2B5EF4-FFF2-40B4-BE49-F238E27FC236}">
-                <a16:creationId xmlns:a16="http://schemas.microsoft.com/office/drawing/2014/main" id="{6DFA4B6D-FEF7-0B42-ABC7-5C293B0912E2}"/>
-              </a:ext>
-            </a:extLst>
-          </p:cNvPr>
-          <p:cNvPicPr>
-            <a:picLocks noChangeAspect="1"/>
-          </p:cNvPicPr>
-          <p:nvPr/>
-        </p:nvPicPr>
-        <p:blipFill>
-          <a:blip r:embed="rId4"/>
-          <a:stretch>
-            <a:fillRect/>
-          </a:stretch>
-        </p:blipFill>
-        <p:spPr>
-          <a:xfrm>
-            <a:off x="8416236" y="1374181"/>
-            <a:ext cx="2535374" cy="3483768"/>
-          </a:xfrm>
-          <a:prstGeom prst="rect">
-            <a:avLst/>
-          </a:prstGeom>
-          <a:ln>
-            <a:solidFill>
-              <a:schemeClr val="tx1"/>
-            </a:solidFill>
-          </a:ln>
-        </p:spPr>
-      </p:pic>
-    </p:spTree>
-    <p:extLst>
-      <p:ext uri="{BB962C8B-B14F-4D97-AF65-F5344CB8AC3E}">
-        <p14:creationId xmlns:p14="http://schemas.microsoft.com/office/powerpoint/2010/main" val="3218647780"/>
-      </p:ext>
-    </p:extLst>
-  </p:cSld>
-  <p:clrMapOvr>
-    <a:masterClrMapping/>
-  </p:clrMapOvr>
-</p:sld>
-</file>
-
-<file path=ppt/slides/slide12.xml><?xml version="1.0" encoding="utf-8"?>
 <p:sld xmlns:a="http://schemas.openxmlformats.org/drawingml/2006/main" xmlns:r="http://schemas.openxmlformats.org/officeDocument/2006/relationships" xmlns:p="http://schemas.openxmlformats.org/presentationml/2006/main">
   <p:cSld>
     <p:spTree>
@@ -7687,6 +7413,173 @@
 </p:sld>
 </file>
 
+<file path=ppt/slides/slide12.xml><?xml version="1.0" encoding="utf-8"?>
+<p:sld xmlns:a="http://schemas.openxmlformats.org/drawingml/2006/main" xmlns:r="http://schemas.openxmlformats.org/officeDocument/2006/relationships" xmlns:p="http://schemas.openxmlformats.org/presentationml/2006/main">
+  <p:cSld>
+    <p:spTree>
+      <p:nvGrpSpPr>
+        <p:cNvPr id="1" name=""/>
+        <p:cNvGrpSpPr/>
+        <p:nvPr/>
+      </p:nvGrpSpPr>
+      <p:grpSpPr>
+        <a:xfrm>
+          <a:off x="0" y="0"/>
+          <a:ext cx="0" cy="0"/>
+          <a:chOff x="0" y="0"/>
+          <a:chExt cx="0" cy="0"/>
+        </a:xfrm>
+      </p:grpSpPr>
+      <p:sp>
+        <p:nvSpPr>
+          <p:cNvPr id="3" name="Title 2">
+            <a:extLst>
+              <a:ext uri="{FF2B5EF4-FFF2-40B4-BE49-F238E27FC236}">
+                <a16:creationId xmlns:a16="http://schemas.microsoft.com/office/drawing/2014/main" id="{89AAC0A9-8A9F-7749-A50C-CD947F888D4F}"/>
+              </a:ext>
+            </a:extLst>
+          </p:cNvPr>
+          <p:cNvSpPr>
+            <a:spLocks noGrp="1"/>
+          </p:cNvSpPr>
+          <p:nvPr>
+            <p:ph type="ctrTitle"/>
+          </p:nvPr>
+        </p:nvSpPr>
+        <p:spPr/>
+        <p:txBody>
+          <a:bodyPr>
+            <a:normAutofit/>
+          </a:bodyPr>
+          <a:lstStyle/>
+          <a:p>
+            <a:r>
+              <a:rPr lang="en-US" sz="4400" dirty="0"/>
+              <a:t>Important features</a:t>
+            </a:r>
+          </a:p>
+        </p:txBody>
+      </p:sp>
+      <p:pic>
+        <p:nvPicPr>
+          <p:cNvPr id="4" name="Picture 3">
+            <a:extLst>
+              <a:ext uri="{FF2B5EF4-FFF2-40B4-BE49-F238E27FC236}">
+                <a16:creationId xmlns:a16="http://schemas.microsoft.com/office/drawing/2014/main" id="{B9D16099-4152-C843-AF7A-C3F24F676F67}"/>
+              </a:ext>
+            </a:extLst>
+          </p:cNvPr>
+          <p:cNvPicPr>
+            <a:picLocks noChangeAspect="1"/>
+          </p:cNvPicPr>
+          <p:nvPr/>
+        </p:nvPicPr>
+        <p:blipFill>
+          <a:blip r:embed="rId3"/>
+          <a:stretch>
+            <a:fillRect/>
+          </a:stretch>
+        </p:blipFill>
+        <p:spPr>
+          <a:xfrm>
+            <a:off x="590551" y="2227065"/>
+            <a:ext cx="6515100" cy="1778000"/>
+          </a:xfrm>
+          <a:prstGeom prst="rect">
+            <a:avLst/>
+          </a:prstGeom>
+          <a:ln>
+            <a:solidFill>
+              <a:schemeClr val="tx1"/>
+            </a:solidFill>
+          </a:ln>
+        </p:spPr>
+      </p:pic>
+      <p:sp>
+        <p:nvSpPr>
+          <p:cNvPr id="5" name="Rectangle 4">
+            <a:extLst>
+              <a:ext uri="{FF2B5EF4-FFF2-40B4-BE49-F238E27FC236}">
+                <a16:creationId xmlns:a16="http://schemas.microsoft.com/office/drawing/2014/main" id="{B5273487-DA62-1840-AD58-DA4695EFA2B7}"/>
+              </a:ext>
+            </a:extLst>
+          </p:cNvPr>
+          <p:cNvSpPr/>
+          <p:nvPr/>
+        </p:nvSpPr>
+        <p:spPr>
+          <a:xfrm>
+            <a:off x="971551" y="5572632"/>
+            <a:ext cx="10001250" cy="707886"/>
+          </a:xfrm>
+          <a:prstGeom prst="rect">
+            <a:avLst/>
+          </a:prstGeom>
+        </p:spPr>
+        <p:txBody>
+          <a:bodyPr wrap="square">
+            <a:spAutoFit/>
+          </a:bodyPr>
+          <a:lstStyle/>
+          <a:p>
+            <a:pPr algn="just"/>
+            <a:r>
+              <a:rPr lang="en-US" sz="2000" dirty="0">
+                <a:latin typeface="Lusitana" pitchFamily="2" charset="0"/>
+              </a:rPr>
+              <a:t>“The Mendeleev number (MN) (ordering number listing the chemical elements column by column through the periodic system) was successfully used to classify the chemical systems”</a:t>
+            </a:r>
+          </a:p>
+        </p:txBody>
+      </p:sp>
+      <p:pic>
+        <p:nvPicPr>
+          <p:cNvPr id="6" name="Picture 5">
+            <a:extLst>
+              <a:ext uri="{FF2B5EF4-FFF2-40B4-BE49-F238E27FC236}">
+                <a16:creationId xmlns:a16="http://schemas.microsoft.com/office/drawing/2014/main" id="{6DFA4B6D-FEF7-0B42-ABC7-5C293B0912E2}"/>
+              </a:ext>
+            </a:extLst>
+          </p:cNvPr>
+          <p:cNvPicPr>
+            <a:picLocks noChangeAspect="1"/>
+          </p:cNvPicPr>
+          <p:nvPr/>
+        </p:nvPicPr>
+        <p:blipFill>
+          <a:blip r:embed="rId4"/>
+          <a:stretch>
+            <a:fillRect/>
+          </a:stretch>
+        </p:blipFill>
+        <p:spPr>
+          <a:xfrm>
+            <a:off x="7579327" y="929152"/>
+            <a:ext cx="3052509" cy="4194345"/>
+          </a:xfrm>
+          <a:prstGeom prst="rect">
+            <a:avLst/>
+          </a:prstGeom>
+          <a:ln>
+            <a:solidFill>
+              <a:schemeClr val="tx1"/>
+            </a:solidFill>
+          </a:ln>
+        </p:spPr>
+      </p:pic>
+    </p:spTree>
+    <p:extLst>
+      <p:ext uri="{BB962C8B-B14F-4D97-AF65-F5344CB8AC3E}">
+        <p14:creationId xmlns:p14="http://schemas.microsoft.com/office/powerpoint/2010/main" val="3218647780"/>
+      </p:ext>
+    </p:extLst>
+  </p:cSld>
+  <p:clrMapOvr>
+    <a:masterClrMapping/>
+  </p:clrMapOvr>
+</p:sld>
+</file>
+
 <file path=ppt/slides/slide13.xml><?xml version="1.0" encoding="utf-8"?>
 <p:sld xmlns:a="http://schemas.openxmlformats.org/drawingml/2006/main" xmlns:r="http://schemas.openxmlformats.org/officeDocument/2006/relationships" xmlns:p="http://schemas.openxmlformats.org/presentationml/2006/main">
   <p:cSld>
@@ -7841,81 +7734,919 @@
           <a:chExt cx="0" cy="0"/>
         </a:xfrm>
       </p:grpSpPr>
-      <p:pic>
-        <p:nvPicPr>
-          <p:cNvPr id="6" name="Picture 5"/>
-          <p:cNvPicPr>
-            <a:picLocks noChangeAspect="1"/>
-          </p:cNvPicPr>
+      <p:sp>
+        <p:nvSpPr>
+          <p:cNvPr id="3" name="Title 2">
+            <a:extLst>
+              <a:ext uri="{FF2B5EF4-FFF2-40B4-BE49-F238E27FC236}">
+                <a16:creationId xmlns:a16="http://schemas.microsoft.com/office/drawing/2014/main" id="{89AAC0A9-8A9F-7749-A50C-CD947F888D4F}"/>
+              </a:ext>
+            </a:extLst>
+          </p:cNvPr>
+          <p:cNvSpPr>
+            <a:spLocks noGrp="1"/>
+          </p:cNvSpPr>
+          <p:nvPr>
+            <p:ph type="ctrTitle"/>
+          </p:nvPr>
+        </p:nvSpPr>
+        <p:spPr/>
+        <p:txBody>
+          <a:bodyPr>
+            <a:normAutofit/>
+          </a:bodyPr>
+          <a:lstStyle/>
+          <a:p>
+            <a:r>
+              <a:rPr lang="en-US" sz="4400" dirty="0"/>
+              <a:t>Logistic regression results</a:t>
+            </a:r>
+          </a:p>
+        </p:txBody>
+      </p:sp>
+      <p:grpSp>
+        <p:nvGrpSpPr>
+          <p:cNvPr id="10" name="Group 9">
+            <a:extLst>
+              <a:ext uri="{FF2B5EF4-FFF2-40B4-BE49-F238E27FC236}">
+                <a16:creationId xmlns:a16="http://schemas.microsoft.com/office/drawing/2014/main" id="{FF4EBA3B-CD8B-5047-9C2E-5CE734EE4892}"/>
+              </a:ext>
+            </a:extLst>
+          </p:cNvPr>
+          <p:cNvGrpSpPr/>
           <p:nvPr/>
-        </p:nvPicPr>
-        <p:blipFill>
-          <a:blip r:embed="rId2" cstate="screen">
-            <a:extLst>
-              <a:ext uri="{28A0092B-C50C-407E-A947-70E740481C1C}">
-                <a14:useLocalDpi xmlns:a14="http://schemas.microsoft.com/office/drawing/2010/main"/>
-              </a:ext>
-            </a:extLst>
-          </a:blip>
-          <a:stretch>
-            <a:fillRect/>
-          </a:stretch>
-        </p:blipFill>
+        </p:nvGrpSpPr>
+        <p:grpSpPr>
+          <a:xfrm>
+            <a:off x="946625" y="3997367"/>
+            <a:ext cx="2265480" cy="2475450"/>
+            <a:chOff x="6555257" y="1670176"/>
+            <a:chExt cx="3347358" cy="3657600"/>
+          </a:xfrm>
+        </p:grpSpPr>
+        <p:pic>
+          <p:nvPicPr>
+            <p:cNvPr id="4" name="Picture 3" descr="A screenshot of a cell phone&#13;&#10;&#13;&#10;Description automatically generated">
+              <a:extLst>
+                <a:ext uri="{FF2B5EF4-FFF2-40B4-BE49-F238E27FC236}">
+                  <a16:creationId xmlns:a16="http://schemas.microsoft.com/office/drawing/2014/main" id="{7CDC568D-BAE6-BA41-8847-C059D8AF812E}"/>
+                </a:ext>
+              </a:extLst>
+            </p:cNvPr>
+            <p:cNvPicPr>
+              <a:picLocks noChangeAspect="1"/>
+            </p:cNvPicPr>
+            <p:nvPr/>
+          </p:nvPicPr>
+          <p:blipFill rotWithShape="1">
+            <a:blip r:embed="rId3"/>
+            <a:srcRect l="17239" r="21749"/>
+            <a:stretch/>
+          </p:blipFill>
+          <p:spPr>
+            <a:xfrm>
+              <a:off x="6555257" y="1670176"/>
+              <a:ext cx="3347358" cy="3657600"/>
+            </a:xfrm>
+            <a:prstGeom prst="rect">
+              <a:avLst/>
+            </a:prstGeom>
+          </p:spPr>
+        </p:pic>
+        <p:sp>
+          <p:nvSpPr>
+            <p:cNvPr id="8" name="TextBox 7">
+              <a:extLst>
+                <a:ext uri="{FF2B5EF4-FFF2-40B4-BE49-F238E27FC236}">
+                  <a16:creationId xmlns:a16="http://schemas.microsoft.com/office/drawing/2014/main" id="{73EE7D89-D240-8C4A-AA00-E963B4F17570}"/>
+                </a:ext>
+              </a:extLst>
+            </p:cNvPr>
+            <p:cNvSpPr txBox="1"/>
+            <p:nvPr/>
+          </p:nvSpPr>
+          <p:spPr>
+            <a:xfrm>
+              <a:off x="7112847" y="3592079"/>
+              <a:ext cx="1309974" cy="430887"/>
+            </a:xfrm>
+            <a:prstGeom prst="rect">
+              <a:avLst/>
+            </a:prstGeom>
+            <a:noFill/>
+          </p:spPr>
+          <p:txBody>
+            <a:bodyPr wrap="none" rtlCol="0">
+              <a:spAutoFit/>
+            </a:bodyPr>
+            <a:lstStyle/>
+            <a:p>
+              <a:r>
+                <a:rPr lang="en-US" sz="2200" dirty="0">
+                  <a:latin typeface="Lusitana" pitchFamily="2" charset="0"/>
+                </a:rPr>
+                <a:t>AP = 0.65</a:t>
+              </a:r>
+            </a:p>
+          </p:txBody>
+        </p:sp>
+      </p:grpSp>
+      <p:grpSp>
+        <p:nvGrpSpPr>
+          <p:cNvPr id="11" name="Group 10">
+            <a:extLst>
+              <a:ext uri="{FF2B5EF4-FFF2-40B4-BE49-F238E27FC236}">
+                <a16:creationId xmlns:a16="http://schemas.microsoft.com/office/drawing/2014/main" id="{9EA97822-1A43-FC43-BE6C-3E4CDD3955D8}"/>
+              </a:ext>
+            </a:extLst>
+          </p:cNvPr>
+          <p:cNvGrpSpPr/>
+          <p:nvPr/>
+        </p:nvGrpSpPr>
+        <p:grpSpPr>
+          <a:xfrm>
+            <a:off x="860784" y="1472951"/>
+            <a:ext cx="2437161" cy="2475451"/>
+            <a:chOff x="1437583" y="1730829"/>
+            <a:chExt cx="3601026" cy="3657600"/>
+          </a:xfrm>
+        </p:grpSpPr>
+        <p:pic>
+          <p:nvPicPr>
+            <p:cNvPr id="6" name="Picture 5" descr="A close up of a map&#13;&#10;&#13;&#10;Description automatically generated">
+              <a:extLst>
+                <a:ext uri="{FF2B5EF4-FFF2-40B4-BE49-F238E27FC236}">
+                  <a16:creationId xmlns:a16="http://schemas.microsoft.com/office/drawing/2014/main" id="{54859F38-12DC-604D-B568-2C675F081CD7}"/>
+                </a:ext>
+              </a:extLst>
+            </p:cNvPr>
+            <p:cNvPicPr>
+              <a:picLocks noChangeAspect="1"/>
+            </p:cNvPicPr>
+            <p:nvPr/>
+          </p:nvPicPr>
+          <p:blipFill rotWithShape="1">
+            <a:blip r:embed="rId4"/>
+            <a:srcRect l="14124" r="20240"/>
+            <a:stretch/>
+          </p:blipFill>
+          <p:spPr>
+            <a:xfrm>
+              <a:off x="1437583" y="1730829"/>
+              <a:ext cx="3601026" cy="3657600"/>
+            </a:xfrm>
+            <a:prstGeom prst="rect">
+              <a:avLst/>
+            </a:prstGeom>
+          </p:spPr>
+        </p:pic>
+        <p:sp>
+          <p:nvSpPr>
+            <p:cNvPr id="9" name="TextBox 8">
+              <a:extLst>
+                <a:ext uri="{FF2B5EF4-FFF2-40B4-BE49-F238E27FC236}">
+                  <a16:creationId xmlns:a16="http://schemas.microsoft.com/office/drawing/2014/main" id="{A003E918-CF8D-EB47-B64D-70243B63FAC0}"/>
+                </a:ext>
+              </a:extLst>
+            </p:cNvPr>
+            <p:cNvSpPr txBox="1"/>
+            <p:nvPr/>
+          </p:nvSpPr>
+          <p:spPr>
+            <a:xfrm>
+              <a:off x="3006624" y="3782925"/>
+              <a:ext cx="2031985" cy="1136887"/>
+            </a:xfrm>
+            <a:prstGeom prst="rect">
+              <a:avLst/>
+            </a:prstGeom>
+            <a:noFill/>
+          </p:spPr>
+          <p:txBody>
+            <a:bodyPr wrap="square" rtlCol="0">
+              <a:spAutoFit/>
+            </a:bodyPr>
+            <a:lstStyle/>
+            <a:p>
+              <a:r>
+                <a:rPr lang="en-US" sz="2200" dirty="0">
+                  <a:latin typeface="Lusitana" pitchFamily="2" charset="0"/>
+                </a:rPr>
+                <a:t>AUROC = 0.913</a:t>
+              </a:r>
+            </a:p>
+          </p:txBody>
+        </p:sp>
+      </p:grpSp>
+      <p:graphicFrame>
+        <p:nvGraphicFramePr>
+          <p:cNvPr id="12" name="Table 11">
+            <a:extLst>
+              <a:ext uri="{FF2B5EF4-FFF2-40B4-BE49-F238E27FC236}">
+                <a16:creationId xmlns:a16="http://schemas.microsoft.com/office/drawing/2014/main" id="{33E4DAC0-1455-DC4F-9562-515BDE19C2FB}"/>
+              </a:ext>
+            </a:extLst>
+          </p:cNvPr>
+          <p:cNvGraphicFramePr>
+            <a:graphicFrameLocks noGrp="1"/>
+          </p:cNvGraphicFramePr>
+          <p:nvPr>
+            <p:extLst>
+              <p:ext uri="{D42A27DB-BD31-4B8C-83A1-F6EECF244321}">
+                <p14:modId xmlns:p14="http://schemas.microsoft.com/office/powerpoint/2010/main" val="2967767792"/>
+              </p:ext>
+            </p:extLst>
+          </p:nvPr>
+        </p:nvGraphicFramePr>
+        <p:xfrm>
+          <a:off x="3727629" y="2652529"/>
+          <a:ext cx="3892371" cy="2771776"/>
+        </p:xfrm>
+        <a:graphic>
+          <a:graphicData uri="http://schemas.openxmlformats.org/drawingml/2006/table">
+            <a:tbl>
+              <a:tblPr firstRow="1" bandRow="1">
+                <a:tableStyleId>{21E4AEA4-8DFA-4A89-87EB-49C32662AFE0}</a:tableStyleId>
+              </a:tblPr>
+              <a:tblGrid>
+                <a:gridCol w="1051386">
+                  <a:extLst>
+                    <a:ext uri="{9D8B030D-6E8A-4147-A177-3AD203B41FA5}">
+                      <a16:colId xmlns:a16="http://schemas.microsoft.com/office/drawing/2014/main" val="2546607406"/>
+                    </a:ext>
+                  </a:extLst>
+                </a:gridCol>
+                <a:gridCol w="1403115">
+                  <a:extLst>
+                    <a:ext uri="{9D8B030D-6E8A-4147-A177-3AD203B41FA5}">
+                      <a16:colId xmlns:a16="http://schemas.microsoft.com/office/drawing/2014/main" val="4209961578"/>
+                    </a:ext>
+                  </a:extLst>
+                </a:gridCol>
+                <a:gridCol w="1437870">
+                  <a:extLst>
+                    <a:ext uri="{9D8B030D-6E8A-4147-A177-3AD203B41FA5}">
+                      <a16:colId xmlns:a16="http://schemas.microsoft.com/office/drawing/2014/main" val="3644029023"/>
+                    </a:ext>
+                  </a:extLst>
+                </a:gridCol>
+              </a:tblGrid>
+              <a:tr h="842464">
+                <a:tc>
+                  <a:txBody>
+                    <a:bodyPr/>
+                    <a:lstStyle/>
+                    <a:p>
+                      <a:pPr algn="ctr"/>
+                      <a:endParaRPr lang="en-US" sz="2000" dirty="0">
+                        <a:solidFill>
+                          <a:sysClr val="windowText" lastClr="000000"/>
+                        </a:solidFill>
+                        <a:latin typeface="Lusitana" pitchFamily="2" charset="0"/>
+                      </a:endParaRPr>
+                    </a:p>
+                  </a:txBody>
+                  <a:tcPr marL="53712" marR="53712" marT="26856" marB="26856"/>
+                </a:tc>
+                <a:tc>
+                  <a:txBody>
+                    <a:bodyPr/>
+                    <a:lstStyle/>
+                    <a:p>
+                      <a:pPr algn="ctr"/>
+                      <a:r>
+                        <a:rPr lang="en-US" sz="2000" dirty="0">
+                          <a:latin typeface="Lusitana" pitchFamily="2" charset="0"/>
+                        </a:rPr>
+                        <a:t>N (predicted)</a:t>
+                      </a:r>
+                      <a:endParaRPr lang="en-US" sz="2000" dirty="0">
+                        <a:solidFill>
+                          <a:sysClr val="windowText" lastClr="000000"/>
+                        </a:solidFill>
+                        <a:latin typeface="Lusitana" pitchFamily="2" charset="0"/>
+                      </a:endParaRPr>
+                    </a:p>
+                  </a:txBody>
+                  <a:tcPr marL="53712" marR="53712" marT="26856" marB="26856"/>
+                </a:tc>
+                <a:tc>
+                  <a:txBody>
+                    <a:bodyPr/>
+                    <a:lstStyle/>
+                    <a:p>
+                      <a:pPr algn="ctr"/>
+                      <a:r>
+                        <a:rPr lang="en-US" sz="2000" dirty="0">
+                          <a:latin typeface="Lusitana" pitchFamily="2" charset="0"/>
+                        </a:rPr>
+                        <a:t>P (predicted)</a:t>
+                      </a:r>
+                      <a:endParaRPr lang="en-US" sz="2000" dirty="0">
+                        <a:solidFill>
+                          <a:sysClr val="windowText" lastClr="000000"/>
+                        </a:solidFill>
+                        <a:latin typeface="Lusitana" pitchFamily="2" charset="0"/>
+                      </a:endParaRPr>
+                    </a:p>
+                  </a:txBody>
+                  <a:tcPr marL="53712" marR="53712" marT="26856" marB="26856"/>
+                </a:tc>
+                <a:extLst>
+                  <a:ext uri="{0D108BD9-81ED-4DB2-BD59-A6C34878D82A}">
+                    <a16:rowId xmlns:a16="http://schemas.microsoft.com/office/drawing/2014/main" val="2141506907"/>
+                  </a:ext>
+                </a:extLst>
+              </a:tr>
+              <a:tr h="964656">
+                <a:tc>
+                  <a:txBody>
+                    <a:bodyPr/>
+                    <a:lstStyle/>
+                    <a:p>
+                      <a:pPr algn="ctr"/>
+                      <a:r>
+                        <a:rPr lang="en-US" sz="2000" dirty="0">
+                          <a:latin typeface="Lusitana" pitchFamily="2" charset="0"/>
+                        </a:rPr>
+                        <a:t>N (actual)</a:t>
+                      </a:r>
+                      <a:endParaRPr lang="en-US" sz="2000" dirty="0">
+                        <a:solidFill>
+                          <a:sysClr val="windowText" lastClr="000000"/>
+                        </a:solidFill>
+                        <a:latin typeface="Lusitana" pitchFamily="2" charset="0"/>
+                      </a:endParaRPr>
+                    </a:p>
+                  </a:txBody>
+                  <a:tcPr marL="53712" marR="53712" marT="26856" marB="26856"/>
+                </a:tc>
+                <a:tc>
+                  <a:txBody>
+                    <a:bodyPr/>
+                    <a:lstStyle/>
+                    <a:p>
+                      <a:pPr algn="ctr"/>
+                      <a:r>
+                        <a:rPr lang="en-US" sz="2000" dirty="0">
+                          <a:latin typeface="Lusitana" pitchFamily="2" charset="0"/>
+                        </a:rPr>
+                        <a:t>TN = 6395</a:t>
+                      </a:r>
+                      <a:endParaRPr lang="en-US" sz="2000" dirty="0">
+                        <a:solidFill>
+                          <a:sysClr val="windowText" lastClr="000000"/>
+                        </a:solidFill>
+                        <a:latin typeface="Lusitana" pitchFamily="2" charset="0"/>
+                      </a:endParaRPr>
+                    </a:p>
+                  </a:txBody>
+                  <a:tcPr marL="53712" marR="53712" marT="26856" marB="26856"/>
+                </a:tc>
+                <a:tc>
+                  <a:txBody>
+                    <a:bodyPr/>
+                    <a:lstStyle/>
+                    <a:p>
+                      <a:pPr algn="ctr"/>
+                      <a:r>
+                        <a:rPr lang="en-US" sz="2000" dirty="0">
+                          <a:latin typeface="Lusitana" pitchFamily="2" charset="0"/>
+                        </a:rPr>
+                        <a:t>FP = 443</a:t>
+                      </a:r>
+                      <a:endParaRPr lang="en-US" sz="2000" dirty="0">
+                        <a:solidFill>
+                          <a:sysClr val="windowText" lastClr="000000"/>
+                        </a:solidFill>
+                        <a:latin typeface="Lusitana" pitchFamily="2" charset="0"/>
+                      </a:endParaRPr>
+                    </a:p>
+                  </a:txBody>
+                  <a:tcPr marL="53712" marR="53712" marT="26856" marB="26856"/>
+                </a:tc>
+                <a:extLst>
+                  <a:ext uri="{0D108BD9-81ED-4DB2-BD59-A6C34878D82A}">
+                    <a16:rowId xmlns:a16="http://schemas.microsoft.com/office/drawing/2014/main" val="3889698626"/>
+                  </a:ext>
+                </a:extLst>
+              </a:tr>
+              <a:tr h="964656">
+                <a:tc>
+                  <a:txBody>
+                    <a:bodyPr/>
+                    <a:lstStyle/>
+                    <a:p>
+                      <a:pPr algn="ctr"/>
+                      <a:r>
+                        <a:rPr lang="en-US" sz="2000" dirty="0">
+                          <a:latin typeface="Lusitana" pitchFamily="2" charset="0"/>
+                        </a:rPr>
+                        <a:t>P (actual)</a:t>
+                      </a:r>
+                      <a:endParaRPr lang="en-US" sz="2000" dirty="0">
+                        <a:solidFill>
+                          <a:sysClr val="windowText" lastClr="000000"/>
+                        </a:solidFill>
+                        <a:latin typeface="Lusitana" pitchFamily="2" charset="0"/>
+                      </a:endParaRPr>
+                    </a:p>
+                  </a:txBody>
+                  <a:tcPr marL="53712" marR="53712" marT="26856" marB="26856"/>
+                </a:tc>
+                <a:tc>
+                  <a:txBody>
+                    <a:bodyPr/>
+                    <a:lstStyle/>
+                    <a:p>
+                      <a:pPr algn="ctr"/>
+                      <a:r>
+                        <a:rPr lang="en-US" sz="2000" dirty="0">
+                          <a:latin typeface="Lusitana" pitchFamily="2" charset="0"/>
+                        </a:rPr>
+                        <a:t>FN  = 681</a:t>
+                      </a:r>
+                      <a:endParaRPr lang="en-US" sz="2000" dirty="0">
+                        <a:solidFill>
+                          <a:sysClr val="windowText" lastClr="000000"/>
+                        </a:solidFill>
+                        <a:latin typeface="Lusitana" pitchFamily="2" charset="0"/>
+                      </a:endParaRPr>
+                    </a:p>
+                  </a:txBody>
+                  <a:tcPr marL="53712" marR="53712" marT="26856" marB="26856"/>
+                </a:tc>
+                <a:tc>
+                  <a:txBody>
+                    <a:bodyPr/>
+                    <a:lstStyle/>
+                    <a:p>
+                      <a:pPr algn="ctr"/>
+                      <a:r>
+                        <a:rPr lang="en-US" sz="2000" dirty="0">
+                          <a:latin typeface="Lusitana" pitchFamily="2" charset="0"/>
+                        </a:rPr>
+                        <a:t>TP = 1818</a:t>
+                      </a:r>
+                      <a:endParaRPr lang="en-US" sz="2000" dirty="0">
+                        <a:solidFill>
+                          <a:sysClr val="windowText" lastClr="000000"/>
+                        </a:solidFill>
+                        <a:latin typeface="Lusitana" pitchFamily="2" charset="0"/>
+                      </a:endParaRPr>
+                    </a:p>
+                  </a:txBody>
+                  <a:tcPr marL="53712" marR="53712" marT="26856" marB="26856"/>
+                </a:tc>
+                <a:extLst>
+                  <a:ext uri="{0D108BD9-81ED-4DB2-BD59-A6C34878D82A}">
+                    <a16:rowId xmlns:a16="http://schemas.microsoft.com/office/drawing/2014/main" val="3127859206"/>
+                  </a:ext>
+                </a:extLst>
+              </a:tr>
+            </a:tbl>
+          </a:graphicData>
+        </a:graphic>
+      </p:graphicFrame>
+      <p:sp>
+        <p:nvSpPr>
+          <p:cNvPr id="13" name="TextBox 12">
+            <a:extLst>
+              <a:ext uri="{FF2B5EF4-FFF2-40B4-BE49-F238E27FC236}">
+                <a16:creationId xmlns:a16="http://schemas.microsoft.com/office/drawing/2014/main" id="{A6CC174F-3A9B-254E-A9A2-27219F762DAF}"/>
+              </a:ext>
+            </a:extLst>
+          </p:cNvPr>
+          <p:cNvSpPr txBox="1"/>
+          <p:nvPr/>
+        </p:nvSpPr>
         <p:spPr>
           <a:xfrm>
-            <a:off x="8421510" y="5013162"/>
-            <a:ext cx="3085212" cy="1147868"/>
+            <a:off x="4544044" y="5557721"/>
+            <a:ext cx="2122697" cy="769441"/>
           </a:xfrm>
           <a:prstGeom prst="rect">
             <a:avLst/>
           </a:prstGeom>
+          <a:noFill/>
         </p:spPr>
-      </p:pic>
-      <p:sp>
-        <p:nvSpPr>
-          <p:cNvPr id="4" name="Title 4"/>
-          <p:cNvSpPr txBox="1">
-            <a:spLocks/>
-          </p:cNvSpPr>
+        <p:txBody>
+          <a:bodyPr wrap="none" rtlCol="0">
+            <a:spAutoFit/>
+          </a:bodyPr>
+          <a:lstStyle/>
+          <a:p>
+            <a:r>
+              <a:rPr lang="en-US" sz="2200" dirty="0">
+                <a:latin typeface="Lusitana" pitchFamily="2" charset="0"/>
+              </a:rPr>
+              <a:t>Accuracy  = 0.88</a:t>
+            </a:r>
+          </a:p>
+          <a:p>
+            <a:r>
+              <a:rPr lang="en-US" sz="2200" dirty="0">
+                <a:latin typeface="Lusitana" pitchFamily="2" charset="0"/>
+              </a:rPr>
+              <a:t>F1_score = 0.76</a:t>
+            </a:r>
+          </a:p>
+        </p:txBody>
+      </p:sp>
+      <p:graphicFrame>
+        <p:nvGraphicFramePr>
+          <p:cNvPr id="14" name="Table 13">
+            <a:extLst>
+              <a:ext uri="{FF2B5EF4-FFF2-40B4-BE49-F238E27FC236}">
+                <a16:creationId xmlns:a16="http://schemas.microsoft.com/office/drawing/2014/main" id="{CFC2F46C-A272-3E4F-8EC3-B62262339008}"/>
+              </a:ext>
+            </a:extLst>
+          </p:cNvPr>
+          <p:cNvGraphicFramePr>
+            <a:graphicFrameLocks noGrp="1"/>
+          </p:cNvGraphicFramePr>
+          <p:nvPr>
+            <p:extLst>
+              <p:ext uri="{D42A27DB-BD31-4B8C-83A1-F6EECF244321}">
+                <p14:modId xmlns:p14="http://schemas.microsoft.com/office/powerpoint/2010/main" val="1530130797"/>
+              </p:ext>
+            </p:extLst>
+          </p:nvPr>
+        </p:nvGraphicFramePr>
+        <p:xfrm>
+          <a:off x="7773563" y="2652529"/>
+          <a:ext cx="3892371" cy="2771776"/>
+        </p:xfrm>
+        <a:graphic>
+          <a:graphicData uri="http://schemas.openxmlformats.org/drawingml/2006/table">
+            <a:tbl>
+              <a:tblPr firstRow="1" bandRow="1">
+                <a:tableStyleId>{5C22544A-7EE6-4342-B048-85BDC9FD1C3A}</a:tableStyleId>
+              </a:tblPr>
+              <a:tblGrid>
+                <a:gridCol w="1051386">
+                  <a:extLst>
+                    <a:ext uri="{9D8B030D-6E8A-4147-A177-3AD203B41FA5}">
+                      <a16:colId xmlns:a16="http://schemas.microsoft.com/office/drawing/2014/main" val="2546607406"/>
+                    </a:ext>
+                  </a:extLst>
+                </a:gridCol>
+                <a:gridCol w="1403115">
+                  <a:extLst>
+                    <a:ext uri="{9D8B030D-6E8A-4147-A177-3AD203B41FA5}">
+                      <a16:colId xmlns:a16="http://schemas.microsoft.com/office/drawing/2014/main" val="4209961578"/>
+                    </a:ext>
+                  </a:extLst>
+                </a:gridCol>
+                <a:gridCol w="1437870">
+                  <a:extLst>
+                    <a:ext uri="{9D8B030D-6E8A-4147-A177-3AD203B41FA5}">
+                      <a16:colId xmlns:a16="http://schemas.microsoft.com/office/drawing/2014/main" val="3644029023"/>
+                    </a:ext>
+                  </a:extLst>
+                </a:gridCol>
+              </a:tblGrid>
+              <a:tr h="842464">
+                <a:tc>
+                  <a:txBody>
+                    <a:bodyPr/>
+                    <a:lstStyle/>
+                    <a:p>
+                      <a:pPr algn="ctr"/>
+                      <a:endParaRPr lang="en-US" sz="2000" dirty="0">
+                        <a:solidFill>
+                          <a:sysClr val="windowText" lastClr="000000"/>
+                        </a:solidFill>
+                        <a:latin typeface="Lusitana" pitchFamily="2" charset="0"/>
+                      </a:endParaRPr>
+                    </a:p>
+                  </a:txBody>
+                  <a:tcPr marL="53712" marR="53712" marT="26856" marB="26856"/>
+                </a:tc>
+                <a:tc>
+                  <a:txBody>
+                    <a:bodyPr/>
+                    <a:lstStyle/>
+                    <a:p>
+                      <a:pPr algn="ctr"/>
+                      <a:r>
+                        <a:rPr lang="en-US" sz="2000" dirty="0">
+                          <a:latin typeface="Lusitana" pitchFamily="2" charset="0"/>
+                        </a:rPr>
+                        <a:t>N (predicted)</a:t>
+                      </a:r>
+                      <a:endParaRPr lang="en-US" sz="2000" dirty="0">
+                        <a:solidFill>
+                          <a:sysClr val="windowText" lastClr="000000"/>
+                        </a:solidFill>
+                        <a:latin typeface="Lusitana" pitchFamily="2" charset="0"/>
+                      </a:endParaRPr>
+                    </a:p>
+                  </a:txBody>
+                  <a:tcPr marL="53712" marR="53712" marT="26856" marB="26856"/>
+                </a:tc>
+                <a:tc>
+                  <a:txBody>
+                    <a:bodyPr/>
+                    <a:lstStyle/>
+                    <a:p>
+                      <a:pPr algn="ctr"/>
+                      <a:r>
+                        <a:rPr lang="en-US" sz="2000" dirty="0">
+                          <a:latin typeface="Lusitana" pitchFamily="2" charset="0"/>
+                        </a:rPr>
+                        <a:t>P (predicted)</a:t>
+                      </a:r>
+                      <a:endParaRPr lang="en-US" sz="2000" dirty="0">
+                        <a:solidFill>
+                          <a:sysClr val="windowText" lastClr="000000"/>
+                        </a:solidFill>
+                        <a:latin typeface="Lusitana" pitchFamily="2" charset="0"/>
+                      </a:endParaRPr>
+                    </a:p>
+                  </a:txBody>
+                  <a:tcPr marL="53712" marR="53712" marT="26856" marB="26856"/>
+                </a:tc>
+                <a:extLst>
+                  <a:ext uri="{0D108BD9-81ED-4DB2-BD59-A6C34878D82A}">
+                    <a16:rowId xmlns:a16="http://schemas.microsoft.com/office/drawing/2014/main" val="2141506907"/>
+                  </a:ext>
+                </a:extLst>
+              </a:tr>
+              <a:tr h="964656">
+                <a:tc>
+                  <a:txBody>
+                    <a:bodyPr/>
+                    <a:lstStyle/>
+                    <a:p>
+                      <a:pPr algn="ctr"/>
+                      <a:r>
+                        <a:rPr lang="en-US" sz="2000" dirty="0">
+                          <a:latin typeface="Lusitana" pitchFamily="2" charset="0"/>
+                        </a:rPr>
+                        <a:t>N (actual)</a:t>
+                      </a:r>
+                      <a:endParaRPr lang="en-US" sz="2000" dirty="0">
+                        <a:solidFill>
+                          <a:sysClr val="windowText" lastClr="000000"/>
+                        </a:solidFill>
+                        <a:latin typeface="Lusitana" pitchFamily="2" charset="0"/>
+                      </a:endParaRPr>
+                    </a:p>
+                  </a:txBody>
+                  <a:tcPr marL="53712" marR="53712" marT="26856" marB="26856"/>
+                </a:tc>
+                <a:tc>
+                  <a:txBody>
+                    <a:bodyPr/>
+                    <a:lstStyle/>
+                    <a:p>
+                      <a:pPr algn="ctr"/>
+                      <a:r>
+                        <a:rPr lang="en-US" sz="2000" dirty="0">
+                          <a:latin typeface="Lusitana" pitchFamily="2" charset="0"/>
+                        </a:rPr>
+                        <a:t>TN = 6046</a:t>
+                      </a:r>
+                      <a:endParaRPr lang="en-US" sz="2000" dirty="0">
+                        <a:solidFill>
+                          <a:sysClr val="windowText" lastClr="000000"/>
+                        </a:solidFill>
+                        <a:latin typeface="Lusitana" pitchFamily="2" charset="0"/>
+                      </a:endParaRPr>
+                    </a:p>
+                  </a:txBody>
+                  <a:tcPr marL="53712" marR="53712" marT="26856" marB="26856"/>
+                </a:tc>
+                <a:tc>
+                  <a:txBody>
+                    <a:bodyPr/>
+                    <a:lstStyle/>
+                    <a:p>
+                      <a:pPr algn="ctr"/>
+                      <a:r>
+                        <a:rPr lang="en-US" sz="2000" dirty="0">
+                          <a:latin typeface="Lusitana" pitchFamily="2" charset="0"/>
+                        </a:rPr>
+                        <a:t>FP = 402</a:t>
+                      </a:r>
+                      <a:endParaRPr lang="en-US" sz="2000" dirty="0">
+                        <a:solidFill>
+                          <a:sysClr val="windowText" lastClr="000000"/>
+                        </a:solidFill>
+                        <a:latin typeface="Lusitana" pitchFamily="2" charset="0"/>
+                      </a:endParaRPr>
+                    </a:p>
+                  </a:txBody>
+                  <a:tcPr marL="53712" marR="53712" marT="26856" marB="26856"/>
+                </a:tc>
+                <a:extLst>
+                  <a:ext uri="{0D108BD9-81ED-4DB2-BD59-A6C34878D82A}">
+                    <a16:rowId xmlns:a16="http://schemas.microsoft.com/office/drawing/2014/main" val="3889698626"/>
+                  </a:ext>
+                </a:extLst>
+              </a:tr>
+              <a:tr h="964656">
+                <a:tc>
+                  <a:txBody>
+                    <a:bodyPr/>
+                    <a:lstStyle/>
+                    <a:p>
+                      <a:pPr algn="ctr"/>
+                      <a:r>
+                        <a:rPr lang="en-US" sz="2000" dirty="0">
+                          <a:latin typeface="Lusitana" pitchFamily="2" charset="0"/>
+                        </a:rPr>
+                        <a:t>P (actual)</a:t>
+                      </a:r>
+                      <a:endParaRPr lang="en-US" sz="2000" dirty="0">
+                        <a:solidFill>
+                          <a:sysClr val="windowText" lastClr="000000"/>
+                        </a:solidFill>
+                        <a:latin typeface="Lusitana" pitchFamily="2" charset="0"/>
+                      </a:endParaRPr>
+                    </a:p>
+                  </a:txBody>
+                  <a:tcPr marL="53712" marR="53712" marT="26856" marB="26856"/>
+                </a:tc>
+                <a:tc>
+                  <a:txBody>
+                    <a:bodyPr/>
+                    <a:lstStyle/>
+                    <a:p>
+                      <a:pPr algn="ctr"/>
+                      <a:r>
+                        <a:rPr lang="en-US" sz="2000" dirty="0">
+                          <a:latin typeface="Lusitana" pitchFamily="2" charset="0"/>
+                        </a:rPr>
+                        <a:t>FN  = 199</a:t>
+                      </a:r>
+                      <a:endParaRPr lang="en-US" sz="2000" dirty="0">
+                        <a:solidFill>
+                          <a:sysClr val="windowText" lastClr="000000"/>
+                        </a:solidFill>
+                        <a:latin typeface="Lusitana" pitchFamily="2" charset="0"/>
+                      </a:endParaRPr>
+                    </a:p>
+                  </a:txBody>
+                  <a:tcPr marL="53712" marR="53712" marT="26856" marB="26856"/>
+                </a:tc>
+                <a:tc>
+                  <a:txBody>
+                    <a:bodyPr/>
+                    <a:lstStyle/>
+                    <a:p>
+                      <a:pPr algn="ctr"/>
+                      <a:r>
+                        <a:rPr lang="en-US" sz="2000" dirty="0">
+                          <a:latin typeface="Lusitana" pitchFamily="2" charset="0"/>
+                        </a:rPr>
+                        <a:t>TP = 94</a:t>
+                      </a:r>
+                      <a:endParaRPr lang="en-US" sz="2000" dirty="0">
+                        <a:solidFill>
+                          <a:sysClr val="windowText" lastClr="000000"/>
+                        </a:solidFill>
+                        <a:latin typeface="Lusitana" pitchFamily="2" charset="0"/>
+                      </a:endParaRPr>
+                    </a:p>
+                  </a:txBody>
+                  <a:tcPr marL="53712" marR="53712" marT="26856" marB="26856"/>
+                </a:tc>
+                <a:extLst>
+                  <a:ext uri="{0D108BD9-81ED-4DB2-BD59-A6C34878D82A}">
+                    <a16:rowId xmlns:a16="http://schemas.microsoft.com/office/drawing/2014/main" val="3127859206"/>
+                  </a:ext>
+                </a:extLst>
+              </a:tr>
+            </a:tbl>
+          </a:graphicData>
+        </a:graphic>
+      </p:graphicFrame>
+      <p:sp>
+        <p:nvSpPr>
+          <p:cNvPr id="15" name="TextBox 14">
+            <a:extLst>
+              <a:ext uri="{FF2B5EF4-FFF2-40B4-BE49-F238E27FC236}">
+                <a16:creationId xmlns:a16="http://schemas.microsoft.com/office/drawing/2014/main" id="{2BA467D1-4001-C249-AC2C-0EF5FAF5B055}"/>
+              </a:ext>
+            </a:extLst>
+          </p:cNvPr>
+          <p:cNvSpPr txBox="1"/>
           <p:nvPr/>
         </p:nvSpPr>
         <p:spPr>
           <a:xfrm>
-            <a:off x="556683" y="665797"/>
-            <a:ext cx="3615267" cy="3691714"/>
+            <a:off x="4735436" y="1940092"/>
+            <a:ext cx="2084225" cy="430887"/>
           </a:xfrm>
           <a:prstGeom prst="rect">
             <a:avLst/>
           </a:prstGeom>
+          <a:noFill/>
         </p:spPr>
         <p:txBody>
-          <a:bodyPr anchor="t">
-            <a:noAutofit/>
+          <a:bodyPr wrap="none" rtlCol="0">
+            <a:spAutoFit/>
           </a:bodyPr>
-          <a:lstStyle>
-            <a:lvl1pPr algn="ctr" defTabSz="914400" rtl="0" eaLnBrk="1" latinLnBrk="0" hangingPunct="1">
-              <a:lnSpc>
-                <a:spcPct val="90000"/>
-              </a:lnSpc>
-              <a:spcBef>
-                <a:spcPct val="0"/>
-              </a:spcBef>
-              <a:buNone/>
-              <a:defRPr sz="6000" b="0" i="0" kern="1200">
-                <a:solidFill>
-                  <a:schemeClr val="tx1"/>
-                </a:solidFill>
-                <a:latin typeface="Barlow Semi Condensed SemiBold" charset="0"/>
-                <a:ea typeface="Barlow Semi Condensed SemiBold" charset="0"/>
-                <a:cs typeface="Barlow Semi Condensed SemiBold" charset="0"/>
-              </a:defRPr>
-            </a:lvl1pPr>
-          </a:lstStyle>
-          <a:p>
-            <a:pPr algn="l"/>
-            <a:r>
-              <a:rPr lang="en-US" dirty="0"/>
-              <a:t>THANK YOU!</a:t>
+          <a:lstStyle/>
+          <a:p>
+            <a:r>
+              <a:rPr lang="en-US" sz="2200" dirty="0">
+                <a:latin typeface="Lusitana" pitchFamily="2" charset="0"/>
+              </a:rPr>
+              <a:t>Held out test set</a:t>
+            </a:r>
+          </a:p>
+        </p:txBody>
+      </p:sp>
+      <p:sp>
+        <p:nvSpPr>
+          <p:cNvPr id="16" name="TextBox 15">
+            <a:extLst>
+              <a:ext uri="{FF2B5EF4-FFF2-40B4-BE49-F238E27FC236}">
+                <a16:creationId xmlns:a16="http://schemas.microsoft.com/office/drawing/2014/main" id="{37CDE782-206D-B849-A552-1660E8337A96}"/>
+              </a:ext>
+            </a:extLst>
+          </p:cNvPr>
+          <p:cNvSpPr txBox="1"/>
+          <p:nvPr/>
+        </p:nvSpPr>
+        <p:spPr>
+          <a:xfrm>
+            <a:off x="8355864" y="1940092"/>
+            <a:ext cx="3275256" cy="430887"/>
+          </a:xfrm>
+          <a:prstGeom prst="rect">
+            <a:avLst/>
+          </a:prstGeom>
+          <a:noFill/>
+        </p:spPr>
+        <p:txBody>
+          <a:bodyPr wrap="none" rtlCol="0">
+            <a:spAutoFit/>
+          </a:bodyPr>
+          <a:lstStyle/>
+          <a:p>
+            <a:r>
+              <a:rPr lang="en-US" sz="2200" dirty="0">
+                <a:latin typeface="Lusitana" pitchFamily="2" charset="0"/>
+              </a:rPr>
+              <a:t>DFT-labeled </a:t>
+            </a:r>
+            <a:r>
+              <a:rPr lang="en-US" sz="2200" dirty="0" err="1">
+                <a:latin typeface="Lusitana" pitchFamily="2" charset="0"/>
+              </a:rPr>
+              <a:t>test_data.csv</a:t>
+            </a:r>
+            <a:endParaRPr lang="en-US" sz="2200" dirty="0">
+              <a:latin typeface="Lusitana" pitchFamily="2" charset="0"/>
+            </a:endParaRPr>
+          </a:p>
+        </p:txBody>
+      </p:sp>
+      <p:sp>
+        <p:nvSpPr>
+          <p:cNvPr id="17" name="TextBox 16">
+            <a:extLst>
+              <a:ext uri="{FF2B5EF4-FFF2-40B4-BE49-F238E27FC236}">
+                <a16:creationId xmlns:a16="http://schemas.microsoft.com/office/drawing/2014/main" id="{194C9F86-8DD4-7148-A942-B9CF29B6E23B}"/>
+              </a:ext>
+            </a:extLst>
+          </p:cNvPr>
+          <p:cNvSpPr txBox="1"/>
+          <p:nvPr/>
+        </p:nvSpPr>
+        <p:spPr>
+          <a:xfrm>
+            <a:off x="8849532" y="5703376"/>
+            <a:ext cx="2119491" cy="769441"/>
+          </a:xfrm>
+          <a:prstGeom prst="rect">
+            <a:avLst/>
+          </a:prstGeom>
+          <a:noFill/>
+        </p:spPr>
+        <p:txBody>
+          <a:bodyPr wrap="none" rtlCol="0">
+            <a:spAutoFit/>
+          </a:bodyPr>
+          <a:lstStyle/>
+          <a:p>
+            <a:r>
+              <a:rPr lang="en-US" sz="2200" dirty="0">
+                <a:latin typeface="Lusitana" pitchFamily="2" charset="0"/>
+              </a:rPr>
+              <a:t>Accuracy = 0.911</a:t>
+            </a:r>
+          </a:p>
+          <a:p>
+            <a:r>
+              <a:rPr lang="en-US" sz="2200" dirty="0">
+                <a:latin typeface="Lusitana" pitchFamily="2" charset="0"/>
+              </a:rPr>
+              <a:t>F1_score = 0.24</a:t>
             </a:r>
           </a:p>
         </p:txBody>
@@ -7923,7 +8654,7 @@
     </p:spTree>
     <p:extLst>
       <p:ext uri="{BB962C8B-B14F-4D97-AF65-F5344CB8AC3E}">
-        <p14:creationId xmlns:p14="http://schemas.microsoft.com/office/powerpoint/2010/main" val="298166196"/>
+        <p14:creationId xmlns:p14="http://schemas.microsoft.com/office/powerpoint/2010/main" val="3274799042"/>
       </p:ext>
     </p:extLst>
   </p:cSld>
@@ -7974,26 +8705,30 @@
           <a:lstStyle/>
           <a:p>
             <a:r>
-              <a:rPr lang="en-US" sz="4400" dirty="0"/>
-              <a:t>Tuning </a:t>
-            </a:r>
-            <a:r>
               <a:rPr lang="en-US" sz="4400" dirty="0" err="1"/>
               <a:t>rf</a:t>
             </a:r>
             <a:r>
               <a:rPr lang="en-US" sz="4400" dirty="0"/>
-              <a:t> hyperparameters</a:t>
+              <a:t> </a:t>
+            </a:r>
+            <a:r>
+              <a:rPr lang="en-US" sz="4400" dirty="0" err="1"/>
+              <a:t>supersampled</a:t>
+            </a:r>
+            <a:r>
+              <a:rPr lang="en-US" sz="4400" dirty="0"/>
+              <a:t>  </a:t>
             </a:r>
           </a:p>
         </p:txBody>
       </p:sp>
       <p:graphicFrame>
         <p:nvGraphicFramePr>
-          <p:cNvPr id="5" name="Table 4">
+          <p:cNvPr id="12" name="Table 11">
             <a:extLst>
               <a:ext uri="{FF2B5EF4-FFF2-40B4-BE49-F238E27FC236}">
-                <a16:creationId xmlns:a16="http://schemas.microsoft.com/office/drawing/2014/main" id="{033A7987-DB4A-AE4F-8A89-15A6F92C0FD5}"/>
+                <a16:creationId xmlns:a16="http://schemas.microsoft.com/office/drawing/2014/main" id="{33E4DAC0-1455-DC4F-9562-515BDE19C2FB}"/>
               </a:ext>
             </a:extLst>
           </p:cNvPr>
@@ -8003,14 +8738,1207 @@
           <p:nvPr>
             <p:extLst>
               <p:ext uri="{D42A27DB-BD31-4B8C-83A1-F6EECF244321}">
-                <p14:modId xmlns:p14="http://schemas.microsoft.com/office/powerpoint/2010/main" val="1084211275"/>
+                <p14:modId xmlns:p14="http://schemas.microsoft.com/office/powerpoint/2010/main" val="3099018630"/>
+              </p:ext>
+            </p:extLst>
+          </p:nvPr>
+        </p:nvGraphicFramePr>
+        <p:xfrm>
+          <a:off x="3727629" y="2652529"/>
+          <a:ext cx="3892371" cy="2771776"/>
+        </p:xfrm>
+        <a:graphic>
+          <a:graphicData uri="http://schemas.openxmlformats.org/drawingml/2006/table">
+            <a:tbl>
+              <a:tblPr firstRow="1" bandRow="1">
+                <a:tableStyleId>{21E4AEA4-8DFA-4A89-87EB-49C32662AFE0}</a:tableStyleId>
+              </a:tblPr>
+              <a:tblGrid>
+                <a:gridCol w="1051386">
+                  <a:extLst>
+                    <a:ext uri="{9D8B030D-6E8A-4147-A177-3AD203B41FA5}">
+                      <a16:colId xmlns:a16="http://schemas.microsoft.com/office/drawing/2014/main" val="2546607406"/>
+                    </a:ext>
+                  </a:extLst>
+                </a:gridCol>
+                <a:gridCol w="1403115">
+                  <a:extLst>
+                    <a:ext uri="{9D8B030D-6E8A-4147-A177-3AD203B41FA5}">
+                      <a16:colId xmlns:a16="http://schemas.microsoft.com/office/drawing/2014/main" val="4209961578"/>
+                    </a:ext>
+                  </a:extLst>
+                </a:gridCol>
+                <a:gridCol w="1437870">
+                  <a:extLst>
+                    <a:ext uri="{9D8B030D-6E8A-4147-A177-3AD203B41FA5}">
+                      <a16:colId xmlns:a16="http://schemas.microsoft.com/office/drawing/2014/main" val="3644029023"/>
+                    </a:ext>
+                  </a:extLst>
+                </a:gridCol>
+              </a:tblGrid>
+              <a:tr h="842464">
+                <a:tc>
+                  <a:txBody>
+                    <a:bodyPr/>
+                    <a:lstStyle/>
+                    <a:p>
+                      <a:pPr algn="ctr"/>
+                      <a:endParaRPr lang="en-US" sz="2000" dirty="0">
+                        <a:solidFill>
+                          <a:sysClr val="windowText" lastClr="000000"/>
+                        </a:solidFill>
+                        <a:latin typeface="Lusitana" pitchFamily="2" charset="0"/>
+                      </a:endParaRPr>
+                    </a:p>
+                  </a:txBody>
+                  <a:tcPr marL="53712" marR="53712" marT="26856" marB="26856"/>
+                </a:tc>
+                <a:tc>
+                  <a:txBody>
+                    <a:bodyPr/>
+                    <a:lstStyle/>
+                    <a:p>
+                      <a:pPr algn="ctr"/>
+                      <a:r>
+                        <a:rPr lang="en-US" sz="2000" dirty="0">
+                          <a:latin typeface="Lusitana" pitchFamily="2" charset="0"/>
+                        </a:rPr>
+                        <a:t>N (predicted)</a:t>
+                      </a:r>
+                      <a:endParaRPr lang="en-US" sz="2000" dirty="0">
+                        <a:solidFill>
+                          <a:sysClr val="windowText" lastClr="000000"/>
+                        </a:solidFill>
+                        <a:latin typeface="Lusitana" pitchFamily="2" charset="0"/>
+                      </a:endParaRPr>
+                    </a:p>
+                  </a:txBody>
+                  <a:tcPr marL="53712" marR="53712" marT="26856" marB="26856"/>
+                </a:tc>
+                <a:tc>
+                  <a:txBody>
+                    <a:bodyPr/>
+                    <a:lstStyle/>
+                    <a:p>
+                      <a:pPr algn="ctr"/>
+                      <a:r>
+                        <a:rPr lang="en-US" sz="2000" dirty="0">
+                          <a:latin typeface="Lusitana" pitchFamily="2" charset="0"/>
+                        </a:rPr>
+                        <a:t>P (predicted)</a:t>
+                      </a:r>
+                      <a:endParaRPr lang="en-US" sz="2000" dirty="0">
+                        <a:solidFill>
+                          <a:sysClr val="windowText" lastClr="000000"/>
+                        </a:solidFill>
+                        <a:latin typeface="Lusitana" pitchFamily="2" charset="0"/>
+                      </a:endParaRPr>
+                    </a:p>
+                  </a:txBody>
+                  <a:tcPr marL="53712" marR="53712" marT="26856" marB="26856"/>
+                </a:tc>
+                <a:extLst>
+                  <a:ext uri="{0D108BD9-81ED-4DB2-BD59-A6C34878D82A}">
+                    <a16:rowId xmlns:a16="http://schemas.microsoft.com/office/drawing/2014/main" val="2141506907"/>
+                  </a:ext>
+                </a:extLst>
+              </a:tr>
+              <a:tr h="964656">
+                <a:tc>
+                  <a:txBody>
+                    <a:bodyPr/>
+                    <a:lstStyle/>
+                    <a:p>
+                      <a:pPr algn="ctr"/>
+                      <a:r>
+                        <a:rPr lang="en-US" sz="2000" dirty="0">
+                          <a:latin typeface="Lusitana" pitchFamily="2" charset="0"/>
+                        </a:rPr>
+                        <a:t>N (actual)</a:t>
+                      </a:r>
+                      <a:endParaRPr lang="en-US" sz="2000" dirty="0">
+                        <a:solidFill>
+                          <a:sysClr val="windowText" lastClr="000000"/>
+                        </a:solidFill>
+                        <a:latin typeface="Lusitana" pitchFamily="2" charset="0"/>
+                      </a:endParaRPr>
+                    </a:p>
+                  </a:txBody>
+                  <a:tcPr marL="53712" marR="53712" marT="26856" marB="26856"/>
+                </a:tc>
+                <a:tc>
+                  <a:txBody>
+                    <a:bodyPr/>
+                    <a:lstStyle/>
+                    <a:p>
+                      <a:pPr algn="ctr"/>
+                      <a:r>
+                        <a:rPr lang="en-US" sz="2000" dirty="0">
+                          <a:latin typeface="Lusitana" pitchFamily="2" charset="0"/>
+                        </a:rPr>
+                        <a:t>TN = 6483</a:t>
+                      </a:r>
+                      <a:endParaRPr lang="en-US" sz="2000" dirty="0">
+                        <a:solidFill>
+                          <a:sysClr val="windowText" lastClr="000000"/>
+                        </a:solidFill>
+                        <a:latin typeface="Lusitana" pitchFamily="2" charset="0"/>
+                      </a:endParaRPr>
+                    </a:p>
+                  </a:txBody>
+                  <a:tcPr marL="53712" marR="53712" marT="26856" marB="26856"/>
+                </a:tc>
+                <a:tc>
+                  <a:txBody>
+                    <a:bodyPr/>
+                    <a:lstStyle/>
+                    <a:p>
+                      <a:pPr algn="ctr"/>
+                      <a:r>
+                        <a:rPr lang="en-US" sz="2000" dirty="0">
+                          <a:latin typeface="Lusitana" pitchFamily="2" charset="0"/>
+                        </a:rPr>
+                        <a:t>FP = 412</a:t>
+                      </a:r>
+                      <a:endParaRPr lang="en-US" sz="2000" dirty="0">
+                        <a:solidFill>
+                          <a:sysClr val="windowText" lastClr="000000"/>
+                        </a:solidFill>
+                        <a:latin typeface="Lusitana" pitchFamily="2" charset="0"/>
+                      </a:endParaRPr>
+                    </a:p>
+                  </a:txBody>
+                  <a:tcPr marL="53712" marR="53712" marT="26856" marB="26856"/>
+                </a:tc>
+                <a:extLst>
+                  <a:ext uri="{0D108BD9-81ED-4DB2-BD59-A6C34878D82A}">
+                    <a16:rowId xmlns:a16="http://schemas.microsoft.com/office/drawing/2014/main" val="3889698626"/>
+                  </a:ext>
+                </a:extLst>
+              </a:tr>
+              <a:tr h="964656">
+                <a:tc>
+                  <a:txBody>
+                    <a:bodyPr/>
+                    <a:lstStyle/>
+                    <a:p>
+                      <a:pPr algn="ctr"/>
+                      <a:r>
+                        <a:rPr lang="en-US" sz="2000" dirty="0">
+                          <a:latin typeface="Lusitana" pitchFamily="2" charset="0"/>
+                        </a:rPr>
+                        <a:t>P (actual)</a:t>
+                      </a:r>
+                      <a:endParaRPr lang="en-US" sz="2000" dirty="0">
+                        <a:solidFill>
+                          <a:sysClr val="windowText" lastClr="000000"/>
+                        </a:solidFill>
+                        <a:latin typeface="Lusitana" pitchFamily="2" charset="0"/>
+                      </a:endParaRPr>
+                    </a:p>
+                  </a:txBody>
+                  <a:tcPr marL="53712" marR="53712" marT="26856" marB="26856"/>
+                </a:tc>
+                <a:tc>
+                  <a:txBody>
+                    <a:bodyPr/>
+                    <a:lstStyle/>
+                    <a:p>
+                      <a:pPr algn="ctr"/>
+                      <a:r>
+                        <a:rPr lang="en-US" sz="2000" dirty="0">
+                          <a:latin typeface="Lusitana" pitchFamily="2" charset="0"/>
+                        </a:rPr>
+                        <a:t>FN  = 29</a:t>
+                      </a:r>
+                      <a:endParaRPr lang="en-US" sz="2000" dirty="0">
+                        <a:solidFill>
+                          <a:sysClr val="windowText" lastClr="000000"/>
+                        </a:solidFill>
+                        <a:latin typeface="Lusitana" pitchFamily="2" charset="0"/>
+                      </a:endParaRPr>
+                    </a:p>
+                  </a:txBody>
+                  <a:tcPr marL="53712" marR="53712" marT="26856" marB="26856"/>
+                </a:tc>
+                <a:tc>
+                  <a:txBody>
+                    <a:bodyPr/>
+                    <a:lstStyle/>
+                    <a:p>
+                      <a:pPr algn="ctr"/>
+                      <a:r>
+                        <a:rPr lang="en-US" sz="2000" dirty="0">
+                          <a:latin typeface="Lusitana" pitchFamily="2" charset="0"/>
+                        </a:rPr>
+                        <a:t>TP = 4881</a:t>
+                      </a:r>
+                      <a:endParaRPr lang="en-US" sz="2000" dirty="0">
+                        <a:solidFill>
+                          <a:sysClr val="windowText" lastClr="000000"/>
+                        </a:solidFill>
+                        <a:latin typeface="Lusitana" pitchFamily="2" charset="0"/>
+                      </a:endParaRPr>
+                    </a:p>
+                  </a:txBody>
+                  <a:tcPr marL="53712" marR="53712" marT="26856" marB="26856"/>
+                </a:tc>
+                <a:extLst>
+                  <a:ext uri="{0D108BD9-81ED-4DB2-BD59-A6C34878D82A}">
+                    <a16:rowId xmlns:a16="http://schemas.microsoft.com/office/drawing/2014/main" val="3127859206"/>
+                  </a:ext>
+                </a:extLst>
+              </a:tr>
+            </a:tbl>
+          </a:graphicData>
+        </a:graphic>
+      </p:graphicFrame>
+      <p:sp>
+        <p:nvSpPr>
+          <p:cNvPr id="13" name="TextBox 12">
+            <a:extLst>
+              <a:ext uri="{FF2B5EF4-FFF2-40B4-BE49-F238E27FC236}">
+                <a16:creationId xmlns:a16="http://schemas.microsoft.com/office/drawing/2014/main" id="{A6CC174F-3A9B-254E-A9A2-27219F762DAF}"/>
+              </a:ext>
+            </a:extLst>
+          </p:cNvPr>
+          <p:cNvSpPr txBox="1"/>
+          <p:nvPr/>
+        </p:nvSpPr>
+        <p:spPr>
+          <a:xfrm>
+            <a:off x="4544044" y="5557721"/>
+            <a:ext cx="2129109" cy="769441"/>
+          </a:xfrm>
+          <a:prstGeom prst="rect">
+            <a:avLst/>
+          </a:prstGeom>
+          <a:noFill/>
+        </p:spPr>
+        <p:txBody>
+          <a:bodyPr wrap="none" rtlCol="0">
+            <a:spAutoFit/>
+          </a:bodyPr>
+          <a:lstStyle/>
+          <a:p>
+            <a:r>
+              <a:rPr lang="en-US" sz="2200" dirty="0">
+                <a:latin typeface="Lusitana" pitchFamily="2" charset="0"/>
+              </a:rPr>
+              <a:t>Accuracy  = 0.96</a:t>
+            </a:r>
+          </a:p>
+          <a:p>
+            <a:r>
+              <a:rPr lang="en-US" sz="2200" dirty="0">
+                <a:latin typeface="Lusitana" pitchFamily="2" charset="0"/>
+              </a:rPr>
+              <a:t>F1_score = 0.96</a:t>
+            </a:r>
+          </a:p>
+        </p:txBody>
+      </p:sp>
+      <p:graphicFrame>
+        <p:nvGraphicFramePr>
+          <p:cNvPr id="14" name="Table 13">
+            <a:extLst>
+              <a:ext uri="{FF2B5EF4-FFF2-40B4-BE49-F238E27FC236}">
+                <a16:creationId xmlns:a16="http://schemas.microsoft.com/office/drawing/2014/main" id="{CFC2F46C-A272-3E4F-8EC3-B62262339008}"/>
+              </a:ext>
+            </a:extLst>
+          </p:cNvPr>
+          <p:cNvGraphicFramePr>
+            <a:graphicFrameLocks noGrp="1"/>
+          </p:cNvGraphicFramePr>
+          <p:nvPr>
+            <p:extLst>
+              <p:ext uri="{D42A27DB-BD31-4B8C-83A1-F6EECF244321}">
+                <p14:modId xmlns:p14="http://schemas.microsoft.com/office/powerpoint/2010/main" val="121083132"/>
+              </p:ext>
+            </p:extLst>
+          </p:nvPr>
+        </p:nvGraphicFramePr>
+        <p:xfrm>
+          <a:off x="7773563" y="2652529"/>
+          <a:ext cx="3892371" cy="2771776"/>
+        </p:xfrm>
+        <a:graphic>
+          <a:graphicData uri="http://schemas.openxmlformats.org/drawingml/2006/table">
+            <a:tbl>
+              <a:tblPr firstRow="1" bandRow="1">
+                <a:tableStyleId>{5C22544A-7EE6-4342-B048-85BDC9FD1C3A}</a:tableStyleId>
+              </a:tblPr>
+              <a:tblGrid>
+                <a:gridCol w="1051386">
+                  <a:extLst>
+                    <a:ext uri="{9D8B030D-6E8A-4147-A177-3AD203B41FA5}">
+                      <a16:colId xmlns:a16="http://schemas.microsoft.com/office/drawing/2014/main" val="2546607406"/>
+                    </a:ext>
+                  </a:extLst>
+                </a:gridCol>
+                <a:gridCol w="1403115">
+                  <a:extLst>
+                    <a:ext uri="{9D8B030D-6E8A-4147-A177-3AD203B41FA5}">
+                      <a16:colId xmlns:a16="http://schemas.microsoft.com/office/drawing/2014/main" val="4209961578"/>
+                    </a:ext>
+                  </a:extLst>
+                </a:gridCol>
+                <a:gridCol w="1437870">
+                  <a:extLst>
+                    <a:ext uri="{9D8B030D-6E8A-4147-A177-3AD203B41FA5}">
+                      <a16:colId xmlns:a16="http://schemas.microsoft.com/office/drawing/2014/main" val="3644029023"/>
+                    </a:ext>
+                  </a:extLst>
+                </a:gridCol>
+              </a:tblGrid>
+              <a:tr h="842464">
+                <a:tc>
+                  <a:txBody>
+                    <a:bodyPr/>
+                    <a:lstStyle/>
+                    <a:p>
+                      <a:pPr algn="ctr"/>
+                      <a:endParaRPr lang="en-US" sz="2000" dirty="0">
+                        <a:solidFill>
+                          <a:sysClr val="windowText" lastClr="000000"/>
+                        </a:solidFill>
+                        <a:latin typeface="Lusitana" pitchFamily="2" charset="0"/>
+                      </a:endParaRPr>
+                    </a:p>
+                  </a:txBody>
+                  <a:tcPr marL="53712" marR="53712" marT="26856" marB="26856"/>
+                </a:tc>
+                <a:tc>
+                  <a:txBody>
+                    <a:bodyPr/>
+                    <a:lstStyle/>
+                    <a:p>
+                      <a:pPr algn="ctr"/>
+                      <a:r>
+                        <a:rPr lang="en-US" sz="2000" dirty="0">
+                          <a:latin typeface="Lusitana" pitchFamily="2" charset="0"/>
+                        </a:rPr>
+                        <a:t>N (predicted)</a:t>
+                      </a:r>
+                      <a:endParaRPr lang="en-US" sz="2000" dirty="0">
+                        <a:solidFill>
+                          <a:sysClr val="windowText" lastClr="000000"/>
+                        </a:solidFill>
+                        <a:latin typeface="Lusitana" pitchFamily="2" charset="0"/>
+                      </a:endParaRPr>
+                    </a:p>
+                  </a:txBody>
+                  <a:tcPr marL="53712" marR="53712" marT="26856" marB="26856"/>
+                </a:tc>
+                <a:tc>
+                  <a:txBody>
+                    <a:bodyPr/>
+                    <a:lstStyle/>
+                    <a:p>
+                      <a:pPr algn="ctr"/>
+                      <a:r>
+                        <a:rPr lang="en-US" sz="2000" dirty="0">
+                          <a:latin typeface="Lusitana" pitchFamily="2" charset="0"/>
+                        </a:rPr>
+                        <a:t>P (predicted)</a:t>
+                      </a:r>
+                      <a:endParaRPr lang="en-US" sz="2000" dirty="0">
+                        <a:solidFill>
+                          <a:sysClr val="windowText" lastClr="000000"/>
+                        </a:solidFill>
+                        <a:latin typeface="Lusitana" pitchFamily="2" charset="0"/>
+                      </a:endParaRPr>
+                    </a:p>
+                  </a:txBody>
+                  <a:tcPr marL="53712" marR="53712" marT="26856" marB="26856"/>
+                </a:tc>
+                <a:extLst>
+                  <a:ext uri="{0D108BD9-81ED-4DB2-BD59-A6C34878D82A}">
+                    <a16:rowId xmlns:a16="http://schemas.microsoft.com/office/drawing/2014/main" val="2141506907"/>
+                  </a:ext>
+                </a:extLst>
+              </a:tr>
+              <a:tr h="964656">
+                <a:tc>
+                  <a:txBody>
+                    <a:bodyPr/>
+                    <a:lstStyle/>
+                    <a:p>
+                      <a:pPr algn="ctr"/>
+                      <a:r>
+                        <a:rPr lang="en-US" sz="2000" dirty="0">
+                          <a:latin typeface="Lusitana" pitchFamily="2" charset="0"/>
+                        </a:rPr>
+                        <a:t>N (actual)</a:t>
+                      </a:r>
+                      <a:endParaRPr lang="en-US" sz="2000" dirty="0">
+                        <a:solidFill>
+                          <a:sysClr val="windowText" lastClr="000000"/>
+                        </a:solidFill>
+                        <a:latin typeface="Lusitana" pitchFamily="2" charset="0"/>
+                      </a:endParaRPr>
+                    </a:p>
+                  </a:txBody>
+                  <a:tcPr marL="53712" marR="53712" marT="26856" marB="26856"/>
+                </a:tc>
+                <a:tc>
+                  <a:txBody>
+                    <a:bodyPr/>
+                    <a:lstStyle/>
+                    <a:p>
+                      <a:pPr algn="ctr"/>
+                      <a:r>
+                        <a:rPr lang="en-US" sz="2000" dirty="0">
+                          <a:latin typeface="Lusitana" pitchFamily="2" charset="0"/>
+                        </a:rPr>
+                        <a:t>TN = 5897</a:t>
+                      </a:r>
+                      <a:endParaRPr lang="en-US" sz="2000" dirty="0">
+                        <a:solidFill>
+                          <a:sysClr val="windowText" lastClr="000000"/>
+                        </a:solidFill>
+                        <a:latin typeface="Lusitana" pitchFamily="2" charset="0"/>
+                      </a:endParaRPr>
+                    </a:p>
+                  </a:txBody>
+                  <a:tcPr marL="53712" marR="53712" marT="26856" marB="26856"/>
+                </a:tc>
+                <a:tc>
+                  <a:txBody>
+                    <a:bodyPr/>
+                    <a:lstStyle/>
+                    <a:p>
+                      <a:pPr algn="ctr"/>
+                      <a:r>
+                        <a:rPr lang="en-US" sz="2000" dirty="0">
+                          <a:latin typeface="Lusitana" pitchFamily="2" charset="0"/>
+                        </a:rPr>
+                        <a:t>FP = 551</a:t>
+                      </a:r>
+                      <a:endParaRPr lang="en-US" sz="2000" dirty="0">
+                        <a:solidFill>
+                          <a:sysClr val="windowText" lastClr="000000"/>
+                        </a:solidFill>
+                        <a:latin typeface="Lusitana" pitchFamily="2" charset="0"/>
+                      </a:endParaRPr>
+                    </a:p>
+                  </a:txBody>
+                  <a:tcPr marL="53712" marR="53712" marT="26856" marB="26856"/>
+                </a:tc>
+                <a:extLst>
+                  <a:ext uri="{0D108BD9-81ED-4DB2-BD59-A6C34878D82A}">
+                    <a16:rowId xmlns:a16="http://schemas.microsoft.com/office/drawing/2014/main" val="3889698626"/>
+                  </a:ext>
+                </a:extLst>
+              </a:tr>
+              <a:tr h="964656">
+                <a:tc>
+                  <a:txBody>
+                    <a:bodyPr/>
+                    <a:lstStyle/>
+                    <a:p>
+                      <a:pPr algn="ctr"/>
+                      <a:r>
+                        <a:rPr lang="en-US" sz="2000" dirty="0">
+                          <a:latin typeface="Lusitana" pitchFamily="2" charset="0"/>
+                        </a:rPr>
+                        <a:t>P (actual)</a:t>
+                      </a:r>
+                      <a:endParaRPr lang="en-US" sz="2000" dirty="0">
+                        <a:solidFill>
+                          <a:sysClr val="windowText" lastClr="000000"/>
+                        </a:solidFill>
+                        <a:latin typeface="Lusitana" pitchFamily="2" charset="0"/>
+                      </a:endParaRPr>
+                    </a:p>
+                  </a:txBody>
+                  <a:tcPr marL="53712" marR="53712" marT="26856" marB="26856"/>
+                </a:tc>
+                <a:tc>
+                  <a:txBody>
+                    <a:bodyPr/>
+                    <a:lstStyle/>
+                    <a:p>
+                      <a:pPr algn="ctr"/>
+                      <a:r>
+                        <a:rPr lang="en-US" sz="2000" dirty="0">
+                          <a:latin typeface="Lusitana" pitchFamily="2" charset="0"/>
+                        </a:rPr>
+                        <a:t>FN  = 126</a:t>
+                      </a:r>
+                      <a:endParaRPr lang="en-US" sz="2000" dirty="0">
+                        <a:solidFill>
+                          <a:sysClr val="windowText" lastClr="000000"/>
+                        </a:solidFill>
+                        <a:latin typeface="Lusitana" pitchFamily="2" charset="0"/>
+                      </a:endParaRPr>
+                    </a:p>
+                  </a:txBody>
+                  <a:tcPr marL="53712" marR="53712" marT="26856" marB="26856"/>
+                </a:tc>
+                <a:tc>
+                  <a:txBody>
+                    <a:bodyPr/>
+                    <a:lstStyle/>
+                    <a:p>
+                      <a:pPr algn="ctr"/>
+                      <a:r>
+                        <a:rPr lang="en-US" sz="2000" dirty="0">
+                          <a:latin typeface="Lusitana" pitchFamily="2" charset="0"/>
+                        </a:rPr>
+                        <a:t>TP = 167</a:t>
+                      </a:r>
+                      <a:endParaRPr lang="en-US" sz="2000" dirty="0">
+                        <a:solidFill>
+                          <a:sysClr val="windowText" lastClr="000000"/>
+                        </a:solidFill>
+                        <a:latin typeface="Lusitana" pitchFamily="2" charset="0"/>
+                      </a:endParaRPr>
+                    </a:p>
+                  </a:txBody>
+                  <a:tcPr marL="53712" marR="53712" marT="26856" marB="26856"/>
+                </a:tc>
+                <a:extLst>
+                  <a:ext uri="{0D108BD9-81ED-4DB2-BD59-A6C34878D82A}">
+                    <a16:rowId xmlns:a16="http://schemas.microsoft.com/office/drawing/2014/main" val="3127859206"/>
+                  </a:ext>
+                </a:extLst>
+              </a:tr>
+            </a:tbl>
+          </a:graphicData>
+        </a:graphic>
+      </p:graphicFrame>
+      <p:sp>
+        <p:nvSpPr>
+          <p:cNvPr id="15" name="TextBox 14">
+            <a:extLst>
+              <a:ext uri="{FF2B5EF4-FFF2-40B4-BE49-F238E27FC236}">
+                <a16:creationId xmlns:a16="http://schemas.microsoft.com/office/drawing/2014/main" id="{2BA467D1-4001-C249-AC2C-0EF5FAF5B055}"/>
+              </a:ext>
+            </a:extLst>
+          </p:cNvPr>
+          <p:cNvSpPr txBox="1"/>
+          <p:nvPr/>
+        </p:nvSpPr>
+        <p:spPr>
+          <a:xfrm>
+            <a:off x="4735436" y="1940092"/>
+            <a:ext cx="2084225" cy="430887"/>
+          </a:xfrm>
+          <a:prstGeom prst="rect">
+            <a:avLst/>
+          </a:prstGeom>
+          <a:noFill/>
+        </p:spPr>
+        <p:txBody>
+          <a:bodyPr wrap="none" rtlCol="0">
+            <a:spAutoFit/>
+          </a:bodyPr>
+          <a:lstStyle/>
+          <a:p>
+            <a:r>
+              <a:rPr lang="en-US" sz="2200" dirty="0">
+                <a:latin typeface="Lusitana" pitchFamily="2" charset="0"/>
+              </a:rPr>
+              <a:t>Held out test set</a:t>
+            </a:r>
+          </a:p>
+        </p:txBody>
+      </p:sp>
+      <p:sp>
+        <p:nvSpPr>
+          <p:cNvPr id="16" name="TextBox 15">
+            <a:extLst>
+              <a:ext uri="{FF2B5EF4-FFF2-40B4-BE49-F238E27FC236}">
+                <a16:creationId xmlns:a16="http://schemas.microsoft.com/office/drawing/2014/main" id="{37CDE782-206D-B849-A552-1660E8337A96}"/>
+              </a:ext>
+            </a:extLst>
+          </p:cNvPr>
+          <p:cNvSpPr txBox="1"/>
+          <p:nvPr/>
+        </p:nvSpPr>
+        <p:spPr>
+          <a:xfrm>
+            <a:off x="8355864" y="1940092"/>
+            <a:ext cx="3275256" cy="430887"/>
+          </a:xfrm>
+          <a:prstGeom prst="rect">
+            <a:avLst/>
+          </a:prstGeom>
+          <a:noFill/>
+        </p:spPr>
+        <p:txBody>
+          <a:bodyPr wrap="none" rtlCol="0">
+            <a:spAutoFit/>
+          </a:bodyPr>
+          <a:lstStyle/>
+          <a:p>
+            <a:r>
+              <a:rPr lang="en-US" sz="2200" dirty="0">
+                <a:latin typeface="Lusitana" pitchFamily="2" charset="0"/>
+              </a:rPr>
+              <a:t>DFT-labeled </a:t>
+            </a:r>
+            <a:r>
+              <a:rPr lang="en-US" sz="2200" dirty="0" err="1">
+                <a:latin typeface="Lusitana" pitchFamily="2" charset="0"/>
+              </a:rPr>
+              <a:t>test_data.csv</a:t>
+            </a:r>
+            <a:endParaRPr lang="en-US" sz="2200" dirty="0">
+              <a:latin typeface="Lusitana" pitchFamily="2" charset="0"/>
+            </a:endParaRPr>
+          </a:p>
+        </p:txBody>
+      </p:sp>
+      <p:sp>
+        <p:nvSpPr>
+          <p:cNvPr id="17" name="TextBox 16">
+            <a:extLst>
+              <a:ext uri="{FF2B5EF4-FFF2-40B4-BE49-F238E27FC236}">
+                <a16:creationId xmlns:a16="http://schemas.microsoft.com/office/drawing/2014/main" id="{194C9F86-8DD4-7148-A942-B9CF29B6E23B}"/>
+              </a:ext>
+            </a:extLst>
+          </p:cNvPr>
+          <p:cNvSpPr txBox="1"/>
+          <p:nvPr/>
+        </p:nvSpPr>
+        <p:spPr>
+          <a:xfrm>
+            <a:off x="8849532" y="5703376"/>
+            <a:ext cx="1960793" cy="769441"/>
+          </a:xfrm>
+          <a:prstGeom prst="rect">
+            <a:avLst/>
+          </a:prstGeom>
+          <a:noFill/>
+        </p:spPr>
+        <p:txBody>
+          <a:bodyPr wrap="none" rtlCol="0">
+            <a:spAutoFit/>
+          </a:bodyPr>
+          <a:lstStyle/>
+          <a:p>
+            <a:r>
+              <a:rPr lang="en-US" sz="2200" dirty="0">
+                <a:latin typeface="Lusitana" pitchFamily="2" charset="0"/>
+              </a:rPr>
+              <a:t>Accuracy = 0.9</a:t>
+            </a:r>
+          </a:p>
+          <a:p>
+            <a:r>
+              <a:rPr lang="en-US" sz="2200" dirty="0">
+                <a:latin typeface="Lusitana" pitchFamily="2" charset="0"/>
+              </a:rPr>
+              <a:t>F1_score = 0.33</a:t>
+            </a:r>
+          </a:p>
+        </p:txBody>
+      </p:sp>
+      <p:pic>
+        <p:nvPicPr>
+          <p:cNvPr id="2" name="Picture 1">
+            <a:extLst>
+              <a:ext uri="{FF2B5EF4-FFF2-40B4-BE49-F238E27FC236}">
+                <a16:creationId xmlns:a16="http://schemas.microsoft.com/office/drawing/2014/main" id="{0384E7AC-0C5E-2348-BBD6-916FEA4DEFB0}"/>
+              </a:ext>
+            </a:extLst>
+          </p:cNvPr>
+          <p:cNvPicPr>
+            <a:picLocks noChangeAspect="1"/>
+          </p:cNvPicPr>
+          <p:nvPr/>
+        </p:nvPicPr>
+        <p:blipFill>
+          <a:blip r:embed="rId3"/>
+          <a:stretch>
+            <a:fillRect/>
+          </a:stretch>
+        </p:blipFill>
+        <p:spPr>
+          <a:xfrm>
+            <a:off x="627557" y="1598386"/>
+            <a:ext cx="2711615" cy="2614386"/>
+          </a:xfrm>
+          <a:prstGeom prst="rect">
+            <a:avLst/>
+          </a:prstGeom>
+        </p:spPr>
+      </p:pic>
+      <p:sp>
+        <p:nvSpPr>
+          <p:cNvPr id="5" name="TextBox 4">
+            <a:extLst>
+              <a:ext uri="{FF2B5EF4-FFF2-40B4-BE49-F238E27FC236}">
+                <a16:creationId xmlns:a16="http://schemas.microsoft.com/office/drawing/2014/main" id="{078CDCE0-F72A-DC43-9729-BBF3D354CEDF}"/>
+              </a:ext>
+            </a:extLst>
+          </p:cNvPr>
+          <p:cNvSpPr txBox="1"/>
+          <p:nvPr/>
+        </p:nvSpPr>
+        <p:spPr>
+          <a:xfrm>
+            <a:off x="1352420" y="2310369"/>
+            <a:ext cx="1607107" cy="369332"/>
+          </a:xfrm>
+          <a:prstGeom prst="rect">
+            <a:avLst/>
+          </a:prstGeom>
+          <a:noFill/>
+        </p:spPr>
+        <p:txBody>
+          <a:bodyPr wrap="none" rtlCol="0">
+            <a:spAutoFit/>
+          </a:bodyPr>
+          <a:lstStyle/>
+          <a:p>
+            <a:r>
+              <a:rPr lang="en-US" dirty="0"/>
+              <a:t>AUROC = 0.996</a:t>
+            </a:r>
+          </a:p>
+        </p:txBody>
+      </p:sp>
+      <p:pic>
+        <p:nvPicPr>
+          <p:cNvPr id="7" name="Picture 6">
+            <a:extLst>
+              <a:ext uri="{FF2B5EF4-FFF2-40B4-BE49-F238E27FC236}">
+                <a16:creationId xmlns:a16="http://schemas.microsoft.com/office/drawing/2014/main" id="{7CF34816-71CD-CF4D-ADF2-366A00B44378}"/>
+              </a:ext>
+            </a:extLst>
+          </p:cNvPr>
+          <p:cNvPicPr>
+            <a:picLocks noChangeAspect="1"/>
+          </p:cNvPicPr>
+          <p:nvPr/>
+        </p:nvPicPr>
+        <p:blipFill>
+          <a:blip r:embed="rId4"/>
+          <a:stretch>
+            <a:fillRect/>
+          </a:stretch>
+        </p:blipFill>
+        <p:spPr>
+          <a:xfrm>
+            <a:off x="749593" y="4212772"/>
+            <a:ext cx="2209934" cy="2192112"/>
+          </a:xfrm>
+          <a:prstGeom prst="rect">
+            <a:avLst/>
+          </a:prstGeom>
+        </p:spPr>
+      </p:pic>
+      <p:sp>
+        <p:nvSpPr>
+          <p:cNvPr id="18" name="TextBox 17">
+            <a:extLst>
+              <a:ext uri="{FF2B5EF4-FFF2-40B4-BE49-F238E27FC236}">
+                <a16:creationId xmlns:a16="http://schemas.microsoft.com/office/drawing/2014/main" id="{6C1D0F84-A47D-B14F-BA2B-6910EC9A71EF}"/>
+              </a:ext>
+            </a:extLst>
+          </p:cNvPr>
+          <p:cNvSpPr txBox="1"/>
+          <p:nvPr/>
+        </p:nvSpPr>
+        <p:spPr>
+          <a:xfrm>
+            <a:off x="1450205" y="5074948"/>
+            <a:ext cx="1066318" cy="369332"/>
+          </a:xfrm>
+          <a:prstGeom prst="rect">
+            <a:avLst/>
+          </a:prstGeom>
+          <a:noFill/>
+        </p:spPr>
+        <p:txBody>
+          <a:bodyPr wrap="none" rtlCol="0">
+            <a:spAutoFit/>
+          </a:bodyPr>
+          <a:lstStyle/>
+          <a:p>
+            <a:r>
+              <a:rPr lang="en-US" dirty="0"/>
+              <a:t>AP = 0.92</a:t>
+            </a:r>
+          </a:p>
+        </p:txBody>
+      </p:sp>
+      <p:pic>
+        <p:nvPicPr>
+          <p:cNvPr id="19" name="Picture 18">
+            <a:extLst>
+              <a:ext uri="{FF2B5EF4-FFF2-40B4-BE49-F238E27FC236}">
+                <a16:creationId xmlns:a16="http://schemas.microsoft.com/office/drawing/2014/main" id="{91AF66FD-CA90-464E-8D52-49CB069E294C}"/>
+              </a:ext>
+            </a:extLst>
+          </p:cNvPr>
+          <p:cNvPicPr>
+            <a:picLocks noChangeAspect="1"/>
+          </p:cNvPicPr>
+          <p:nvPr/>
+        </p:nvPicPr>
+        <p:blipFill>
+          <a:blip r:embed="rId5"/>
+          <a:stretch>
+            <a:fillRect/>
+          </a:stretch>
+        </p:blipFill>
+        <p:spPr>
+          <a:xfrm>
+            <a:off x="5807890" y="169740"/>
+            <a:ext cx="4034755" cy="1770352"/>
+          </a:xfrm>
+          <a:prstGeom prst="rect">
+            <a:avLst/>
+          </a:prstGeom>
+        </p:spPr>
+      </p:pic>
+    </p:spTree>
+    <p:extLst>
+      <p:ext uri="{BB962C8B-B14F-4D97-AF65-F5344CB8AC3E}">
+        <p14:creationId xmlns:p14="http://schemas.microsoft.com/office/powerpoint/2010/main" val="128174346"/>
+      </p:ext>
+    </p:extLst>
+  </p:cSld>
+  <p:clrMapOvr>
+    <a:masterClrMapping/>
+  </p:clrMapOvr>
+</p:sld>
+</file>
+
+<file path=ppt/slides/slide16.xml><?xml version="1.0" encoding="utf-8"?>
+<p:sld xmlns:a="http://schemas.openxmlformats.org/drawingml/2006/main" xmlns:r="http://schemas.openxmlformats.org/officeDocument/2006/relationships" xmlns:p="http://schemas.openxmlformats.org/presentationml/2006/main">
+  <p:cSld>
+    <p:spTree>
+      <p:nvGrpSpPr>
+        <p:cNvPr id="1" name=""/>
+        <p:cNvGrpSpPr/>
+        <p:nvPr/>
+      </p:nvGrpSpPr>
+      <p:grpSpPr>
+        <a:xfrm>
+          <a:off x="0" y="0"/>
+          <a:ext cx="0" cy="0"/>
+          <a:chOff x="0" y="0"/>
+          <a:chExt cx="0" cy="0"/>
+        </a:xfrm>
+      </p:grpSpPr>
+      <p:sp>
+        <p:nvSpPr>
+          <p:cNvPr id="3" name="Title 2">
+            <a:extLst>
+              <a:ext uri="{FF2B5EF4-FFF2-40B4-BE49-F238E27FC236}">
+                <a16:creationId xmlns:a16="http://schemas.microsoft.com/office/drawing/2014/main" id="{89AAC0A9-8A9F-7749-A50C-CD947F888D4F}"/>
+              </a:ext>
+            </a:extLst>
+          </p:cNvPr>
+          <p:cNvSpPr>
+            <a:spLocks noGrp="1"/>
+          </p:cNvSpPr>
+          <p:nvPr>
+            <p:ph type="ctrTitle"/>
+          </p:nvPr>
+        </p:nvSpPr>
+        <p:spPr/>
+        <p:txBody>
+          <a:bodyPr>
+            <a:normAutofit/>
+          </a:bodyPr>
+          <a:lstStyle/>
+          <a:p>
+            <a:r>
+              <a:rPr lang="en-US" sz="4400" dirty="0"/>
+              <a:t>Further considerations</a:t>
+            </a:r>
+          </a:p>
+        </p:txBody>
+      </p:sp>
+      <p:sp>
+        <p:nvSpPr>
+          <p:cNvPr id="7" name="TextBox 6">
+            <a:extLst>
+              <a:ext uri="{FF2B5EF4-FFF2-40B4-BE49-F238E27FC236}">
+                <a16:creationId xmlns:a16="http://schemas.microsoft.com/office/drawing/2014/main" id="{81DB4E61-B62E-774E-B918-1593DF3D2428}"/>
+              </a:ext>
+            </a:extLst>
+          </p:cNvPr>
+          <p:cNvSpPr txBox="1"/>
+          <p:nvPr/>
+        </p:nvSpPr>
+        <p:spPr>
+          <a:xfrm>
+            <a:off x="790576" y="1707984"/>
+            <a:ext cx="10139362" cy="1785104"/>
+          </a:xfrm>
+          <a:prstGeom prst="rect">
+            <a:avLst/>
+          </a:prstGeom>
+          <a:noFill/>
+        </p:spPr>
+        <p:txBody>
+          <a:bodyPr wrap="square" rtlCol="0">
+            <a:spAutoFit/>
+          </a:bodyPr>
+          <a:lstStyle/>
+          <a:p>
+            <a:pPr marL="342900" indent="-342900" algn="just">
+              <a:buFontTx/>
+              <a:buChar char="-"/>
+            </a:pPr>
+            <a:r>
+              <a:rPr lang="en-US" sz="2200" dirty="0">
+                <a:latin typeface="Lusitana" pitchFamily="2" charset="0"/>
+              </a:rPr>
+              <a:t>Investigate design space, low F1 score could be due to inability to extrapolate</a:t>
+            </a:r>
+          </a:p>
+          <a:p>
+            <a:pPr marL="342900" indent="-342900" algn="just">
+              <a:buFontTx/>
+              <a:buChar char="-"/>
+            </a:pPr>
+            <a:endParaRPr lang="en-US" sz="2200" dirty="0">
+              <a:latin typeface="Lusitana" pitchFamily="2" charset="0"/>
+            </a:endParaRPr>
+          </a:p>
+          <a:p>
+            <a:pPr marL="342900" indent="-342900" algn="just">
+              <a:buFontTx/>
+              <a:buChar char="-"/>
+            </a:pPr>
+            <a:r>
+              <a:rPr lang="en-US" sz="2200" dirty="0">
+                <a:latin typeface="Lusitana" pitchFamily="2" charset="0"/>
+              </a:rPr>
+              <a:t>Feature engineering</a:t>
+            </a:r>
+          </a:p>
+          <a:p>
+            <a:pPr marL="342900" indent="-342900" algn="just">
+              <a:buFontTx/>
+              <a:buChar char="-"/>
+            </a:pPr>
+            <a:endParaRPr lang="en-US" sz="2200" dirty="0">
+              <a:latin typeface="Lusitana" pitchFamily="2" charset="0"/>
+            </a:endParaRPr>
+          </a:p>
+          <a:p>
+            <a:pPr marL="342900" indent="-342900" algn="just">
+              <a:buFontTx/>
+              <a:buChar char="-"/>
+            </a:pPr>
+            <a:r>
+              <a:rPr lang="en-US" sz="2200" dirty="0">
+                <a:latin typeface="Lusitana" pitchFamily="2" charset="0"/>
+              </a:rPr>
+              <a:t>More data</a:t>
+            </a:r>
+          </a:p>
+        </p:txBody>
+      </p:sp>
+    </p:spTree>
+    <p:extLst>
+      <p:ext uri="{BB962C8B-B14F-4D97-AF65-F5344CB8AC3E}">
+        <p14:creationId xmlns:p14="http://schemas.microsoft.com/office/powerpoint/2010/main" val="265019063"/>
+      </p:ext>
+    </p:extLst>
+  </p:cSld>
+  <p:clrMapOvr>
+    <a:masterClrMapping/>
+  </p:clrMapOvr>
+</p:sld>
+</file>
+
+<file path=ppt/slides/slide17.xml><?xml version="1.0" encoding="utf-8"?>
+<p:sld xmlns:a="http://schemas.openxmlformats.org/drawingml/2006/main" xmlns:r="http://schemas.openxmlformats.org/officeDocument/2006/relationships" xmlns:p="http://schemas.openxmlformats.org/presentationml/2006/main">
+  <p:cSld>
+    <p:spTree>
+      <p:nvGrpSpPr>
+        <p:cNvPr id="1" name=""/>
+        <p:cNvGrpSpPr/>
+        <p:nvPr/>
+      </p:nvGrpSpPr>
+      <p:grpSpPr>
+        <a:xfrm>
+          <a:off x="0" y="0"/>
+          <a:ext cx="0" cy="0"/>
+          <a:chOff x="0" y="0"/>
+          <a:chExt cx="0" cy="0"/>
+        </a:xfrm>
+      </p:grpSpPr>
+      <p:pic>
+        <p:nvPicPr>
+          <p:cNvPr id="6" name="Picture 5"/>
+          <p:cNvPicPr>
+            <a:picLocks noChangeAspect="1"/>
+          </p:cNvPicPr>
+          <p:nvPr/>
+        </p:nvPicPr>
+        <p:blipFill>
+          <a:blip r:embed="rId2" cstate="screen">
+            <a:extLst>
+              <a:ext uri="{28A0092B-C50C-407E-A947-70E740481C1C}">
+                <a14:useLocalDpi xmlns:a14="http://schemas.microsoft.com/office/drawing/2010/main"/>
+              </a:ext>
+            </a:extLst>
+          </a:blip>
+          <a:stretch>
+            <a:fillRect/>
+          </a:stretch>
+        </p:blipFill>
+        <p:spPr>
+          <a:xfrm>
+            <a:off x="8421510" y="5013162"/>
+            <a:ext cx="3085212" cy="1147868"/>
+          </a:xfrm>
+          <a:prstGeom prst="rect">
+            <a:avLst/>
+          </a:prstGeom>
+        </p:spPr>
+      </p:pic>
+      <p:sp>
+        <p:nvSpPr>
+          <p:cNvPr id="4" name="Title 4"/>
+          <p:cNvSpPr txBox="1">
+            <a:spLocks/>
+          </p:cNvSpPr>
+          <p:nvPr/>
+        </p:nvSpPr>
+        <p:spPr>
+          <a:xfrm>
+            <a:off x="556683" y="665797"/>
+            <a:ext cx="3615267" cy="3691714"/>
+          </a:xfrm>
+          <a:prstGeom prst="rect">
+            <a:avLst/>
+          </a:prstGeom>
+        </p:spPr>
+        <p:txBody>
+          <a:bodyPr anchor="t">
+            <a:noAutofit/>
+          </a:bodyPr>
+          <a:lstStyle>
+            <a:lvl1pPr algn="ctr" defTabSz="914400" rtl="0" eaLnBrk="1" latinLnBrk="0" hangingPunct="1">
+              <a:lnSpc>
+                <a:spcPct val="90000"/>
+              </a:lnSpc>
+              <a:spcBef>
+                <a:spcPct val="0"/>
+              </a:spcBef>
+              <a:buNone/>
+              <a:defRPr sz="6000" b="0" i="0" kern="1200">
+                <a:solidFill>
+                  <a:schemeClr val="tx1"/>
+                </a:solidFill>
+                <a:latin typeface="Barlow Semi Condensed SemiBold" charset="0"/>
+                <a:ea typeface="Barlow Semi Condensed SemiBold" charset="0"/>
+                <a:cs typeface="Barlow Semi Condensed SemiBold" charset="0"/>
+              </a:defRPr>
+            </a:lvl1pPr>
+          </a:lstStyle>
+          <a:p>
+            <a:pPr algn="l"/>
+            <a:r>
+              <a:rPr lang="en-US" dirty="0"/>
+              <a:t>THANK YOU!</a:t>
+            </a:r>
+          </a:p>
+        </p:txBody>
+      </p:sp>
+    </p:spTree>
+    <p:extLst>
+      <p:ext uri="{BB962C8B-B14F-4D97-AF65-F5344CB8AC3E}">
+        <p14:creationId xmlns:p14="http://schemas.microsoft.com/office/powerpoint/2010/main" val="298166196"/>
+      </p:ext>
+    </p:extLst>
+  </p:cSld>
+  <p:clrMapOvr>
+    <a:masterClrMapping/>
+  </p:clrMapOvr>
+</p:sld>
+</file>
+
+<file path=ppt/slides/slide18.xml><?xml version="1.0" encoding="utf-8"?>
+<p:sld xmlns:a="http://schemas.openxmlformats.org/drawingml/2006/main" xmlns:r="http://schemas.openxmlformats.org/officeDocument/2006/relationships" xmlns:p="http://schemas.openxmlformats.org/presentationml/2006/main">
+  <p:cSld>
+    <p:spTree>
+      <p:nvGrpSpPr>
+        <p:cNvPr id="1" name=""/>
+        <p:cNvGrpSpPr/>
+        <p:nvPr/>
+      </p:nvGrpSpPr>
+      <p:grpSpPr>
+        <a:xfrm>
+          <a:off x="0" y="0"/>
+          <a:ext cx="0" cy="0"/>
+          <a:chOff x="0" y="0"/>
+          <a:chExt cx="0" cy="0"/>
+        </a:xfrm>
+      </p:grpSpPr>
+      <p:sp>
+        <p:nvSpPr>
+          <p:cNvPr id="3" name="Title 2">
+            <a:extLst>
+              <a:ext uri="{FF2B5EF4-FFF2-40B4-BE49-F238E27FC236}">
+                <a16:creationId xmlns:a16="http://schemas.microsoft.com/office/drawing/2014/main" id="{89AAC0A9-8A9F-7749-A50C-CD947F888D4F}"/>
+              </a:ext>
+            </a:extLst>
+          </p:cNvPr>
+          <p:cNvSpPr>
+            <a:spLocks noGrp="1"/>
+          </p:cNvSpPr>
+          <p:nvPr>
+            <p:ph type="ctrTitle"/>
+          </p:nvPr>
+        </p:nvSpPr>
+        <p:spPr/>
+        <p:txBody>
+          <a:bodyPr>
+            <a:normAutofit/>
+          </a:bodyPr>
+          <a:lstStyle/>
+          <a:p>
+            <a:r>
+              <a:rPr lang="en-US" sz="4400" dirty="0"/>
+              <a:t>Tuning </a:t>
+            </a:r>
+            <a:r>
+              <a:rPr lang="en-US" sz="4400" dirty="0" err="1"/>
+              <a:t>rf</a:t>
+            </a:r>
+            <a:r>
+              <a:rPr lang="en-US" sz="4400" dirty="0"/>
+              <a:t> hyperparameters</a:t>
+            </a:r>
+          </a:p>
+        </p:txBody>
+      </p:sp>
+      <p:graphicFrame>
+        <p:nvGraphicFramePr>
+          <p:cNvPr id="5" name="Table 4">
+            <a:extLst>
+              <a:ext uri="{FF2B5EF4-FFF2-40B4-BE49-F238E27FC236}">
+                <a16:creationId xmlns:a16="http://schemas.microsoft.com/office/drawing/2014/main" id="{033A7987-DB4A-AE4F-8A89-15A6F92C0FD5}"/>
+              </a:ext>
+            </a:extLst>
+          </p:cNvPr>
+          <p:cNvGraphicFramePr>
+            <a:graphicFrameLocks noGrp="1"/>
+          </p:cNvGraphicFramePr>
+          <p:nvPr>
+            <p:extLst>
+              <p:ext uri="{D42A27DB-BD31-4B8C-83A1-F6EECF244321}">
+                <p14:modId xmlns:p14="http://schemas.microsoft.com/office/powerpoint/2010/main" val="101832050"/>
               </p:ext>
             </p:extLst>
           </p:nvPr>
         </p:nvGraphicFramePr>
         <p:xfrm>
           <a:off x="4681886" y="1560023"/>
-          <a:ext cx="3018273" cy="1892789"/>
+          <a:ext cx="3018273" cy="2047186"/>
         </p:xfrm>
         <a:graphic>
           <a:graphicData uri="http://schemas.openxmlformats.org/drawingml/2006/table">
@@ -8049,7 +9977,7 @@
                     <a:p>
                       <a:pPr algn="ctr"/>
                       <a:r>
-                        <a:rPr lang="en-US" sz="1200" dirty="0" err="1">
+                        <a:rPr lang="en-US" sz="1600" dirty="0" err="1">
                           <a:solidFill>
                             <a:sysClr val="windowText" lastClr="000000"/>
                           </a:solidFill>
@@ -8058,7 +9986,7 @@
                         <a:t>n_estimators</a:t>
                       </a:r>
                       <a:r>
-                        <a:rPr lang="en-US" sz="1200" dirty="0">
+                        <a:rPr lang="en-US" sz="1600" dirty="0">
                           <a:solidFill>
                             <a:sysClr val="windowText" lastClr="000000"/>
                           </a:solidFill>
@@ -8077,12 +10005,12 @@
                     <a:p>
                       <a:pPr algn="ctr"/>
                       <a:r>
-                        <a:rPr lang="en-US" sz="1200" dirty="0">
+                        <a:rPr lang="en-US" sz="1600" dirty="0">
                           <a:latin typeface="Lusitana" pitchFamily="2" charset="0"/>
                         </a:rPr>
                         <a:t>N (predicted)</a:t>
                       </a:r>
-                      <a:endParaRPr lang="en-US" sz="1200" dirty="0">
+                      <a:endParaRPr lang="en-US" sz="1600" dirty="0">
                         <a:solidFill>
                           <a:sysClr val="windowText" lastClr="000000"/>
                         </a:solidFill>
@@ -8099,12 +10027,12 @@
                     <a:p>
                       <a:pPr algn="ctr"/>
                       <a:r>
-                        <a:rPr lang="en-US" sz="1200" dirty="0">
+                        <a:rPr lang="en-US" sz="1600" dirty="0">
                           <a:latin typeface="Lusitana" pitchFamily="2" charset="0"/>
                         </a:rPr>
                         <a:t>P (predicted)</a:t>
                       </a:r>
-                      <a:endParaRPr lang="en-US" sz="1200" dirty="0">
+                      <a:endParaRPr lang="en-US" sz="1600" dirty="0">
                         <a:solidFill>
                           <a:sysClr val="windowText" lastClr="000000"/>
                         </a:solidFill>
@@ -8128,12 +10056,12 @@
                     <a:p>
                       <a:pPr algn="ctr"/>
                       <a:r>
-                        <a:rPr lang="en-US" sz="1200" dirty="0">
+                        <a:rPr lang="en-US" sz="1600" dirty="0">
                           <a:latin typeface="Lusitana" pitchFamily="2" charset="0"/>
                         </a:rPr>
                         <a:t>N (actual)</a:t>
                       </a:r>
-                      <a:endParaRPr lang="en-US" sz="1200" dirty="0">
+                      <a:endParaRPr lang="en-US" sz="1600" dirty="0">
                         <a:solidFill>
                           <a:sysClr val="windowText" lastClr="000000"/>
                         </a:solidFill>
@@ -8150,12 +10078,12 @@
                     <a:p>
                       <a:pPr algn="ctr"/>
                       <a:r>
-                        <a:rPr lang="en-US" sz="1200" dirty="0">
+                        <a:rPr lang="en-US" sz="1600" dirty="0">
                           <a:latin typeface="Lusitana" pitchFamily="2" charset="0"/>
                         </a:rPr>
                         <a:t>TN = 6665</a:t>
                       </a:r>
-                      <a:endParaRPr lang="en-US" sz="1200" dirty="0">
+                      <a:endParaRPr lang="en-US" sz="1600" dirty="0">
                         <a:solidFill>
                           <a:sysClr val="windowText" lastClr="000000"/>
                         </a:solidFill>
@@ -8172,12 +10100,12 @@
                     <a:p>
                       <a:pPr algn="ctr"/>
                       <a:r>
-                        <a:rPr lang="en-US" sz="1200" dirty="0">
+                        <a:rPr lang="en-US" sz="1600" dirty="0">
                           <a:latin typeface="Lusitana" pitchFamily="2" charset="0"/>
                         </a:rPr>
                         <a:t>FP = 173</a:t>
                       </a:r>
-                      <a:endParaRPr lang="en-US" sz="1200" dirty="0">
+                      <a:endParaRPr lang="en-US" sz="1600" dirty="0">
                         <a:solidFill>
                           <a:sysClr val="windowText" lastClr="000000"/>
                         </a:solidFill>
@@ -8201,12 +10129,12 @@
                     <a:p>
                       <a:pPr algn="ctr"/>
                       <a:r>
-                        <a:rPr lang="en-US" sz="1200" dirty="0">
+                        <a:rPr lang="en-US" sz="1600" dirty="0">
                           <a:latin typeface="Lusitana" pitchFamily="2" charset="0"/>
                         </a:rPr>
                         <a:t>P (actual)</a:t>
                       </a:r>
-                      <a:endParaRPr lang="en-US" sz="1200" dirty="0">
+                      <a:endParaRPr lang="en-US" sz="1600" dirty="0">
                         <a:solidFill>
                           <a:sysClr val="windowText" lastClr="000000"/>
                         </a:solidFill>
@@ -8223,12 +10151,12 @@
                     <a:p>
                       <a:pPr algn="ctr"/>
                       <a:r>
-                        <a:rPr lang="en-US" sz="1200" dirty="0">
+                        <a:rPr lang="en-US" sz="1600" dirty="0">
                           <a:latin typeface="Lusitana" pitchFamily="2" charset="0"/>
                         </a:rPr>
                         <a:t>FN  = 583</a:t>
                       </a:r>
-                      <a:endParaRPr lang="en-US" sz="1200" dirty="0">
+                      <a:endParaRPr lang="en-US" sz="1600" dirty="0">
                         <a:solidFill>
                           <a:sysClr val="windowText" lastClr="000000"/>
                         </a:solidFill>
@@ -8245,12 +10173,12 @@
                     <a:p>
                       <a:pPr algn="ctr"/>
                       <a:r>
-                        <a:rPr lang="en-US" sz="1200" dirty="0">
+                        <a:rPr lang="en-US" sz="1600" dirty="0">
                           <a:latin typeface="Lusitana" pitchFamily="2" charset="0"/>
                         </a:rPr>
                         <a:t>TP = 1916</a:t>
                       </a:r>
-                      <a:endParaRPr lang="en-US" sz="1200" dirty="0">
+                      <a:endParaRPr lang="en-US" sz="1600" dirty="0">
                         <a:solidFill>
                           <a:sysClr val="windowText" lastClr="000000"/>
                         </a:solidFill>
@@ -8285,14 +10213,14 @@
           <p:nvPr>
             <p:extLst>
               <p:ext uri="{D42A27DB-BD31-4B8C-83A1-F6EECF244321}">
-                <p14:modId xmlns:p14="http://schemas.microsoft.com/office/powerpoint/2010/main" val="953755232"/>
+                <p14:modId xmlns:p14="http://schemas.microsoft.com/office/powerpoint/2010/main" val="3957127218"/>
               </p:ext>
             </p:extLst>
           </p:nvPr>
         </p:nvGraphicFramePr>
         <p:xfrm>
           <a:off x="8518484" y="1560022"/>
-          <a:ext cx="3018273" cy="1892789"/>
+          <a:ext cx="3018273" cy="2047186"/>
         </p:xfrm>
         <a:graphic>
           <a:graphicData uri="http://schemas.openxmlformats.org/drawingml/2006/table">
@@ -8331,7 +10259,7 @@
                     <a:p>
                       <a:pPr algn="ctr"/>
                       <a:r>
-                        <a:rPr lang="en-US" sz="1200" dirty="0" err="1">
+                        <a:rPr lang="en-US" sz="1600" dirty="0" err="1">
                           <a:solidFill>
                             <a:sysClr val="windowText" lastClr="000000"/>
                           </a:solidFill>
@@ -8340,7 +10268,7 @@
                         <a:t>n_estimators</a:t>
                       </a:r>
                       <a:r>
-                        <a:rPr lang="en-US" sz="1200" dirty="0">
+                        <a:rPr lang="en-US" sz="1600" dirty="0">
                           <a:solidFill>
                             <a:sysClr val="windowText" lastClr="000000"/>
                           </a:solidFill>
@@ -8359,12 +10287,12 @@
                     <a:p>
                       <a:pPr algn="ctr"/>
                       <a:r>
-                        <a:rPr lang="en-US" sz="1200" dirty="0">
+                        <a:rPr lang="en-US" sz="1600" dirty="0">
                           <a:latin typeface="Lusitana" pitchFamily="2" charset="0"/>
                         </a:rPr>
                         <a:t>N (predicted)</a:t>
                       </a:r>
-                      <a:endParaRPr lang="en-US" sz="1200" dirty="0">
+                      <a:endParaRPr lang="en-US" sz="1600" dirty="0">
                         <a:solidFill>
                           <a:sysClr val="windowText" lastClr="000000"/>
                         </a:solidFill>
@@ -8381,12 +10309,12 @@
                     <a:p>
                       <a:pPr algn="ctr"/>
                       <a:r>
-                        <a:rPr lang="en-US" sz="1200" dirty="0">
+                        <a:rPr lang="en-US" sz="1600" dirty="0">
                           <a:latin typeface="Lusitana" pitchFamily="2" charset="0"/>
                         </a:rPr>
                         <a:t>P (predicted)</a:t>
                       </a:r>
-                      <a:endParaRPr lang="en-US" sz="1200" dirty="0">
+                      <a:endParaRPr lang="en-US" sz="1600" dirty="0">
                         <a:solidFill>
                           <a:sysClr val="windowText" lastClr="000000"/>
                         </a:solidFill>
@@ -8410,12 +10338,12 @@
                     <a:p>
                       <a:pPr algn="ctr"/>
                       <a:r>
-                        <a:rPr lang="en-US" sz="1200" dirty="0">
+                        <a:rPr lang="en-US" sz="1600" dirty="0">
                           <a:latin typeface="Lusitana" pitchFamily="2" charset="0"/>
                         </a:rPr>
                         <a:t>N (actual)</a:t>
                       </a:r>
-                      <a:endParaRPr lang="en-US" sz="1200" dirty="0">
+                      <a:endParaRPr lang="en-US" sz="1600" dirty="0">
                         <a:solidFill>
                           <a:sysClr val="windowText" lastClr="000000"/>
                         </a:solidFill>
@@ -8432,12 +10360,12 @@
                     <a:p>
                       <a:pPr algn="ctr"/>
                       <a:r>
-                        <a:rPr lang="en-US" sz="1200" dirty="0">
+                        <a:rPr lang="en-US" sz="1600" dirty="0">
                           <a:latin typeface="Lusitana" pitchFamily="2" charset="0"/>
                         </a:rPr>
                         <a:t>TN = 6697</a:t>
                       </a:r>
-                      <a:endParaRPr lang="en-US" sz="1200" dirty="0">
+                      <a:endParaRPr lang="en-US" sz="1600" dirty="0">
                         <a:solidFill>
                           <a:sysClr val="windowText" lastClr="000000"/>
                         </a:solidFill>
@@ -8454,12 +10382,12 @@
                     <a:p>
                       <a:pPr algn="ctr"/>
                       <a:r>
-                        <a:rPr lang="en-US" sz="1200" dirty="0">
+                        <a:rPr lang="en-US" sz="1600" dirty="0">
                           <a:latin typeface="Lusitana" pitchFamily="2" charset="0"/>
                         </a:rPr>
                         <a:t>FP = 141</a:t>
                       </a:r>
-                      <a:endParaRPr lang="en-US" sz="1200" dirty="0">
+                      <a:endParaRPr lang="en-US" sz="1600" dirty="0">
                         <a:solidFill>
                           <a:sysClr val="windowText" lastClr="000000"/>
                         </a:solidFill>
@@ -8483,12 +10411,12 @@
                     <a:p>
                       <a:pPr algn="ctr"/>
                       <a:r>
-                        <a:rPr lang="en-US" sz="1200" dirty="0">
+                        <a:rPr lang="en-US" sz="1600" dirty="0">
                           <a:latin typeface="Lusitana" pitchFamily="2" charset="0"/>
                         </a:rPr>
                         <a:t>P (actual)</a:t>
                       </a:r>
-                      <a:endParaRPr lang="en-US" sz="1200" dirty="0">
+                      <a:endParaRPr lang="en-US" sz="1600" dirty="0">
                         <a:solidFill>
                           <a:sysClr val="windowText" lastClr="000000"/>
                         </a:solidFill>
@@ -8505,12 +10433,12 @@
                     <a:p>
                       <a:pPr algn="ctr"/>
                       <a:r>
-                        <a:rPr lang="en-US" sz="1200" dirty="0">
+                        <a:rPr lang="en-US" sz="1600" dirty="0">
                           <a:latin typeface="Lusitana" pitchFamily="2" charset="0"/>
                         </a:rPr>
                         <a:t>FN  = 578</a:t>
                       </a:r>
-                      <a:endParaRPr lang="en-US" sz="1200" dirty="0">
+                      <a:endParaRPr lang="en-US" sz="1600" dirty="0">
                         <a:solidFill>
                           <a:sysClr val="windowText" lastClr="000000"/>
                         </a:solidFill>
@@ -8527,12 +10455,12 @@
                     <a:p>
                       <a:pPr algn="ctr"/>
                       <a:r>
-                        <a:rPr lang="en-US" sz="1200" dirty="0">
+                        <a:rPr lang="en-US" sz="1600" dirty="0">
                           <a:latin typeface="Lusitana" pitchFamily="2" charset="0"/>
                         </a:rPr>
                         <a:t>TP = 1921</a:t>
                       </a:r>
-                      <a:endParaRPr lang="en-US" sz="1200" dirty="0">
+                      <a:endParaRPr lang="en-US" sz="1600" dirty="0">
                         <a:solidFill>
                           <a:sysClr val="windowText" lastClr="000000"/>
                         </a:solidFill>
@@ -8567,14 +10495,14 @@
           <p:nvPr>
             <p:extLst>
               <p:ext uri="{D42A27DB-BD31-4B8C-83A1-F6EECF244321}">
-                <p14:modId xmlns:p14="http://schemas.microsoft.com/office/powerpoint/2010/main" val="2538162172"/>
+                <p14:modId xmlns:p14="http://schemas.microsoft.com/office/powerpoint/2010/main" val="4118858214"/>
               </p:ext>
             </p:extLst>
           </p:nvPr>
         </p:nvGraphicFramePr>
         <p:xfrm>
           <a:off x="845288" y="1560023"/>
-          <a:ext cx="3018273" cy="1892789"/>
+          <a:ext cx="3018273" cy="2047186"/>
         </p:xfrm>
         <a:graphic>
           <a:graphicData uri="http://schemas.openxmlformats.org/drawingml/2006/table">
@@ -8613,7 +10541,7 @@
                     <a:p>
                       <a:pPr algn="ctr"/>
                       <a:r>
-                        <a:rPr lang="en-US" sz="1200" dirty="0" err="1">
+                        <a:rPr lang="en-US" sz="1600" dirty="0" err="1">
                           <a:solidFill>
                             <a:sysClr val="windowText" lastClr="000000"/>
                           </a:solidFill>
@@ -8622,7 +10550,7 @@
                         <a:t>n_estimators</a:t>
                       </a:r>
                       <a:r>
-                        <a:rPr lang="en-US" sz="1200" dirty="0">
+                        <a:rPr lang="en-US" sz="1600" dirty="0">
                           <a:solidFill>
                             <a:sysClr val="windowText" lastClr="000000"/>
                           </a:solidFill>
@@ -8641,12 +10569,12 @@
                     <a:p>
                       <a:pPr algn="ctr"/>
                       <a:r>
-                        <a:rPr lang="en-US" sz="1200" dirty="0">
+                        <a:rPr lang="en-US" sz="1600" dirty="0">
                           <a:latin typeface="Lusitana" pitchFamily="2" charset="0"/>
                         </a:rPr>
                         <a:t>N (predicted)</a:t>
                       </a:r>
-                      <a:endParaRPr lang="en-US" sz="1200" dirty="0">
+                      <a:endParaRPr lang="en-US" sz="1600" dirty="0">
                         <a:solidFill>
                           <a:sysClr val="windowText" lastClr="000000"/>
                         </a:solidFill>
@@ -8663,12 +10591,12 @@
                     <a:p>
                       <a:pPr algn="ctr"/>
                       <a:r>
-                        <a:rPr lang="en-US" sz="1200" dirty="0">
+                        <a:rPr lang="en-US" sz="1600" dirty="0">
                           <a:latin typeface="Lusitana" pitchFamily="2" charset="0"/>
                         </a:rPr>
                         <a:t>P (predicted)</a:t>
                       </a:r>
-                      <a:endParaRPr lang="en-US" sz="1200" dirty="0">
+                      <a:endParaRPr lang="en-US" sz="1600" dirty="0">
                         <a:solidFill>
                           <a:sysClr val="windowText" lastClr="000000"/>
                         </a:solidFill>
@@ -8692,12 +10620,12 @@
                     <a:p>
                       <a:pPr algn="ctr"/>
                       <a:r>
-                        <a:rPr lang="en-US" sz="1200" dirty="0">
+                        <a:rPr lang="en-US" sz="1600" dirty="0">
                           <a:latin typeface="Lusitana" pitchFamily="2" charset="0"/>
                         </a:rPr>
                         <a:t>N (actual)</a:t>
                       </a:r>
-                      <a:endParaRPr lang="en-US" sz="1200" dirty="0">
+                      <a:endParaRPr lang="en-US" sz="1600" dirty="0">
                         <a:solidFill>
                           <a:sysClr val="windowText" lastClr="000000"/>
                         </a:solidFill>
@@ -8714,12 +10642,12 @@
                     <a:p>
                       <a:pPr algn="ctr"/>
                       <a:r>
-                        <a:rPr lang="en-US" sz="1200" dirty="0">
+                        <a:rPr lang="en-US" sz="1600" dirty="0">
                           <a:latin typeface="Lusitana" pitchFamily="2" charset="0"/>
                         </a:rPr>
                         <a:t>TN = 6500</a:t>
                       </a:r>
-                      <a:endParaRPr lang="en-US" sz="1200" dirty="0">
+                      <a:endParaRPr lang="en-US" sz="1600" dirty="0">
                         <a:solidFill>
                           <a:sysClr val="windowText" lastClr="000000"/>
                         </a:solidFill>
@@ -8736,12 +10664,12 @@
                     <a:p>
                       <a:pPr algn="ctr"/>
                       <a:r>
-                        <a:rPr lang="en-US" sz="1200" dirty="0">
+                        <a:rPr lang="en-US" sz="1600" dirty="0">
                           <a:latin typeface="Lusitana" pitchFamily="2" charset="0"/>
                         </a:rPr>
                         <a:t>FP = 338</a:t>
                       </a:r>
-                      <a:endParaRPr lang="en-US" sz="1200" dirty="0">
+                      <a:endParaRPr lang="en-US" sz="1600" dirty="0">
                         <a:solidFill>
                           <a:sysClr val="windowText" lastClr="000000"/>
                         </a:solidFill>
@@ -8765,12 +10693,12 @@
                     <a:p>
                       <a:pPr algn="ctr"/>
                       <a:r>
-                        <a:rPr lang="en-US" sz="1200" dirty="0">
+                        <a:rPr lang="en-US" sz="1600" dirty="0">
                           <a:latin typeface="Lusitana" pitchFamily="2" charset="0"/>
                         </a:rPr>
                         <a:t>P (actual)</a:t>
                       </a:r>
-                      <a:endParaRPr lang="en-US" sz="1200" dirty="0">
+                      <a:endParaRPr lang="en-US" sz="1600" dirty="0">
                         <a:solidFill>
                           <a:sysClr val="windowText" lastClr="000000"/>
                         </a:solidFill>
@@ -8787,12 +10715,12 @@
                     <a:p>
                       <a:pPr algn="ctr"/>
                       <a:r>
-                        <a:rPr lang="en-US" sz="1200" dirty="0">
+                        <a:rPr lang="en-US" sz="1600" dirty="0">
                           <a:latin typeface="Lusitana" pitchFamily="2" charset="0"/>
                         </a:rPr>
                         <a:t>FN  = 539</a:t>
                       </a:r>
-                      <a:endParaRPr lang="en-US" sz="1200" dirty="0">
+                      <a:endParaRPr lang="en-US" sz="1600" dirty="0">
                         <a:solidFill>
                           <a:sysClr val="windowText" lastClr="000000"/>
                         </a:solidFill>
@@ -8809,12 +10737,12 @@
                     <a:p>
                       <a:pPr algn="ctr"/>
                       <a:r>
-                        <a:rPr lang="en-US" sz="1200" dirty="0">
+                        <a:rPr lang="en-US" sz="1600" dirty="0">
                           <a:latin typeface="Lusitana" pitchFamily="2" charset="0"/>
                         </a:rPr>
                         <a:t>TP = 1960</a:t>
                       </a:r>
-                      <a:endParaRPr lang="en-US" sz="1200" dirty="0">
+                      <a:endParaRPr lang="en-US" sz="1600" dirty="0">
                         <a:solidFill>
                           <a:sysClr val="windowText" lastClr="000000"/>
                         </a:solidFill>
@@ -8849,14 +10777,14 @@
           <p:nvPr>
             <p:extLst>
               <p:ext uri="{D42A27DB-BD31-4B8C-83A1-F6EECF244321}">
-                <p14:modId xmlns:p14="http://schemas.microsoft.com/office/powerpoint/2010/main" val="2152287521"/>
+                <p14:modId xmlns:p14="http://schemas.microsoft.com/office/powerpoint/2010/main" val="680298088"/>
               </p:ext>
             </p:extLst>
           </p:nvPr>
         </p:nvGraphicFramePr>
         <p:xfrm>
           <a:off x="864528" y="3895628"/>
-          <a:ext cx="3136627" cy="1967011"/>
+          <a:ext cx="3136627" cy="2098776"/>
         </p:xfrm>
         <a:graphic>
           <a:graphicData uri="http://schemas.openxmlformats.org/drawingml/2006/table">
@@ -8895,7 +10823,7 @@
                     <a:p>
                       <a:pPr algn="ctr"/>
                       <a:r>
-                        <a:rPr lang="en-US" sz="1200" dirty="0" err="1">
+                        <a:rPr lang="en-US" sz="1600" dirty="0" err="1">
                           <a:solidFill>
                             <a:sysClr val="windowText" lastClr="000000"/>
                           </a:solidFill>
@@ -8904,7 +10832,7 @@
                         <a:t>test_size</a:t>
                       </a:r>
                       <a:r>
-                        <a:rPr lang="en-US" sz="1200" dirty="0">
+                        <a:rPr lang="en-US" sz="1600" dirty="0">
                           <a:solidFill>
                             <a:sysClr val="windowText" lastClr="000000"/>
                           </a:solidFill>
@@ -8923,12 +10851,12 @@
                     <a:p>
                       <a:pPr algn="ctr"/>
                       <a:r>
-                        <a:rPr lang="en-US" sz="1200" dirty="0">
+                        <a:rPr lang="en-US" sz="1600" dirty="0">
                           <a:latin typeface="Lusitana" pitchFamily="2" charset="0"/>
                         </a:rPr>
                         <a:t>N (predicted)</a:t>
                       </a:r>
-                      <a:endParaRPr lang="en-US" sz="1200" dirty="0">
+                      <a:endParaRPr lang="en-US" sz="1600" dirty="0">
                         <a:solidFill>
                           <a:sysClr val="windowText" lastClr="000000"/>
                         </a:solidFill>
@@ -8945,12 +10873,12 @@
                     <a:p>
                       <a:pPr algn="ctr"/>
                       <a:r>
-                        <a:rPr lang="en-US" sz="1200" dirty="0">
+                        <a:rPr lang="en-US" sz="1600" dirty="0">
                           <a:latin typeface="Lusitana" pitchFamily="2" charset="0"/>
                         </a:rPr>
                         <a:t>P (predicted)</a:t>
                       </a:r>
-                      <a:endParaRPr lang="en-US" sz="1200" dirty="0">
+                      <a:endParaRPr lang="en-US" sz="1600" dirty="0">
                         <a:solidFill>
                           <a:sysClr val="windowText" lastClr="000000"/>
                         </a:solidFill>
@@ -8974,12 +10902,12 @@
                     <a:p>
                       <a:pPr algn="ctr"/>
                       <a:r>
-                        <a:rPr lang="en-US" sz="1200" dirty="0">
+                        <a:rPr lang="en-US" sz="1600" dirty="0">
                           <a:latin typeface="Lusitana" pitchFamily="2" charset="0"/>
                         </a:rPr>
                         <a:t>N (actual)</a:t>
                       </a:r>
-                      <a:endParaRPr lang="en-US" sz="1200" dirty="0">
+                      <a:endParaRPr lang="en-US" sz="1600" dirty="0">
                         <a:solidFill>
                           <a:sysClr val="windowText" lastClr="000000"/>
                         </a:solidFill>
@@ -8996,12 +10924,12 @@
                     <a:p>
                       <a:pPr algn="ctr"/>
                       <a:r>
-                        <a:rPr lang="en-US" sz="1200" dirty="0">
+                        <a:rPr lang="en-US" sz="1600" dirty="0">
                           <a:latin typeface="Lusitana" pitchFamily="2" charset="0"/>
                         </a:rPr>
                         <a:t>TN = 2002</a:t>
                       </a:r>
-                      <a:endParaRPr lang="en-US" sz="1200" dirty="0">
+                      <a:endParaRPr lang="en-US" sz="1600" dirty="0">
                         <a:solidFill>
                           <a:sysClr val="windowText" lastClr="000000"/>
                         </a:solidFill>
@@ -9018,12 +10946,12 @@
                     <a:p>
                       <a:pPr algn="ctr"/>
                       <a:r>
-                        <a:rPr lang="en-US" sz="1200" dirty="0">
+                        <a:rPr lang="en-US" sz="1600" dirty="0">
                           <a:latin typeface="Lusitana" pitchFamily="2" charset="0"/>
                         </a:rPr>
                         <a:t>FP = 50</a:t>
                       </a:r>
-                      <a:endParaRPr lang="en-US" sz="1200" dirty="0">
+                      <a:endParaRPr lang="en-US" sz="1600" dirty="0">
                         <a:solidFill>
                           <a:sysClr val="windowText" lastClr="000000"/>
                         </a:solidFill>
@@ -9047,12 +10975,12 @@
                     <a:p>
                       <a:pPr algn="ctr"/>
                       <a:r>
-                        <a:rPr lang="en-US" sz="1200" dirty="0">
+                        <a:rPr lang="en-US" sz="1600" dirty="0">
                           <a:latin typeface="Lusitana" pitchFamily="2" charset="0"/>
                         </a:rPr>
                         <a:t>P (actual)</a:t>
                       </a:r>
-                      <a:endParaRPr lang="en-US" sz="1200" dirty="0">
+                      <a:endParaRPr lang="en-US" sz="1600" dirty="0">
                         <a:solidFill>
                           <a:sysClr val="windowText" lastClr="000000"/>
                         </a:solidFill>
@@ -9069,12 +10997,12 @@
                     <a:p>
                       <a:pPr algn="ctr"/>
                       <a:r>
-                        <a:rPr lang="en-US" sz="1200" dirty="0">
+                        <a:rPr lang="en-US" sz="1600" dirty="0">
                           <a:latin typeface="Lusitana" pitchFamily="2" charset="0"/>
                         </a:rPr>
                         <a:t>FN  = 160</a:t>
                       </a:r>
-                      <a:endParaRPr lang="en-US" sz="1200" dirty="0">
+                      <a:endParaRPr lang="en-US" sz="1600" dirty="0">
                         <a:solidFill>
                           <a:sysClr val="windowText" lastClr="000000"/>
                         </a:solidFill>
@@ -9091,12 +11019,12 @@
                     <a:p>
                       <a:pPr algn="ctr"/>
                       <a:r>
-                        <a:rPr lang="en-US" sz="1200" dirty="0">
+                        <a:rPr lang="en-US" sz="1600" dirty="0">
                           <a:latin typeface="Lusitana" pitchFamily="2" charset="0"/>
                         </a:rPr>
                         <a:t>TP = 618</a:t>
                       </a:r>
-                      <a:endParaRPr lang="en-US" sz="1200" dirty="0">
+                      <a:endParaRPr lang="en-US" sz="1600" dirty="0">
                         <a:solidFill>
                           <a:sysClr val="windowText" lastClr="000000"/>
                         </a:solidFill>
@@ -9131,14 +11059,14 @@
           <p:nvPr>
             <p:extLst>
               <p:ext uri="{D42A27DB-BD31-4B8C-83A1-F6EECF244321}">
-                <p14:modId xmlns:p14="http://schemas.microsoft.com/office/powerpoint/2010/main" val="2607102254"/>
+                <p14:modId xmlns:p14="http://schemas.microsoft.com/office/powerpoint/2010/main" val="1898714266"/>
               </p:ext>
             </p:extLst>
           </p:nvPr>
         </p:nvGraphicFramePr>
         <p:xfrm>
           <a:off x="4681886" y="3895627"/>
-          <a:ext cx="3136627" cy="1967011"/>
+          <a:ext cx="3136627" cy="2098776"/>
         </p:xfrm>
         <a:graphic>
           <a:graphicData uri="http://schemas.openxmlformats.org/drawingml/2006/table">
@@ -9177,7 +11105,7 @@
                     <a:p>
                       <a:pPr algn="ctr"/>
                       <a:r>
-                        <a:rPr lang="en-US" sz="1200" dirty="0" err="1">
+                        <a:rPr lang="en-US" sz="1600" dirty="0" err="1">
                           <a:solidFill>
                             <a:sysClr val="windowText" lastClr="000000"/>
                           </a:solidFill>
@@ -9186,7 +11114,7 @@
                         <a:t>test_size</a:t>
                       </a:r>
                       <a:r>
-                        <a:rPr lang="en-US" sz="1200" dirty="0">
+                        <a:rPr lang="en-US" sz="1600" dirty="0">
                           <a:solidFill>
                             <a:sysClr val="windowText" lastClr="000000"/>
                           </a:solidFill>
@@ -9205,12 +11133,12 @@
                     <a:p>
                       <a:pPr algn="ctr"/>
                       <a:r>
-                        <a:rPr lang="en-US" sz="1200" dirty="0">
+                        <a:rPr lang="en-US" sz="1600" dirty="0">
                           <a:latin typeface="Lusitana" pitchFamily="2" charset="0"/>
                         </a:rPr>
                         <a:t>N (predicted)</a:t>
                       </a:r>
-                      <a:endParaRPr lang="en-US" sz="1200" dirty="0">
+                      <a:endParaRPr lang="en-US" sz="1600" dirty="0">
                         <a:solidFill>
                           <a:sysClr val="windowText" lastClr="000000"/>
                         </a:solidFill>
@@ -9227,12 +11155,12 @@
                     <a:p>
                       <a:pPr algn="ctr"/>
                       <a:r>
-                        <a:rPr lang="en-US" sz="1200" dirty="0">
+                        <a:rPr lang="en-US" sz="1600" dirty="0">
                           <a:latin typeface="Lusitana" pitchFamily="2" charset="0"/>
                         </a:rPr>
                         <a:t>P (predicted)</a:t>
                       </a:r>
-                      <a:endParaRPr lang="en-US" sz="1200" dirty="0">
+                      <a:endParaRPr lang="en-US" sz="1600" dirty="0">
                         <a:solidFill>
                           <a:sysClr val="windowText" lastClr="000000"/>
                         </a:solidFill>
@@ -9256,12 +11184,12 @@
                     <a:p>
                       <a:pPr algn="ctr"/>
                       <a:r>
-                        <a:rPr lang="en-US" sz="1200" dirty="0">
+                        <a:rPr lang="en-US" sz="1600" dirty="0">
                           <a:latin typeface="Lusitana" pitchFamily="2" charset="0"/>
                         </a:rPr>
                         <a:t>N (actual)</a:t>
                       </a:r>
-                      <a:endParaRPr lang="en-US" sz="1200" dirty="0">
+                      <a:endParaRPr lang="en-US" sz="1600" dirty="0">
                         <a:solidFill>
                           <a:sysClr val="windowText" lastClr="000000"/>
                         </a:solidFill>
@@ -9278,12 +11206,12 @@
                     <a:p>
                       <a:pPr algn="ctr"/>
                       <a:r>
-                        <a:rPr lang="en-US" sz="1200" dirty="0">
+                        <a:rPr lang="en-US" sz="1600" dirty="0">
                           <a:latin typeface="Lusitana" pitchFamily="2" charset="0"/>
                         </a:rPr>
                         <a:t>TN = 5126</a:t>
                       </a:r>
-                      <a:endParaRPr lang="en-US" sz="1200" dirty="0">
+                      <a:endParaRPr lang="en-US" sz="1600" dirty="0">
                         <a:solidFill>
                           <a:sysClr val="windowText" lastClr="000000"/>
                         </a:solidFill>
@@ -9300,12 +11228,12 @@
                     <a:p>
                       <a:pPr algn="ctr"/>
                       <a:r>
-                        <a:rPr lang="en-US" sz="1200" dirty="0">
+                        <a:rPr lang="en-US" sz="1600" dirty="0">
                           <a:latin typeface="Lusitana" pitchFamily="2" charset="0"/>
                         </a:rPr>
                         <a:t>FP = 102</a:t>
                       </a:r>
-                      <a:endParaRPr lang="en-US" sz="1200" dirty="0">
+                      <a:endParaRPr lang="en-US" sz="1600" dirty="0">
                         <a:solidFill>
                           <a:sysClr val="windowText" lastClr="000000"/>
                         </a:solidFill>
@@ -9329,12 +11257,12 @@
                     <a:p>
                       <a:pPr algn="ctr"/>
                       <a:r>
-                        <a:rPr lang="en-US" sz="1200" dirty="0">
+                        <a:rPr lang="en-US" sz="1600" dirty="0">
                           <a:latin typeface="Lusitana" pitchFamily="2" charset="0"/>
                         </a:rPr>
                         <a:t>P (actual)</a:t>
                       </a:r>
-                      <a:endParaRPr lang="en-US" sz="1200" dirty="0">
+                      <a:endParaRPr lang="en-US" sz="1600" dirty="0">
                         <a:solidFill>
                           <a:sysClr val="windowText" lastClr="000000"/>
                         </a:solidFill>
@@ -9351,12 +11279,12 @@
                     <a:p>
                       <a:pPr algn="ctr"/>
                       <a:r>
-                        <a:rPr lang="en-US" sz="1200" dirty="0">
+                        <a:rPr lang="en-US" sz="1600" dirty="0">
                           <a:latin typeface="Lusitana" pitchFamily="2" charset="0"/>
                         </a:rPr>
                         <a:t>FN  = 405</a:t>
                       </a:r>
-                      <a:endParaRPr lang="en-US" sz="1200" dirty="0">
+                      <a:endParaRPr lang="en-US" sz="1600" dirty="0">
                         <a:solidFill>
                           <a:sysClr val="windowText" lastClr="000000"/>
                         </a:solidFill>
@@ -9373,12 +11301,12 @@
                     <a:p>
                       <a:pPr algn="ctr"/>
                       <a:r>
-                        <a:rPr lang="en-US" sz="1200" dirty="0">
+                        <a:rPr lang="en-US" sz="1600" dirty="0">
                           <a:latin typeface="Lusitana" pitchFamily="2" charset="0"/>
                         </a:rPr>
                         <a:t>TP = 1440</a:t>
                       </a:r>
-                      <a:endParaRPr lang="en-US" sz="1200" dirty="0">
+                      <a:endParaRPr lang="en-US" sz="1600" dirty="0">
                         <a:solidFill>
                           <a:sysClr val="windowText" lastClr="000000"/>
                         </a:solidFill>
@@ -9413,14 +11341,14 @@
           <p:nvPr>
             <p:extLst>
               <p:ext uri="{D42A27DB-BD31-4B8C-83A1-F6EECF244321}">
-                <p14:modId xmlns:p14="http://schemas.microsoft.com/office/powerpoint/2010/main" val="3638244136"/>
+                <p14:modId xmlns:p14="http://schemas.microsoft.com/office/powerpoint/2010/main" val="3555546882"/>
               </p:ext>
             </p:extLst>
           </p:nvPr>
         </p:nvGraphicFramePr>
         <p:xfrm>
           <a:off x="8518484" y="3895627"/>
-          <a:ext cx="3136627" cy="1967011"/>
+          <a:ext cx="3136627" cy="2098776"/>
         </p:xfrm>
         <a:graphic>
           <a:graphicData uri="http://schemas.openxmlformats.org/drawingml/2006/table">
@@ -9459,7 +11387,7 @@
                     <a:p>
                       <a:pPr algn="ctr"/>
                       <a:r>
-                        <a:rPr lang="en-US" sz="1200" dirty="0" err="1">
+                        <a:rPr lang="en-US" sz="1600" dirty="0" err="1">
                           <a:solidFill>
                             <a:sysClr val="windowText" lastClr="000000"/>
                           </a:solidFill>
@@ -9468,7 +11396,7 @@
                         <a:t>test_size</a:t>
                       </a:r>
                       <a:r>
-                        <a:rPr lang="en-US" sz="1200" dirty="0">
+                        <a:rPr lang="en-US" sz="1600" dirty="0">
                           <a:solidFill>
                             <a:sysClr val="windowText" lastClr="000000"/>
                           </a:solidFill>
@@ -9487,12 +11415,12 @@
                     <a:p>
                       <a:pPr algn="ctr"/>
                       <a:r>
-                        <a:rPr lang="en-US" sz="1200" dirty="0">
+                        <a:rPr lang="en-US" sz="1600" dirty="0">
                           <a:latin typeface="Lusitana" pitchFamily="2" charset="0"/>
                         </a:rPr>
                         <a:t>N (predicted)</a:t>
                       </a:r>
-                      <a:endParaRPr lang="en-US" sz="1200" dirty="0">
+                      <a:endParaRPr lang="en-US" sz="1600" dirty="0">
                         <a:solidFill>
                           <a:sysClr val="windowText" lastClr="000000"/>
                         </a:solidFill>
@@ -9509,12 +11437,12 @@
                     <a:p>
                       <a:pPr algn="ctr"/>
                       <a:r>
-                        <a:rPr lang="en-US" sz="1200" dirty="0">
+                        <a:rPr lang="en-US" sz="1600" dirty="0">
                           <a:latin typeface="Lusitana" pitchFamily="2" charset="0"/>
                         </a:rPr>
                         <a:t>P (predicted)</a:t>
                       </a:r>
-                      <a:endParaRPr lang="en-US" sz="1200" dirty="0">
+                      <a:endParaRPr lang="en-US" sz="1600" dirty="0">
                         <a:solidFill>
                           <a:sysClr val="windowText" lastClr="000000"/>
                         </a:solidFill>
@@ -9538,12 +11466,12 @@
                     <a:p>
                       <a:pPr algn="ctr"/>
                       <a:r>
-                        <a:rPr lang="en-US" sz="1200" dirty="0">
+                        <a:rPr lang="en-US" sz="1600" dirty="0">
                           <a:latin typeface="Lusitana" pitchFamily="2" charset="0"/>
                         </a:rPr>
                         <a:t>N (actual)</a:t>
                       </a:r>
-                      <a:endParaRPr lang="en-US" sz="1200" dirty="0">
+                      <a:endParaRPr lang="en-US" sz="1600" dirty="0">
                         <a:solidFill>
                           <a:sysClr val="windowText" lastClr="000000"/>
                         </a:solidFill>
@@ -9560,12 +11488,12 @@
                     <a:p>
                       <a:pPr algn="ctr"/>
                       <a:r>
-                        <a:rPr lang="en-US" sz="1200" dirty="0">
+                        <a:rPr lang="en-US" sz="1600" dirty="0">
                           <a:latin typeface="Lusitana" pitchFamily="2" charset="0"/>
                         </a:rPr>
                         <a:t>TN = 6665</a:t>
                       </a:r>
-                      <a:endParaRPr lang="en-US" sz="1200" dirty="0">
+                      <a:endParaRPr lang="en-US" sz="1600" dirty="0">
                         <a:solidFill>
                           <a:sysClr val="windowText" lastClr="000000"/>
                         </a:solidFill>
@@ -9582,12 +11510,12 @@
                     <a:p>
                       <a:pPr algn="ctr"/>
                       <a:r>
-                        <a:rPr lang="en-US" sz="1200" dirty="0">
+                        <a:rPr lang="en-US" sz="1600" dirty="0">
                           <a:latin typeface="Lusitana" pitchFamily="2" charset="0"/>
                         </a:rPr>
                         <a:t>FP = 173</a:t>
                       </a:r>
-                      <a:endParaRPr lang="en-US" sz="1200" dirty="0">
+                      <a:endParaRPr lang="en-US" sz="1600" dirty="0">
                         <a:solidFill>
                           <a:sysClr val="windowText" lastClr="000000"/>
                         </a:solidFill>
@@ -9611,12 +11539,12 @@
                     <a:p>
                       <a:pPr algn="ctr"/>
                       <a:r>
-                        <a:rPr lang="en-US" sz="1200" dirty="0">
+                        <a:rPr lang="en-US" sz="1600" dirty="0">
                           <a:latin typeface="Lusitana" pitchFamily="2" charset="0"/>
                         </a:rPr>
                         <a:t>P (actual)</a:t>
                       </a:r>
-                      <a:endParaRPr lang="en-US" sz="1200" dirty="0">
+                      <a:endParaRPr lang="en-US" sz="1600" dirty="0">
                         <a:solidFill>
                           <a:sysClr val="windowText" lastClr="000000"/>
                         </a:solidFill>
@@ -9633,12 +11561,12 @@
                     <a:p>
                       <a:pPr algn="ctr"/>
                       <a:r>
-                        <a:rPr lang="en-US" sz="1200" dirty="0">
+                        <a:rPr lang="en-US" sz="1600" dirty="0">
                           <a:latin typeface="Lusitana" pitchFamily="2" charset="0"/>
                         </a:rPr>
                         <a:t>FN  = 583</a:t>
                       </a:r>
-                      <a:endParaRPr lang="en-US" sz="1200" dirty="0">
+                      <a:endParaRPr lang="en-US" sz="1600" dirty="0">
                         <a:solidFill>
                           <a:sysClr val="windowText" lastClr="000000"/>
                         </a:solidFill>
@@ -9655,12 +11583,12 @@
                     <a:p>
                       <a:pPr algn="ctr"/>
                       <a:r>
-                        <a:rPr lang="en-US" sz="1200" dirty="0">
+                        <a:rPr lang="en-US" sz="1600" dirty="0">
                           <a:latin typeface="Lusitana" pitchFamily="2" charset="0"/>
                         </a:rPr>
                         <a:t>TP = 1916</a:t>
                       </a:r>
-                      <a:endParaRPr lang="en-US" sz="1200" dirty="0">
+                      <a:endParaRPr lang="en-US" sz="1600" dirty="0">
                         <a:solidFill>
                           <a:sysClr val="windowText" lastClr="000000"/>
                         </a:solidFill>
@@ -9693,7 +11621,7 @@
 </p:sld>
 </file>
 
-<file path=ppt/slides/slide16.xml><?xml version="1.0" encoding="utf-8"?>
+<file path=ppt/slides/slide19.xml><?xml version="1.0" encoding="utf-8"?>
 <p:sld xmlns:a="http://schemas.openxmlformats.org/drawingml/2006/main" xmlns:r="http://schemas.openxmlformats.org/officeDocument/2006/relationships" xmlns:p="http://schemas.openxmlformats.org/presentationml/2006/main">
   <p:cSld>
     <p:spTree>
@@ -9910,7 +11838,7 @@
 </p:sld>
 </file>
 
-<file path=ppt/slides/slide17.xml><?xml version="1.0" encoding="utf-8"?>
+<file path=ppt/slides/slide2.xml><?xml version="1.0" encoding="utf-8"?>
 <p:sld xmlns:a="http://schemas.openxmlformats.org/drawingml/2006/main" xmlns:r="http://schemas.openxmlformats.org/officeDocument/2006/relationships" xmlns:p="http://schemas.openxmlformats.org/presentationml/2006/main">
   <p:cSld>
     <p:spTree>
@@ -9929,13 +11857,7 @@
       </p:grpSpPr>
       <p:sp>
         <p:nvSpPr>
-          <p:cNvPr id="3" name="Title 2">
-            <a:extLst>
-              <a:ext uri="{FF2B5EF4-FFF2-40B4-BE49-F238E27FC236}">
-                <a16:creationId xmlns:a16="http://schemas.microsoft.com/office/drawing/2014/main" id="{89AAC0A9-8A9F-7749-A50C-CD947F888D4F}"/>
-              </a:ext>
-            </a:extLst>
-          </p:cNvPr>
+          <p:cNvPr id="2" name="Title 1"/>
           <p:cNvSpPr>
             <a:spLocks noGrp="1"/>
           </p:cNvSpPr>
@@ -9943,386 +11865,84 @@
             <p:ph type="ctrTitle"/>
           </p:nvPr>
         </p:nvSpPr>
-        <p:spPr/>
-        <p:txBody>
-          <a:bodyPr>
-            <a:normAutofit/>
+        <p:spPr>
+          <a:xfrm>
+            <a:off x="609599" y="609600"/>
+            <a:ext cx="7038110" cy="3652434"/>
+          </a:xfrm>
+        </p:spPr>
+        <p:txBody>
+          <a:bodyPr/>
+          <a:lstStyle/>
+          <a:p>
+            <a:r>
+              <a:rPr lang="en-US" dirty="0"/>
+              <a:t>Predicting the formation of binary compounds using machine learning</a:t>
+            </a:r>
+          </a:p>
+        </p:txBody>
+      </p:sp>
+      <p:sp>
+        <p:nvSpPr>
+          <p:cNvPr id="3" name="Text Placeholder 2"/>
+          <p:cNvSpPr>
+            <a:spLocks noGrp="1"/>
+          </p:cNvSpPr>
+          <p:nvPr>
+            <p:ph type="body" sz="quarter" idx="10"/>
+          </p:nvPr>
+        </p:nvSpPr>
+        <p:spPr>
+          <a:xfrm>
+            <a:off x="8423022" y="5562600"/>
+            <a:ext cx="3437508" cy="441960"/>
+          </a:xfrm>
+        </p:spPr>
+        <p:txBody>
+          <a:bodyPr anchor="t">
+            <a:noAutofit/>
           </a:bodyPr>
           <a:lstStyle/>
           <a:p>
             <a:r>
-              <a:rPr lang="en-US" sz="4400" dirty="0"/>
-              <a:t>Baseline accuracy</a:t>
-            </a:r>
-          </a:p>
-        </p:txBody>
-      </p:sp>
-      <p:sp>
-        <p:nvSpPr>
-          <p:cNvPr id="24" name="TextBox 23">
-            <a:extLst>
-              <a:ext uri="{FF2B5EF4-FFF2-40B4-BE49-F238E27FC236}">
-                <a16:creationId xmlns:a16="http://schemas.microsoft.com/office/drawing/2014/main" id="{EEB525A5-5207-8D47-A0AC-BB8BA3E60A37}"/>
-              </a:ext>
-            </a:extLst>
-          </p:cNvPr>
-          <p:cNvSpPr txBox="1"/>
-          <p:nvPr/>
+              <a:rPr lang="en-US" sz="1800" b="1" dirty="0"/>
+              <a:t>Chris Borg, </a:t>
+            </a:r>
+            <a:r>
+              <a:rPr lang="en-US" sz="1800" dirty="0"/>
+              <a:t>Research Scientist</a:t>
+            </a:r>
+          </a:p>
+        </p:txBody>
+      </p:sp>
+      <p:sp>
+        <p:nvSpPr>
+          <p:cNvPr id="4" name="Text Placeholder 3"/>
+          <p:cNvSpPr>
+            <a:spLocks noGrp="1"/>
+          </p:cNvSpPr>
+          <p:nvPr>
+            <p:ph type="body" sz="quarter" idx="11"/>
+          </p:nvPr>
         </p:nvSpPr>
         <p:spPr>
           <a:xfrm>
-            <a:off x="7736866" y="2198617"/>
-            <a:ext cx="3390917" cy="769441"/>
+            <a:off x="609599" y="5562600"/>
+            <a:ext cx="3122142" cy="430213"/>
           </a:xfrm>
-          <a:prstGeom prst="rect">
-            <a:avLst/>
-          </a:prstGeom>
-          <a:noFill/>
         </p:spPr>
         <p:txBody>
-          <a:bodyPr wrap="square" rtlCol="0">
-            <a:spAutoFit/>
+          <a:bodyPr>
+            <a:noAutofit/>
           </a:bodyPr>
           <a:lstStyle/>
           <a:p>
-            <a:pPr algn="just"/>
-            <a:r>
-              <a:rPr lang="en-US" sz="2200" dirty="0">
-                <a:latin typeface="Lusitana" pitchFamily="2" charset="0"/>
-              </a:rPr>
-              <a:t>Classifying all binaries as unstable = 88%</a:t>
-            </a:r>
-          </a:p>
-        </p:txBody>
-      </p:sp>
-      <p:pic>
-        <p:nvPicPr>
-          <p:cNvPr id="2" name="Picture 1">
-            <a:extLst>
-              <a:ext uri="{FF2B5EF4-FFF2-40B4-BE49-F238E27FC236}">
-                <a16:creationId xmlns:a16="http://schemas.microsoft.com/office/drawing/2014/main" id="{7702B914-0232-6040-BDC6-F1B36D9008EB}"/>
-              </a:ext>
-            </a:extLst>
-          </p:cNvPr>
-          <p:cNvPicPr>
-            <a:picLocks noChangeAspect="1"/>
-          </p:cNvPicPr>
-          <p:nvPr/>
-        </p:nvPicPr>
-        <p:blipFill>
-          <a:blip r:embed="rId3"/>
-          <a:stretch>
-            <a:fillRect/>
-          </a:stretch>
-        </p:blipFill>
-        <p:spPr>
-          <a:xfrm>
-            <a:off x="707740" y="1999636"/>
-            <a:ext cx="4246256" cy="1320264"/>
-          </a:xfrm>
-          <a:prstGeom prst="rect">
-            <a:avLst/>
-          </a:prstGeom>
-          <a:ln>
-            <a:solidFill>
-              <a:schemeClr val="tx1"/>
-            </a:solidFill>
-          </a:ln>
-        </p:spPr>
-      </p:pic>
-      <mc:AlternateContent xmlns:mc="http://schemas.openxmlformats.org/markup-compatibility/2006">
-        <mc:Choice xmlns:a14="http://schemas.microsoft.com/office/drawing/2010/main" Requires="a14">
-          <p:sp>
-            <p:nvSpPr>
-              <p:cNvPr id="12" name="TextBox 11">
-                <a:extLst>
-                  <a:ext uri="{FF2B5EF4-FFF2-40B4-BE49-F238E27FC236}">
-                    <a16:creationId xmlns:a16="http://schemas.microsoft.com/office/drawing/2014/main" id="{3794BDA5-446F-C84E-B86F-AEA801EEB02B}"/>
-                  </a:ext>
-                </a:extLst>
-              </p:cNvPr>
-              <p:cNvSpPr txBox="1"/>
-              <p:nvPr/>
-            </p:nvSpPr>
-            <p:spPr>
-              <a:xfrm>
-                <a:off x="5349240" y="2351094"/>
-                <a:ext cx="2057586" cy="616964"/>
-              </a:xfrm>
-              <a:prstGeom prst="rect">
-                <a:avLst/>
-              </a:prstGeom>
-              <a:noFill/>
-            </p:spPr>
-            <p:txBody>
-              <a:bodyPr wrap="square" rtlCol="0">
-                <a:spAutoFit/>
-              </a:bodyPr>
-              <a:lstStyle/>
-              <a:p>
-                <a14:m>
-                  <m:oMath xmlns:m="http://schemas.openxmlformats.org/officeDocument/2006/math">
-                    <m:f>
-                      <m:fPr>
-                        <m:ctrlPr>
-                          <a:rPr lang="en-US" sz="2400" i="1" smtClean="0">
-                            <a:latin typeface="Cambria Math" panose="02040503050406030204" pitchFamily="18" charset="0"/>
-                          </a:rPr>
-                        </m:ctrlPr>
-                      </m:fPr>
-                      <m:num>
-                        <m:r>
-                          <a:rPr lang="en-US" sz="2400" b="0" i="1" smtClean="0">
-                            <a:latin typeface="Cambria Math" panose="02040503050406030204" pitchFamily="18" charset="0"/>
-                          </a:rPr>
-                          <m:t>18999</m:t>
-                        </m:r>
-                      </m:num>
-                      <m:den>
-                        <m:r>
-                          <a:rPr lang="en-US" sz="2400" b="0" i="1" smtClean="0">
-                            <a:latin typeface="Cambria Math" panose="02040503050406030204" pitchFamily="18" charset="0"/>
-                          </a:rPr>
-                          <m:t>21571</m:t>
-                        </m:r>
-                      </m:den>
-                    </m:f>
-                  </m:oMath>
-                </a14:m>
-                <a:r>
-                  <a:rPr lang="en-US" sz="2400" dirty="0"/>
-                  <a:t> = 0.88</a:t>
-                </a:r>
-              </a:p>
-            </p:txBody>
-          </p:sp>
-        </mc:Choice>
-        <mc:Fallback>
-          <p:sp>
-            <p:nvSpPr>
-              <p:cNvPr id="12" name="TextBox 11">
-                <a:extLst>
-                  <a:ext uri="{FF2B5EF4-FFF2-40B4-BE49-F238E27FC236}">
-                    <a16:creationId xmlns:a16="http://schemas.microsoft.com/office/drawing/2014/main" id="{3794BDA5-446F-C84E-B86F-AEA801EEB02B}"/>
-                  </a:ext>
-                </a:extLst>
-              </p:cNvPr>
-              <p:cNvSpPr txBox="1">
-                <a:spLocks noRot="1" noChangeAspect="1" noMove="1" noResize="1" noEditPoints="1" noAdjustHandles="1" noChangeArrowheads="1" noChangeShapeType="1" noTextEdit="1"/>
-              </p:cNvSpPr>
-              <p:nvPr/>
-            </p:nvSpPr>
-            <p:spPr>
-              <a:xfrm>
-                <a:off x="5349240" y="2351094"/>
-                <a:ext cx="2057586" cy="616964"/>
-              </a:xfrm>
-              <a:prstGeom prst="rect">
-                <a:avLst/>
-              </a:prstGeom>
-              <a:blipFill>
-                <a:blip r:embed="rId4"/>
-                <a:stretch>
-                  <a:fillRect b="-8000"/>
-                </a:stretch>
-              </a:blipFill>
-            </p:spPr>
-            <p:txBody>
-              <a:bodyPr/>
-              <a:lstStyle/>
-              <a:p>
-                <a:r>
-                  <a:rPr lang="en-US">
-                    <a:noFill/>
-                  </a:rPr>
-                  <a:t> </a:t>
-                </a:r>
-              </a:p>
-            </p:txBody>
-          </p:sp>
-        </mc:Fallback>
-      </mc:AlternateContent>
-      <p:pic>
-        <p:nvPicPr>
-          <p:cNvPr id="6" name="Picture 5">
-            <a:extLst>
-              <a:ext uri="{FF2B5EF4-FFF2-40B4-BE49-F238E27FC236}">
-                <a16:creationId xmlns:a16="http://schemas.microsoft.com/office/drawing/2014/main" id="{B1D4FA55-FEE6-D74B-843E-A68D2D0CFDBF}"/>
-              </a:ext>
-            </a:extLst>
-          </p:cNvPr>
-          <p:cNvPicPr>
-            <a:picLocks noChangeAspect="1"/>
-          </p:cNvPicPr>
-          <p:nvPr/>
-        </p:nvPicPr>
-        <p:blipFill>
-          <a:blip r:embed="rId5"/>
-          <a:stretch>
-            <a:fillRect/>
-          </a:stretch>
-        </p:blipFill>
-        <p:spPr>
-          <a:xfrm>
-            <a:off x="793688" y="4229529"/>
-            <a:ext cx="4074360" cy="1320263"/>
-          </a:xfrm>
-          <a:prstGeom prst="rect">
-            <a:avLst/>
-          </a:prstGeom>
-          <a:ln>
-            <a:solidFill>
-              <a:schemeClr val="tx1"/>
-            </a:solidFill>
-          </a:ln>
-        </p:spPr>
-      </p:pic>
-      <mc:AlternateContent xmlns:mc="http://schemas.openxmlformats.org/markup-compatibility/2006">
-        <mc:Choice xmlns:a14="http://schemas.microsoft.com/office/drawing/2010/main" Requires="a14">
-          <p:sp>
-            <p:nvSpPr>
-              <p:cNvPr id="15" name="TextBox 14">
-                <a:extLst>
-                  <a:ext uri="{FF2B5EF4-FFF2-40B4-BE49-F238E27FC236}">
-                    <a16:creationId xmlns:a16="http://schemas.microsoft.com/office/drawing/2014/main" id="{F9541EFC-EA21-5643-8EDD-A54DA7EBF4B3}"/>
-                  </a:ext>
-                </a:extLst>
-              </p:cNvPr>
-              <p:cNvSpPr txBox="1"/>
-              <p:nvPr/>
-            </p:nvSpPr>
-            <p:spPr>
-              <a:xfrm>
-                <a:off x="5266367" y="4581178"/>
-                <a:ext cx="3645158" cy="616964"/>
-              </a:xfrm>
-              <a:prstGeom prst="rect">
-                <a:avLst/>
-              </a:prstGeom>
-              <a:noFill/>
-            </p:spPr>
-            <p:txBody>
-              <a:bodyPr wrap="square" rtlCol="0">
-                <a:spAutoFit/>
-              </a:bodyPr>
-              <a:lstStyle/>
-              <a:p>
-                <a14:m>
-                  <m:oMath xmlns:m="http://schemas.openxmlformats.org/officeDocument/2006/math">
-                    <m:f>
-                      <m:fPr>
-                        <m:ctrlPr>
-                          <a:rPr lang="en-US" sz="2400" i="1" smtClean="0">
-                            <a:latin typeface="Cambria Math" panose="02040503050406030204" pitchFamily="18" charset="0"/>
-                          </a:rPr>
-                        </m:ctrlPr>
-                      </m:fPr>
-                      <m:num>
-                        <m:r>
-                          <a:rPr lang="en-US" sz="2400" b="0" i="1" smtClean="0">
-                            <a:latin typeface="Cambria Math" panose="02040503050406030204" pitchFamily="18" charset="0"/>
-                          </a:rPr>
-                          <m:t>21571−4</m:t>
-                        </m:r>
-                      </m:num>
-                      <m:den>
-                        <m:r>
-                          <a:rPr lang="en-US" sz="2400" b="0" i="1" smtClean="0">
-                            <a:latin typeface="Cambria Math" panose="02040503050406030204" pitchFamily="18" charset="0"/>
-                          </a:rPr>
-                          <m:t>21571</m:t>
-                        </m:r>
-                      </m:den>
-                    </m:f>
-                  </m:oMath>
-                </a14:m>
-                <a:r>
-                  <a:rPr lang="en-US" sz="2400" dirty="0"/>
-                  <a:t> = 0.99</a:t>
-                </a:r>
-              </a:p>
-            </p:txBody>
-          </p:sp>
-        </mc:Choice>
-        <mc:Fallback>
-          <p:sp>
-            <p:nvSpPr>
-              <p:cNvPr id="15" name="TextBox 14">
-                <a:extLst>
-                  <a:ext uri="{FF2B5EF4-FFF2-40B4-BE49-F238E27FC236}">
-                    <a16:creationId xmlns:a16="http://schemas.microsoft.com/office/drawing/2014/main" id="{F9541EFC-EA21-5643-8EDD-A54DA7EBF4B3}"/>
-                  </a:ext>
-                </a:extLst>
-              </p:cNvPr>
-              <p:cNvSpPr txBox="1">
-                <a:spLocks noRot="1" noChangeAspect="1" noMove="1" noResize="1" noEditPoints="1" noAdjustHandles="1" noChangeArrowheads="1" noChangeShapeType="1" noTextEdit="1"/>
-              </p:cNvSpPr>
-              <p:nvPr/>
-            </p:nvSpPr>
-            <p:spPr>
-              <a:xfrm>
-                <a:off x="5266367" y="4581178"/>
-                <a:ext cx="3645158" cy="616964"/>
-              </a:xfrm>
-              <a:prstGeom prst="rect">
-                <a:avLst/>
-              </a:prstGeom>
-              <a:blipFill>
-                <a:blip r:embed="rId6"/>
-                <a:stretch>
-                  <a:fillRect b="-10204"/>
-                </a:stretch>
-              </a:blipFill>
-            </p:spPr>
-            <p:txBody>
-              <a:bodyPr/>
-              <a:lstStyle/>
-              <a:p>
-                <a:r>
-                  <a:rPr lang="en-US">
-                    <a:noFill/>
-                  </a:rPr>
-                  <a:t> </a:t>
-                </a:r>
-              </a:p>
-            </p:txBody>
-          </p:sp>
-        </mc:Fallback>
-      </mc:AlternateContent>
-      <p:sp>
-        <p:nvSpPr>
-          <p:cNvPr id="17" name="TextBox 16">
-            <a:extLst>
-              <a:ext uri="{FF2B5EF4-FFF2-40B4-BE49-F238E27FC236}">
-                <a16:creationId xmlns:a16="http://schemas.microsoft.com/office/drawing/2014/main" id="{E0E1B6F9-C54C-8D43-BC90-6409CB334E28}"/>
-              </a:ext>
-            </a:extLst>
-          </p:cNvPr>
-          <p:cNvSpPr txBox="1"/>
-          <p:nvPr/>
-        </p:nvSpPr>
-        <p:spPr>
-          <a:xfrm>
-            <a:off x="7962884" y="4674216"/>
-            <a:ext cx="3390917" cy="430887"/>
-          </a:xfrm>
-          <a:prstGeom prst="rect">
-            <a:avLst/>
-          </a:prstGeom>
-          <a:noFill/>
-        </p:spPr>
-        <p:txBody>
-          <a:bodyPr wrap="square" rtlCol="0">
-            <a:spAutoFit/>
-          </a:bodyPr>
-          <a:lstStyle/>
-          <a:p>
-            <a:pPr algn="just"/>
-            <a:r>
-              <a:rPr lang="en-US" sz="2200" dirty="0">
-                <a:latin typeface="Lusitana" pitchFamily="2" charset="0"/>
-              </a:rPr>
-              <a:t>Random forest</a:t>
+            <a:endParaRPr lang="en-US" sz="2000" dirty="0"/>
+          </a:p>
+          <a:p>
+            <a:r>
+              <a:rPr lang="en-US" sz="2000" dirty="0"/>
+              <a:t>5 September 2019</a:t>
             </a:r>
           </a:p>
         </p:txBody>
@@ -10330,7 +11950,7 @@
     </p:spTree>
     <p:extLst>
       <p:ext uri="{BB962C8B-B14F-4D97-AF65-F5344CB8AC3E}">
-        <p14:creationId xmlns:p14="http://schemas.microsoft.com/office/powerpoint/2010/main" val="1640361790"/>
+        <p14:creationId xmlns:p14="http://schemas.microsoft.com/office/powerpoint/2010/main" val="1868553046"/>
       </p:ext>
     </p:extLst>
   </p:cSld>
@@ -10340,197 +11960,7 @@
 </p:sld>
 </file>
 
-<file path=ppt/slides/slide18.xml><?xml version="1.0" encoding="utf-8"?>
-<p:sld xmlns:a="http://schemas.openxmlformats.org/drawingml/2006/main" xmlns:r="http://schemas.openxmlformats.org/officeDocument/2006/relationships" xmlns:p="http://schemas.openxmlformats.org/presentationml/2006/main">
-  <p:cSld>
-    <p:spTree>
-      <p:nvGrpSpPr>
-        <p:cNvPr id="1" name=""/>
-        <p:cNvGrpSpPr/>
-        <p:nvPr/>
-      </p:nvGrpSpPr>
-      <p:grpSpPr>
-        <a:xfrm>
-          <a:off x="0" y="0"/>
-          <a:ext cx="0" cy="0"/>
-          <a:chOff x="0" y="0"/>
-          <a:chExt cx="0" cy="0"/>
-        </a:xfrm>
-      </p:grpSpPr>
-      <p:sp>
-        <p:nvSpPr>
-          <p:cNvPr id="3" name="Title 2">
-            <a:extLst>
-              <a:ext uri="{FF2B5EF4-FFF2-40B4-BE49-F238E27FC236}">
-                <a16:creationId xmlns:a16="http://schemas.microsoft.com/office/drawing/2014/main" id="{89AAC0A9-8A9F-7749-A50C-CD947F888D4F}"/>
-              </a:ext>
-            </a:extLst>
-          </p:cNvPr>
-          <p:cNvSpPr>
-            <a:spLocks noGrp="1"/>
-          </p:cNvSpPr>
-          <p:nvPr>
-            <p:ph type="ctrTitle"/>
-          </p:nvPr>
-        </p:nvSpPr>
-        <p:spPr/>
-        <p:txBody>
-          <a:bodyPr>
-            <a:normAutofit/>
-          </a:bodyPr>
-          <a:lstStyle/>
-          <a:p>
-            <a:r>
-              <a:rPr lang="en-US" sz="4400" dirty="0"/>
-              <a:t>Addressing class imbalance</a:t>
-            </a:r>
-          </a:p>
-        </p:txBody>
-      </p:sp>
-      <p:sp>
-        <p:nvSpPr>
-          <p:cNvPr id="9" name="Rectangle 8">
-            <a:extLst>
-              <a:ext uri="{FF2B5EF4-FFF2-40B4-BE49-F238E27FC236}">
-                <a16:creationId xmlns:a16="http://schemas.microsoft.com/office/drawing/2014/main" id="{4F873BEC-1733-B643-98CF-B849CB700178}"/>
-              </a:ext>
-            </a:extLst>
-          </p:cNvPr>
-          <p:cNvSpPr/>
-          <p:nvPr/>
-        </p:nvSpPr>
-        <p:spPr>
-          <a:xfrm>
-            <a:off x="745086" y="4409725"/>
-            <a:ext cx="5866991" cy="523220"/>
-          </a:xfrm>
-          <a:prstGeom prst="rect">
-            <a:avLst/>
-          </a:prstGeom>
-        </p:spPr>
-        <p:txBody>
-          <a:bodyPr wrap="square">
-            <a:spAutoFit/>
-          </a:bodyPr>
-          <a:lstStyle/>
-          <a:p>
-            <a:r>
-              <a:rPr lang="en-US" sz="1400" dirty="0">
-                <a:solidFill>
-                  <a:srgbClr val="222222"/>
-                </a:solidFill>
-                <a:latin typeface="Lusitana" pitchFamily="2" charset="0"/>
-              </a:rPr>
-              <a:t>Lever, J., </a:t>
-            </a:r>
-            <a:r>
-              <a:rPr lang="en-US" sz="1400" dirty="0" err="1">
-                <a:solidFill>
-                  <a:srgbClr val="222222"/>
-                </a:solidFill>
-                <a:latin typeface="Lusitana" pitchFamily="2" charset="0"/>
-              </a:rPr>
-              <a:t>Krzywinski</a:t>
-            </a:r>
-            <a:r>
-              <a:rPr lang="en-US" sz="1400" dirty="0">
-                <a:solidFill>
-                  <a:srgbClr val="222222"/>
-                </a:solidFill>
-                <a:latin typeface="Lusitana" pitchFamily="2" charset="0"/>
-              </a:rPr>
-              <a:t>, M., &amp; Altman, N. (2016). Points of significance: classification evaluation.</a:t>
-            </a:r>
-            <a:endParaRPr lang="en-US" sz="1400" dirty="0">
-              <a:latin typeface="Lusitana" pitchFamily="2" charset="0"/>
-            </a:endParaRPr>
-          </a:p>
-        </p:txBody>
-      </p:sp>
-      <p:pic>
-        <p:nvPicPr>
-          <p:cNvPr id="10" name="Picture 9">
-            <a:extLst>
-              <a:ext uri="{FF2B5EF4-FFF2-40B4-BE49-F238E27FC236}">
-                <a16:creationId xmlns:a16="http://schemas.microsoft.com/office/drawing/2014/main" id="{A03F3C28-EF64-274B-88FA-10B51CDB8767}"/>
-              </a:ext>
-            </a:extLst>
-          </p:cNvPr>
-          <p:cNvPicPr>
-            <a:picLocks noChangeAspect="1"/>
-          </p:cNvPicPr>
-          <p:nvPr/>
-        </p:nvPicPr>
-        <p:blipFill>
-          <a:blip r:embed="rId3"/>
-          <a:stretch>
-            <a:fillRect/>
-          </a:stretch>
-        </p:blipFill>
-        <p:spPr>
-          <a:xfrm>
-            <a:off x="826959" y="1682864"/>
-            <a:ext cx="3775649" cy="2467985"/>
-          </a:xfrm>
-          <a:prstGeom prst="rect">
-            <a:avLst/>
-          </a:prstGeom>
-          <a:ln>
-            <a:solidFill>
-              <a:schemeClr val="tx1"/>
-            </a:solidFill>
-          </a:ln>
-        </p:spPr>
-      </p:pic>
-      <p:pic>
-        <p:nvPicPr>
-          <p:cNvPr id="11" name="Picture 10">
-            <a:extLst>
-              <a:ext uri="{FF2B5EF4-FFF2-40B4-BE49-F238E27FC236}">
-                <a16:creationId xmlns:a16="http://schemas.microsoft.com/office/drawing/2014/main" id="{AF1119D4-F104-424B-BDE9-B849F6646F87}"/>
-              </a:ext>
-            </a:extLst>
-          </p:cNvPr>
-          <p:cNvPicPr>
-            <a:picLocks noChangeAspect="1"/>
-          </p:cNvPicPr>
-          <p:nvPr/>
-        </p:nvPicPr>
-        <p:blipFill>
-          <a:blip r:embed="rId4"/>
-          <a:stretch>
-            <a:fillRect/>
-          </a:stretch>
-        </p:blipFill>
-        <p:spPr>
-          <a:xfrm>
-            <a:off x="4751880" y="1646028"/>
-            <a:ext cx="3720395" cy="2541656"/>
-          </a:xfrm>
-          <a:prstGeom prst="rect">
-            <a:avLst/>
-          </a:prstGeom>
-          <a:ln>
-            <a:solidFill>
-              <a:schemeClr val="tx1"/>
-            </a:solidFill>
-          </a:ln>
-        </p:spPr>
-      </p:pic>
-    </p:spTree>
-    <p:extLst>
-      <p:ext uri="{BB962C8B-B14F-4D97-AF65-F5344CB8AC3E}">
-        <p14:creationId xmlns:p14="http://schemas.microsoft.com/office/powerpoint/2010/main" val="3769064964"/>
-      </p:ext>
-    </p:extLst>
-  </p:cSld>
-  <p:clrMapOvr>
-    <a:masterClrMapping/>
-  </p:clrMapOvr>
-</p:sld>
-</file>
-
-<file path=ppt/slides/slide19.xml><?xml version="1.0" encoding="utf-8"?>
+<file path=ppt/slides/slide20.xml><?xml version="1.0" encoding="utf-8"?>
 <p:sld xmlns:a="http://schemas.openxmlformats.org/drawingml/2006/main" xmlns:r="http://schemas.openxmlformats.org/officeDocument/2006/relationships" xmlns:p="http://schemas.openxmlformats.org/presentationml/2006/main">
   <p:cSld>
     <p:spTree>
@@ -11817,856 +13247,6 @@
 </p:sld>
 </file>
 
-<file path=ppt/slides/slide2.xml><?xml version="1.0" encoding="utf-8"?>
-<p:sld xmlns:a="http://schemas.openxmlformats.org/drawingml/2006/main" xmlns:r="http://schemas.openxmlformats.org/officeDocument/2006/relationships" xmlns:p="http://schemas.openxmlformats.org/presentationml/2006/main">
-  <p:cSld>
-    <p:spTree>
-      <p:nvGrpSpPr>
-        <p:cNvPr id="1" name=""/>
-        <p:cNvGrpSpPr/>
-        <p:nvPr/>
-      </p:nvGrpSpPr>
-      <p:grpSpPr>
-        <a:xfrm>
-          <a:off x="0" y="0"/>
-          <a:ext cx="0" cy="0"/>
-          <a:chOff x="0" y="0"/>
-          <a:chExt cx="0" cy="0"/>
-        </a:xfrm>
-      </p:grpSpPr>
-      <p:sp>
-        <p:nvSpPr>
-          <p:cNvPr id="2" name="Title 1"/>
-          <p:cNvSpPr>
-            <a:spLocks noGrp="1"/>
-          </p:cNvSpPr>
-          <p:nvPr>
-            <p:ph type="ctrTitle"/>
-          </p:nvPr>
-        </p:nvSpPr>
-        <p:spPr>
-          <a:xfrm>
-            <a:off x="609599" y="609600"/>
-            <a:ext cx="7038110" cy="3652434"/>
-          </a:xfrm>
-        </p:spPr>
-        <p:txBody>
-          <a:bodyPr/>
-          <a:lstStyle/>
-          <a:p>
-            <a:r>
-              <a:rPr lang="en-US" dirty="0"/>
-              <a:t>Predicting the formation of binary compounds using machine learning</a:t>
-            </a:r>
-          </a:p>
-        </p:txBody>
-      </p:sp>
-      <p:sp>
-        <p:nvSpPr>
-          <p:cNvPr id="3" name="Text Placeholder 2"/>
-          <p:cNvSpPr>
-            <a:spLocks noGrp="1"/>
-          </p:cNvSpPr>
-          <p:nvPr>
-            <p:ph type="body" sz="quarter" idx="10"/>
-          </p:nvPr>
-        </p:nvSpPr>
-        <p:spPr>
-          <a:xfrm>
-            <a:off x="8423022" y="5562600"/>
-            <a:ext cx="3437508" cy="441960"/>
-          </a:xfrm>
-        </p:spPr>
-        <p:txBody>
-          <a:bodyPr anchor="t">
-            <a:noAutofit/>
-          </a:bodyPr>
-          <a:lstStyle/>
-          <a:p>
-            <a:r>
-              <a:rPr lang="en-US" sz="1800" b="1" dirty="0"/>
-              <a:t>Chris Borg, </a:t>
-            </a:r>
-            <a:r>
-              <a:rPr lang="en-US" sz="1800" dirty="0"/>
-              <a:t>Research Scientist</a:t>
-            </a:r>
-          </a:p>
-        </p:txBody>
-      </p:sp>
-      <p:sp>
-        <p:nvSpPr>
-          <p:cNvPr id="4" name="Text Placeholder 3"/>
-          <p:cNvSpPr>
-            <a:spLocks noGrp="1"/>
-          </p:cNvSpPr>
-          <p:nvPr>
-            <p:ph type="body" sz="quarter" idx="11"/>
-          </p:nvPr>
-        </p:nvSpPr>
-        <p:spPr>
-          <a:xfrm>
-            <a:off x="609599" y="5562600"/>
-            <a:ext cx="3122142" cy="430213"/>
-          </a:xfrm>
-        </p:spPr>
-        <p:txBody>
-          <a:bodyPr>
-            <a:noAutofit/>
-          </a:bodyPr>
-          <a:lstStyle/>
-          <a:p>
-            <a:endParaRPr lang="en-US" sz="2000" dirty="0"/>
-          </a:p>
-          <a:p>
-            <a:r>
-              <a:rPr lang="en-US" sz="2000" dirty="0"/>
-              <a:t>5 September 2019</a:t>
-            </a:r>
-          </a:p>
-        </p:txBody>
-      </p:sp>
-    </p:spTree>
-    <p:extLst>
-      <p:ext uri="{BB962C8B-B14F-4D97-AF65-F5344CB8AC3E}">
-        <p14:creationId xmlns:p14="http://schemas.microsoft.com/office/powerpoint/2010/main" val="1868553046"/>
-      </p:ext>
-    </p:extLst>
-  </p:cSld>
-  <p:clrMapOvr>
-    <a:masterClrMapping/>
-  </p:clrMapOvr>
-</p:sld>
-</file>
-
-<file path=ppt/slides/slide20.xml><?xml version="1.0" encoding="utf-8"?>
-<p:sld xmlns:a="http://schemas.openxmlformats.org/drawingml/2006/main" xmlns:r="http://schemas.openxmlformats.org/officeDocument/2006/relationships" xmlns:p="http://schemas.openxmlformats.org/presentationml/2006/main">
-  <p:cSld>
-    <p:spTree>
-      <p:nvGrpSpPr>
-        <p:cNvPr id="1" name=""/>
-        <p:cNvGrpSpPr/>
-        <p:nvPr/>
-      </p:nvGrpSpPr>
-      <p:grpSpPr>
-        <a:xfrm>
-          <a:off x="0" y="0"/>
-          <a:ext cx="0" cy="0"/>
-          <a:chOff x="0" y="0"/>
-          <a:chExt cx="0" cy="0"/>
-        </a:xfrm>
-      </p:grpSpPr>
-      <p:sp>
-        <p:nvSpPr>
-          <p:cNvPr id="3" name="Title 2">
-            <a:extLst>
-              <a:ext uri="{FF2B5EF4-FFF2-40B4-BE49-F238E27FC236}">
-                <a16:creationId xmlns:a16="http://schemas.microsoft.com/office/drawing/2014/main" id="{89AAC0A9-8A9F-7749-A50C-CD947F888D4F}"/>
-              </a:ext>
-            </a:extLst>
-          </p:cNvPr>
-          <p:cNvSpPr>
-            <a:spLocks noGrp="1"/>
-          </p:cNvSpPr>
-          <p:nvPr>
-            <p:ph type="ctrTitle"/>
-          </p:nvPr>
-        </p:nvSpPr>
-        <p:spPr/>
-        <p:txBody>
-          <a:bodyPr>
-            <a:normAutofit/>
-          </a:bodyPr>
-          <a:lstStyle/>
-          <a:p>
-            <a:r>
-              <a:rPr lang="en-US" sz="4400" dirty="0"/>
-              <a:t>Assess model quality</a:t>
-            </a:r>
-          </a:p>
-        </p:txBody>
-      </p:sp>
-      <p:sp>
-        <p:nvSpPr>
-          <p:cNvPr id="16" name="TextBox 15">
-            <a:extLst>
-              <a:ext uri="{FF2B5EF4-FFF2-40B4-BE49-F238E27FC236}">
-                <a16:creationId xmlns:a16="http://schemas.microsoft.com/office/drawing/2014/main" id="{70F9A51B-FA63-9D4D-B004-D85D4BF7F03C}"/>
-              </a:ext>
-            </a:extLst>
-          </p:cNvPr>
-          <p:cNvSpPr txBox="1"/>
-          <p:nvPr/>
-        </p:nvSpPr>
-        <p:spPr>
-          <a:xfrm>
-            <a:off x="703627" y="1624829"/>
-            <a:ext cx="10650173" cy="1107996"/>
-          </a:xfrm>
-          <a:prstGeom prst="rect">
-            <a:avLst/>
-          </a:prstGeom>
-          <a:noFill/>
-        </p:spPr>
-        <p:txBody>
-          <a:bodyPr wrap="square" rtlCol="0">
-            <a:spAutoFit/>
-          </a:bodyPr>
-          <a:lstStyle/>
-          <a:p>
-            <a:pPr algn="just"/>
-            <a:r>
-              <a:rPr lang="en-US" sz="2200" dirty="0">
-                <a:latin typeface="Lusitana" pitchFamily="2" charset="0"/>
-              </a:rPr>
-              <a:t>Cross-validation</a:t>
-            </a:r>
-          </a:p>
-          <a:p>
-            <a:pPr algn="just"/>
-            <a:endParaRPr lang="en-US" sz="2200" dirty="0">
-              <a:latin typeface="Lusitana" pitchFamily="2" charset="0"/>
-            </a:endParaRPr>
-          </a:p>
-          <a:p>
-            <a:pPr algn="just"/>
-            <a:r>
-              <a:rPr lang="en-US" sz="2200" dirty="0">
-                <a:latin typeface="Lusitana" pitchFamily="2" charset="0"/>
-              </a:rPr>
-              <a:t>Compare to “ground-truth”</a:t>
-            </a:r>
-          </a:p>
-        </p:txBody>
-      </p:sp>
-    </p:spTree>
-    <p:extLst>
-      <p:ext uri="{BB962C8B-B14F-4D97-AF65-F5344CB8AC3E}">
-        <p14:creationId xmlns:p14="http://schemas.microsoft.com/office/powerpoint/2010/main" val="2584632132"/>
-      </p:ext>
-    </p:extLst>
-  </p:cSld>
-  <p:clrMapOvr>
-    <a:masterClrMapping/>
-  </p:clrMapOvr>
-</p:sld>
-</file>
-
-<file path=ppt/slides/slide21.xml><?xml version="1.0" encoding="utf-8"?>
-<p:sld xmlns:a="http://schemas.openxmlformats.org/drawingml/2006/main" xmlns:r="http://schemas.openxmlformats.org/officeDocument/2006/relationships" xmlns:p="http://schemas.openxmlformats.org/presentationml/2006/main">
-  <p:cSld>
-    <p:spTree>
-      <p:nvGrpSpPr>
-        <p:cNvPr id="1" name=""/>
-        <p:cNvGrpSpPr/>
-        <p:nvPr/>
-      </p:nvGrpSpPr>
-      <p:grpSpPr>
-        <a:xfrm>
-          <a:off x="0" y="0"/>
-          <a:ext cx="0" cy="0"/>
-          <a:chOff x="0" y="0"/>
-          <a:chExt cx="0" cy="0"/>
-        </a:xfrm>
-      </p:grpSpPr>
-      <p:sp>
-        <p:nvSpPr>
-          <p:cNvPr id="3" name="Title 2">
-            <a:extLst>
-              <a:ext uri="{FF2B5EF4-FFF2-40B4-BE49-F238E27FC236}">
-                <a16:creationId xmlns:a16="http://schemas.microsoft.com/office/drawing/2014/main" id="{89AAC0A9-8A9F-7749-A50C-CD947F888D4F}"/>
-              </a:ext>
-            </a:extLst>
-          </p:cNvPr>
-          <p:cNvSpPr>
-            <a:spLocks noGrp="1"/>
-          </p:cNvSpPr>
-          <p:nvPr>
-            <p:ph type="ctrTitle"/>
-          </p:nvPr>
-        </p:nvSpPr>
-        <p:spPr/>
-        <p:txBody>
-          <a:bodyPr>
-            <a:normAutofit/>
-          </a:bodyPr>
-          <a:lstStyle/>
-          <a:p>
-            <a:r>
-              <a:rPr lang="en-US" sz="4400" dirty="0"/>
-              <a:t>Binary classification</a:t>
-            </a:r>
-          </a:p>
-        </p:txBody>
-      </p:sp>
-      <p:sp>
-        <p:nvSpPr>
-          <p:cNvPr id="8" name="TextBox 7">
-            <a:extLst>
-              <a:ext uri="{FF2B5EF4-FFF2-40B4-BE49-F238E27FC236}">
-                <a16:creationId xmlns:a16="http://schemas.microsoft.com/office/drawing/2014/main" id="{F1B4DC87-98C6-954C-8FE8-78E82AFA1B12}"/>
-              </a:ext>
-            </a:extLst>
-          </p:cNvPr>
-          <p:cNvSpPr txBox="1"/>
-          <p:nvPr/>
-        </p:nvSpPr>
-        <p:spPr>
-          <a:xfrm>
-            <a:off x="1295681" y="5560516"/>
-            <a:ext cx="5059400" cy="430887"/>
-          </a:xfrm>
-          <a:prstGeom prst="rect">
-            <a:avLst/>
-          </a:prstGeom>
-          <a:noFill/>
-        </p:spPr>
-        <p:txBody>
-          <a:bodyPr wrap="square" rtlCol="0">
-            <a:spAutoFit/>
-          </a:bodyPr>
-          <a:lstStyle/>
-          <a:p>
-            <a:pPr algn="just"/>
-            <a:r>
-              <a:rPr lang="en-US" sz="2200" dirty="0">
-                <a:latin typeface="Lusitana" pitchFamily="2" charset="0"/>
-              </a:rPr>
-              <a:t>4 possible outcomes: TP, FP, TN, FN </a:t>
-            </a:r>
-          </a:p>
-        </p:txBody>
-      </p:sp>
-      <p:graphicFrame>
-        <p:nvGraphicFramePr>
-          <p:cNvPr id="2" name="Table 1">
-            <a:extLst>
-              <a:ext uri="{FF2B5EF4-FFF2-40B4-BE49-F238E27FC236}">
-                <a16:creationId xmlns:a16="http://schemas.microsoft.com/office/drawing/2014/main" id="{0B2BDD9F-37D6-5946-A07A-EC0CA1BC8A0E}"/>
-              </a:ext>
-            </a:extLst>
-          </p:cNvPr>
-          <p:cNvGraphicFramePr>
-            <a:graphicFrameLocks noGrp="1"/>
-          </p:cNvGraphicFramePr>
-          <p:nvPr>
-            <p:extLst>
-              <p:ext uri="{D42A27DB-BD31-4B8C-83A1-F6EECF244321}">
-                <p14:modId xmlns:p14="http://schemas.microsoft.com/office/powerpoint/2010/main" val="2870687444"/>
-              </p:ext>
-            </p:extLst>
-          </p:nvPr>
-        </p:nvGraphicFramePr>
-        <p:xfrm>
-          <a:off x="590551" y="1737360"/>
-          <a:ext cx="3858786" cy="3383280"/>
-        </p:xfrm>
-        <a:graphic>
-          <a:graphicData uri="http://schemas.openxmlformats.org/drawingml/2006/table">
-            <a:tbl>
-              <a:tblPr firstRow="1" bandRow="1">
-                <a:tableStyleId>{21E4AEA4-8DFA-4A89-87EB-49C32662AFE0}</a:tableStyleId>
-              </a:tblPr>
-              <a:tblGrid>
-                <a:gridCol w="1286262">
-                  <a:extLst>
-                    <a:ext uri="{9D8B030D-6E8A-4147-A177-3AD203B41FA5}">
-                      <a16:colId xmlns:a16="http://schemas.microsoft.com/office/drawing/2014/main" val="4070621904"/>
-                    </a:ext>
-                  </a:extLst>
-                </a:gridCol>
-                <a:gridCol w="1286262">
-                  <a:extLst>
-                    <a:ext uri="{9D8B030D-6E8A-4147-A177-3AD203B41FA5}">
-                      <a16:colId xmlns:a16="http://schemas.microsoft.com/office/drawing/2014/main" val="921272014"/>
-                    </a:ext>
-                  </a:extLst>
-                </a:gridCol>
-                <a:gridCol w="1286262">
-                  <a:extLst>
-                    <a:ext uri="{9D8B030D-6E8A-4147-A177-3AD203B41FA5}">
-                      <a16:colId xmlns:a16="http://schemas.microsoft.com/office/drawing/2014/main" val="3967309736"/>
-                    </a:ext>
-                  </a:extLst>
-                </a:gridCol>
-              </a:tblGrid>
-              <a:tr h="323151">
-                <a:tc>
-                  <a:txBody>
-                    <a:bodyPr/>
-                    <a:lstStyle/>
-                    <a:p>
-                      <a:pPr algn="ctr"/>
-                      <a:r>
-                        <a:rPr lang="en-US" sz="1600" dirty="0">
-                          <a:latin typeface="Lusitana" pitchFamily="2" charset="0"/>
-                        </a:rPr>
-                        <a:t>Predicted</a:t>
-                      </a:r>
-                    </a:p>
-                  </a:txBody>
-                  <a:tcPr/>
-                </a:tc>
-                <a:tc>
-                  <a:txBody>
-                    <a:bodyPr/>
-                    <a:lstStyle/>
-                    <a:p>
-                      <a:pPr algn="ctr"/>
-                      <a:r>
-                        <a:rPr lang="en-US" sz="1600" dirty="0">
-                          <a:latin typeface="Lusitana" pitchFamily="2" charset="0"/>
-                        </a:rPr>
-                        <a:t>Actual</a:t>
-                      </a:r>
-                    </a:p>
-                  </a:txBody>
-                  <a:tcPr/>
-                </a:tc>
-                <a:tc>
-                  <a:txBody>
-                    <a:bodyPr/>
-                    <a:lstStyle/>
-                    <a:p>
-                      <a:pPr algn="ctr"/>
-                      <a:r>
-                        <a:rPr lang="en-US" sz="1600" dirty="0">
-                          <a:latin typeface="Lusitana" pitchFamily="2" charset="0"/>
-                        </a:rPr>
-                        <a:t>label</a:t>
-                      </a:r>
-                    </a:p>
-                  </a:txBody>
-                  <a:tcPr/>
-                </a:tc>
-                <a:extLst>
-                  <a:ext uri="{0D108BD9-81ED-4DB2-BD59-A6C34878D82A}">
-                    <a16:rowId xmlns:a16="http://schemas.microsoft.com/office/drawing/2014/main" val="4095494999"/>
-                  </a:ext>
-                </a:extLst>
-              </a:tr>
-              <a:tr h="323151">
-                <a:tc>
-                  <a:txBody>
-                    <a:bodyPr/>
-                    <a:lstStyle/>
-                    <a:p>
-                      <a:pPr algn="ctr"/>
-                      <a:r>
-                        <a:rPr lang="en-US" sz="1600" dirty="0">
-                          <a:latin typeface="Lusitana" pitchFamily="2" charset="0"/>
-                        </a:rPr>
-                        <a:t>Stable (1)</a:t>
-                      </a:r>
-                    </a:p>
-                  </a:txBody>
-                  <a:tcPr/>
-                </a:tc>
-                <a:tc>
-                  <a:txBody>
-                    <a:bodyPr/>
-                    <a:lstStyle/>
-                    <a:p>
-                      <a:pPr algn="ctr"/>
-                      <a:r>
-                        <a:rPr lang="en-US" sz="1600" dirty="0">
-                          <a:latin typeface="Lusitana" pitchFamily="2" charset="0"/>
-                        </a:rPr>
-                        <a:t>Stable (1)</a:t>
-                      </a:r>
-                    </a:p>
-                  </a:txBody>
-                  <a:tcPr/>
-                </a:tc>
-                <a:tc>
-                  <a:txBody>
-                    <a:bodyPr/>
-                    <a:lstStyle/>
-                    <a:p>
-                      <a:pPr algn="ctr"/>
-                      <a:r>
-                        <a:rPr lang="en-US" sz="1600" dirty="0">
-                          <a:latin typeface="Lusitana" pitchFamily="2" charset="0"/>
-                        </a:rPr>
-                        <a:t>True Positive (TP)</a:t>
-                      </a:r>
-                    </a:p>
-                  </a:txBody>
-                  <a:tcPr/>
-                </a:tc>
-                <a:extLst>
-                  <a:ext uri="{0D108BD9-81ED-4DB2-BD59-A6C34878D82A}">
-                    <a16:rowId xmlns:a16="http://schemas.microsoft.com/office/drawing/2014/main" val="1521123227"/>
-                  </a:ext>
-                </a:extLst>
-              </a:tr>
-              <a:tr h="323151">
-                <a:tc>
-                  <a:txBody>
-                    <a:bodyPr/>
-                    <a:lstStyle/>
-                    <a:p>
-                      <a:pPr algn="ctr"/>
-                      <a:r>
-                        <a:rPr lang="en-US" sz="1600" dirty="0">
-                          <a:latin typeface="Lusitana" pitchFamily="2" charset="0"/>
-                        </a:rPr>
-                        <a:t>Unstable (0)</a:t>
-                      </a:r>
-                    </a:p>
-                  </a:txBody>
-                  <a:tcPr/>
-                </a:tc>
-                <a:tc>
-                  <a:txBody>
-                    <a:bodyPr/>
-                    <a:lstStyle/>
-                    <a:p>
-                      <a:pPr algn="ctr"/>
-                      <a:r>
-                        <a:rPr lang="en-US" sz="1600" dirty="0">
-                          <a:latin typeface="Lusitana" pitchFamily="2" charset="0"/>
-                        </a:rPr>
-                        <a:t>Unstable (0)</a:t>
-                      </a:r>
-                    </a:p>
-                  </a:txBody>
-                  <a:tcPr/>
-                </a:tc>
-                <a:tc>
-                  <a:txBody>
-                    <a:bodyPr/>
-                    <a:lstStyle/>
-                    <a:p>
-                      <a:pPr algn="ctr"/>
-                      <a:r>
-                        <a:rPr lang="en-US" sz="1600" dirty="0">
-                          <a:latin typeface="Lusitana" pitchFamily="2" charset="0"/>
-                        </a:rPr>
-                        <a:t>True Negative (TN)</a:t>
-                      </a:r>
-                    </a:p>
-                  </a:txBody>
-                  <a:tcPr/>
-                </a:tc>
-                <a:extLst>
-                  <a:ext uri="{0D108BD9-81ED-4DB2-BD59-A6C34878D82A}">
-                    <a16:rowId xmlns:a16="http://schemas.microsoft.com/office/drawing/2014/main" val="2293313342"/>
-                  </a:ext>
-                </a:extLst>
-              </a:tr>
-              <a:tr h="323151">
-                <a:tc>
-                  <a:txBody>
-                    <a:bodyPr/>
-                    <a:lstStyle/>
-                    <a:p>
-                      <a:pPr algn="ctr"/>
-                      <a:r>
-                        <a:rPr lang="en-US" sz="1600" dirty="0">
-                          <a:latin typeface="Lusitana" pitchFamily="2" charset="0"/>
-                        </a:rPr>
-                        <a:t>Stable (1)</a:t>
-                      </a:r>
-                    </a:p>
-                  </a:txBody>
-                  <a:tcPr/>
-                </a:tc>
-                <a:tc>
-                  <a:txBody>
-                    <a:bodyPr/>
-                    <a:lstStyle/>
-                    <a:p>
-                      <a:pPr algn="ctr"/>
-                      <a:r>
-                        <a:rPr lang="en-US" sz="1600" dirty="0">
-                          <a:latin typeface="Lusitana" pitchFamily="2" charset="0"/>
-                        </a:rPr>
-                        <a:t>Unstable (0)</a:t>
-                      </a:r>
-                    </a:p>
-                  </a:txBody>
-                  <a:tcPr/>
-                </a:tc>
-                <a:tc>
-                  <a:txBody>
-                    <a:bodyPr/>
-                    <a:lstStyle/>
-                    <a:p>
-                      <a:pPr algn="ctr"/>
-                      <a:r>
-                        <a:rPr lang="en-US" sz="1600" dirty="0">
-                          <a:latin typeface="Lusitana" pitchFamily="2" charset="0"/>
-                        </a:rPr>
-                        <a:t>False Negative (FN)</a:t>
-                      </a:r>
-                    </a:p>
-                  </a:txBody>
-                  <a:tcPr/>
-                </a:tc>
-                <a:extLst>
-                  <a:ext uri="{0D108BD9-81ED-4DB2-BD59-A6C34878D82A}">
-                    <a16:rowId xmlns:a16="http://schemas.microsoft.com/office/drawing/2014/main" val="808856668"/>
-                  </a:ext>
-                </a:extLst>
-              </a:tr>
-              <a:tr h="323151">
-                <a:tc>
-                  <a:txBody>
-                    <a:bodyPr/>
-                    <a:lstStyle/>
-                    <a:p>
-                      <a:pPr algn="ctr"/>
-                      <a:r>
-                        <a:rPr lang="en-US" sz="1600" dirty="0">
-                          <a:latin typeface="Lusitana" pitchFamily="2" charset="0"/>
-                        </a:rPr>
-                        <a:t>Unstable (0)</a:t>
-                      </a:r>
-                    </a:p>
-                  </a:txBody>
-                  <a:tcPr/>
-                </a:tc>
-                <a:tc>
-                  <a:txBody>
-                    <a:bodyPr/>
-                    <a:lstStyle/>
-                    <a:p>
-                      <a:pPr algn="ctr"/>
-                      <a:r>
-                        <a:rPr lang="en-US" sz="1600" dirty="0">
-                          <a:latin typeface="Lusitana" pitchFamily="2" charset="0"/>
-                        </a:rPr>
-                        <a:t>Stable (1)</a:t>
-                      </a:r>
-                    </a:p>
-                  </a:txBody>
-                  <a:tcPr/>
-                </a:tc>
-                <a:tc>
-                  <a:txBody>
-                    <a:bodyPr/>
-                    <a:lstStyle/>
-                    <a:p>
-                      <a:pPr algn="ctr"/>
-                      <a:r>
-                        <a:rPr lang="en-US" sz="1600" dirty="0">
-                          <a:latin typeface="Lusitana" pitchFamily="2" charset="0"/>
-                        </a:rPr>
-                        <a:t>False Positive (FP)</a:t>
-                      </a:r>
-                    </a:p>
-                  </a:txBody>
-                  <a:tcPr/>
-                </a:tc>
-                <a:extLst>
-                  <a:ext uri="{0D108BD9-81ED-4DB2-BD59-A6C34878D82A}">
-                    <a16:rowId xmlns:a16="http://schemas.microsoft.com/office/drawing/2014/main" val="2135154241"/>
-                  </a:ext>
-                </a:extLst>
-              </a:tr>
-            </a:tbl>
-          </a:graphicData>
-        </a:graphic>
-      </p:graphicFrame>
-      <p:pic>
-        <p:nvPicPr>
-          <p:cNvPr id="4" name="Picture 3">
-            <a:extLst>
-              <a:ext uri="{FF2B5EF4-FFF2-40B4-BE49-F238E27FC236}">
-                <a16:creationId xmlns:a16="http://schemas.microsoft.com/office/drawing/2014/main" id="{14C78BF3-3915-A64E-907A-6B48B18B1BAC}"/>
-              </a:ext>
-            </a:extLst>
-          </p:cNvPr>
-          <p:cNvPicPr>
-            <a:picLocks noChangeAspect="1"/>
-          </p:cNvPicPr>
-          <p:nvPr/>
-        </p:nvPicPr>
-        <p:blipFill>
-          <a:blip r:embed="rId3"/>
-          <a:stretch>
-            <a:fillRect/>
-          </a:stretch>
-        </p:blipFill>
-        <p:spPr>
-          <a:xfrm>
-            <a:off x="5626488" y="1863863"/>
-            <a:ext cx="2792683" cy="2970561"/>
-          </a:xfrm>
-          <a:prstGeom prst="rect">
-            <a:avLst/>
-          </a:prstGeom>
-        </p:spPr>
-      </p:pic>
-      <p:pic>
-        <p:nvPicPr>
-          <p:cNvPr id="5" name="Picture 4">
-            <a:extLst>
-              <a:ext uri="{FF2B5EF4-FFF2-40B4-BE49-F238E27FC236}">
-                <a16:creationId xmlns:a16="http://schemas.microsoft.com/office/drawing/2014/main" id="{E4F64CB4-438C-5342-82F9-924ABF8A0342}"/>
-              </a:ext>
-            </a:extLst>
-          </p:cNvPr>
-          <p:cNvPicPr>
-            <a:picLocks noChangeAspect="1"/>
-          </p:cNvPicPr>
-          <p:nvPr/>
-        </p:nvPicPr>
-        <p:blipFill>
-          <a:blip r:embed="rId4"/>
-          <a:stretch>
-            <a:fillRect/>
-          </a:stretch>
-        </p:blipFill>
-        <p:spPr>
-          <a:xfrm>
-            <a:off x="8751539" y="1863863"/>
-            <a:ext cx="1936840" cy="1300450"/>
-          </a:xfrm>
-          <a:prstGeom prst="rect">
-            <a:avLst/>
-          </a:prstGeom>
-        </p:spPr>
-      </p:pic>
-      <p:pic>
-        <p:nvPicPr>
-          <p:cNvPr id="11" name="Picture 10">
-            <a:extLst>
-              <a:ext uri="{FF2B5EF4-FFF2-40B4-BE49-F238E27FC236}">
-                <a16:creationId xmlns:a16="http://schemas.microsoft.com/office/drawing/2014/main" id="{7E4B9697-51DF-2143-9078-6925F59BD76C}"/>
-              </a:ext>
-            </a:extLst>
-          </p:cNvPr>
-          <p:cNvPicPr>
-            <a:picLocks noChangeAspect="1"/>
-          </p:cNvPicPr>
-          <p:nvPr/>
-        </p:nvPicPr>
-        <p:blipFill>
-          <a:blip r:embed="rId5"/>
-          <a:stretch>
-            <a:fillRect/>
-          </a:stretch>
-        </p:blipFill>
-        <p:spPr>
-          <a:xfrm>
-            <a:off x="9022653" y="3312463"/>
-            <a:ext cx="1541274" cy="1300450"/>
-          </a:xfrm>
-          <a:prstGeom prst="rect">
-            <a:avLst/>
-          </a:prstGeom>
-        </p:spPr>
-      </p:pic>
-    </p:spTree>
-    <p:extLst>
-      <p:ext uri="{BB962C8B-B14F-4D97-AF65-F5344CB8AC3E}">
-        <p14:creationId xmlns:p14="http://schemas.microsoft.com/office/powerpoint/2010/main" val="1140986801"/>
-      </p:ext>
-    </p:extLst>
-  </p:cSld>
-  <p:clrMapOvr>
-    <a:masterClrMapping/>
-  </p:clrMapOvr>
-</p:sld>
-</file>
-
-<file path=ppt/slides/slide22.xml><?xml version="1.0" encoding="utf-8"?>
-<p:sld xmlns:a="http://schemas.openxmlformats.org/drawingml/2006/main" xmlns:r="http://schemas.openxmlformats.org/officeDocument/2006/relationships" xmlns:p="http://schemas.openxmlformats.org/presentationml/2006/main">
-  <p:cSld>
-    <p:spTree>
-      <p:nvGrpSpPr>
-        <p:cNvPr id="1" name=""/>
-        <p:cNvGrpSpPr/>
-        <p:nvPr/>
-      </p:nvGrpSpPr>
-      <p:grpSpPr>
-        <a:xfrm>
-          <a:off x="0" y="0"/>
-          <a:ext cx="0" cy="0"/>
-          <a:chOff x="0" y="0"/>
-          <a:chExt cx="0" cy="0"/>
-        </a:xfrm>
-      </p:grpSpPr>
-      <p:sp>
-        <p:nvSpPr>
-          <p:cNvPr id="3" name="Title 2">
-            <a:extLst>
-              <a:ext uri="{FF2B5EF4-FFF2-40B4-BE49-F238E27FC236}">
-                <a16:creationId xmlns:a16="http://schemas.microsoft.com/office/drawing/2014/main" id="{89AAC0A9-8A9F-7749-A50C-CD947F888D4F}"/>
-              </a:ext>
-            </a:extLst>
-          </p:cNvPr>
-          <p:cNvSpPr>
-            <a:spLocks noGrp="1"/>
-          </p:cNvSpPr>
-          <p:nvPr>
-            <p:ph type="ctrTitle"/>
-          </p:nvPr>
-        </p:nvSpPr>
-        <p:spPr/>
-        <p:txBody>
-          <a:bodyPr>
-            <a:normAutofit/>
-          </a:bodyPr>
-          <a:lstStyle/>
-          <a:p>
-            <a:r>
-              <a:rPr lang="en-US" sz="4400" dirty="0"/>
-              <a:t>Binary classification</a:t>
-            </a:r>
-          </a:p>
-        </p:txBody>
-      </p:sp>
-      <p:pic>
-        <p:nvPicPr>
-          <p:cNvPr id="14" name="Picture 13">
-            <a:extLst>
-              <a:ext uri="{FF2B5EF4-FFF2-40B4-BE49-F238E27FC236}">
-                <a16:creationId xmlns:a16="http://schemas.microsoft.com/office/drawing/2014/main" id="{4E308B80-AB82-6040-AC40-F6F04FAB6C1A}"/>
-              </a:ext>
-            </a:extLst>
-          </p:cNvPr>
-          <p:cNvPicPr>
-            <a:picLocks noChangeAspect="1"/>
-          </p:cNvPicPr>
-          <p:nvPr/>
-        </p:nvPicPr>
-        <p:blipFill>
-          <a:blip r:embed="rId3"/>
-          <a:stretch>
-            <a:fillRect/>
-          </a:stretch>
-        </p:blipFill>
-        <p:spPr>
-          <a:xfrm>
-            <a:off x="712470" y="1683067"/>
-            <a:ext cx="3890009" cy="4648350"/>
-          </a:xfrm>
-          <a:prstGeom prst="rect">
-            <a:avLst/>
-          </a:prstGeom>
-          <a:ln>
-            <a:solidFill>
-              <a:schemeClr val="tx1"/>
-            </a:solidFill>
-          </a:ln>
-        </p:spPr>
-      </p:pic>
-    </p:spTree>
-    <p:extLst>
-      <p:ext uri="{BB962C8B-B14F-4D97-AF65-F5344CB8AC3E}">
-        <p14:creationId xmlns:p14="http://schemas.microsoft.com/office/powerpoint/2010/main" val="857507343"/>
-      </p:ext>
-    </p:extLst>
-  </p:cSld>
-  <p:clrMapOvr>
-    <a:masterClrMapping/>
-  </p:clrMapOvr>
-</p:sld>
-</file>
-
 <file path=ppt/slides/slide3.xml><?xml version="1.0" encoding="utf-8"?>
 <p:sld xmlns:a="http://schemas.openxmlformats.org/drawingml/2006/main" xmlns:r="http://schemas.openxmlformats.org/officeDocument/2006/relationships" xmlns:p="http://schemas.openxmlformats.org/presentationml/2006/main">
   <p:cSld>
@@ -12940,8 +13520,8 @@
         </p:blipFill>
         <p:spPr>
           <a:xfrm>
-            <a:off x="616457" y="1616989"/>
-            <a:ext cx="4833928" cy="3807418"/>
+            <a:off x="590551" y="1648718"/>
+            <a:ext cx="4991342" cy="3931404"/>
           </a:xfrm>
           <a:prstGeom prst="rect">
             <a:avLst/>
@@ -12967,7 +13547,7 @@
         </p:nvSpPr>
         <p:spPr>
           <a:xfrm>
-            <a:off x="5969174" y="5389875"/>
+            <a:off x="5899011" y="5378505"/>
             <a:ext cx="5381625" cy="769441"/>
           </a:xfrm>
           <a:prstGeom prst="rect">
@@ -12982,10 +13562,10 @@
           <a:lstStyle/>
           <a:p>
             <a:r>
-              <a:rPr lang="en-US" sz="2200" dirty="0">
+              <a:rPr lang="en-US" sz="2200" b="1" dirty="0">
                 <a:latin typeface="Lusitana" pitchFamily="2" charset="0"/>
               </a:rPr>
-              <a:t>Task: build a machine learning model in python to predict the full stability vector</a:t>
+              <a:t>Task: build a machine learning model in Python to predict the full stability vector</a:t>
             </a:r>
           </a:p>
         </p:txBody>
@@ -13004,7 +13584,7 @@
         </p:nvSpPr>
         <p:spPr>
           <a:xfrm>
-            <a:off x="6096000" y="3614420"/>
+            <a:off x="6101909" y="3477954"/>
             <a:ext cx="4701928" cy="430887"/>
           </a:xfrm>
           <a:prstGeom prst="rect">
@@ -13047,7 +13627,7 @@
         </p:nvSpPr>
         <p:spPr>
           <a:xfrm>
-            <a:off x="8096152" y="4675643"/>
+            <a:off x="8080526" y="4620590"/>
             <a:ext cx="2746265" cy="430887"/>
           </a:xfrm>
           <a:prstGeom prst="rect">
@@ -13096,7 +13676,7 @@
         </p:nvSpPr>
         <p:spPr>
           <a:xfrm>
-            <a:off x="694713" y="5560356"/>
+            <a:off x="616457" y="5831443"/>
             <a:ext cx="4740400" cy="369332"/>
           </a:xfrm>
           <a:prstGeom prst="rect">
@@ -13136,7 +13716,7 @@
         </p:nvSpPr>
         <p:spPr>
           <a:xfrm>
-            <a:off x="5969174" y="4377959"/>
+            <a:off x="6208785" y="4264715"/>
             <a:ext cx="1670650" cy="769441"/>
           </a:xfrm>
           <a:prstGeom prst="rect">
@@ -13181,8 +13761,8 @@
         </p:nvSpPr>
         <p:spPr>
           <a:xfrm>
-            <a:off x="9322050" y="4166545"/>
-            <a:ext cx="294468" cy="367425"/>
+            <a:off x="9271462" y="3981340"/>
+            <a:ext cx="364391" cy="566751"/>
           </a:xfrm>
           <a:prstGeom prst="downArrow">
             <a:avLst/>
@@ -13227,8 +13807,8 @@
         </p:nvSpPr>
         <p:spPr>
           <a:xfrm>
-            <a:off x="5831900" y="1542244"/>
-            <a:ext cx="5381625" cy="1785104"/>
+            <a:off x="7098223" y="1648718"/>
+            <a:ext cx="3967567" cy="1446550"/>
           </a:xfrm>
           <a:prstGeom prst="rect">
             <a:avLst/>
@@ -13246,8 +13826,54 @@
               <a:rPr lang="en-US" sz="2200" dirty="0">
                 <a:latin typeface="Lusitana" pitchFamily="2" charset="0"/>
               </a:rPr>
-              <a:t>Typically thermodynamics allows us to calculate the relative stability of a compound. Instead of using standard equations, we can use data of known compounds to predict stability.</a:t>
-            </a:r>
+              <a:t>Typically, chemists use thermodynamics to determine the relative stability of a binary (AB) compound. </a:t>
+            </a:r>
+          </a:p>
+        </p:txBody>
+      </p:sp>
+      <p:sp>
+        <p:nvSpPr>
+          <p:cNvPr id="5" name="Right Arrow 4">
+            <a:extLst>
+              <a:ext uri="{FF2B5EF4-FFF2-40B4-BE49-F238E27FC236}">
+                <a16:creationId xmlns:a16="http://schemas.microsoft.com/office/drawing/2014/main" id="{6E021B1D-9490-DC48-BB2A-E7029B6D21B8}"/>
+              </a:ext>
+            </a:extLst>
+          </p:cNvPr>
+          <p:cNvSpPr/>
+          <p:nvPr/>
+        </p:nvSpPr>
+        <p:spPr>
+          <a:xfrm rot="10800000">
+            <a:off x="5899011" y="2013002"/>
+            <a:ext cx="879657" cy="513700"/>
+          </a:xfrm>
+          <a:prstGeom prst="rightArrow">
+            <a:avLst/>
+          </a:prstGeom>
+        </p:spPr>
+        <p:style>
+          <a:lnRef idx="2">
+            <a:schemeClr val="accent1">
+              <a:shade val="50000"/>
+            </a:schemeClr>
+          </a:lnRef>
+          <a:fillRef idx="1">
+            <a:schemeClr val="accent1"/>
+          </a:fillRef>
+          <a:effectRef idx="0">
+            <a:schemeClr val="accent1"/>
+          </a:effectRef>
+          <a:fontRef idx="minor">
+            <a:schemeClr val="lt1"/>
+          </a:fontRef>
+        </p:style>
+        <p:txBody>
+          <a:bodyPr rtlCol="0" anchor="ctr"/>
+          <a:lstStyle/>
+          <a:p>
+            <a:pPr algn="ctr"/>
+            <a:endParaRPr lang="en-US"/>
           </a:p>
         </p:txBody>
       </p:sp>
@@ -13325,7 +13951,7 @@
         </p:nvSpPr>
         <p:spPr>
           <a:xfrm>
-            <a:off x="714538" y="2093866"/>
+            <a:off x="590551" y="1954382"/>
             <a:ext cx="10196269" cy="3785652"/>
           </a:xfrm>
           <a:prstGeom prst="rect">
@@ -13344,7 +13970,7 @@
               <a:rPr lang="en-US" sz="2400" b="1" dirty="0">
                 <a:latin typeface="Lusitana" pitchFamily="2" charset="0"/>
               </a:rPr>
-              <a:t>Machine learning: </a:t>
+              <a:t>Machine learning (ML): </a:t>
             </a:r>
             <a:r>
               <a:rPr lang="en-US" sz="2400" dirty="0">
@@ -14275,7 +14901,7 @@
           <a:p>
             <a:r>
               <a:rPr lang="en-US" sz="4400" dirty="0"/>
-              <a:t>Choosing the right estimator</a:t>
+              <a:t>Choosing an estimator</a:t>
             </a:r>
           </a:p>
         </p:txBody>
@@ -14294,7 +14920,7 @@
         </p:nvGrpSpPr>
         <p:grpSpPr>
           <a:xfrm>
-            <a:off x="1735286" y="1900776"/>
+            <a:off x="1471283" y="1882243"/>
             <a:ext cx="2318542" cy="2175100"/>
             <a:chOff x="967099" y="2922788"/>
             <a:chExt cx="2318542" cy="2175100"/>
@@ -14383,8 +15009,8 @@
         </p:nvSpPr>
         <p:spPr>
           <a:xfrm>
-            <a:off x="729133" y="4552665"/>
-            <a:ext cx="3950132" cy="1785104"/>
+            <a:off x="543313" y="4231370"/>
+            <a:ext cx="3518603" cy="1785104"/>
           </a:xfrm>
           <a:prstGeom prst="rect">
             <a:avLst/>
@@ -14405,7 +15031,7 @@
               <a:rPr lang="en-US" sz="2200" dirty="0">
                 <a:latin typeface="Lusitana" pitchFamily="2" charset="0"/>
               </a:rPr>
-              <a:t>Interpretable (can yield subset of important features)</a:t>
+              <a:t>Interpretable (ranked feature importance)</a:t>
             </a:r>
           </a:p>
           <a:p>
@@ -14445,10 +15071,10 @@
         </p:nvGrpSpPr>
         <p:grpSpPr>
           <a:xfrm>
-            <a:off x="4983519" y="1844192"/>
-            <a:ext cx="8370326" cy="3811706"/>
+            <a:off x="4335823" y="1882243"/>
+            <a:ext cx="7373201" cy="3811706"/>
             <a:chOff x="3548305" y="3017655"/>
-            <a:chExt cx="8815632" cy="4014491"/>
+            <a:chExt cx="7765460" cy="4014491"/>
           </a:xfrm>
         </p:grpSpPr>
         <p:sp>
@@ -14465,8 +15091,8 @@
           </p:nvSpPr>
           <p:spPr>
             <a:xfrm>
-              <a:off x="8091732" y="5292175"/>
-              <a:ext cx="4272205" cy="1107996"/>
+              <a:off x="8020575" y="5249287"/>
+              <a:ext cx="3293190" cy="1166942"/>
             </a:xfrm>
             <a:prstGeom prst="rect">
               <a:avLst/>
@@ -14768,6 +15394,94 @@
           </p:txBody>
         </p:sp>
       </p:grpSp>
+      <p:sp>
+        <p:nvSpPr>
+          <p:cNvPr id="17" name="TextBox 16">
+            <a:extLst>
+              <a:ext uri="{FF2B5EF4-FFF2-40B4-BE49-F238E27FC236}">
+                <a16:creationId xmlns:a16="http://schemas.microsoft.com/office/drawing/2014/main" id="{128425FA-DAA3-224E-82A8-DC5635DFEFFC}"/>
+              </a:ext>
+            </a:extLst>
+          </p:cNvPr>
+          <p:cNvSpPr txBox="1"/>
+          <p:nvPr/>
+        </p:nvSpPr>
+        <p:spPr>
+          <a:xfrm>
+            <a:off x="8730216" y="2377293"/>
+            <a:ext cx="3126840" cy="769441"/>
+          </a:xfrm>
+          <a:prstGeom prst="rect">
+            <a:avLst/>
+          </a:prstGeom>
+          <a:noFill/>
+        </p:spPr>
+        <p:txBody>
+          <a:bodyPr wrap="square" rtlCol="0">
+            <a:spAutoFit/>
+          </a:bodyPr>
+          <a:lstStyle/>
+          <a:p>
+            <a:pPr marL="457200" indent="-457200">
+              <a:buAutoNum type="arabicPeriod"/>
+            </a:pPr>
+            <a:r>
+              <a:rPr lang="en-US" sz="2200" dirty="0">
+                <a:latin typeface="Lusitana" pitchFamily="2" charset="0"/>
+              </a:rPr>
+              <a:t>random guess = 0.5</a:t>
+            </a:r>
+          </a:p>
+          <a:p>
+            <a:pPr marL="457200" indent="-457200">
+              <a:buAutoNum type="arabicPeriod"/>
+            </a:pPr>
+            <a:r>
+              <a:rPr lang="en-US" sz="2200" dirty="0">
+                <a:latin typeface="Lusitana" pitchFamily="2" charset="0"/>
+              </a:rPr>
+              <a:t>”intuition” = 0.82</a:t>
+            </a:r>
+          </a:p>
+        </p:txBody>
+      </p:sp>
+      <p:sp>
+        <p:nvSpPr>
+          <p:cNvPr id="19" name="TextBox 18">
+            <a:extLst>
+              <a:ext uri="{FF2B5EF4-FFF2-40B4-BE49-F238E27FC236}">
+                <a16:creationId xmlns:a16="http://schemas.microsoft.com/office/drawing/2014/main" id="{1D06613C-6286-5640-9C29-929673692DBE}"/>
+              </a:ext>
+            </a:extLst>
+          </p:cNvPr>
+          <p:cNvSpPr txBox="1"/>
+          <p:nvPr/>
+        </p:nvSpPr>
+        <p:spPr>
+          <a:xfrm>
+            <a:off x="8764871" y="1847512"/>
+            <a:ext cx="3910897" cy="430887"/>
+          </a:xfrm>
+          <a:prstGeom prst="rect">
+            <a:avLst/>
+          </a:prstGeom>
+          <a:noFill/>
+        </p:spPr>
+        <p:txBody>
+          <a:bodyPr wrap="square" rtlCol="0">
+            <a:spAutoFit/>
+          </a:bodyPr>
+          <a:lstStyle/>
+          <a:p>
+            <a:r>
+              <a:rPr lang="en-US" sz="2200" u="sng" dirty="0">
+                <a:latin typeface="Lusitana" pitchFamily="2" charset="0"/>
+              </a:rPr>
+              <a:t>Establishing a baseline:</a:t>
+            </a:r>
+          </a:p>
+        </p:txBody>
+      </p:sp>
     </p:spTree>
     <p:extLst>
       <p:ext uri="{BB962C8B-B14F-4D97-AF65-F5344CB8AC3E}">
@@ -15190,8 +15904,8 @@
             </a:p>
           </p:txBody>
         </p:sp>
-        <mc:AlternateContent xmlns:mc="http://schemas.openxmlformats.org/markup-compatibility/2006">
-          <mc:Choice xmlns:a14="http://schemas.microsoft.com/office/drawing/2010/main" Requires="a14">
+        <mc:AlternateContent xmlns:mc="http://schemas.openxmlformats.org/markup-compatibility/2006" xmlns:a14="http://schemas.microsoft.com/office/drawing/2010/main">
+          <mc:Choice Requires="a14">
             <p:sp>
               <p:nvSpPr>
                 <p:cNvPr id="25" name="TextBox 24">
@@ -15220,6 +15934,7 @@
                 </a:bodyPr>
                 <a:lstStyle/>
                 <a:p>
+                  <a:pPr/>
                   <a14:m>
                     <m:oMathPara xmlns:m="http://schemas.openxmlformats.org/officeDocument/2006/math">
                       <m:oMathParaPr>
@@ -15296,7 +16011,7 @@
               </p:txBody>
             </p:sp>
           </mc:Choice>
-          <mc:Fallback>
+          <mc:Fallback xmlns="">
             <p:sp>
               <p:nvSpPr>
                 <p:cNvPr id="25" name="TextBox 24">
@@ -15407,7 +16122,7 @@
         <p:spPr>
           <a:xfrm>
             <a:off x="6024917" y="4336992"/>
-            <a:ext cx="5655503" cy="1107996"/>
+            <a:ext cx="5655503" cy="769441"/>
           </a:xfrm>
           <a:prstGeom prst="rect">
             <a:avLst/>
@@ -15424,13 +16139,13 @@
               <a:rPr lang="en-US" sz="2200" dirty="0">
                 <a:latin typeface="Lusitana" pitchFamily="2" charset="0"/>
               </a:rPr>
-              <a:t>F1 = 2 * (precision * recall) / (precision + recall) = </a:t>
+              <a:t>F1 score = </a:t>
             </a:r>
             <a:r>
               <a:rPr lang="en-US" sz="2200" b="1" dirty="0">
                 <a:latin typeface="Lusitana" pitchFamily="2" charset="0"/>
               </a:rPr>
-              <a:t>0.842</a:t>
+              <a:t>0.84</a:t>
             </a:r>
             <a:r>
               <a:rPr lang="en-US" sz="2200" dirty="0">
